--- a/Assets/Powerpoints/Quiz images.pptx
+++ b/Assets/Powerpoints/Quiz images.pptx
@@ -6,6 +6,10 @@
   </p:sldMasterIdLst>
   <p:sldIdLst>
     <p:sldId id="256" r:id="rId2"/>
+    <p:sldId id="257" r:id="rId3"/>
+    <p:sldId id="258" r:id="rId4"/>
+    <p:sldId id="259" r:id="rId5"/>
+    <p:sldId id="261" r:id="rId6"/>
   </p:sldIdLst>
   <p:sldSz cx="7199313" cy="7199313"/>
   <p:notesSz cx="6858000" cy="9144000"/>
@@ -104,6 +108,11 @@
       </a:defRPr>
     </a:lvl9pPr>
   </p:defaultTextStyle>
+  <p:extLst>
+    <p:ext uri="{EFAFB233-063F-42B5-8137-9DF3F51BA10A}">
+      <p15:sldGuideLst xmlns:p15="http://schemas.microsoft.com/office/powerpoint/2012/main"/>
+    </p:ext>
+  </p:extLst>
 </p:presentation>
 </file>
 
@@ -238,7 +247,7 @@
           <a:p>
             <a:fld id="{B0B1D766-2295-4AB4-A17B-F0557D292FDB}" type="datetimeFigureOut">
               <a:rPr lang="en-IN" smtClean="0"/>
-              <a:t>03-11-2022</a:t>
+              <a:t>04-11-2022</a:t>
             </a:fld>
             <a:endParaRPr lang="en-IN"/>
           </a:p>
@@ -408,7 +417,7 @@
           <a:p>
             <a:fld id="{B0B1D766-2295-4AB4-A17B-F0557D292FDB}" type="datetimeFigureOut">
               <a:rPr lang="en-IN" smtClean="0"/>
-              <a:t>03-11-2022</a:t>
+              <a:t>04-11-2022</a:t>
             </a:fld>
             <a:endParaRPr lang="en-IN"/>
           </a:p>
@@ -588,7 +597,7 @@
           <a:p>
             <a:fld id="{B0B1D766-2295-4AB4-A17B-F0557D292FDB}" type="datetimeFigureOut">
               <a:rPr lang="en-IN" smtClean="0"/>
-              <a:t>03-11-2022</a:t>
+              <a:t>04-11-2022</a:t>
             </a:fld>
             <a:endParaRPr lang="en-IN"/>
           </a:p>
@@ -758,7 +767,7 @@
           <a:p>
             <a:fld id="{B0B1D766-2295-4AB4-A17B-F0557D292FDB}" type="datetimeFigureOut">
               <a:rPr lang="en-IN" smtClean="0"/>
-              <a:t>03-11-2022</a:t>
+              <a:t>04-11-2022</a:t>
             </a:fld>
             <a:endParaRPr lang="en-IN"/>
           </a:p>
@@ -1002,7 +1011,7 @@
           <a:p>
             <a:fld id="{B0B1D766-2295-4AB4-A17B-F0557D292FDB}" type="datetimeFigureOut">
               <a:rPr lang="en-IN" smtClean="0"/>
-              <a:t>03-11-2022</a:t>
+              <a:t>04-11-2022</a:t>
             </a:fld>
             <a:endParaRPr lang="en-IN"/>
           </a:p>
@@ -1234,7 +1243,7 @@
           <a:p>
             <a:fld id="{B0B1D766-2295-4AB4-A17B-F0557D292FDB}" type="datetimeFigureOut">
               <a:rPr lang="en-IN" smtClean="0"/>
-              <a:t>03-11-2022</a:t>
+              <a:t>04-11-2022</a:t>
             </a:fld>
             <a:endParaRPr lang="en-IN"/>
           </a:p>
@@ -1601,7 +1610,7 @@
           <a:p>
             <a:fld id="{B0B1D766-2295-4AB4-A17B-F0557D292FDB}" type="datetimeFigureOut">
               <a:rPr lang="en-IN" smtClean="0"/>
-              <a:t>03-11-2022</a:t>
+              <a:t>04-11-2022</a:t>
             </a:fld>
             <a:endParaRPr lang="en-IN"/>
           </a:p>
@@ -1719,7 +1728,7 @@
           <a:p>
             <a:fld id="{B0B1D766-2295-4AB4-A17B-F0557D292FDB}" type="datetimeFigureOut">
               <a:rPr lang="en-IN" smtClean="0"/>
-              <a:t>03-11-2022</a:t>
+              <a:t>04-11-2022</a:t>
             </a:fld>
             <a:endParaRPr lang="en-IN"/>
           </a:p>
@@ -1814,7 +1823,7 @@
           <a:p>
             <a:fld id="{B0B1D766-2295-4AB4-A17B-F0557D292FDB}" type="datetimeFigureOut">
               <a:rPr lang="en-IN" smtClean="0"/>
-              <a:t>03-11-2022</a:t>
+              <a:t>04-11-2022</a:t>
             </a:fld>
             <a:endParaRPr lang="en-IN"/>
           </a:p>
@@ -2091,7 +2100,7 @@
           <a:p>
             <a:fld id="{B0B1D766-2295-4AB4-A17B-F0557D292FDB}" type="datetimeFigureOut">
               <a:rPr lang="en-IN" smtClean="0"/>
-              <a:t>03-11-2022</a:t>
+              <a:t>04-11-2022</a:t>
             </a:fld>
             <a:endParaRPr lang="en-IN"/>
           </a:p>
@@ -2348,7 +2357,7 @@
           <a:p>
             <a:fld id="{B0B1D766-2295-4AB4-A17B-F0557D292FDB}" type="datetimeFigureOut">
               <a:rPr lang="en-IN" smtClean="0"/>
-              <a:t>03-11-2022</a:t>
+              <a:t>04-11-2022</a:t>
             </a:fld>
             <a:endParaRPr lang="en-IN"/>
           </a:p>
@@ -2561,7 +2570,7 @@
           <a:p>
             <a:fld id="{B0B1D766-2295-4AB4-A17B-F0557D292FDB}" type="datetimeFigureOut">
               <a:rPr lang="en-IN" smtClean="0"/>
-              <a:t>03-11-2022</a:t>
+              <a:t>04-11-2022</a:t>
             </a:fld>
             <a:endParaRPr lang="en-IN"/>
           </a:p>
@@ -3019,7 +3028,7 @@
         </p:nvGrpSpPr>
         <p:grpSpPr>
           <a:xfrm rot="16200000" flipV="1">
-            <a:off x="3076487" y="1148529"/>
+            <a:off x="3154905" y="1148128"/>
             <a:ext cx="990884" cy="1936763"/>
             <a:chOff x="3180343" y="1910775"/>
             <a:chExt cx="637702" cy="1067772"/>
@@ -4520,6 +4529,9800 @@
 </p:sld>
 </file>
 
+<file path=ppt/slides/slide2.xml><?xml version="1.0" encoding="utf-8"?>
+<p:sld xmlns:a="http://schemas.openxmlformats.org/drawingml/2006/main" xmlns:r="http://schemas.openxmlformats.org/officeDocument/2006/relationships" xmlns:p="http://schemas.openxmlformats.org/presentationml/2006/main">
+  <p:cSld>
+    <p:spTree>
+      <p:nvGrpSpPr>
+        <p:cNvPr id="1" name=""/>
+        <p:cNvGrpSpPr/>
+        <p:nvPr/>
+      </p:nvGrpSpPr>
+      <p:grpSpPr>
+        <a:xfrm>
+          <a:off x="0" y="0"/>
+          <a:ext cx="0" cy="0"/>
+          <a:chOff x="0" y="0"/>
+          <a:chExt cx="0" cy="0"/>
+        </a:xfrm>
+      </p:grpSpPr>
+      <p:cxnSp>
+        <p:nvCxnSpPr>
+          <p:cNvPr id="61" name="Straight Connector 60">
+            <a:extLst>
+              <a:ext uri="{FF2B5EF4-FFF2-40B4-BE49-F238E27FC236}">
+                <a16:creationId xmlns:a16="http://schemas.microsoft.com/office/drawing/2014/main" id="{6E6BEE10-3338-C075-F2B0-5FD85041E444}"/>
+              </a:ext>
+            </a:extLst>
+          </p:cNvPr>
+          <p:cNvCxnSpPr>
+            <a:cxnSpLocks/>
+          </p:cNvCxnSpPr>
+          <p:nvPr/>
+        </p:nvCxnSpPr>
+        <p:spPr>
+          <a:xfrm>
+            <a:off x="1293821" y="3043272"/>
+            <a:ext cx="0" cy="1355990"/>
+          </a:xfrm>
+          <a:prstGeom prst="line">
+            <a:avLst/>
+          </a:prstGeom>
+          <a:ln w="38100">
+            <a:solidFill>
+              <a:schemeClr val="tx1"/>
+            </a:solidFill>
+          </a:ln>
+        </p:spPr>
+        <p:style>
+          <a:lnRef idx="1">
+            <a:schemeClr val="accent1"/>
+          </a:lnRef>
+          <a:fillRef idx="0">
+            <a:schemeClr val="accent1"/>
+          </a:fillRef>
+          <a:effectRef idx="0">
+            <a:schemeClr val="accent1"/>
+          </a:effectRef>
+          <a:fontRef idx="minor">
+            <a:schemeClr val="tx1"/>
+          </a:fontRef>
+        </p:style>
+      </p:cxnSp>
+      <p:cxnSp>
+        <p:nvCxnSpPr>
+          <p:cNvPr id="46" name="Straight Connector 45">
+            <a:extLst>
+              <a:ext uri="{FF2B5EF4-FFF2-40B4-BE49-F238E27FC236}">
+                <a16:creationId xmlns:a16="http://schemas.microsoft.com/office/drawing/2014/main" id="{2DD8BC21-F102-7946-16DB-89D8F0DC2BA1}"/>
+              </a:ext>
+            </a:extLst>
+          </p:cNvPr>
+          <p:cNvCxnSpPr>
+            <a:cxnSpLocks/>
+          </p:cNvCxnSpPr>
+          <p:nvPr/>
+        </p:nvCxnSpPr>
+        <p:spPr>
+          <a:xfrm flipH="1">
+            <a:off x="5756509" y="1508577"/>
+            <a:ext cx="3571" cy="4139381"/>
+          </a:xfrm>
+          <a:prstGeom prst="line">
+            <a:avLst/>
+          </a:prstGeom>
+          <a:ln w="38100">
+            <a:solidFill>
+              <a:schemeClr val="tx1"/>
+            </a:solidFill>
+          </a:ln>
+        </p:spPr>
+        <p:style>
+          <a:lnRef idx="1">
+            <a:schemeClr val="accent1"/>
+          </a:lnRef>
+          <a:fillRef idx="0">
+            <a:schemeClr val="accent1"/>
+          </a:fillRef>
+          <a:effectRef idx="0">
+            <a:schemeClr val="accent1"/>
+          </a:effectRef>
+          <a:fontRef idx="minor">
+            <a:schemeClr val="tx1"/>
+          </a:fontRef>
+        </p:style>
+      </p:cxnSp>
+      <p:cxnSp>
+        <p:nvCxnSpPr>
+          <p:cNvPr id="36" name="Straight Connector 35">
+            <a:extLst>
+              <a:ext uri="{FF2B5EF4-FFF2-40B4-BE49-F238E27FC236}">
+                <a16:creationId xmlns:a16="http://schemas.microsoft.com/office/drawing/2014/main" id="{7884BA5A-55B1-D71F-A39E-BFCEDA607B4E}"/>
+              </a:ext>
+            </a:extLst>
+          </p:cNvPr>
+          <p:cNvCxnSpPr>
+            <a:cxnSpLocks/>
+          </p:cNvCxnSpPr>
+          <p:nvPr/>
+        </p:nvCxnSpPr>
+        <p:spPr>
+          <a:xfrm flipH="1">
+            <a:off x="4087951" y="1508577"/>
+            <a:ext cx="3571" cy="4139381"/>
+          </a:xfrm>
+          <a:prstGeom prst="line">
+            <a:avLst/>
+          </a:prstGeom>
+          <a:ln w="38100">
+            <a:solidFill>
+              <a:schemeClr val="tx1"/>
+            </a:solidFill>
+          </a:ln>
+        </p:spPr>
+        <p:style>
+          <a:lnRef idx="1">
+            <a:schemeClr val="accent1"/>
+          </a:lnRef>
+          <a:fillRef idx="0">
+            <a:schemeClr val="accent1"/>
+          </a:fillRef>
+          <a:effectRef idx="0">
+            <a:schemeClr val="accent1"/>
+          </a:effectRef>
+          <a:fontRef idx="minor">
+            <a:schemeClr val="tx1"/>
+          </a:fontRef>
+        </p:style>
+      </p:cxnSp>
+      <p:cxnSp>
+        <p:nvCxnSpPr>
+          <p:cNvPr id="32" name="Straight Connector 31">
+            <a:extLst>
+              <a:ext uri="{FF2B5EF4-FFF2-40B4-BE49-F238E27FC236}">
+                <a16:creationId xmlns:a16="http://schemas.microsoft.com/office/drawing/2014/main" id="{580B232C-F971-45E5-95D0-9BF514D8EA7F}"/>
+              </a:ext>
+            </a:extLst>
+          </p:cNvPr>
+          <p:cNvCxnSpPr>
+            <a:cxnSpLocks/>
+          </p:cNvCxnSpPr>
+          <p:nvPr/>
+        </p:nvCxnSpPr>
+        <p:spPr>
+          <a:xfrm flipH="1">
+            <a:off x="2420720" y="1508578"/>
+            <a:ext cx="3571" cy="4139381"/>
+          </a:xfrm>
+          <a:prstGeom prst="line">
+            <a:avLst/>
+          </a:prstGeom>
+          <a:ln w="38100">
+            <a:solidFill>
+              <a:schemeClr val="tx1"/>
+            </a:solidFill>
+          </a:ln>
+        </p:spPr>
+        <p:style>
+          <a:lnRef idx="1">
+            <a:schemeClr val="accent1"/>
+          </a:lnRef>
+          <a:fillRef idx="0">
+            <a:schemeClr val="accent1"/>
+          </a:fillRef>
+          <a:effectRef idx="0">
+            <a:schemeClr val="accent1"/>
+          </a:effectRef>
+          <a:fontRef idx="minor">
+            <a:schemeClr val="tx1"/>
+          </a:fontRef>
+        </p:style>
+      </p:cxnSp>
+      <p:cxnSp>
+        <p:nvCxnSpPr>
+          <p:cNvPr id="38" name="Straight Connector 37">
+            <a:extLst>
+              <a:ext uri="{FF2B5EF4-FFF2-40B4-BE49-F238E27FC236}">
+                <a16:creationId xmlns:a16="http://schemas.microsoft.com/office/drawing/2014/main" id="{77D66B3A-BE2B-83A0-D2CE-3ECC7BD35B11}"/>
+              </a:ext>
+            </a:extLst>
+          </p:cNvPr>
+          <p:cNvCxnSpPr>
+            <a:cxnSpLocks/>
+          </p:cNvCxnSpPr>
+          <p:nvPr/>
+        </p:nvCxnSpPr>
+        <p:spPr>
+          <a:xfrm>
+            <a:off x="2403608" y="1508578"/>
+            <a:ext cx="3352901" cy="18364"/>
+          </a:xfrm>
+          <a:prstGeom prst="line">
+            <a:avLst/>
+          </a:prstGeom>
+          <a:ln w="38100">
+            <a:solidFill>
+              <a:schemeClr val="tx1"/>
+            </a:solidFill>
+          </a:ln>
+        </p:spPr>
+        <p:style>
+          <a:lnRef idx="1">
+            <a:schemeClr val="accent1"/>
+          </a:lnRef>
+          <a:fillRef idx="0">
+            <a:schemeClr val="accent1"/>
+          </a:fillRef>
+          <a:effectRef idx="0">
+            <a:schemeClr val="accent1"/>
+          </a:effectRef>
+          <a:fontRef idx="minor">
+            <a:schemeClr val="tx1"/>
+          </a:fontRef>
+        </p:style>
+      </p:cxnSp>
+      <p:grpSp>
+        <p:nvGrpSpPr>
+          <p:cNvPr id="45" name="Group 44">
+            <a:extLst>
+              <a:ext uri="{FF2B5EF4-FFF2-40B4-BE49-F238E27FC236}">
+                <a16:creationId xmlns:a16="http://schemas.microsoft.com/office/drawing/2014/main" id="{178A8DA3-3785-95D3-D9AF-B6564AE9126C}"/>
+              </a:ext>
+            </a:extLst>
+          </p:cNvPr>
+          <p:cNvGrpSpPr/>
+          <p:nvPr/>
+        </p:nvGrpSpPr>
+        <p:grpSpPr>
+          <a:xfrm>
+            <a:off x="5268756" y="3040433"/>
+            <a:ext cx="982649" cy="1269537"/>
+            <a:chOff x="5064698" y="3363601"/>
+            <a:chExt cx="982649" cy="1269537"/>
+          </a:xfrm>
+        </p:grpSpPr>
+        <p:sp>
+          <p:nvSpPr>
+            <p:cNvPr id="44" name="Rectangle 43">
+              <a:extLst>
+                <a:ext uri="{FF2B5EF4-FFF2-40B4-BE49-F238E27FC236}">
+                  <a16:creationId xmlns:a16="http://schemas.microsoft.com/office/drawing/2014/main" id="{04C47955-AA75-9974-4985-BBD833213443}"/>
+                </a:ext>
+              </a:extLst>
+            </p:cNvPr>
+            <p:cNvSpPr/>
+            <p:nvPr/>
+          </p:nvSpPr>
+          <p:spPr>
+            <a:xfrm>
+              <a:off x="5346512" y="3363601"/>
+              <a:ext cx="419022" cy="1269537"/>
+            </a:xfrm>
+            <a:prstGeom prst="rect">
+              <a:avLst/>
+            </a:prstGeom>
+            <a:solidFill>
+              <a:schemeClr val="bg1"/>
+            </a:solidFill>
+            <a:ln w="57150">
+              <a:solidFill>
+                <a:srgbClr val="002060"/>
+              </a:solidFill>
+            </a:ln>
+          </p:spPr>
+          <p:style>
+            <a:lnRef idx="2">
+              <a:schemeClr val="accent1">
+                <a:shade val="50000"/>
+              </a:schemeClr>
+            </a:lnRef>
+            <a:fillRef idx="1">
+              <a:schemeClr val="accent1"/>
+            </a:fillRef>
+            <a:effectRef idx="0">
+              <a:schemeClr val="accent1"/>
+            </a:effectRef>
+            <a:fontRef idx="minor">
+              <a:schemeClr val="lt1"/>
+            </a:fontRef>
+          </p:style>
+          <p:txBody>
+            <a:bodyPr rtlCol="0" anchor="ctr"/>
+            <a:lstStyle/>
+            <a:p>
+              <a:pPr algn="ctr"/>
+              <a:endParaRPr lang="en-IN"/>
+            </a:p>
+          </p:txBody>
+        </p:sp>
+        <p:grpSp>
+          <p:nvGrpSpPr>
+            <p:cNvPr id="43" name="Group 42">
+              <a:extLst>
+                <a:ext uri="{FF2B5EF4-FFF2-40B4-BE49-F238E27FC236}">
+                  <a16:creationId xmlns:a16="http://schemas.microsoft.com/office/drawing/2014/main" id="{A8A46B08-FCFB-8E04-B5A8-9AB883055C00}"/>
+                </a:ext>
+              </a:extLst>
+            </p:cNvPr>
+            <p:cNvGrpSpPr/>
+            <p:nvPr/>
+          </p:nvGrpSpPr>
+          <p:grpSpPr>
+            <a:xfrm>
+              <a:off x="5064698" y="3503936"/>
+              <a:ext cx="982649" cy="988865"/>
+              <a:chOff x="4719789" y="3254174"/>
+              <a:chExt cx="982649" cy="988865"/>
+            </a:xfrm>
+          </p:grpSpPr>
+          <p:sp>
+            <p:nvSpPr>
+              <p:cNvPr id="41" name="Oval 40">
+                <a:extLst>
+                  <a:ext uri="{FF2B5EF4-FFF2-40B4-BE49-F238E27FC236}">
+                    <a16:creationId xmlns:a16="http://schemas.microsoft.com/office/drawing/2014/main" id="{A919A53B-02FD-C0E1-5975-B16A319C5BDB}"/>
+                  </a:ext>
+                </a:extLst>
+              </p:cNvPr>
+              <p:cNvSpPr/>
+              <p:nvPr/>
+            </p:nvSpPr>
+            <p:spPr>
+              <a:xfrm>
+                <a:off x="4719789" y="3254174"/>
+                <a:ext cx="982649" cy="988865"/>
+              </a:xfrm>
+              <a:prstGeom prst="ellipse">
+                <a:avLst/>
+              </a:prstGeom>
+              <a:solidFill>
+                <a:schemeClr val="bg1"/>
+              </a:solidFill>
+              <a:ln w="57150"/>
+            </p:spPr>
+            <p:style>
+              <a:lnRef idx="2">
+                <a:schemeClr val="accent1">
+                  <a:shade val="50000"/>
+                </a:schemeClr>
+              </a:lnRef>
+              <a:fillRef idx="1">
+                <a:schemeClr val="accent1"/>
+              </a:fillRef>
+              <a:effectRef idx="0">
+                <a:schemeClr val="accent1"/>
+              </a:effectRef>
+              <a:fontRef idx="minor">
+                <a:schemeClr val="lt1"/>
+              </a:fontRef>
+            </p:style>
+            <p:txBody>
+              <a:bodyPr rtlCol="0" anchor="ctr"/>
+              <a:lstStyle/>
+              <a:p>
+                <a:pPr algn="ctr"/>
+                <a:endParaRPr lang="en-IN" dirty="0"/>
+              </a:p>
+            </p:txBody>
+          </p:sp>
+          <p:sp>
+            <p:nvSpPr>
+              <p:cNvPr id="42" name="TextBox 41">
+                <a:extLst>
+                  <a:ext uri="{FF2B5EF4-FFF2-40B4-BE49-F238E27FC236}">
+                    <a16:creationId xmlns:a16="http://schemas.microsoft.com/office/drawing/2014/main" id="{E0619694-4126-97AD-C23E-47E41FD1C6CA}"/>
+                  </a:ext>
+                </a:extLst>
+              </p:cNvPr>
+              <p:cNvSpPr txBox="1"/>
+              <p:nvPr/>
+            </p:nvSpPr>
+            <p:spPr>
+              <a:xfrm>
+                <a:off x="4826396" y="3394663"/>
+                <a:ext cx="769434" cy="707886"/>
+              </a:xfrm>
+              <a:prstGeom prst="rect">
+                <a:avLst/>
+              </a:prstGeom>
+              <a:noFill/>
+            </p:spPr>
+            <p:txBody>
+              <a:bodyPr wrap="square" rtlCol="0">
+                <a:spAutoFit/>
+              </a:bodyPr>
+              <a:lstStyle/>
+              <a:p>
+                <a:pPr algn="ctr"/>
+                <a:r>
+                  <a:rPr lang="en-IN" sz="4000" b="1" dirty="0">
+                    <a:solidFill>
+                      <a:srgbClr val="C00000"/>
+                    </a:solidFill>
+                  </a:rPr>
+                  <a:t>M</a:t>
+                </a:r>
+              </a:p>
+            </p:txBody>
+          </p:sp>
+        </p:grpSp>
+      </p:grpSp>
+      <p:cxnSp>
+        <p:nvCxnSpPr>
+          <p:cNvPr id="47" name="Straight Connector 46">
+            <a:extLst>
+              <a:ext uri="{FF2B5EF4-FFF2-40B4-BE49-F238E27FC236}">
+                <a16:creationId xmlns:a16="http://schemas.microsoft.com/office/drawing/2014/main" id="{FDF824B2-1FB6-D755-B6D7-407CB5E73549}"/>
+              </a:ext>
+            </a:extLst>
+          </p:cNvPr>
+          <p:cNvCxnSpPr>
+            <a:cxnSpLocks/>
+          </p:cNvCxnSpPr>
+          <p:nvPr/>
+        </p:nvCxnSpPr>
+        <p:spPr>
+          <a:xfrm>
+            <a:off x="2415668" y="5638126"/>
+            <a:ext cx="3340841" cy="0"/>
+          </a:xfrm>
+          <a:prstGeom prst="line">
+            <a:avLst/>
+          </a:prstGeom>
+          <a:ln w="38100">
+            <a:solidFill>
+              <a:schemeClr val="tx1"/>
+            </a:solidFill>
+          </a:ln>
+        </p:spPr>
+        <p:style>
+          <a:lnRef idx="1">
+            <a:schemeClr val="accent1"/>
+          </a:lnRef>
+          <a:fillRef idx="0">
+            <a:schemeClr val="accent1"/>
+          </a:fillRef>
+          <a:effectRef idx="0">
+            <a:schemeClr val="accent1"/>
+          </a:effectRef>
+          <a:fontRef idx="minor">
+            <a:schemeClr val="tx1"/>
+          </a:fontRef>
+        </p:style>
+      </p:cxnSp>
+      <p:sp>
+        <p:nvSpPr>
+          <p:cNvPr id="54" name="TextBox 53">
+            <a:extLst>
+              <a:ext uri="{FF2B5EF4-FFF2-40B4-BE49-F238E27FC236}">
+                <a16:creationId xmlns:a16="http://schemas.microsoft.com/office/drawing/2014/main" id="{3FB90F7F-3378-2200-F6C8-6DE39636A7A9}"/>
+              </a:ext>
+            </a:extLst>
+          </p:cNvPr>
+          <p:cNvSpPr txBox="1"/>
+          <p:nvPr/>
+        </p:nvSpPr>
+        <p:spPr>
+          <a:xfrm>
+            <a:off x="6007595" y="2821290"/>
+            <a:ext cx="333021" cy="400110"/>
+          </a:xfrm>
+          <a:prstGeom prst="rect">
+            <a:avLst/>
+          </a:prstGeom>
+          <a:noFill/>
+        </p:spPr>
+        <p:txBody>
+          <a:bodyPr wrap="square" rtlCol="0">
+            <a:spAutoFit/>
+          </a:bodyPr>
+          <a:lstStyle/>
+          <a:p>
+            <a:r>
+              <a:rPr lang="en-IN" sz="2000" b="1" dirty="0">
+                <a:solidFill>
+                  <a:srgbClr val="C00000"/>
+                </a:solidFill>
+              </a:rPr>
+              <a:t>A</a:t>
+            </a:r>
+          </a:p>
+        </p:txBody>
+      </p:sp>
+      <p:sp>
+        <p:nvSpPr>
+          <p:cNvPr id="55" name="TextBox 54">
+            <a:extLst>
+              <a:ext uri="{FF2B5EF4-FFF2-40B4-BE49-F238E27FC236}">
+                <a16:creationId xmlns:a16="http://schemas.microsoft.com/office/drawing/2014/main" id="{E8A52C63-9C05-7203-4736-1915DCDE6232}"/>
+              </a:ext>
+            </a:extLst>
+          </p:cNvPr>
+          <p:cNvSpPr txBox="1"/>
+          <p:nvPr/>
+        </p:nvSpPr>
+        <p:spPr>
+          <a:xfrm>
+            <a:off x="5930127" y="4329836"/>
+            <a:ext cx="769434" cy="400110"/>
+          </a:xfrm>
+          <a:prstGeom prst="rect">
+            <a:avLst/>
+          </a:prstGeom>
+          <a:noFill/>
+        </p:spPr>
+        <p:txBody>
+          <a:bodyPr wrap="square" rtlCol="0">
+            <a:spAutoFit/>
+          </a:bodyPr>
+          <a:lstStyle/>
+          <a:p>
+            <a:r>
+              <a:rPr lang="en-IN" sz="2000" b="1" dirty="0">
+                <a:solidFill>
+                  <a:srgbClr val="C00000"/>
+                </a:solidFill>
+              </a:rPr>
+              <a:t>AA</a:t>
+            </a:r>
+          </a:p>
+        </p:txBody>
+      </p:sp>
+      <p:grpSp>
+        <p:nvGrpSpPr>
+          <p:cNvPr id="56" name="Group 55">
+            <a:extLst>
+              <a:ext uri="{FF2B5EF4-FFF2-40B4-BE49-F238E27FC236}">
+                <a16:creationId xmlns:a16="http://schemas.microsoft.com/office/drawing/2014/main" id="{BFB614FB-D120-F9D9-D376-6FE96D07A897}"/>
+              </a:ext>
+            </a:extLst>
+          </p:cNvPr>
+          <p:cNvGrpSpPr/>
+          <p:nvPr/>
+        </p:nvGrpSpPr>
+        <p:grpSpPr>
+          <a:xfrm>
+            <a:off x="961672" y="3428190"/>
+            <a:ext cx="676026" cy="660916"/>
+            <a:chOff x="1090355" y="3457618"/>
+            <a:chExt cx="982649" cy="988865"/>
+          </a:xfrm>
+          <a:solidFill>
+            <a:schemeClr val="bg1"/>
+          </a:solidFill>
+        </p:grpSpPr>
+        <p:sp>
+          <p:nvSpPr>
+            <p:cNvPr id="57" name="Oval 56">
+              <a:extLst>
+                <a:ext uri="{FF2B5EF4-FFF2-40B4-BE49-F238E27FC236}">
+                  <a16:creationId xmlns:a16="http://schemas.microsoft.com/office/drawing/2014/main" id="{54A1774B-CDC2-471B-9B85-F452E78326CC}"/>
+                </a:ext>
+              </a:extLst>
+            </p:cNvPr>
+            <p:cNvSpPr/>
+            <p:nvPr/>
+          </p:nvSpPr>
+          <p:spPr>
+            <a:xfrm>
+              <a:off x="1090355" y="3457618"/>
+              <a:ext cx="982649" cy="988865"/>
+            </a:xfrm>
+            <a:prstGeom prst="ellipse">
+              <a:avLst/>
+            </a:prstGeom>
+            <a:grpFill/>
+            <a:ln w="57150"/>
+          </p:spPr>
+          <p:style>
+            <a:lnRef idx="2">
+              <a:schemeClr val="accent1">
+                <a:shade val="50000"/>
+              </a:schemeClr>
+            </a:lnRef>
+            <a:fillRef idx="1">
+              <a:schemeClr val="accent1"/>
+            </a:fillRef>
+            <a:effectRef idx="0">
+              <a:schemeClr val="accent1"/>
+            </a:effectRef>
+            <a:fontRef idx="minor">
+              <a:schemeClr val="lt1"/>
+            </a:fontRef>
+          </p:style>
+          <p:txBody>
+            <a:bodyPr rtlCol="0" anchor="ctr"/>
+            <a:lstStyle/>
+            <a:p>
+              <a:pPr algn="ctr"/>
+              <a:endParaRPr lang="en-IN"/>
+            </a:p>
+          </p:txBody>
+        </p:sp>
+        <p:grpSp>
+          <p:nvGrpSpPr>
+            <p:cNvPr id="58" name="Group 57">
+              <a:extLst>
+                <a:ext uri="{FF2B5EF4-FFF2-40B4-BE49-F238E27FC236}">
+                  <a16:creationId xmlns:a16="http://schemas.microsoft.com/office/drawing/2014/main" id="{8F0B9245-0FBB-63F2-9CA8-BCA989A3CB2A}"/>
+                </a:ext>
+              </a:extLst>
+            </p:cNvPr>
+            <p:cNvGrpSpPr/>
+            <p:nvPr/>
+          </p:nvGrpSpPr>
+          <p:grpSpPr>
+            <a:xfrm rot="5400000" flipV="1">
+              <a:off x="1355829" y="3603539"/>
+              <a:ext cx="451699" cy="697021"/>
+              <a:chOff x="3898812" y="2986773"/>
+              <a:chExt cx="232509" cy="554879"/>
+            </a:xfrm>
+            <a:grpFill/>
+          </p:grpSpPr>
+          <p:sp>
+            <p:nvSpPr>
+              <p:cNvPr id="59" name="Arc 58">
+                <a:extLst>
+                  <a:ext uri="{FF2B5EF4-FFF2-40B4-BE49-F238E27FC236}">
+                    <a16:creationId xmlns:a16="http://schemas.microsoft.com/office/drawing/2014/main" id="{228C49C6-1C60-C154-CC9F-2925597055DA}"/>
+                  </a:ext>
+                </a:extLst>
+              </p:cNvPr>
+              <p:cNvSpPr/>
+              <p:nvPr/>
+            </p:nvSpPr>
+            <p:spPr>
+              <a:xfrm rot="16200000">
+                <a:off x="3877316" y="3010463"/>
+                <a:ext cx="277695" cy="230315"/>
+              </a:xfrm>
+              <a:prstGeom prst="arc">
+                <a:avLst>
+                  <a:gd name="adj1" fmla="val 10739696"/>
+                  <a:gd name="adj2" fmla="val 0"/>
+                </a:avLst>
+              </a:prstGeom>
+              <a:grpFill/>
+              <a:ln w="57150">
+                <a:solidFill>
+                  <a:srgbClr val="FF0000"/>
+                </a:solidFill>
+              </a:ln>
+            </p:spPr>
+            <p:style>
+              <a:lnRef idx="1">
+                <a:schemeClr val="dk1"/>
+              </a:lnRef>
+              <a:fillRef idx="0">
+                <a:schemeClr val="dk1"/>
+              </a:fillRef>
+              <a:effectRef idx="0">
+                <a:schemeClr val="dk1"/>
+              </a:effectRef>
+              <a:fontRef idx="minor">
+                <a:schemeClr val="tx1"/>
+              </a:fontRef>
+            </p:style>
+            <p:txBody>
+              <a:bodyPr rtlCol="0" anchor="ctr"/>
+              <a:lstStyle/>
+              <a:p>
+                <a:pPr algn="ctr"/>
+                <a:endParaRPr lang="en-IN"/>
+              </a:p>
+            </p:txBody>
+          </p:sp>
+          <p:sp>
+            <p:nvSpPr>
+              <p:cNvPr id="60" name="Arc 59">
+                <a:extLst>
+                  <a:ext uri="{FF2B5EF4-FFF2-40B4-BE49-F238E27FC236}">
+                    <a16:creationId xmlns:a16="http://schemas.microsoft.com/office/drawing/2014/main" id="{95ED457E-3D6B-1B8F-9690-04BCBBE6EBAA}"/>
+                  </a:ext>
+                </a:extLst>
+              </p:cNvPr>
+              <p:cNvSpPr/>
+              <p:nvPr/>
+            </p:nvSpPr>
+            <p:spPr>
+              <a:xfrm rot="5400000" flipH="1">
+                <a:off x="3875122" y="3287647"/>
+                <a:ext cx="277695" cy="230315"/>
+              </a:xfrm>
+              <a:prstGeom prst="arc">
+                <a:avLst>
+                  <a:gd name="adj1" fmla="val 10739696"/>
+                  <a:gd name="adj2" fmla="val 0"/>
+                </a:avLst>
+              </a:prstGeom>
+              <a:grpFill/>
+              <a:ln w="57150">
+                <a:solidFill>
+                  <a:srgbClr val="FF0000"/>
+                </a:solidFill>
+              </a:ln>
+            </p:spPr>
+            <p:style>
+              <a:lnRef idx="1">
+                <a:schemeClr val="dk1"/>
+              </a:lnRef>
+              <a:fillRef idx="0">
+                <a:schemeClr val="dk1"/>
+              </a:fillRef>
+              <a:effectRef idx="0">
+                <a:schemeClr val="dk1"/>
+              </a:effectRef>
+              <a:fontRef idx="minor">
+                <a:schemeClr val="tx1"/>
+              </a:fontRef>
+            </p:style>
+            <p:txBody>
+              <a:bodyPr rtlCol="0" anchor="ctr"/>
+              <a:lstStyle/>
+              <a:p>
+                <a:pPr algn="ctr"/>
+                <a:endParaRPr lang="en-IN"/>
+              </a:p>
+            </p:txBody>
+          </p:sp>
+        </p:grpSp>
+      </p:grpSp>
+      <p:cxnSp>
+        <p:nvCxnSpPr>
+          <p:cNvPr id="67" name="Straight Connector 66">
+            <a:extLst>
+              <a:ext uri="{FF2B5EF4-FFF2-40B4-BE49-F238E27FC236}">
+                <a16:creationId xmlns:a16="http://schemas.microsoft.com/office/drawing/2014/main" id="{554EFCE0-B2B1-902C-BB9B-F119ACE8C442}"/>
+              </a:ext>
+            </a:extLst>
+          </p:cNvPr>
+          <p:cNvCxnSpPr>
+            <a:cxnSpLocks/>
+          </p:cNvCxnSpPr>
+          <p:nvPr/>
+        </p:nvCxnSpPr>
+        <p:spPr>
+          <a:xfrm>
+            <a:off x="1292288" y="3065716"/>
+            <a:ext cx="1118530" cy="0"/>
+          </a:xfrm>
+          <a:prstGeom prst="line">
+            <a:avLst/>
+          </a:prstGeom>
+          <a:ln w="38100">
+            <a:solidFill>
+              <a:schemeClr val="tx1"/>
+            </a:solidFill>
+          </a:ln>
+        </p:spPr>
+        <p:style>
+          <a:lnRef idx="1">
+            <a:schemeClr val="accent1"/>
+          </a:lnRef>
+          <a:fillRef idx="0">
+            <a:schemeClr val="accent1"/>
+          </a:fillRef>
+          <a:effectRef idx="0">
+            <a:schemeClr val="accent1"/>
+          </a:effectRef>
+          <a:fontRef idx="minor">
+            <a:schemeClr val="tx1"/>
+          </a:fontRef>
+        </p:style>
+      </p:cxnSp>
+      <p:cxnSp>
+        <p:nvCxnSpPr>
+          <p:cNvPr id="72" name="Straight Connector 71">
+            <a:extLst>
+              <a:ext uri="{FF2B5EF4-FFF2-40B4-BE49-F238E27FC236}">
+                <a16:creationId xmlns:a16="http://schemas.microsoft.com/office/drawing/2014/main" id="{FCFD215A-FC75-3364-11EF-65FDBC94D644}"/>
+              </a:ext>
+            </a:extLst>
+          </p:cNvPr>
+          <p:cNvCxnSpPr>
+            <a:cxnSpLocks/>
+          </p:cNvCxnSpPr>
+          <p:nvPr/>
+        </p:nvCxnSpPr>
+        <p:spPr>
+          <a:xfrm>
+            <a:off x="1285078" y="4395442"/>
+            <a:ext cx="1061245" cy="0"/>
+          </a:xfrm>
+          <a:prstGeom prst="line">
+            <a:avLst/>
+          </a:prstGeom>
+          <a:ln w="38100">
+            <a:solidFill>
+              <a:schemeClr val="tx1"/>
+            </a:solidFill>
+          </a:ln>
+        </p:spPr>
+        <p:style>
+          <a:lnRef idx="1">
+            <a:schemeClr val="accent1"/>
+          </a:lnRef>
+          <a:fillRef idx="0">
+            <a:schemeClr val="accent1"/>
+          </a:fillRef>
+          <a:effectRef idx="0">
+            <a:schemeClr val="accent1"/>
+          </a:effectRef>
+          <a:fontRef idx="minor">
+            <a:schemeClr val="tx1"/>
+          </a:fontRef>
+        </p:style>
+      </p:cxnSp>
+      <p:cxnSp>
+        <p:nvCxnSpPr>
+          <p:cNvPr id="73" name="Straight Connector 72">
+            <a:extLst>
+              <a:ext uri="{FF2B5EF4-FFF2-40B4-BE49-F238E27FC236}">
+                <a16:creationId xmlns:a16="http://schemas.microsoft.com/office/drawing/2014/main" id="{A80AA155-E329-306F-2A68-2D712FFF3AED}"/>
+              </a:ext>
+            </a:extLst>
+          </p:cNvPr>
+          <p:cNvCxnSpPr>
+            <a:cxnSpLocks/>
+          </p:cNvCxnSpPr>
+          <p:nvPr/>
+        </p:nvCxnSpPr>
+        <p:spPr>
+          <a:xfrm>
+            <a:off x="2485388" y="4395442"/>
+            <a:ext cx="1626954" cy="0"/>
+          </a:xfrm>
+          <a:prstGeom prst="line">
+            <a:avLst/>
+          </a:prstGeom>
+          <a:ln w="38100">
+            <a:solidFill>
+              <a:schemeClr val="tx1"/>
+            </a:solidFill>
+          </a:ln>
+        </p:spPr>
+        <p:style>
+          <a:lnRef idx="1">
+            <a:schemeClr val="accent1"/>
+          </a:lnRef>
+          <a:fillRef idx="0">
+            <a:schemeClr val="accent1"/>
+          </a:fillRef>
+          <a:effectRef idx="0">
+            <a:schemeClr val="accent1"/>
+          </a:effectRef>
+          <a:fontRef idx="minor">
+            <a:schemeClr val="tx1"/>
+          </a:fontRef>
+        </p:style>
+      </p:cxnSp>
+      <p:sp>
+        <p:nvSpPr>
+          <p:cNvPr id="77" name="Arc 76">
+            <a:extLst>
+              <a:ext uri="{FF2B5EF4-FFF2-40B4-BE49-F238E27FC236}">
+                <a16:creationId xmlns:a16="http://schemas.microsoft.com/office/drawing/2014/main" id="{10E50053-544C-E161-80CB-D29F35340703}"/>
+              </a:ext>
+            </a:extLst>
+          </p:cNvPr>
+          <p:cNvSpPr/>
+          <p:nvPr/>
+        </p:nvSpPr>
+        <p:spPr>
+          <a:xfrm flipH="1">
+            <a:off x="2340045" y="4311475"/>
+            <a:ext cx="160202" cy="196572"/>
+          </a:xfrm>
+          <a:prstGeom prst="arc">
+            <a:avLst>
+              <a:gd name="adj1" fmla="val 10739696"/>
+              <a:gd name="adj2" fmla="val 0"/>
+            </a:avLst>
+          </a:prstGeom>
+          <a:noFill/>
+          <a:ln w="38100">
+            <a:solidFill>
+              <a:schemeClr val="tx1"/>
+            </a:solidFill>
+          </a:ln>
+        </p:spPr>
+        <p:style>
+          <a:lnRef idx="1">
+            <a:schemeClr val="dk1"/>
+          </a:lnRef>
+          <a:fillRef idx="0">
+            <a:schemeClr val="dk1"/>
+          </a:fillRef>
+          <a:effectRef idx="0">
+            <a:schemeClr val="dk1"/>
+          </a:effectRef>
+          <a:fontRef idx="minor">
+            <a:schemeClr val="tx1"/>
+          </a:fontRef>
+        </p:style>
+        <p:txBody>
+          <a:bodyPr rtlCol="0" anchor="ctr"/>
+          <a:lstStyle/>
+          <a:p>
+            <a:pPr algn="ctr"/>
+            <a:endParaRPr lang="en-IN"/>
+          </a:p>
+        </p:txBody>
+      </p:sp>
+      <p:grpSp>
+        <p:nvGrpSpPr>
+          <p:cNvPr id="82" name="Group 81">
+            <a:extLst>
+              <a:ext uri="{FF2B5EF4-FFF2-40B4-BE49-F238E27FC236}">
+                <a16:creationId xmlns:a16="http://schemas.microsoft.com/office/drawing/2014/main" id="{F3FD5572-C880-A1AB-B39E-EF8732B9D89C}"/>
+              </a:ext>
+            </a:extLst>
+          </p:cNvPr>
+          <p:cNvGrpSpPr/>
+          <p:nvPr/>
+        </p:nvGrpSpPr>
+        <p:grpSpPr>
+          <a:xfrm rot="10800000" flipH="1" flipV="1">
+            <a:off x="2138201" y="1806254"/>
+            <a:ext cx="645274" cy="980150"/>
+            <a:chOff x="3193236" y="1910774"/>
+            <a:chExt cx="548579" cy="1064887"/>
+          </a:xfrm>
+        </p:grpSpPr>
+        <p:sp>
+          <p:nvSpPr>
+            <p:cNvPr id="83" name="Isosceles Triangle 82">
+              <a:extLst>
+                <a:ext uri="{FF2B5EF4-FFF2-40B4-BE49-F238E27FC236}">
+                  <a16:creationId xmlns:a16="http://schemas.microsoft.com/office/drawing/2014/main" id="{A2B6852F-DBC8-50DA-A287-F916F3F7BF66}"/>
+                </a:ext>
+              </a:extLst>
+            </p:cNvPr>
+            <p:cNvSpPr/>
+            <p:nvPr/>
+          </p:nvSpPr>
+          <p:spPr>
+            <a:xfrm>
+              <a:off x="3193236" y="2328433"/>
+              <a:ext cx="489316" cy="396258"/>
+            </a:xfrm>
+            <a:prstGeom prst="triangle">
+              <a:avLst/>
+            </a:prstGeom>
+            <a:solidFill>
+              <a:srgbClr val="002060"/>
+            </a:solidFill>
+            <a:ln>
+              <a:solidFill>
+                <a:srgbClr val="002060"/>
+              </a:solidFill>
+            </a:ln>
+          </p:spPr>
+          <p:style>
+            <a:lnRef idx="2">
+              <a:schemeClr val="accent1">
+                <a:shade val="50000"/>
+              </a:schemeClr>
+            </a:lnRef>
+            <a:fillRef idx="1">
+              <a:schemeClr val="accent1"/>
+            </a:fillRef>
+            <a:effectRef idx="0">
+              <a:schemeClr val="accent1"/>
+            </a:effectRef>
+            <a:fontRef idx="minor">
+              <a:schemeClr val="lt1"/>
+            </a:fontRef>
+          </p:style>
+          <p:txBody>
+            <a:bodyPr rtlCol="0" anchor="ctr"/>
+            <a:lstStyle/>
+            <a:p>
+              <a:pPr algn="ctr"/>
+              <a:endParaRPr lang="en-IN"/>
+            </a:p>
+          </p:txBody>
+        </p:sp>
+        <p:cxnSp>
+          <p:nvCxnSpPr>
+            <p:cNvPr id="84" name="Straight Connector 83">
+              <a:extLst>
+                <a:ext uri="{FF2B5EF4-FFF2-40B4-BE49-F238E27FC236}">
+                  <a16:creationId xmlns:a16="http://schemas.microsoft.com/office/drawing/2014/main" id="{A5A1A38D-87BF-273E-8611-FAED7FF77ABE}"/>
+                </a:ext>
+              </a:extLst>
+            </p:cNvPr>
+            <p:cNvCxnSpPr>
+              <a:cxnSpLocks/>
+            </p:cNvCxnSpPr>
+            <p:nvPr/>
+          </p:nvCxnSpPr>
+          <p:spPr>
+            <a:xfrm rot="10800000" flipH="1">
+              <a:off x="3222812" y="2339456"/>
+              <a:ext cx="456636" cy="1"/>
+            </a:xfrm>
+            <a:prstGeom prst="line">
+              <a:avLst/>
+            </a:prstGeom>
+            <a:ln w="38100">
+              <a:solidFill>
+                <a:srgbClr val="002060"/>
+              </a:solidFill>
+            </a:ln>
+          </p:spPr>
+          <p:style>
+            <a:lnRef idx="1">
+              <a:schemeClr val="accent1"/>
+            </a:lnRef>
+            <a:fillRef idx="0">
+              <a:schemeClr val="accent1"/>
+            </a:fillRef>
+            <a:effectRef idx="0">
+              <a:schemeClr val="accent1"/>
+            </a:effectRef>
+            <a:fontRef idx="minor">
+              <a:schemeClr val="tx1"/>
+            </a:fontRef>
+          </p:style>
+        </p:cxnSp>
+        <p:cxnSp>
+          <p:nvCxnSpPr>
+            <p:cNvPr id="85" name="Straight Connector 84">
+              <a:extLst>
+                <a:ext uri="{FF2B5EF4-FFF2-40B4-BE49-F238E27FC236}">
+                  <a16:creationId xmlns:a16="http://schemas.microsoft.com/office/drawing/2014/main" id="{2498AF70-BFD8-8095-6BE1-29B7E0A3F5E2}"/>
+                </a:ext>
+              </a:extLst>
+            </p:cNvPr>
+            <p:cNvCxnSpPr>
+              <a:cxnSpLocks/>
+            </p:cNvCxnSpPr>
+            <p:nvPr/>
+          </p:nvCxnSpPr>
+          <p:spPr>
+            <a:xfrm rot="10800000" flipV="1">
+              <a:off x="3435967" y="1910774"/>
+              <a:ext cx="1" cy="1064887"/>
+            </a:xfrm>
+            <a:prstGeom prst="line">
+              <a:avLst/>
+            </a:prstGeom>
+            <a:ln w="38100">
+              <a:solidFill>
+                <a:srgbClr val="002060"/>
+              </a:solidFill>
+            </a:ln>
+          </p:spPr>
+          <p:style>
+            <a:lnRef idx="1">
+              <a:schemeClr val="accent1"/>
+            </a:lnRef>
+            <a:fillRef idx="0">
+              <a:schemeClr val="accent1"/>
+            </a:fillRef>
+            <a:effectRef idx="0">
+              <a:schemeClr val="accent1"/>
+            </a:effectRef>
+            <a:fontRef idx="minor">
+              <a:schemeClr val="tx1"/>
+            </a:fontRef>
+          </p:style>
+        </p:cxnSp>
+        <p:sp>
+          <p:nvSpPr>
+            <p:cNvPr id="86" name="Oval 85">
+              <a:extLst>
+                <a:ext uri="{FF2B5EF4-FFF2-40B4-BE49-F238E27FC236}">
+                  <a16:creationId xmlns:a16="http://schemas.microsoft.com/office/drawing/2014/main" id="{46573032-F0AA-EBB8-7F64-4B9E0DA1DB0C}"/>
+                </a:ext>
+              </a:extLst>
+            </p:cNvPr>
+            <p:cNvSpPr/>
+            <p:nvPr/>
+          </p:nvSpPr>
+          <p:spPr>
+            <a:xfrm>
+              <a:off x="3647976" y="2055991"/>
+              <a:ext cx="93839" cy="88564"/>
+            </a:xfrm>
+            <a:prstGeom prst="ellipse">
+              <a:avLst/>
+            </a:prstGeom>
+            <a:solidFill>
+              <a:srgbClr val="002060"/>
+            </a:solidFill>
+            <a:ln>
+              <a:noFill/>
+            </a:ln>
+          </p:spPr>
+          <p:style>
+            <a:lnRef idx="2">
+              <a:schemeClr val="accent1">
+                <a:shade val="50000"/>
+              </a:schemeClr>
+            </a:lnRef>
+            <a:fillRef idx="1">
+              <a:schemeClr val="accent1"/>
+            </a:fillRef>
+            <a:effectRef idx="0">
+              <a:schemeClr val="accent1"/>
+            </a:effectRef>
+            <a:fontRef idx="minor">
+              <a:schemeClr val="lt1"/>
+            </a:fontRef>
+          </p:style>
+          <p:txBody>
+            <a:bodyPr rtlCol="0" anchor="ctr"/>
+            <a:lstStyle/>
+            <a:p>
+              <a:pPr algn="ctr"/>
+              <a:endParaRPr lang="en-IN"/>
+            </a:p>
+          </p:txBody>
+        </p:sp>
+        <p:cxnSp>
+          <p:nvCxnSpPr>
+            <p:cNvPr id="87" name="Straight Connector 86">
+              <a:extLst>
+                <a:ext uri="{FF2B5EF4-FFF2-40B4-BE49-F238E27FC236}">
+                  <a16:creationId xmlns:a16="http://schemas.microsoft.com/office/drawing/2014/main" id="{89C0534E-1F80-896F-3CD1-3F09556DCF7B}"/>
+                </a:ext>
+              </a:extLst>
+            </p:cNvPr>
+            <p:cNvCxnSpPr>
+              <a:cxnSpLocks/>
+            </p:cNvCxnSpPr>
+            <p:nvPr/>
+          </p:nvCxnSpPr>
+          <p:spPr>
+            <a:xfrm rot="10800000" flipV="1">
+              <a:off x="3433237" y="2117578"/>
+              <a:ext cx="252284" cy="232308"/>
+            </a:xfrm>
+            <a:prstGeom prst="line">
+              <a:avLst/>
+            </a:prstGeom>
+            <a:ln w="38100">
+              <a:solidFill>
+                <a:srgbClr val="002060"/>
+              </a:solidFill>
+            </a:ln>
+          </p:spPr>
+          <p:style>
+            <a:lnRef idx="1">
+              <a:schemeClr val="accent1"/>
+            </a:lnRef>
+            <a:fillRef idx="0">
+              <a:schemeClr val="accent1"/>
+            </a:fillRef>
+            <a:effectRef idx="0">
+              <a:schemeClr val="accent1"/>
+            </a:effectRef>
+            <a:fontRef idx="minor">
+              <a:schemeClr val="tx1"/>
+            </a:fontRef>
+          </p:style>
+        </p:cxnSp>
+      </p:grpSp>
+      <p:grpSp>
+        <p:nvGrpSpPr>
+          <p:cNvPr id="95" name="Group 94">
+            <a:extLst>
+              <a:ext uri="{FF2B5EF4-FFF2-40B4-BE49-F238E27FC236}">
+                <a16:creationId xmlns:a16="http://schemas.microsoft.com/office/drawing/2014/main" id="{B48BC69B-2250-A75A-95EE-42D946346525}"/>
+              </a:ext>
+            </a:extLst>
+          </p:cNvPr>
+          <p:cNvGrpSpPr/>
+          <p:nvPr/>
+        </p:nvGrpSpPr>
+        <p:grpSpPr>
+          <a:xfrm rot="10800000" flipH="1" flipV="1">
+            <a:off x="3803188" y="1821605"/>
+            <a:ext cx="645274" cy="980150"/>
+            <a:chOff x="3193236" y="1910774"/>
+            <a:chExt cx="548579" cy="1064887"/>
+          </a:xfrm>
+        </p:grpSpPr>
+        <p:sp>
+          <p:nvSpPr>
+            <p:cNvPr id="96" name="Isosceles Triangle 95">
+              <a:extLst>
+                <a:ext uri="{FF2B5EF4-FFF2-40B4-BE49-F238E27FC236}">
+                  <a16:creationId xmlns:a16="http://schemas.microsoft.com/office/drawing/2014/main" id="{6DBF98A0-7E92-109D-212A-988EB23F6E38}"/>
+                </a:ext>
+              </a:extLst>
+            </p:cNvPr>
+            <p:cNvSpPr/>
+            <p:nvPr/>
+          </p:nvSpPr>
+          <p:spPr>
+            <a:xfrm>
+              <a:off x="3193236" y="2328433"/>
+              <a:ext cx="489316" cy="396258"/>
+            </a:xfrm>
+            <a:prstGeom prst="triangle">
+              <a:avLst/>
+            </a:prstGeom>
+            <a:solidFill>
+              <a:srgbClr val="002060"/>
+            </a:solidFill>
+            <a:ln>
+              <a:solidFill>
+                <a:srgbClr val="002060"/>
+              </a:solidFill>
+            </a:ln>
+          </p:spPr>
+          <p:style>
+            <a:lnRef idx="2">
+              <a:schemeClr val="accent1">
+                <a:shade val="50000"/>
+              </a:schemeClr>
+            </a:lnRef>
+            <a:fillRef idx="1">
+              <a:schemeClr val="accent1"/>
+            </a:fillRef>
+            <a:effectRef idx="0">
+              <a:schemeClr val="accent1"/>
+            </a:effectRef>
+            <a:fontRef idx="minor">
+              <a:schemeClr val="lt1"/>
+            </a:fontRef>
+          </p:style>
+          <p:txBody>
+            <a:bodyPr rtlCol="0" anchor="ctr"/>
+            <a:lstStyle/>
+            <a:p>
+              <a:pPr algn="ctr"/>
+              <a:endParaRPr lang="en-IN"/>
+            </a:p>
+          </p:txBody>
+        </p:sp>
+        <p:cxnSp>
+          <p:nvCxnSpPr>
+            <p:cNvPr id="97" name="Straight Connector 96">
+              <a:extLst>
+                <a:ext uri="{FF2B5EF4-FFF2-40B4-BE49-F238E27FC236}">
+                  <a16:creationId xmlns:a16="http://schemas.microsoft.com/office/drawing/2014/main" id="{75ED46EB-5D87-E2B2-4BBE-BA565034E2DF}"/>
+                </a:ext>
+              </a:extLst>
+            </p:cNvPr>
+            <p:cNvCxnSpPr>
+              <a:cxnSpLocks/>
+            </p:cNvCxnSpPr>
+            <p:nvPr/>
+          </p:nvCxnSpPr>
+          <p:spPr>
+            <a:xfrm rot="10800000" flipH="1">
+              <a:off x="3222812" y="2339456"/>
+              <a:ext cx="456636" cy="1"/>
+            </a:xfrm>
+            <a:prstGeom prst="line">
+              <a:avLst/>
+            </a:prstGeom>
+            <a:ln w="38100">
+              <a:solidFill>
+                <a:srgbClr val="002060"/>
+              </a:solidFill>
+            </a:ln>
+          </p:spPr>
+          <p:style>
+            <a:lnRef idx="1">
+              <a:schemeClr val="accent1"/>
+            </a:lnRef>
+            <a:fillRef idx="0">
+              <a:schemeClr val="accent1"/>
+            </a:fillRef>
+            <a:effectRef idx="0">
+              <a:schemeClr val="accent1"/>
+            </a:effectRef>
+            <a:fontRef idx="minor">
+              <a:schemeClr val="tx1"/>
+            </a:fontRef>
+          </p:style>
+        </p:cxnSp>
+        <p:cxnSp>
+          <p:nvCxnSpPr>
+            <p:cNvPr id="98" name="Straight Connector 97">
+              <a:extLst>
+                <a:ext uri="{FF2B5EF4-FFF2-40B4-BE49-F238E27FC236}">
+                  <a16:creationId xmlns:a16="http://schemas.microsoft.com/office/drawing/2014/main" id="{2948E2C8-AE20-45D8-F6C9-2B88008238E1}"/>
+                </a:ext>
+              </a:extLst>
+            </p:cNvPr>
+            <p:cNvCxnSpPr>
+              <a:cxnSpLocks/>
+            </p:cNvCxnSpPr>
+            <p:nvPr/>
+          </p:nvCxnSpPr>
+          <p:spPr>
+            <a:xfrm rot="10800000" flipV="1">
+              <a:off x="3435967" y="1910774"/>
+              <a:ext cx="1" cy="1064887"/>
+            </a:xfrm>
+            <a:prstGeom prst="line">
+              <a:avLst/>
+            </a:prstGeom>
+            <a:ln w="38100">
+              <a:solidFill>
+                <a:srgbClr val="002060"/>
+              </a:solidFill>
+            </a:ln>
+          </p:spPr>
+          <p:style>
+            <a:lnRef idx="1">
+              <a:schemeClr val="accent1"/>
+            </a:lnRef>
+            <a:fillRef idx="0">
+              <a:schemeClr val="accent1"/>
+            </a:fillRef>
+            <a:effectRef idx="0">
+              <a:schemeClr val="accent1"/>
+            </a:effectRef>
+            <a:fontRef idx="minor">
+              <a:schemeClr val="tx1"/>
+            </a:fontRef>
+          </p:style>
+        </p:cxnSp>
+        <p:sp>
+          <p:nvSpPr>
+            <p:cNvPr id="99" name="Oval 98">
+              <a:extLst>
+                <a:ext uri="{FF2B5EF4-FFF2-40B4-BE49-F238E27FC236}">
+                  <a16:creationId xmlns:a16="http://schemas.microsoft.com/office/drawing/2014/main" id="{24B46E0A-A6D8-FA8E-251B-86845CC0EADE}"/>
+                </a:ext>
+              </a:extLst>
+            </p:cNvPr>
+            <p:cNvSpPr/>
+            <p:nvPr/>
+          </p:nvSpPr>
+          <p:spPr>
+            <a:xfrm>
+              <a:off x="3647976" y="2055991"/>
+              <a:ext cx="93839" cy="88564"/>
+            </a:xfrm>
+            <a:prstGeom prst="ellipse">
+              <a:avLst/>
+            </a:prstGeom>
+            <a:solidFill>
+              <a:srgbClr val="002060"/>
+            </a:solidFill>
+            <a:ln>
+              <a:noFill/>
+            </a:ln>
+          </p:spPr>
+          <p:style>
+            <a:lnRef idx="2">
+              <a:schemeClr val="accent1">
+                <a:shade val="50000"/>
+              </a:schemeClr>
+            </a:lnRef>
+            <a:fillRef idx="1">
+              <a:schemeClr val="accent1"/>
+            </a:fillRef>
+            <a:effectRef idx="0">
+              <a:schemeClr val="accent1"/>
+            </a:effectRef>
+            <a:fontRef idx="minor">
+              <a:schemeClr val="lt1"/>
+            </a:fontRef>
+          </p:style>
+          <p:txBody>
+            <a:bodyPr rtlCol="0" anchor="ctr"/>
+            <a:lstStyle/>
+            <a:p>
+              <a:pPr algn="ctr"/>
+              <a:endParaRPr lang="en-IN"/>
+            </a:p>
+          </p:txBody>
+        </p:sp>
+        <p:cxnSp>
+          <p:nvCxnSpPr>
+            <p:cNvPr id="100" name="Straight Connector 99">
+              <a:extLst>
+                <a:ext uri="{FF2B5EF4-FFF2-40B4-BE49-F238E27FC236}">
+                  <a16:creationId xmlns:a16="http://schemas.microsoft.com/office/drawing/2014/main" id="{5A32E3A4-598D-BD12-236B-D9E632D4F00B}"/>
+                </a:ext>
+              </a:extLst>
+            </p:cNvPr>
+            <p:cNvCxnSpPr>
+              <a:cxnSpLocks/>
+            </p:cNvCxnSpPr>
+            <p:nvPr/>
+          </p:nvCxnSpPr>
+          <p:spPr>
+            <a:xfrm rot="10800000" flipV="1">
+              <a:off x="3433237" y="2117578"/>
+              <a:ext cx="252284" cy="232308"/>
+            </a:xfrm>
+            <a:prstGeom prst="line">
+              <a:avLst/>
+            </a:prstGeom>
+            <a:ln w="38100">
+              <a:solidFill>
+                <a:srgbClr val="002060"/>
+              </a:solidFill>
+            </a:ln>
+          </p:spPr>
+          <p:style>
+            <a:lnRef idx="1">
+              <a:schemeClr val="accent1"/>
+            </a:lnRef>
+            <a:fillRef idx="0">
+              <a:schemeClr val="accent1"/>
+            </a:fillRef>
+            <a:effectRef idx="0">
+              <a:schemeClr val="accent1"/>
+            </a:effectRef>
+            <a:fontRef idx="minor">
+              <a:schemeClr val="tx1"/>
+            </a:fontRef>
+          </p:style>
+        </p:cxnSp>
+      </p:grpSp>
+      <p:grpSp>
+        <p:nvGrpSpPr>
+          <p:cNvPr id="101" name="Group 100">
+            <a:extLst>
+              <a:ext uri="{FF2B5EF4-FFF2-40B4-BE49-F238E27FC236}">
+                <a16:creationId xmlns:a16="http://schemas.microsoft.com/office/drawing/2014/main" id="{57C53834-188A-6498-3E03-551C586208F5}"/>
+              </a:ext>
+            </a:extLst>
+          </p:cNvPr>
+          <p:cNvGrpSpPr/>
+          <p:nvPr/>
+        </p:nvGrpSpPr>
+        <p:grpSpPr>
+          <a:xfrm rot="10800000" flipH="1" flipV="1">
+            <a:off x="2131083" y="4588849"/>
+            <a:ext cx="575565" cy="980150"/>
+            <a:chOff x="3193236" y="1910774"/>
+            <a:chExt cx="489316" cy="1064887"/>
+          </a:xfrm>
+        </p:grpSpPr>
+        <p:sp>
+          <p:nvSpPr>
+            <p:cNvPr id="102" name="Isosceles Triangle 101">
+              <a:extLst>
+                <a:ext uri="{FF2B5EF4-FFF2-40B4-BE49-F238E27FC236}">
+                  <a16:creationId xmlns:a16="http://schemas.microsoft.com/office/drawing/2014/main" id="{B54967EB-B5B8-8E5E-60B1-14E1CC9E66B3}"/>
+                </a:ext>
+              </a:extLst>
+            </p:cNvPr>
+            <p:cNvSpPr/>
+            <p:nvPr/>
+          </p:nvSpPr>
+          <p:spPr>
+            <a:xfrm>
+              <a:off x="3193236" y="2328433"/>
+              <a:ext cx="489316" cy="396258"/>
+            </a:xfrm>
+            <a:prstGeom prst="triangle">
+              <a:avLst/>
+            </a:prstGeom>
+            <a:solidFill>
+              <a:srgbClr val="002060"/>
+            </a:solidFill>
+            <a:ln>
+              <a:solidFill>
+                <a:srgbClr val="002060"/>
+              </a:solidFill>
+            </a:ln>
+          </p:spPr>
+          <p:style>
+            <a:lnRef idx="2">
+              <a:schemeClr val="accent1">
+                <a:shade val="50000"/>
+              </a:schemeClr>
+            </a:lnRef>
+            <a:fillRef idx="1">
+              <a:schemeClr val="accent1"/>
+            </a:fillRef>
+            <a:effectRef idx="0">
+              <a:schemeClr val="accent1"/>
+            </a:effectRef>
+            <a:fontRef idx="minor">
+              <a:schemeClr val="lt1"/>
+            </a:fontRef>
+          </p:style>
+          <p:txBody>
+            <a:bodyPr rtlCol="0" anchor="ctr"/>
+            <a:lstStyle/>
+            <a:p>
+              <a:pPr algn="ctr"/>
+              <a:endParaRPr lang="en-IN"/>
+            </a:p>
+          </p:txBody>
+        </p:sp>
+        <p:cxnSp>
+          <p:nvCxnSpPr>
+            <p:cNvPr id="103" name="Straight Connector 102">
+              <a:extLst>
+                <a:ext uri="{FF2B5EF4-FFF2-40B4-BE49-F238E27FC236}">
+                  <a16:creationId xmlns:a16="http://schemas.microsoft.com/office/drawing/2014/main" id="{72F2DC8F-7E4D-9307-1CD1-FC0A2919ED9D}"/>
+                </a:ext>
+              </a:extLst>
+            </p:cNvPr>
+            <p:cNvCxnSpPr>
+              <a:cxnSpLocks/>
+            </p:cNvCxnSpPr>
+            <p:nvPr/>
+          </p:nvCxnSpPr>
+          <p:spPr>
+            <a:xfrm rot="10800000" flipH="1">
+              <a:off x="3222812" y="2339456"/>
+              <a:ext cx="456636" cy="1"/>
+            </a:xfrm>
+            <a:prstGeom prst="line">
+              <a:avLst/>
+            </a:prstGeom>
+            <a:ln w="38100">
+              <a:solidFill>
+                <a:srgbClr val="002060"/>
+              </a:solidFill>
+            </a:ln>
+          </p:spPr>
+          <p:style>
+            <a:lnRef idx="1">
+              <a:schemeClr val="accent1"/>
+            </a:lnRef>
+            <a:fillRef idx="0">
+              <a:schemeClr val="accent1"/>
+            </a:fillRef>
+            <a:effectRef idx="0">
+              <a:schemeClr val="accent1"/>
+            </a:effectRef>
+            <a:fontRef idx="minor">
+              <a:schemeClr val="tx1"/>
+            </a:fontRef>
+          </p:style>
+        </p:cxnSp>
+        <p:cxnSp>
+          <p:nvCxnSpPr>
+            <p:cNvPr id="104" name="Straight Connector 103">
+              <a:extLst>
+                <a:ext uri="{FF2B5EF4-FFF2-40B4-BE49-F238E27FC236}">
+                  <a16:creationId xmlns:a16="http://schemas.microsoft.com/office/drawing/2014/main" id="{D83B6581-56F8-B7AC-429F-C67E7B8CFE3A}"/>
+                </a:ext>
+              </a:extLst>
+            </p:cNvPr>
+            <p:cNvCxnSpPr>
+              <a:cxnSpLocks/>
+            </p:cNvCxnSpPr>
+            <p:nvPr/>
+          </p:nvCxnSpPr>
+          <p:spPr>
+            <a:xfrm rot="10800000" flipV="1">
+              <a:off x="3435967" y="1910774"/>
+              <a:ext cx="1" cy="1064887"/>
+            </a:xfrm>
+            <a:prstGeom prst="line">
+              <a:avLst/>
+            </a:prstGeom>
+            <a:ln w="38100">
+              <a:solidFill>
+                <a:srgbClr val="002060"/>
+              </a:solidFill>
+            </a:ln>
+          </p:spPr>
+          <p:style>
+            <a:lnRef idx="1">
+              <a:schemeClr val="accent1"/>
+            </a:lnRef>
+            <a:fillRef idx="0">
+              <a:schemeClr val="accent1"/>
+            </a:fillRef>
+            <a:effectRef idx="0">
+              <a:schemeClr val="accent1"/>
+            </a:effectRef>
+            <a:fontRef idx="minor">
+              <a:schemeClr val="tx1"/>
+            </a:fontRef>
+          </p:style>
+        </p:cxnSp>
+      </p:grpSp>
+      <p:grpSp>
+        <p:nvGrpSpPr>
+          <p:cNvPr id="107" name="Group 106">
+            <a:extLst>
+              <a:ext uri="{FF2B5EF4-FFF2-40B4-BE49-F238E27FC236}">
+                <a16:creationId xmlns:a16="http://schemas.microsoft.com/office/drawing/2014/main" id="{72F66A76-6661-B6FB-6F6C-A0E5054F7BCB}"/>
+              </a:ext>
+            </a:extLst>
+          </p:cNvPr>
+          <p:cNvGrpSpPr/>
+          <p:nvPr/>
+        </p:nvGrpSpPr>
+        <p:grpSpPr>
+          <a:xfrm rot="10800000" flipH="1" flipV="1">
+            <a:off x="3806681" y="4560074"/>
+            <a:ext cx="575565" cy="980150"/>
+            <a:chOff x="3193236" y="1910774"/>
+            <a:chExt cx="489316" cy="1064887"/>
+          </a:xfrm>
+        </p:grpSpPr>
+        <p:sp>
+          <p:nvSpPr>
+            <p:cNvPr id="108" name="Isosceles Triangle 107">
+              <a:extLst>
+                <a:ext uri="{FF2B5EF4-FFF2-40B4-BE49-F238E27FC236}">
+                  <a16:creationId xmlns:a16="http://schemas.microsoft.com/office/drawing/2014/main" id="{9D29FFC2-7345-1223-7056-78794E9A9ED2}"/>
+                </a:ext>
+              </a:extLst>
+            </p:cNvPr>
+            <p:cNvSpPr/>
+            <p:nvPr/>
+          </p:nvSpPr>
+          <p:spPr>
+            <a:xfrm>
+              <a:off x="3193236" y="2328433"/>
+              <a:ext cx="489316" cy="396258"/>
+            </a:xfrm>
+            <a:prstGeom prst="triangle">
+              <a:avLst/>
+            </a:prstGeom>
+            <a:solidFill>
+              <a:srgbClr val="002060"/>
+            </a:solidFill>
+            <a:ln>
+              <a:solidFill>
+                <a:srgbClr val="002060"/>
+              </a:solidFill>
+            </a:ln>
+          </p:spPr>
+          <p:style>
+            <a:lnRef idx="2">
+              <a:schemeClr val="accent1">
+                <a:shade val="50000"/>
+              </a:schemeClr>
+            </a:lnRef>
+            <a:fillRef idx="1">
+              <a:schemeClr val="accent1"/>
+            </a:fillRef>
+            <a:effectRef idx="0">
+              <a:schemeClr val="accent1"/>
+            </a:effectRef>
+            <a:fontRef idx="minor">
+              <a:schemeClr val="lt1"/>
+            </a:fontRef>
+          </p:style>
+          <p:txBody>
+            <a:bodyPr rtlCol="0" anchor="ctr"/>
+            <a:lstStyle/>
+            <a:p>
+              <a:pPr algn="ctr"/>
+              <a:endParaRPr lang="en-IN"/>
+            </a:p>
+          </p:txBody>
+        </p:sp>
+        <p:cxnSp>
+          <p:nvCxnSpPr>
+            <p:cNvPr id="109" name="Straight Connector 108">
+              <a:extLst>
+                <a:ext uri="{FF2B5EF4-FFF2-40B4-BE49-F238E27FC236}">
+                  <a16:creationId xmlns:a16="http://schemas.microsoft.com/office/drawing/2014/main" id="{BF5041E5-0AA5-2FD6-4F2C-BF8E71E5242D}"/>
+                </a:ext>
+              </a:extLst>
+            </p:cNvPr>
+            <p:cNvCxnSpPr>
+              <a:cxnSpLocks/>
+            </p:cNvCxnSpPr>
+            <p:nvPr/>
+          </p:nvCxnSpPr>
+          <p:spPr>
+            <a:xfrm rot="10800000" flipH="1">
+              <a:off x="3222812" y="2339456"/>
+              <a:ext cx="456636" cy="1"/>
+            </a:xfrm>
+            <a:prstGeom prst="line">
+              <a:avLst/>
+            </a:prstGeom>
+            <a:ln w="38100">
+              <a:solidFill>
+                <a:srgbClr val="002060"/>
+              </a:solidFill>
+            </a:ln>
+          </p:spPr>
+          <p:style>
+            <a:lnRef idx="1">
+              <a:schemeClr val="accent1"/>
+            </a:lnRef>
+            <a:fillRef idx="0">
+              <a:schemeClr val="accent1"/>
+            </a:fillRef>
+            <a:effectRef idx="0">
+              <a:schemeClr val="accent1"/>
+            </a:effectRef>
+            <a:fontRef idx="minor">
+              <a:schemeClr val="tx1"/>
+            </a:fontRef>
+          </p:style>
+        </p:cxnSp>
+        <p:cxnSp>
+          <p:nvCxnSpPr>
+            <p:cNvPr id="110" name="Straight Connector 109">
+              <a:extLst>
+                <a:ext uri="{FF2B5EF4-FFF2-40B4-BE49-F238E27FC236}">
+                  <a16:creationId xmlns:a16="http://schemas.microsoft.com/office/drawing/2014/main" id="{BA889F98-1852-5C7F-71EE-7A2085CB97A6}"/>
+                </a:ext>
+              </a:extLst>
+            </p:cNvPr>
+            <p:cNvCxnSpPr>
+              <a:cxnSpLocks/>
+            </p:cNvCxnSpPr>
+            <p:nvPr/>
+          </p:nvCxnSpPr>
+          <p:spPr>
+            <a:xfrm rot="10800000" flipV="1">
+              <a:off x="3435967" y="1910774"/>
+              <a:ext cx="1" cy="1064887"/>
+            </a:xfrm>
+            <a:prstGeom prst="line">
+              <a:avLst/>
+            </a:prstGeom>
+            <a:ln w="38100">
+              <a:solidFill>
+                <a:srgbClr val="002060"/>
+              </a:solidFill>
+            </a:ln>
+          </p:spPr>
+          <p:style>
+            <a:lnRef idx="1">
+              <a:schemeClr val="accent1"/>
+            </a:lnRef>
+            <a:fillRef idx="0">
+              <a:schemeClr val="accent1"/>
+            </a:fillRef>
+            <a:effectRef idx="0">
+              <a:schemeClr val="accent1"/>
+            </a:effectRef>
+            <a:fontRef idx="minor">
+              <a:schemeClr val="tx1"/>
+            </a:fontRef>
+          </p:style>
+        </p:cxnSp>
+      </p:grpSp>
+      <p:sp>
+        <p:nvSpPr>
+          <p:cNvPr id="111" name="TextBox 110">
+            <a:extLst>
+              <a:ext uri="{FF2B5EF4-FFF2-40B4-BE49-F238E27FC236}">
+                <a16:creationId xmlns:a16="http://schemas.microsoft.com/office/drawing/2014/main" id="{3295567C-6B86-6072-FEE9-5598FE5F66E9}"/>
+              </a:ext>
+            </a:extLst>
+          </p:cNvPr>
+          <p:cNvSpPr txBox="1"/>
+          <p:nvPr/>
+        </p:nvSpPr>
+        <p:spPr>
+          <a:xfrm>
+            <a:off x="1687267" y="1991824"/>
+            <a:ext cx="769434" cy="523220"/>
+          </a:xfrm>
+          <a:prstGeom prst="rect">
+            <a:avLst/>
+          </a:prstGeom>
+          <a:noFill/>
+        </p:spPr>
+        <p:txBody>
+          <a:bodyPr wrap="square" rtlCol="0">
+            <a:spAutoFit/>
+          </a:bodyPr>
+          <a:lstStyle/>
+          <a:p>
+            <a:r>
+              <a:rPr lang="en-IN" sz="2800" b="1" dirty="0">
+                <a:solidFill>
+                  <a:srgbClr val="C00000"/>
+                </a:solidFill>
+              </a:rPr>
+              <a:t>T</a:t>
+            </a:r>
+            <a:r>
+              <a:rPr lang="en-IN" sz="2800" b="1" baseline="-25000" dirty="0">
+                <a:solidFill>
+                  <a:srgbClr val="C00000"/>
+                </a:solidFill>
+              </a:rPr>
+              <a:t>1</a:t>
+            </a:r>
+            <a:endParaRPr lang="en-IN" sz="2800" b="1" dirty="0">
+              <a:solidFill>
+                <a:srgbClr val="C00000"/>
+              </a:solidFill>
+            </a:endParaRPr>
+          </a:p>
+        </p:txBody>
+      </p:sp>
+      <p:sp>
+        <p:nvSpPr>
+          <p:cNvPr id="112" name="TextBox 111">
+            <a:extLst>
+              <a:ext uri="{FF2B5EF4-FFF2-40B4-BE49-F238E27FC236}">
+                <a16:creationId xmlns:a16="http://schemas.microsoft.com/office/drawing/2014/main" id="{7F1A356C-FF72-323B-923F-7F965F4A5FE3}"/>
+              </a:ext>
+            </a:extLst>
+          </p:cNvPr>
+          <p:cNvSpPr txBox="1"/>
+          <p:nvPr/>
+        </p:nvSpPr>
+        <p:spPr>
+          <a:xfrm>
+            <a:off x="3399067" y="2020467"/>
+            <a:ext cx="769434" cy="523220"/>
+          </a:xfrm>
+          <a:prstGeom prst="rect">
+            <a:avLst/>
+          </a:prstGeom>
+          <a:noFill/>
+        </p:spPr>
+        <p:txBody>
+          <a:bodyPr wrap="square" rtlCol="0">
+            <a:spAutoFit/>
+          </a:bodyPr>
+          <a:lstStyle/>
+          <a:p>
+            <a:r>
+              <a:rPr lang="en-IN" sz="2800" b="1" dirty="0">
+                <a:solidFill>
+                  <a:srgbClr val="C00000"/>
+                </a:solidFill>
+              </a:rPr>
+              <a:t>T</a:t>
+            </a:r>
+            <a:r>
+              <a:rPr lang="en-IN" sz="2800" b="1" baseline="-25000" dirty="0">
+                <a:solidFill>
+                  <a:srgbClr val="C00000"/>
+                </a:solidFill>
+              </a:rPr>
+              <a:t>2</a:t>
+            </a:r>
+            <a:endParaRPr lang="en-IN" sz="2800" b="1" dirty="0">
+              <a:solidFill>
+                <a:srgbClr val="C00000"/>
+              </a:solidFill>
+            </a:endParaRPr>
+          </a:p>
+        </p:txBody>
+      </p:sp>
+      <p:sp>
+        <p:nvSpPr>
+          <p:cNvPr id="113" name="TextBox 112">
+            <a:extLst>
+              <a:ext uri="{FF2B5EF4-FFF2-40B4-BE49-F238E27FC236}">
+                <a16:creationId xmlns:a16="http://schemas.microsoft.com/office/drawing/2014/main" id="{A4B924A0-8FB5-32C3-EE74-13C28CF7FA27}"/>
+              </a:ext>
+            </a:extLst>
+          </p:cNvPr>
+          <p:cNvSpPr txBox="1"/>
+          <p:nvPr/>
+        </p:nvSpPr>
+        <p:spPr>
+          <a:xfrm>
+            <a:off x="3399067" y="4825931"/>
+            <a:ext cx="769434" cy="523220"/>
+          </a:xfrm>
+          <a:prstGeom prst="rect">
+            <a:avLst/>
+          </a:prstGeom>
+          <a:noFill/>
+        </p:spPr>
+        <p:txBody>
+          <a:bodyPr wrap="square" rtlCol="0">
+            <a:spAutoFit/>
+          </a:bodyPr>
+          <a:lstStyle/>
+          <a:p>
+            <a:r>
+              <a:rPr lang="en-IN" sz="2800" b="1" dirty="0">
+                <a:solidFill>
+                  <a:srgbClr val="C00000"/>
+                </a:solidFill>
+              </a:rPr>
+              <a:t>D</a:t>
+            </a:r>
+            <a:r>
+              <a:rPr lang="en-IN" sz="2800" b="1" baseline="-25000" dirty="0">
+                <a:solidFill>
+                  <a:srgbClr val="C00000"/>
+                </a:solidFill>
+              </a:rPr>
+              <a:t>1</a:t>
+            </a:r>
+            <a:endParaRPr lang="en-IN" sz="2800" b="1" dirty="0">
+              <a:solidFill>
+                <a:srgbClr val="C00000"/>
+              </a:solidFill>
+            </a:endParaRPr>
+          </a:p>
+        </p:txBody>
+      </p:sp>
+      <p:sp>
+        <p:nvSpPr>
+          <p:cNvPr id="114" name="TextBox 113">
+            <a:extLst>
+              <a:ext uri="{FF2B5EF4-FFF2-40B4-BE49-F238E27FC236}">
+                <a16:creationId xmlns:a16="http://schemas.microsoft.com/office/drawing/2014/main" id="{927C7DDC-9AFE-7854-B7BD-265D8BD0ADDA}"/>
+              </a:ext>
+            </a:extLst>
+          </p:cNvPr>
+          <p:cNvSpPr txBox="1"/>
+          <p:nvPr/>
+        </p:nvSpPr>
+        <p:spPr>
+          <a:xfrm>
+            <a:off x="1679245" y="4825931"/>
+            <a:ext cx="769434" cy="523220"/>
+          </a:xfrm>
+          <a:prstGeom prst="rect">
+            <a:avLst/>
+          </a:prstGeom>
+          <a:noFill/>
+        </p:spPr>
+        <p:txBody>
+          <a:bodyPr wrap="square" rtlCol="0">
+            <a:spAutoFit/>
+          </a:bodyPr>
+          <a:lstStyle/>
+          <a:p>
+            <a:r>
+              <a:rPr lang="en-IN" sz="2800" b="1" dirty="0">
+                <a:solidFill>
+                  <a:srgbClr val="C00000"/>
+                </a:solidFill>
+              </a:rPr>
+              <a:t>D</a:t>
+            </a:r>
+            <a:r>
+              <a:rPr lang="en-IN" sz="2800" b="1" baseline="-25000" dirty="0">
+                <a:solidFill>
+                  <a:srgbClr val="C00000"/>
+                </a:solidFill>
+              </a:rPr>
+              <a:t>2</a:t>
+            </a:r>
+            <a:endParaRPr lang="en-IN" sz="2800" b="1" dirty="0">
+              <a:solidFill>
+                <a:srgbClr val="C00000"/>
+              </a:solidFill>
+            </a:endParaRPr>
+          </a:p>
+        </p:txBody>
+      </p:sp>
+      <p:sp>
+        <p:nvSpPr>
+          <p:cNvPr id="115" name="TextBox 114">
+            <a:extLst>
+              <a:ext uri="{FF2B5EF4-FFF2-40B4-BE49-F238E27FC236}">
+                <a16:creationId xmlns:a16="http://schemas.microsoft.com/office/drawing/2014/main" id="{3675056E-6CB5-059B-A034-AFCA9AA2B3BF}"/>
+              </a:ext>
+            </a:extLst>
+          </p:cNvPr>
+          <p:cNvSpPr txBox="1"/>
+          <p:nvPr/>
+        </p:nvSpPr>
+        <p:spPr>
+          <a:xfrm>
+            <a:off x="499752" y="3655641"/>
+            <a:ext cx="769434" cy="523220"/>
+          </a:xfrm>
+          <a:prstGeom prst="rect">
+            <a:avLst/>
+          </a:prstGeom>
+          <a:noFill/>
+        </p:spPr>
+        <p:txBody>
+          <a:bodyPr wrap="square" rtlCol="0">
+            <a:spAutoFit/>
+          </a:bodyPr>
+          <a:lstStyle/>
+          <a:p>
+            <a:r>
+              <a:rPr lang="en-IN" sz="2800" b="1" dirty="0">
+                <a:solidFill>
+                  <a:srgbClr val="C00000"/>
+                </a:solidFill>
+              </a:rPr>
+              <a:t>V</a:t>
+            </a:r>
+            <a:r>
+              <a:rPr lang="en-IN" sz="2800" b="1" baseline="-25000" dirty="0">
+                <a:solidFill>
+                  <a:srgbClr val="C00000"/>
+                </a:solidFill>
+              </a:rPr>
+              <a:t>in</a:t>
+            </a:r>
+            <a:endParaRPr lang="en-IN" sz="2800" b="1" dirty="0">
+              <a:solidFill>
+                <a:srgbClr val="C00000"/>
+              </a:solidFill>
+            </a:endParaRPr>
+          </a:p>
+        </p:txBody>
+      </p:sp>
+    </p:spTree>
+    <p:extLst>
+      <p:ext uri="{BB962C8B-B14F-4D97-AF65-F5344CB8AC3E}">
+        <p14:creationId xmlns:p14="http://schemas.microsoft.com/office/powerpoint/2010/main" val="2915092131"/>
+      </p:ext>
+    </p:extLst>
+  </p:cSld>
+  <p:clrMapOvr>
+    <a:masterClrMapping/>
+  </p:clrMapOvr>
+</p:sld>
+</file>
+
+<file path=ppt/slides/slide3.xml><?xml version="1.0" encoding="utf-8"?>
+<p:sld xmlns:a="http://schemas.openxmlformats.org/drawingml/2006/main" xmlns:r="http://schemas.openxmlformats.org/officeDocument/2006/relationships" xmlns:p="http://schemas.openxmlformats.org/presentationml/2006/main">
+  <p:cSld>
+    <p:spTree>
+      <p:nvGrpSpPr>
+        <p:cNvPr id="1" name=""/>
+        <p:cNvGrpSpPr/>
+        <p:nvPr/>
+      </p:nvGrpSpPr>
+      <p:grpSpPr>
+        <a:xfrm>
+          <a:off x="0" y="0"/>
+          <a:ext cx="0" cy="0"/>
+          <a:chOff x="0" y="0"/>
+          <a:chExt cx="0" cy="0"/>
+        </a:xfrm>
+      </p:grpSpPr>
+      <p:cxnSp>
+        <p:nvCxnSpPr>
+          <p:cNvPr id="61" name="Straight Connector 60">
+            <a:extLst>
+              <a:ext uri="{FF2B5EF4-FFF2-40B4-BE49-F238E27FC236}">
+                <a16:creationId xmlns:a16="http://schemas.microsoft.com/office/drawing/2014/main" id="{6E6BEE10-3338-C075-F2B0-5FD85041E444}"/>
+              </a:ext>
+            </a:extLst>
+          </p:cNvPr>
+          <p:cNvCxnSpPr>
+            <a:cxnSpLocks/>
+          </p:cNvCxnSpPr>
+          <p:nvPr/>
+        </p:nvCxnSpPr>
+        <p:spPr>
+          <a:xfrm>
+            <a:off x="1049848" y="3033439"/>
+            <a:ext cx="0" cy="1355990"/>
+          </a:xfrm>
+          <a:prstGeom prst="line">
+            <a:avLst/>
+          </a:prstGeom>
+          <a:ln w="38100">
+            <a:solidFill>
+              <a:schemeClr val="tx1"/>
+            </a:solidFill>
+          </a:ln>
+        </p:spPr>
+        <p:style>
+          <a:lnRef idx="1">
+            <a:schemeClr val="accent1"/>
+          </a:lnRef>
+          <a:fillRef idx="0">
+            <a:schemeClr val="accent1"/>
+          </a:fillRef>
+          <a:effectRef idx="0">
+            <a:schemeClr val="accent1"/>
+          </a:effectRef>
+          <a:fontRef idx="minor">
+            <a:schemeClr val="tx1"/>
+          </a:fontRef>
+        </p:style>
+      </p:cxnSp>
+      <p:cxnSp>
+        <p:nvCxnSpPr>
+          <p:cNvPr id="46" name="Straight Connector 45">
+            <a:extLst>
+              <a:ext uri="{FF2B5EF4-FFF2-40B4-BE49-F238E27FC236}">
+                <a16:creationId xmlns:a16="http://schemas.microsoft.com/office/drawing/2014/main" id="{2DD8BC21-F102-7946-16DB-89D8F0DC2BA1}"/>
+              </a:ext>
+            </a:extLst>
+          </p:cNvPr>
+          <p:cNvCxnSpPr>
+            <a:cxnSpLocks/>
+          </p:cNvCxnSpPr>
+          <p:nvPr/>
+        </p:nvCxnSpPr>
+        <p:spPr>
+          <a:xfrm flipH="1">
+            <a:off x="5898023" y="1508577"/>
+            <a:ext cx="3571" cy="4139381"/>
+          </a:xfrm>
+          <a:prstGeom prst="line">
+            <a:avLst/>
+          </a:prstGeom>
+          <a:ln w="38100">
+            <a:solidFill>
+              <a:schemeClr val="tx1"/>
+            </a:solidFill>
+          </a:ln>
+        </p:spPr>
+        <p:style>
+          <a:lnRef idx="1">
+            <a:schemeClr val="accent1"/>
+          </a:lnRef>
+          <a:fillRef idx="0">
+            <a:schemeClr val="accent1"/>
+          </a:fillRef>
+          <a:effectRef idx="0">
+            <a:schemeClr val="accent1"/>
+          </a:effectRef>
+          <a:fontRef idx="minor">
+            <a:schemeClr val="tx1"/>
+          </a:fontRef>
+        </p:style>
+      </p:cxnSp>
+      <p:cxnSp>
+        <p:nvCxnSpPr>
+          <p:cNvPr id="36" name="Straight Connector 35">
+            <a:extLst>
+              <a:ext uri="{FF2B5EF4-FFF2-40B4-BE49-F238E27FC236}">
+                <a16:creationId xmlns:a16="http://schemas.microsoft.com/office/drawing/2014/main" id="{7884BA5A-55B1-D71F-A39E-BFCEDA607B4E}"/>
+              </a:ext>
+            </a:extLst>
+          </p:cNvPr>
+          <p:cNvCxnSpPr>
+            <a:cxnSpLocks/>
+          </p:cNvCxnSpPr>
+          <p:nvPr/>
+        </p:nvCxnSpPr>
+        <p:spPr>
+          <a:xfrm flipH="1">
+            <a:off x="3550206" y="1498744"/>
+            <a:ext cx="3571" cy="4139381"/>
+          </a:xfrm>
+          <a:prstGeom prst="line">
+            <a:avLst/>
+          </a:prstGeom>
+          <a:ln w="38100">
+            <a:solidFill>
+              <a:schemeClr val="tx1"/>
+            </a:solidFill>
+          </a:ln>
+        </p:spPr>
+        <p:style>
+          <a:lnRef idx="1">
+            <a:schemeClr val="accent1"/>
+          </a:lnRef>
+          <a:fillRef idx="0">
+            <a:schemeClr val="accent1"/>
+          </a:fillRef>
+          <a:effectRef idx="0">
+            <a:schemeClr val="accent1"/>
+          </a:effectRef>
+          <a:fontRef idx="minor">
+            <a:schemeClr val="tx1"/>
+          </a:fontRef>
+        </p:style>
+      </p:cxnSp>
+      <p:cxnSp>
+        <p:nvCxnSpPr>
+          <p:cNvPr id="32" name="Straight Connector 31">
+            <a:extLst>
+              <a:ext uri="{FF2B5EF4-FFF2-40B4-BE49-F238E27FC236}">
+                <a16:creationId xmlns:a16="http://schemas.microsoft.com/office/drawing/2014/main" id="{580B232C-F971-45E5-95D0-9BF514D8EA7F}"/>
+              </a:ext>
+            </a:extLst>
+          </p:cNvPr>
+          <p:cNvCxnSpPr>
+            <a:cxnSpLocks/>
+          </p:cNvCxnSpPr>
+          <p:nvPr/>
+        </p:nvCxnSpPr>
+        <p:spPr>
+          <a:xfrm flipH="1">
+            <a:off x="2176747" y="1498745"/>
+            <a:ext cx="3571" cy="4139381"/>
+          </a:xfrm>
+          <a:prstGeom prst="line">
+            <a:avLst/>
+          </a:prstGeom>
+          <a:ln w="38100">
+            <a:solidFill>
+              <a:schemeClr val="tx1"/>
+            </a:solidFill>
+          </a:ln>
+        </p:spPr>
+        <p:style>
+          <a:lnRef idx="1">
+            <a:schemeClr val="accent1"/>
+          </a:lnRef>
+          <a:fillRef idx="0">
+            <a:schemeClr val="accent1"/>
+          </a:fillRef>
+          <a:effectRef idx="0">
+            <a:schemeClr val="accent1"/>
+          </a:effectRef>
+          <a:fontRef idx="minor">
+            <a:schemeClr val="tx1"/>
+          </a:fontRef>
+        </p:style>
+      </p:cxnSp>
+      <p:cxnSp>
+        <p:nvCxnSpPr>
+          <p:cNvPr id="38" name="Straight Connector 37">
+            <a:extLst>
+              <a:ext uri="{FF2B5EF4-FFF2-40B4-BE49-F238E27FC236}">
+                <a16:creationId xmlns:a16="http://schemas.microsoft.com/office/drawing/2014/main" id="{77D66B3A-BE2B-83A0-D2CE-3ECC7BD35B11}"/>
+              </a:ext>
+            </a:extLst>
+          </p:cNvPr>
+          <p:cNvCxnSpPr>
+            <a:cxnSpLocks/>
+          </p:cNvCxnSpPr>
+          <p:nvPr/>
+        </p:nvCxnSpPr>
+        <p:spPr>
+          <a:xfrm>
+            <a:off x="2190220" y="1515099"/>
+            <a:ext cx="3707803" cy="11843"/>
+          </a:xfrm>
+          <a:prstGeom prst="line">
+            <a:avLst/>
+          </a:prstGeom>
+          <a:ln w="38100">
+            <a:solidFill>
+              <a:schemeClr val="tx1"/>
+            </a:solidFill>
+          </a:ln>
+        </p:spPr>
+        <p:style>
+          <a:lnRef idx="1">
+            <a:schemeClr val="accent1"/>
+          </a:lnRef>
+          <a:fillRef idx="0">
+            <a:schemeClr val="accent1"/>
+          </a:fillRef>
+          <a:effectRef idx="0">
+            <a:schemeClr val="accent1"/>
+          </a:effectRef>
+          <a:fontRef idx="minor">
+            <a:schemeClr val="tx1"/>
+          </a:fontRef>
+        </p:style>
+      </p:cxnSp>
+      <p:grpSp>
+        <p:nvGrpSpPr>
+          <p:cNvPr id="45" name="Group 44">
+            <a:extLst>
+              <a:ext uri="{FF2B5EF4-FFF2-40B4-BE49-F238E27FC236}">
+                <a16:creationId xmlns:a16="http://schemas.microsoft.com/office/drawing/2014/main" id="{178A8DA3-3785-95D3-D9AF-B6564AE9126C}"/>
+              </a:ext>
+            </a:extLst>
+          </p:cNvPr>
+          <p:cNvGrpSpPr/>
+          <p:nvPr/>
+        </p:nvGrpSpPr>
+        <p:grpSpPr>
+          <a:xfrm>
+            <a:off x="5410270" y="3040433"/>
+            <a:ext cx="982649" cy="1269537"/>
+            <a:chOff x="5064698" y="3363601"/>
+            <a:chExt cx="982649" cy="1269537"/>
+          </a:xfrm>
+        </p:grpSpPr>
+        <p:sp>
+          <p:nvSpPr>
+            <p:cNvPr id="44" name="Rectangle 43">
+              <a:extLst>
+                <a:ext uri="{FF2B5EF4-FFF2-40B4-BE49-F238E27FC236}">
+                  <a16:creationId xmlns:a16="http://schemas.microsoft.com/office/drawing/2014/main" id="{04C47955-AA75-9974-4985-BBD833213443}"/>
+                </a:ext>
+              </a:extLst>
+            </p:cNvPr>
+            <p:cNvSpPr/>
+            <p:nvPr/>
+          </p:nvSpPr>
+          <p:spPr>
+            <a:xfrm>
+              <a:off x="5346512" y="3363601"/>
+              <a:ext cx="419022" cy="1269537"/>
+            </a:xfrm>
+            <a:prstGeom prst="rect">
+              <a:avLst/>
+            </a:prstGeom>
+            <a:solidFill>
+              <a:schemeClr val="bg1"/>
+            </a:solidFill>
+            <a:ln w="57150">
+              <a:solidFill>
+                <a:srgbClr val="002060"/>
+              </a:solidFill>
+            </a:ln>
+          </p:spPr>
+          <p:style>
+            <a:lnRef idx="2">
+              <a:schemeClr val="accent1">
+                <a:shade val="50000"/>
+              </a:schemeClr>
+            </a:lnRef>
+            <a:fillRef idx="1">
+              <a:schemeClr val="accent1"/>
+            </a:fillRef>
+            <a:effectRef idx="0">
+              <a:schemeClr val="accent1"/>
+            </a:effectRef>
+            <a:fontRef idx="minor">
+              <a:schemeClr val="lt1"/>
+            </a:fontRef>
+          </p:style>
+          <p:txBody>
+            <a:bodyPr rtlCol="0" anchor="ctr"/>
+            <a:lstStyle/>
+            <a:p>
+              <a:pPr algn="ctr"/>
+              <a:endParaRPr lang="en-IN"/>
+            </a:p>
+          </p:txBody>
+        </p:sp>
+        <p:grpSp>
+          <p:nvGrpSpPr>
+            <p:cNvPr id="43" name="Group 42">
+              <a:extLst>
+                <a:ext uri="{FF2B5EF4-FFF2-40B4-BE49-F238E27FC236}">
+                  <a16:creationId xmlns:a16="http://schemas.microsoft.com/office/drawing/2014/main" id="{A8A46B08-FCFB-8E04-B5A8-9AB883055C00}"/>
+                </a:ext>
+              </a:extLst>
+            </p:cNvPr>
+            <p:cNvGrpSpPr/>
+            <p:nvPr/>
+          </p:nvGrpSpPr>
+          <p:grpSpPr>
+            <a:xfrm>
+              <a:off x="5064698" y="3503936"/>
+              <a:ext cx="982649" cy="988865"/>
+              <a:chOff x="4719789" y="3254174"/>
+              <a:chExt cx="982649" cy="988865"/>
+            </a:xfrm>
+          </p:grpSpPr>
+          <p:sp>
+            <p:nvSpPr>
+              <p:cNvPr id="41" name="Oval 40">
+                <a:extLst>
+                  <a:ext uri="{FF2B5EF4-FFF2-40B4-BE49-F238E27FC236}">
+                    <a16:creationId xmlns:a16="http://schemas.microsoft.com/office/drawing/2014/main" id="{A919A53B-02FD-C0E1-5975-B16A319C5BDB}"/>
+                  </a:ext>
+                </a:extLst>
+              </p:cNvPr>
+              <p:cNvSpPr/>
+              <p:nvPr/>
+            </p:nvSpPr>
+            <p:spPr>
+              <a:xfrm>
+                <a:off x="4719789" y="3254174"/>
+                <a:ext cx="982649" cy="988865"/>
+              </a:xfrm>
+              <a:prstGeom prst="ellipse">
+                <a:avLst/>
+              </a:prstGeom>
+              <a:solidFill>
+                <a:schemeClr val="bg1"/>
+              </a:solidFill>
+              <a:ln w="57150"/>
+            </p:spPr>
+            <p:style>
+              <a:lnRef idx="2">
+                <a:schemeClr val="accent1">
+                  <a:shade val="50000"/>
+                </a:schemeClr>
+              </a:lnRef>
+              <a:fillRef idx="1">
+                <a:schemeClr val="accent1"/>
+              </a:fillRef>
+              <a:effectRef idx="0">
+                <a:schemeClr val="accent1"/>
+              </a:effectRef>
+              <a:fontRef idx="minor">
+                <a:schemeClr val="lt1"/>
+              </a:fontRef>
+            </p:style>
+            <p:txBody>
+              <a:bodyPr rtlCol="0" anchor="ctr"/>
+              <a:lstStyle/>
+              <a:p>
+                <a:pPr algn="ctr"/>
+                <a:endParaRPr lang="en-IN" dirty="0"/>
+              </a:p>
+            </p:txBody>
+          </p:sp>
+          <p:sp>
+            <p:nvSpPr>
+              <p:cNvPr id="42" name="TextBox 41">
+                <a:extLst>
+                  <a:ext uri="{FF2B5EF4-FFF2-40B4-BE49-F238E27FC236}">
+                    <a16:creationId xmlns:a16="http://schemas.microsoft.com/office/drawing/2014/main" id="{E0619694-4126-97AD-C23E-47E41FD1C6CA}"/>
+                  </a:ext>
+                </a:extLst>
+              </p:cNvPr>
+              <p:cNvSpPr txBox="1"/>
+              <p:nvPr/>
+            </p:nvSpPr>
+            <p:spPr>
+              <a:xfrm>
+                <a:off x="4826396" y="3394663"/>
+                <a:ext cx="769434" cy="707886"/>
+              </a:xfrm>
+              <a:prstGeom prst="rect">
+                <a:avLst/>
+              </a:prstGeom>
+              <a:noFill/>
+            </p:spPr>
+            <p:txBody>
+              <a:bodyPr wrap="square" rtlCol="0">
+                <a:spAutoFit/>
+              </a:bodyPr>
+              <a:lstStyle/>
+              <a:p>
+                <a:pPr algn="ctr"/>
+                <a:r>
+                  <a:rPr lang="en-IN" sz="4000" b="1" dirty="0">
+                    <a:solidFill>
+                      <a:srgbClr val="C00000"/>
+                    </a:solidFill>
+                  </a:rPr>
+                  <a:t>M</a:t>
+                </a:r>
+              </a:p>
+            </p:txBody>
+          </p:sp>
+        </p:grpSp>
+      </p:grpSp>
+      <p:cxnSp>
+        <p:nvCxnSpPr>
+          <p:cNvPr id="47" name="Straight Connector 46">
+            <a:extLst>
+              <a:ext uri="{FF2B5EF4-FFF2-40B4-BE49-F238E27FC236}">
+                <a16:creationId xmlns:a16="http://schemas.microsoft.com/office/drawing/2014/main" id="{FDF824B2-1FB6-D755-B6D7-407CB5E73549}"/>
+              </a:ext>
+            </a:extLst>
+          </p:cNvPr>
+          <p:cNvCxnSpPr>
+            <a:cxnSpLocks/>
+          </p:cNvCxnSpPr>
+          <p:nvPr/>
+        </p:nvCxnSpPr>
+        <p:spPr>
+          <a:xfrm flipV="1">
+            <a:off x="2166845" y="5638126"/>
+            <a:ext cx="3731178" cy="9832"/>
+          </a:xfrm>
+          <a:prstGeom prst="line">
+            <a:avLst/>
+          </a:prstGeom>
+          <a:ln w="38100">
+            <a:solidFill>
+              <a:schemeClr val="tx1"/>
+            </a:solidFill>
+          </a:ln>
+        </p:spPr>
+        <p:style>
+          <a:lnRef idx="1">
+            <a:schemeClr val="accent1"/>
+          </a:lnRef>
+          <a:fillRef idx="0">
+            <a:schemeClr val="accent1"/>
+          </a:fillRef>
+          <a:effectRef idx="0">
+            <a:schemeClr val="accent1"/>
+          </a:effectRef>
+          <a:fontRef idx="minor">
+            <a:schemeClr val="tx1"/>
+          </a:fontRef>
+        </p:style>
+      </p:cxnSp>
+      <p:sp>
+        <p:nvSpPr>
+          <p:cNvPr id="54" name="TextBox 53">
+            <a:extLst>
+              <a:ext uri="{FF2B5EF4-FFF2-40B4-BE49-F238E27FC236}">
+                <a16:creationId xmlns:a16="http://schemas.microsoft.com/office/drawing/2014/main" id="{3FB90F7F-3378-2200-F6C8-6DE39636A7A9}"/>
+              </a:ext>
+            </a:extLst>
+          </p:cNvPr>
+          <p:cNvSpPr txBox="1"/>
+          <p:nvPr/>
+        </p:nvSpPr>
+        <p:spPr>
+          <a:xfrm>
+            <a:off x="6149109" y="2821290"/>
+            <a:ext cx="333021" cy="400110"/>
+          </a:xfrm>
+          <a:prstGeom prst="rect">
+            <a:avLst/>
+          </a:prstGeom>
+          <a:noFill/>
+        </p:spPr>
+        <p:txBody>
+          <a:bodyPr wrap="square" rtlCol="0">
+            <a:spAutoFit/>
+          </a:bodyPr>
+          <a:lstStyle/>
+          <a:p>
+            <a:r>
+              <a:rPr lang="en-IN" sz="2000" b="1" dirty="0">
+                <a:solidFill>
+                  <a:srgbClr val="C00000"/>
+                </a:solidFill>
+              </a:rPr>
+              <a:t>A</a:t>
+            </a:r>
+          </a:p>
+        </p:txBody>
+      </p:sp>
+      <p:sp>
+        <p:nvSpPr>
+          <p:cNvPr id="55" name="TextBox 54">
+            <a:extLst>
+              <a:ext uri="{FF2B5EF4-FFF2-40B4-BE49-F238E27FC236}">
+                <a16:creationId xmlns:a16="http://schemas.microsoft.com/office/drawing/2014/main" id="{E8A52C63-9C05-7203-4736-1915DCDE6232}"/>
+              </a:ext>
+            </a:extLst>
+          </p:cNvPr>
+          <p:cNvSpPr txBox="1"/>
+          <p:nvPr/>
+        </p:nvSpPr>
+        <p:spPr>
+          <a:xfrm>
+            <a:off x="6071641" y="4329836"/>
+            <a:ext cx="769434" cy="400110"/>
+          </a:xfrm>
+          <a:prstGeom prst="rect">
+            <a:avLst/>
+          </a:prstGeom>
+          <a:noFill/>
+        </p:spPr>
+        <p:txBody>
+          <a:bodyPr wrap="square" rtlCol="0">
+            <a:spAutoFit/>
+          </a:bodyPr>
+          <a:lstStyle/>
+          <a:p>
+            <a:r>
+              <a:rPr lang="en-IN" sz="2000" b="1" dirty="0">
+                <a:solidFill>
+                  <a:srgbClr val="C00000"/>
+                </a:solidFill>
+              </a:rPr>
+              <a:t>AA</a:t>
+            </a:r>
+          </a:p>
+        </p:txBody>
+      </p:sp>
+      <p:grpSp>
+        <p:nvGrpSpPr>
+          <p:cNvPr id="56" name="Group 55">
+            <a:extLst>
+              <a:ext uri="{FF2B5EF4-FFF2-40B4-BE49-F238E27FC236}">
+                <a16:creationId xmlns:a16="http://schemas.microsoft.com/office/drawing/2014/main" id="{BFB614FB-D120-F9D9-D376-6FE96D07A897}"/>
+              </a:ext>
+            </a:extLst>
+          </p:cNvPr>
+          <p:cNvGrpSpPr/>
+          <p:nvPr/>
+        </p:nvGrpSpPr>
+        <p:grpSpPr>
+          <a:xfrm>
+            <a:off x="717699" y="3418357"/>
+            <a:ext cx="676026" cy="660916"/>
+            <a:chOff x="1090355" y="3457618"/>
+            <a:chExt cx="982649" cy="988865"/>
+          </a:xfrm>
+          <a:solidFill>
+            <a:schemeClr val="bg1"/>
+          </a:solidFill>
+        </p:grpSpPr>
+        <p:sp>
+          <p:nvSpPr>
+            <p:cNvPr id="57" name="Oval 56">
+              <a:extLst>
+                <a:ext uri="{FF2B5EF4-FFF2-40B4-BE49-F238E27FC236}">
+                  <a16:creationId xmlns:a16="http://schemas.microsoft.com/office/drawing/2014/main" id="{54A1774B-CDC2-471B-9B85-F452E78326CC}"/>
+                </a:ext>
+              </a:extLst>
+            </p:cNvPr>
+            <p:cNvSpPr/>
+            <p:nvPr/>
+          </p:nvSpPr>
+          <p:spPr>
+            <a:xfrm>
+              <a:off x="1090355" y="3457618"/>
+              <a:ext cx="982649" cy="988865"/>
+            </a:xfrm>
+            <a:prstGeom prst="ellipse">
+              <a:avLst/>
+            </a:prstGeom>
+            <a:grpFill/>
+            <a:ln w="57150"/>
+          </p:spPr>
+          <p:style>
+            <a:lnRef idx="2">
+              <a:schemeClr val="accent1">
+                <a:shade val="50000"/>
+              </a:schemeClr>
+            </a:lnRef>
+            <a:fillRef idx="1">
+              <a:schemeClr val="accent1"/>
+            </a:fillRef>
+            <a:effectRef idx="0">
+              <a:schemeClr val="accent1"/>
+            </a:effectRef>
+            <a:fontRef idx="minor">
+              <a:schemeClr val="lt1"/>
+            </a:fontRef>
+          </p:style>
+          <p:txBody>
+            <a:bodyPr rtlCol="0" anchor="ctr"/>
+            <a:lstStyle/>
+            <a:p>
+              <a:pPr algn="ctr"/>
+              <a:endParaRPr lang="en-IN"/>
+            </a:p>
+          </p:txBody>
+        </p:sp>
+        <p:grpSp>
+          <p:nvGrpSpPr>
+            <p:cNvPr id="58" name="Group 57">
+              <a:extLst>
+                <a:ext uri="{FF2B5EF4-FFF2-40B4-BE49-F238E27FC236}">
+                  <a16:creationId xmlns:a16="http://schemas.microsoft.com/office/drawing/2014/main" id="{8F0B9245-0FBB-63F2-9CA8-BCA989A3CB2A}"/>
+                </a:ext>
+              </a:extLst>
+            </p:cNvPr>
+            <p:cNvGrpSpPr/>
+            <p:nvPr/>
+          </p:nvGrpSpPr>
+          <p:grpSpPr>
+            <a:xfrm rot="5400000" flipV="1">
+              <a:off x="1355829" y="3603539"/>
+              <a:ext cx="451699" cy="697021"/>
+              <a:chOff x="3898812" y="2986773"/>
+              <a:chExt cx="232509" cy="554879"/>
+            </a:xfrm>
+            <a:grpFill/>
+          </p:grpSpPr>
+          <p:sp>
+            <p:nvSpPr>
+              <p:cNvPr id="59" name="Arc 58">
+                <a:extLst>
+                  <a:ext uri="{FF2B5EF4-FFF2-40B4-BE49-F238E27FC236}">
+                    <a16:creationId xmlns:a16="http://schemas.microsoft.com/office/drawing/2014/main" id="{228C49C6-1C60-C154-CC9F-2925597055DA}"/>
+                  </a:ext>
+                </a:extLst>
+              </p:cNvPr>
+              <p:cNvSpPr/>
+              <p:nvPr/>
+            </p:nvSpPr>
+            <p:spPr>
+              <a:xfrm rot="16200000">
+                <a:off x="3877316" y="3010463"/>
+                <a:ext cx="277695" cy="230315"/>
+              </a:xfrm>
+              <a:prstGeom prst="arc">
+                <a:avLst>
+                  <a:gd name="adj1" fmla="val 10739696"/>
+                  <a:gd name="adj2" fmla="val 0"/>
+                </a:avLst>
+              </a:prstGeom>
+              <a:grpFill/>
+              <a:ln w="57150">
+                <a:solidFill>
+                  <a:srgbClr val="FF0000"/>
+                </a:solidFill>
+              </a:ln>
+            </p:spPr>
+            <p:style>
+              <a:lnRef idx="1">
+                <a:schemeClr val="dk1"/>
+              </a:lnRef>
+              <a:fillRef idx="0">
+                <a:schemeClr val="dk1"/>
+              </a:fillRef>
+              <a:effectRef idx="0">
+                <a:schemeClr val="dk1"/>
+              </a:effectRef>
+              <a:fontRef idx="minor">
+                <a:schemeClr val="tx1"/>
+              </a:fontRef>
+            </p:style>
+            <p:txBody>
+              <a:bodyPr rtlCol="0" anchor="ctr"/>
+              <a:lstStyle/>
+              <a:p>
+                <a:pPr algn="ctr"/>
+                <a:endParaRPr lang="en-IN"/>
+              </a:p>
+            </p:txBody>
+          </p:sp>
+          <p:sp>
+            <p:nvSpPr>
+              <p:cNvPr id="60" name="Arc 59">
+                <a:extLst>
+                  <a:ext uri="{FF2B5EF4-FFF2-40B4-BE49-F238E27FC236}">
+                    <a16:creationId xmlns:a16="http://schemas.microsoft.com/office/drawing/2014/main" id="{95ED457E-3D6B-1B8F-9690-04BCBBE6EBAA}"/>
+                  </a:ext>
+                </a:extLst>
+              </p:cNvPr>
+              <p:cNvSpPr/>
+              <p:nvPr/>
+            </p:nvSpPr>
+            <p:spPr>
+              <a:xfrm rot="5400000" flipH="1">
+                <a:off x="3875122" y="3287647"/>
+                <a:ext cx="277695" cy="230315"/>
+              </a:xfrm>
+              <a:prstGeom prst="arc">
+                <a:avLst>
+                  <a:gd name="adj1" fmla="val 10739696"/>
+                  <a:gd name="adj2" fmla="val 0"/>
+                </a:avLst>
+              </a:prstGeom>
+              <a:grpFill/>
+              <a:ln w="57150">
+                <a:solidFill>
+                  <a:srgbClr val="FF0000"/>
+                </a:solidFill>
+              </a:ln>
+            </p:spPr>
+            <p:style>
+              <a:lnRef idx="1">
+                <a:schemeClr val="dk1"/>
+              </a:lnRef>
+              <a:fillRef idx="0">
+                <a:schemeClr val="dk1"/>
+              </a:fillRef>
+              <a:effectRef idx="0">
+                <a:schemeClr val="dk1"/>
+              </a:effectRef>
+              <a:fontRef idx="minor">
+                <a:schemeClr val="tx1"/>
+              </a:fontRef>
+            </p:style>
+            <p:txBody>
+              <a:bodyPr rtlCol="0" anchor="ctr"/>
+              <a:lstStyle/>
+              <a:p>
+                <a:pPr algn="ctr"/>
+                <a:endParaRPr lang="en-IN"/>
+              </a:p>
+            </p:txBody>
+          </p:sp>
+        </p:grpSp>
+      </p:grpSp>
+      <p:cxnSp>
+        <p:nvCxnSpPr>
+          <p:cNvPr id="67" name="Straight Connector 66">
+            <a:extLst>
+              <a:ext uri="{FF2B5EF4-FFF2-40B4-BE49-F238E27FC236}">
+                <a16:creationId xmlns:a16="http://schemas.microsoft.com/office/drawing/2014/main" id="{554EFCE0-B2B1-902C-BB9B-F119ACE8C442}"/>
+              </a:ext>
+            </a:extLst>
+          </p:cNvPr>
+          <p:cNvCxnSpPr>
+            <a:cxnSpLocks/>
+          </p:cNvCxnSpPr>
+          <p:nvPr/>
+        </p:nvCxnSpPr>
+        <p:spPr>
+          <a:xfrm>
+            <a:off x="1048315" y="3055883"/>
+            <a:ext cx="1118530" cy="0"/>
+          </a:xfrm>
+          <a:prstGeom prst="line">
+            <a:avLst/>
+          </a:prstGeom>
+          <a:ln w="38100">
+            <a:solidFill>
+              <a:schemeClr val="tx1"/>
+            </a:solidFill>
+          </a:ln>
+        </p:spPr>
+        <p:style>
+          <a:lnRef idx="1">
+            <a:schemeClr val="accent1"/>
+          </a:lnRef>
+          <a:fillRef idx="0">
+            <a:schemeClr val="accent1"/>
+          </a:fillRef>
+          <a:effectRef idx="0">
+            <a:schemeClr val="accent1"/>
+          </a:effectRef>
+          <a:fontRef idx="minor">
+            <a:schemeClr val="tx1"/>
+          </a:fontRef>
+        </p:style>
+      </p:cxnSp>
+      <p:cxnSp>
+        <p:nvCxnSpPr>
+          <p:cNvPr id="72" name="Straight Connector 71">
+            <a:extLst>
+              <a:ext uri="{FF2B5EF4-FFF2-40B4-BE49-F238E27FC236}">
+                <a16:creationId xmlns:a16="http://schemas.microsoft.com/office/drawing/2014/main" id="{FCFD215A-FC75-3364-11EF-65FDBC94D644}"/>
+              </a:ext>
+            </a:extLst>
+          </p:cNvPr>
+          <p:cNvCxnSpPr>
+            <a:cxnSpLocks/>
+          </p:cNvCxnSpPr>
+          <p:nvPr/>
+        </p:nvCxnSpPr>
+        <p:spPr>
+          <a:xfrm>
+            <a:off x="1041105" y="4385609"/>
+            <a:ext cx="1061245" cy="0"/>
+          </a:xfrm>
+          <a:prstGeom prst="line">
+            <a:avLst/>
+          </a:prstGeom>
+          <a:ln w="38100">
+            <a:solidFill>
+              <a:schemeClr val="tx1"/>
+            </a:solidFill>
+          </a:ln>
+        </p:spPr>
+        <p:style>
+          <a:lnRef idx="1">
+            <a:schemeClr val="accent1"/>
+          </a:lnRef>
+          <a:fillRef idx="0">
+            <a:schemeClr val="accent1"/>
+          </a:fillRef>
+          <a:effectRef idx="0">
+            <a:schemeClr val="accent1"/>
+          </a:effectRef>
+          <a:fontRef idx="minor">
+            <a:schemeClr val="tx1"/>
+          </a:fontRef>
+        </p:style>
+      </p:cxnSp>
+      <p:cxnSp>
+        <p:nvCxnSpPr>
+          <p:cNvPr id="73" name="Straight Connector 72">
+            <a:extLst>
+              <a:ext uri="{FF2B5EF4-FFF2-40B4-BE49-F238E27FC236}">
+                <a16:creationId xmlns:a16="http://schemas.microsoft.com/office/drawing/2014/main" id="{A80AA155-E329-306F-2A68-2D712FFF3AED}"/>
+              </a:ext>
+            </a:extLst>
+          </p:cNvPr>
+          <p:cNvCxnSpPr>
+            <a:cxnSpLocks/>
+          </p:cNvCxnSpPr>
+          <p:nvPr/>
+        </p:nvCxnSpPr>
+        <p:spPr>
+          <a:xfrm>
+            <a:off x="2241415" y="4385609"/>
+            <a:ext cx="1334532" cy="0"/>
+          </a:xfrm>
+          <a:prstGeom prst="line">
+            <a:avLst/>
+          </a:prstGeom>
+          <a:ln w="38100">
+            <a:solidFill>
+              <a:schemeClr val="tx1"/>
+            </a:solidFill>
+          </a:ln>
+        </p:spPr>
+        <p:style>
+          <a:lnRef idx="1">
+            <a:schemeClr val="accent1"/>
+          </a:lnRef>
+          <a:fillRef idx="0">
+            <a:schemeClr val="accent1"/>
+          </a:fillRef>
+          <a:effectRef idx="0">
+            <a:schemeClr val="accent1"/>
+          </a:effectRef>
+          <a:fontRef idx="minor">
+            <a:schemeClr val="tx1"/>
+          </a:fontRef>
+        </p:style>
+      </p:cxnSp>
+      <p:sp>
+        <p:nvSpPr>
+          <p:cNvPr id="77" name="Arc 76">
+            <a:extLst>
+              <a:ext uri="{FF2B5EF4-FFF2-40B4-BE49-F238E27FC236}">
+                <a16:creationId xmlns:a16="http://schemas.microsoft.com/office/drawing/2014/main" id="{10E50053-544C-E161-80CB-D29F35340703}"/>
+              </a:ext>
+            </a:extLst>
+          </p:cNvPr>
+          <p:cNvSpPr/>
+          <p:nvPr/>
+        </p:nvSpPr>
+        <p:spPr>
+          <a:xfrm flipH="1">
+            <a:off x="2096072" y="4301642"/>
+            <a:ext cx="160202" cy="196572"/>
+          </a:xfrm>
+          <a:prstGeom prst="arc">
+            <a:avLst>
+              <a:gd name="adj1" fmla="val 10739696"/>
+              <a:gd name="adj2" fmla="val 0"/>
+            </a:avLst>
+          </a:prstGeom>
+          <a:noFill/>
+          <a:ln w="38100">
+            <a:solidFill>
+              <a:schemeClr val="tx1"/>
+            </a:solidFill>
+          </a:ln>
+        </p:spPr>
+        <p:style>
+          <a:lnRef idx="1">
+            <a:schemeClr val="dk1"/>
+          </a:lnRef>
+          <a:fillRef idx="0">
+            <a:schemeClr val="dk1"/>
+          </a:fillRef>
+          <a:effectRef idx="0">
+            <a:schemeClr val="dk1"/>
+          </a:effectRef>
+          <a:fontRef idx="minor">
+            <a:schemeClr val="tx1"/>
+          </a:fontRef>
+        </p:style>
+        <p:txBody>
+          <a:bodyPr rtlCol="0" anchor="ctr"/>
+          <a:lstStyle/>
+          <a:p>
+            <a:pPr algn="ctr"/>
+            <a:endParaRPr lang="en-IN"/>
+          </a:p>
+        </p:txBody>
+      </p:sp>
+      <p:grpSp>
+        <p:nvGrpSpPr>
+          <p:cNvPr id="82" name="Group 81">
+            <a:extLst>
+              <a:ext uri="{FF2B5EF4-FFF2-40B4-BE49-F238E27FC236}">
+                <a16:creationId xmlns:a16="http://schemas.microsoft.com/office/drawing/2014/main" id="{F3FD5572-C880-A1AB-B39E-EF8732B9D89C}"/>
+              </a:ext>
+            </a:extLst>
+          </p:cNvPr>
+          <p:cNvGrpSpPr/>
+          <p:nvPr/>
+        </p:nvGrpSpPr>
+        <p:grpSpPr>
+          <a:xfrm rot="10800000" flipH="1" flipV="1">
+            <a:off x="1894734" y="1797532"/>
+            <a:ext cx="645274" cy="980150"/>
+            <a:chOff x="3193236" y="1910774"/>
+            <a:chExt cx="548579" cy="1064887"/>
+          </a:xfrm>
+        </p:grpSpPr>
+        <p:sp>
+          <p:nvSpPr>
+            <p:cNvPr id="83" name="Isosceles Triangle 82">
+              <a:extLst>
+                <a:ext uri="{FF2B5EF4-FFF2-40B4-BE49-F238E27FC236}">
+                  <a16:creationId xmlns:a16="http://schemas.microsoft.com/office/drawing/2014/main" id="{A2B6852F-DBC8-50DA-A287-F916F3F7BF66}"/>
+                </a:ext>
+              </a:extLst>
+            </p:cNvPr>
+            <p:cNvSpPr/>
+            <p:nvPr/>
+          </p:nvSpPr>
+          <p:spPr>
+            <a:xfrm>
+              <a:off x="3193236" y="2328433"/>
+              <a:ext cx="489316" cy="396258"/>
+            </a:xfrm>
+            <a:prstGeom prst="triangle">
+              <a:avLst/>
+            </a:prstGeom>
+            <a:solidFill>
+              <a:srgbClr val="002060"/>
+            </a:solidFill>
+            <a:ln>
+              <a:solidFill>
+                <a:srgbClr val="002060"/>
+              </a:solidFill>
+            </a:ln>
+          </p:spPr>
+          <p:style>
+            <a:lnRef idx="2">
+              <a:schemeClr val="accent1">
+                <a:shade val="50000"/>
+              </a:schemeClr>
+            </a:lnRef>
+            <a:fillRef idx="1">
+              <a:schemeClr val="accent1"/>
+            </a:fillRef>
+            <a:effectRef idx="0">
+              <a:schemeClr val="accent1"/>
+            </a:effectRef>
+            <a:fontRef idx="minor">
+              <a:schemeClr val="lt1"/>
+            </a:fontRef>
+          </p:style>
+          <p:txBody>
+            <a:bodyPr rtlCol="0" anchor="ctr"/>
+            <a:lstStyle/>
+            <a:p>
+              <a:pPr algn="ctr"/>
+              <a:endParaRPr lang="en-IN"/>
+            </a:p>
+          </p:txBody>
+        </p:sp>
+        <p:cxnSp>
+          <p:nvCxnSpPr>
+            <p:cNvPr id="84" name="Straight Connector 83">
+              <a:extLst>
+                <a:ext uri="{FF2B5EF4-FFF2-40B4-BE49-F238E27FC236}">
+                  <a16:creationId xmlns:a16="http://schemas.microsoft.com/office/drawing/2014/main" id="{A5A1A38D-87BF-273E-8611-FAED7FF77ABE}"/>
+                </a:ext>
+              </a:extLst>
+            </p:cNvPr>
+            <p:cNvCxnSpPr>
+              <a:cxnSpLocks/>
+            </p:cNvCxnSpPr>
+            <p:nvPr/>
+          </p:nvCxnSpPr>
+          <p:spPr>
+            <a:xfrm rot="10800000" flipH="1">
+              <a:off x="3222812" y="2339456"/>
+              <a:ext cx="456636" cy="1"/>
+            </a:xfrm>
+            <a:prstGeom prst="line">
+              <a:avLst/>
+            </a:prstGeom>
+            <a:ln w="38100">
+              <a:solidFill>
+                <a:srgbClr val="002060"/>
+              </a:solidFill>
+            </a:ln>
+          </p:spPr>
+          <p:style>
+            <a:lnRef idx="1">
+              <a:schemeClr val="accent1"/>
+            </a:lnRef>
+            <a:fillRef idx="0">
+              <a:schemeClr val="accent1"/>
+            </a:fillRef>
+            <a:effectRef idx="0">
+              <a:schemeClr val="accent1"/>
+            </a:effectRef>
+            <a:fontRef idx="minor">
+              <a:schemeClr val="tx1"/>
+            </a:fontRef>
+          </p:style>
+        </p:cxnSp>
+        <p:cxnSp>
+          <p:nvCxnSpPr>
+            <p:cNvPr id="85" name="Straight Connector 84">
+              <a:extLst>
+                <a:ext uri="{FF2B5EF4-FFF2-40B4-BE49-F238E27FC236}">
+                  <a16:creationId xmlns:a16="http://schemas.microsoft.com/office/drawing/2014/main" id="{2498AF70-BFD8-8095-6BE1-29B7E0A3F5E2}"/>
+                </a:ext>
+              </a:extLst>
+            </p:cNvPr>
+            <p:cNvCxnSpPr>
+              <a:cxnSpLocks/>
+            </p:cNvCxnSpPr>
+            <p:nvPr/>
+          </p:nvCxnSpPr>
+          <p:spPr>
+            <a:xfrm rot="10800000" flipV="1">
+              <a:off x="3435967" y="1910774"/>
+              <a:ext cx="1" cy="1064887"/>
+            </a:xfrm>
+            <a:prstGeom prst="line">
+              <a:avLst/>
+            </a:prstGeom>
+            <a:ln w="38100">
+              <a:solidFill>
+                <a:srgbClr val="002060"/>
+              </a:solidFill>
+            </a:ln>
+          </p:spPr>
+          <p:style>
+            <a:lnRef idx="1">
+              <a:schemeClr val="accent1"/>
+            </a:lnRef>
+            <a:fillRef idx="0">
+              <a:schemeClr val="accent1"/>
+            </a:fillRef>
+            <a:effectRef idx="0">
+              <a:schemeClr val="accent1"/>
+            </a:effectRef>
+            <a:fontRef idx="minor">
+              <a:schemeClr val="tx1"/>
+            </a:fontRef>
+          </p:style>
+        </p:cxnSp>
+        <p:sp>
+          <p:nvSpPr>
+            <p:cNvPr id="86" name="Oval 85">
+              <a:extLst>
+                <a:ext uri="{FF2B5EF4-FFF2-40B4-BE49-F238E27FC236}">
+                  <a16:creationId xmlns:a16="http://schemas.microsoft.com/office/drawing/2014/main" id="{46573032-F0AA-EBB8-7F64-4B9E0DA1DB0C}"/>
+                </a:ext>
+              </a:extLst>
+            </p:cNvPr>
+            <p:cNvSpPr/>
+            <p:nvPr/>
+          </p:nvSpPr>
+          <p:spPr>
+            <a:xfrm>
+              <a:off x="3647976" y="2055991"/>
+              <a:ext cx="93839" cy="88564"/>
+            </a:xfrm>
+            <a:prstGeom prst="ellipse">
+              <a:avLst/>
+            </a:prstGeom>
+            <a:solidFill>
+              <a:srgbClr val="002060"/>
+            </a:solidFill>
+            <a:ln>
+              <a:noFill/>
+            </a:ln>
+          </p:spPr>
+          <p:style>
+            <a:lnRef idx="2">
+              <a:schemeClr val="accent1">
+                <a:shade val="50000"/>
+              </a:schemeClr>
+            </a:lnRef>
+            <a:fillRef idx="1">
+              <a:schemeClr val="accent1"/>
+            </a:fillRef>
+            <a:effectRef idx="0">
+              <a:schemeClr val="accent1"/>
+            </a:effectRef>
+            <a:fontRef idx="minor">
+              <a:schemeClr val="lt1"/>
+            </a:fontRef>
+          </p:style>
+          <p:txBody>
+            <a:bodyPr rtlCol="0" anchor="ctr"/>
+            <a:lstStyle/>
+            <a:p>
+              <a:pPr algn="ctr"/>
+              <a:endParaRPr lang="en-IN"/>
+            </a:p>
+          </p:txBody>
+        </p:sp>
+        <p:cxnSp>
+          <p:nvCxnSpPr>
+            <p:cNvPr id="87" name="Straight Connector 86">
+              <a:extLst>
+                <a:ext uri="{FF2B5EF4-FFF2-40B4-BE49-F238E27FC236}">
+                  <a16:creationId xmlns:a16="http://schemas.microsoft.com/office/drawing/2014/main" id="{89C0534E-1F80-896F-3CD1-3F09556DCF7B}"/>
+                </a:ext>
+              </a:extLst>
+            </p:cNvPr>
+            <p:cNvCxnSpPr>
+              <a:cxnSpLocks/>
+            </p:cNvCxnSpPr>
+            <p:nvPr/>
+          </p:nvCxnSpPr>
+          <p:spPr>
+            <a:xfrm rot="10800000" flipV="1">
+              <a:off x="3433237" y="2117578"/>
+              <a:ext cx="252284" cy="232308"/>
+            </a:xfrm>
+            <a:prstGeom prst="line">
+              <a:avLst/>
+            </a:prstGeom>
+            <a:ln w="38100">
+              <a:solidFill>
+                <a:srgbClr val="002060"/>
+              </a:solidFill>
+            </a:ln>
+          </p:spPr>
+          <p:style>
+            <a:lnRef idx="1">
+              <a:schemeClr val="accent1"/>
+            </a:lnRef>
+            <a:fillRef idx="0">
+              <a:schemeClr val="accent1"/>
+            </a:fillRef>
+            <a:effectRef idx="0">
+              <a:schemeClr val="accent1"/>
+            </a:effectRef>
+            <a:fontRef idx="minor">
+              <a:schemeClr val="tx1"/>
+            </a:fontRef>
+          </p:style>
+        </p:cxnSp>
+      </p:grpSp>
+      <p:grpSp>
+        <p:nvGrpSpPr>
+          <p:cNvPr id="95" name="Group 94">
+            <a:extLst>
+              <a:ext uri="{FF2B5EF4-FFF2-40B4-BE49-F238E27FC236}">
+                <a16:creationId xmlns:a16="http://schemas.microsoft.com/office/drawing/2014/main" id="{B48BC69B-2250-A75A-95EE-42D946346525}"/>
+              </a:ext>
+            </a:extLst>
+          </p:cNvPr>
+          <p:cNvGrpSpPr/>
+          <p:nvPr/>
+        </p:nvGrpSpPr>
+        <p:grpSpPr>
+          <a:xfrm rot="10800000" flipH="1" flipV="1">
+            <a:off x="3270909" y="1823431"/>
+            <a:ext cx="645274" cy="980150"/>
+            <a:chOff x="3193236" y="1910774"/>
+            <a:chExt cx="548579" cy="1064887"/>
+          </a:xfrm>
+        </p:grpSpPr>
+        <p:sp>
+          <p:nvSpPr>
+            <p:cNvPr id="96" name="Isosceles Triangle 95">
+              <a:extLst>
+                <a:ext uri="{FF2B5EF4-FFF2-40B4-BE49-F238E27FC236}">
+                  <a16:creationId xmlns:a16="http://schemas.microsoft.com/office/drawing/2014/main" id="{6DBF98A0-7E92-109D-212A-988EB23F6E38}"/>
+                </a:ext>
+              </a:extLst>
+            </p:cNvPr>
+            <p:cNvSpPr/>
+            <p:nvPr/>
+          </p:nvSpPr>
+          <p:spPr>
+            <a:xfrm>
+              <a:off x="3193236" y="2328433"/>
+              <a:ext cx="489316" cy="396258"/>
+            </a:xfrm>
+            <a:prstGeom prst="triangle">
+              <a:avLst/>
+            </a:prstGeom>
+            <a:solidFill>
+              <a:srgbClr val="002060"/>
+            </a:solidFill>
+            <a:ln>
+              <a:solidFill>
+                <a:srgbClr val="002060"/>
+              </a:solidFill>
+            </a:ln>
+          </p:spPr>
+          <p:style>
+            <a:lnRef idx="2">
+              <a:schemeClr val="accent1">
+                <a:shade val="50000"/>
+              </a:schemeClr>
+            </a:lnRef>
+            <a:fillRef idx="1">
+              <a:schemeClr val="accent1"/>
+            </a:fillRef>
+            <a:effectRef idx="0">
+              <a:schemeClr val="accent1"/>
+            </a:effectRef>
+            <a:fontRef idx="minor">
+              <a:schemeClr val="lt1"/>
+            </a:fontRef>
+          </p:style>
+          <p:txBody>
+            <a:bodyPr rtlCol="0" anchor="ctr"/>
+            <a:lstStyle/>
+            <a:p>
+              <a:pPr algn="ctr"/>
+              <a:endParaRPr lang="en-IN"/>
+            </a:p>
+          </p:txBody>
+        </p:sp>
+        <p:cxnSp>
+          <p:nvCxnSpPr>
+            <p:cNvPr id="97" name="Straight Connector 96">
+              <a:extLst>
+                <a:ext uri="{FF2B5EF4-FFF2-40B4-BE49-F238E27FC236}">
+                  <a16:creationId xmlns:a16="http://schemas.microsoft.com/office/drawing/2014/main" id="{75ED46EB-5D87-E2B2-4BBE-BA565034E2DF}"/>
+                </a:ext>
+              </a:extLst>
+            </p:cNvPr>
+            <p:cNvCxnSpPr>
+              <a:cxnSpLocks/>
+            </p:cNvCxnSpPr>
+            <p:nvPr/>
+          </p:nvCxnSpPr>
+          <p:spPr>
+            <a:xfrm rot="10800000" flipH="1">
+              <a:off x="3222812" y="2339456"/>
+              <a:ext cx="456636" cy="1"/>
+            </a:xfrm>
+            <a:prstGeom prst="line">
+              <a:avLst/>
+            </a:prstGeom>
+            <a:ln w="38100">
+              <a:solidFill>
+                <a:srgbClr val="002060"/>
+              </a:solidFill>
+            </a:ln>
+          </p:spPr>
+          <p:style>
+            <a:lnRef idx="1">
+              <a:schemeClr val="accent1"/>
+            </a:lnRef>
+            <a:fillRef idx="0">
+              <a:schemeClr val="accent1"/>
+            </a:fillRef>
+            <a:effectRef idx="0">
+              <a:schemeClr val="accent1"/>
+            </a:effectRef>
+            <a:fontRef idx="minor">
+              <a:schemeClr val="tx1"/>
+            </a:fontRef>
+          </p:style>
+        </p:cxnSp>
+        <p:cxnSp>
+          <p:nvCxnSpPr>
+            <p:cNvPr id="98" name="Straight Connector 97">
+              <a:extLst>
+                <a:ext uri="{FF2B5EF4-FFF2-40B4-BE49-F238E27FC236}">
+                  <a16:creationId xmlns:a16="http://schemas.microsoft.com/office/drawing/2014/main" id="{2948E2C8-AE20-45D8-F6C9-2B88008238E1}"/>
+                </a:ext>
+              </a:extLst>
+            </p:cNvPr>
+            <p:cNvCxnSpPr>
+              <a:cxnSpLocks/>
+            </p:cNvCxnSpPr>
+            <p:nvPr/>
+          </p:nvCxnSpPr>
+          <p:spPr>
+            <a:xfrm rot="10800000" flipV="1">
+              <a:off x="3435967" y="1910774"/>
+              <a:ext cx="1" cy="1064887"/>
+            </a:xfrm>
+            <a:prstGeom prst="line">
+              <a:avLst/>
+            </a:prstGeom>
+            <a:ln w="38100">
+              <a:solidFill>
+                <a:srgbClr val="002060"/>
+              </a:solidFill>
+            </a:ln>
+          </p:spPr>
+          <p:style>
+            <a:lnRef idx="1">
+              <a:schemeClr val="accent1"/>
+            </a:lnRef>
+            <a:fillRef idx="0">
+              <a:schemeClr val="accent1"/>
+            </a:fillRef>
+            <a:effectRef idx="0">
+              <a:schemeClr val="accent1"/>
+            </a:effectRef>
+            <a:fontRef idx="minor">
+              <a:schemeClr val="tx1"/>
+            </a:fontRef>
+          </p:style>
+        </p:cxnSp>
+        <p:sp>
+          <p:nvSpPr>
+            <p:cNvPr id="99" name="Oval 98">
+              <a:extLst>
+                <a:ext uri="{FF2B5EF4-FFF2-40B4-BE49-F238E27FC236}">
+                  <a16:creationId xmlns:a16="http://schemas.microsoft.com/office/drawing/2014/main" id="{24B46E0A-A6D8-FA8E-251B-86845CC0EADE}"/>
+                </a:ext>
+              </a:extLst>
+            </p:cNvPr>
+            <p:cNvSpPr/>
+            <p:nvPr/>
+          </p:nvSpPr>
+          <p:spPr>
+            <a:xfrm>
+              <a:off x="3647976" y="2055991"/>
+              <a:ext cx="93839" cy="88564"/>
+            </a:xfrm>
+            <a:prstGeom prst="ellipse">
+              <a:avLst/>
+            </a:prstGeom>
+            <a:solidFill>
+              <a:srgbClr val="002060"/>
+            </a:solidFill>
+            <a:ln>
+              <a:noFill/>
+            </a:ln>
+          </p:spPr>
+          <p:style>
+            <a:lnRef idx="2">
+              <a:schemeClr val="accent1">
+                <a:shade val="50000"/>
+              </a:schemeClr>
+            </a:lnRef>
+            <a:fillRef idx="1">
+              <a:schemeClr val="accent1"/>
+            </a:fillRef>
+            <a:effectRef idx="0">
+              <a:schemeClr val="accent1"/>
+            </a:effectRef>
+            <a:fontRef idx="minor">
+              <a:schemeClr val="lt1"/>
+            </a:fontRef>
+          </p:style>
+          <p:txBody>
+            <a:bodyPr rtlCol="0" anchor="ctr"/>
+            <a:lstStyle/>
+            <a:p>
+              <a:pPr algn="ctr"/>
+              <a:endParaRPr lang="en-IN"/>
+            </a:p>
+          </p:txBody>
+        </p:sp>
+        <p:cxnSp>
+          <p:nvCxnSpPr>
+            <p:cNvPr id="100" name="Straight Connector 99">
+              <a:extLst>
+                <a:ext uri="{FF2B5EF4-FFF2-40B4-BE49-F238E27FC236}">
+                  <a16:creationId xmlns:a16="http://schemas.microsoft.com/office/drawing/2014/main" id="{5A32E3A4-598D-BD12-236B-D9E632D4F00B}"/>
+                </a:ext>
+              </a:extLst>
+            </p:cNvPr>
+            <p:cNvCxnSpPr>
+              <a:cxnSpLocks/>
+            </p:cNvCxnSpPr>
+            <p:nvPr/>
+          </p:nvCxnSpPr>
+          <p:spPr>
+            <a:xfrm rot="10800000" flipV="1">
+              <a:off x="3433237" y="2117578"/>
+              <a:ext cx="252284" cy="232308"/>
+            </a:xfrm>
+            <a:prstGeom prst="line">
+              <a:avLst/>
+            </a:prstGeom>
+            <a:ln w="38100">
+              <a:solidFill>
+                <a:srgbClr val="002060"/>
+              </a:solidFill>
+            </a:ln>
+          </p:spPr>
+          <p:style>
+            <a:lnRef idx="1">
+              <a:schemeClr val="accent1"/>
+            </a:lnRef>
+            <a:fillRef idx="0">
+              <a:schemeClr val="accent1"/>
+            </a:fillRef>
+            <a:effectRef idx="0">
+              <a:schemeClr val="accent1"/>
+            </a:effectRef>
+            <a:fontRef idx="minor">
+              <a:schemeClr val="tx1"/>
+            </a:fontRef>
+          </p:style>
+        </p:cxnSp>
+      </p:grpSp>
+      <p:sp>
+        <p:nvSpPr>
+          <p:cNvPr id="111" name="TextBox 110">
+            <a:extLst>
+              <a:ext uri="{FF2B5EF4-FFF2-40B4-BE49-F238E27FC236}">
+                <a16:creationId xmlns:a16="http://schemas.microsoft.com/office/drawing/2014/main" id="{3295567C-6B86-6072-FEE9-5598FE5F66E9}"/>
+              </a:ext>
+            </a:extLst>
+          </p:cNvPr>
+          <p:cNvSpPr txBox="1"/>
+          <p:nvPr/>
+        </p:nvSpPr>
+        <p:spPr>
+          <a:xfrm>
+            <a:off x="1443294" y="1981991"/>
+            <a:ext cx="769434" cy="523220"/>
+          </a:xfrm>
+          <a:prstGeom prst="rect">
+            <a:avLst/>
+          </a:prstGeom>
+          <a:noFill/>
+        </p:spPr>
+        <p:txBody>
+          <a:bodyPr wrap="square" rtlCol="0">
+            <a:spAutoFit/>
+          </a:bodyPr>
+          <a:lstStyle/>
+          <a:p>
+            <a:r>
+              <a:rPr lang="en-IN" sz="2800" b="1" dirty="0">
+                <a:solidFill>
+                  <a:srgbClr val="C00000"/>
+                </a:solidFill>
+              </a:rPr>
+              <a:t>T</a:t>
+            </a:r>
+            <a:r>
+              <a:rPr lang="en-IN" sz="2800" b="1" baseline="-25000" dirty="0">
+                <a:solidFill>
+                  <a:srgbClr val="C00000"/>
+                </a:solidFill>
+              </a:rPr>
+              <a:t>1</a:t>
+            </a:r>
+            <a:endParaRPr lang="en-IN" sz="2800" b="1" dirty="0">
+              <a:solidFill>
+                <a:srgbClr val="C00000"/>
+              </a:solidFill>
+            </a:endParaRPr>
+          </a:p>
+        </p:txBody>
+      </p:sp>
+      <p:sp>
+        <p:nvSpPr>
+          <p:cNvPr id="112" name="TextBox 111">
+            <a:extLst>
+              <a:ext uri="{FF2B5EF4-FFF2-40B4-BE49-F238E27FC236}">
+                <a16:creationId xmlns:a16="http://schemas.microsoft.com/office/drawing/2014/main" id="{7F1A356C-FF72-323B-923F-7F965F4A5FE3}"/>
+              </a:ext>
+            </a:extLst>
+          </p:cNvPr>
+          <p:cNvSpPr txBox="1"/>
+          <p:nvPr/>
+        </p:nvSpPr>
+        <p:spPr>
+          <a:xfrm>
+            <a:off x="2861403" y="2010969"/>
+            <a:ext cx="769434" cy="523220"/>
+          </a:xfrm>
+          <a:prstGeom prst="rect">
+            <a:avLst/>
+          </a:prstGeom>
+          <a:noFill/>
+        </p:spPr>
+        <p:txBody>
+          <a:bodyPr wrap="square" rtlCol="0">
+            <a:spAutoFit/>
+          </a:bodyPr>
+          <a:lstStyle/>
+          <a:p>
+            <a:r>
+              <a:rPr lang="en-IN" sz="2800" b="1" dirty="0">
+                <a:solidFill>
+                  <a:srgbClr val="C00000"/>
+                </a:solidFill>
+              </a:rPr>
+              <a:t>T</a:t>
+            </a:r>
+            <a:r>
+              <a:rPr lang="en-IN" sz="2800" b="1" baseline="-25000" dirty="0">
+                <a:solidFill>
+                  <a:srgbClr val="C00000"/>
+                </a:solidFill>
+              </a:rPr>
+              <a:t>3</a:t>
+            </a:r>
+            <a:endParaRPr lang="en-IN" sz="2800" b="1" dirty="0">
+              <a:solidFill>
+                <a:srgbClr val="C00000"/>
+              </a:solidFill>
+            </a:endParaRPr>
+          </a:p>
+        </p:txBody>
+      </p:sp>
+      <p:sp>
+        <p:nvSpPr>
+          <p:cNvPr id="113" name="TextBox 112">
+            <a:extLst>
+              <a:ext uri="{FF2B5EF4-FFF2-40B4-BE49-F238E27FC236}">
+                <a16:creationId xmlns:a16="http://schemas.microsoft.com/office/drawing/2014/main" id="{A4B924A0-8FB5-32C3-EE74-13C28CF7FA27}"/>
+              </a:ext>
+            </a:extLst>
+          </p:cNvPr>
+          <p:cNvSpPr txBox="1"/>
+          <p:nvPr/>
+        </p:nvSpPr>
+        <p:spPr>
+          <a:xfrm>
+            <a:off x="2806513" y="4816098"/>
+            <a:ext cx="769434" cy="523220"/>
+          </a:xfrm>
+          <a:prstGeom prst="rect">
+            <a:avLst/>
+          </a:prstGeom>
+          <a:noFill/>
+        </p:spPr>
+        <p:txBody>
+          <a:bodyPr wrap="square" rtlCol="0">
+            <a:spAutoFit/>
+          </a:bodyPr>
+          <a:lstStyle/>
+          <a:p>
+            <a:r>
+              <a:rPr lang="en-IN" sz="2800" b="1" dirty="0">
+                <a:solidFill>
+                  <a:srgbClr val="C00000"/>
+                </a:solidFill>
+              </a:rPr>
+              <a:t>T</a:t>
+            </a:r>
+            <a:r>
+              <a:rPr lang="en-IN" sz="2800" b="1" baseline="-25000" dirty="0">
+                <a:solidFill>
+                  <a:srgbClr val="C00000"/>
+                </a:solidFill>
+              </a:rPr>
+              <a:t>2</a:t>
+            </a:r>
+            <a:endParaRPr lang="en-IN" sz="2800" b="1" dirty="0">
+              <a:solidFill>
+                <a:srgbClr val="C00000"/>
+              </a:solidFill>
+            </a:endParaRPr>
+          </a:p>
+        </p:txBody>
+      </p:sp>
+      <p:sp>
+        <p:nvSpPr>
+          <p:cNvPr id="114" name="TextBox 113">
+            <a:extLst>
+              <a:ext uri="{FF2B5EF4-FFF2-40B4-BE49-F238E27FC236}">
+                <a16:creationId xmlns:a16="http://schemas.microsoft.com/office/drawing/2014/main" id="{927C7DDC-9AFE-7854-B7BD-265D8BD0ADDA}"/>
+              </a:ext>
+            </a:extLst>
+          </p:cNvPr>
+          <p:cNvSpPr txBox="1"/>
+          <p:nvPr/>
+        </p:nvSpPr>
+        <p:spPr>
+          <a:xfrm>
+            <a:off x="1435272" y="4816098"/>
+            <a:ext cx="769434" cy="523220"/>
+          </a:xfrm>
+          <a:prstGeom prst="rect">
+            <a:avLst/>
+          </a:prstGeom>
+          <a:noFill/>
+        </p:spPr>
+        <p:txBody>
+          <a:bodyPr wrap="square" rtlCol="0">
+            <a:spAutoFit/>
+          </a:bodyPr>
+          <a:lstStyle/>
+          <a:p>
+            <a:r>
+              <a:rPr lang="en-IN" sz="2800" b="1" dirty="0">
+                <a:solidFill>
+                  <a:srgbClr val="C00000"/>
+                </a:solidFill>
+              </a:rPr>
+              <a:t>T</a:t>
+            </a:r>
+            <a:r>
+              <a:rPr lang="en-IN" sz="2800" b="1" baseline="-25000" dirty="0">
+                <a:solidFill>
+                  <a:srgbClr val="C00000"/>
+                </a:solidFill>
+              </a:rPr>
+              <a:t>4</a:t>
+            </a:r>
+            <a:endParaRPr lang="en-IN" sz="2800" b="1" dirty="0">
+              <a:solidFill>
+                <a:srgbClr val="C00000"/>
+              </a:solidFill>
+            </a:endParaRPr>
+          </a:p>
+        </p:txBody>
+      </p:sp>
+      <p:sp>
+        <p:nvSpPr>
+          <p:cNvPr id="115" name="TextBox 114">
+            <a:extLst>
+              <a:ext uri="{FF2B5EF4-FFF2-40B4-BE49-F238E27FC236}">
+                <a16:creationId xmlns:a16="http://schemas.microsoft.com/office/drawing/2014/main" id="{3675056E-6CB5-059B-A034-AFCA9AA2B3BF}"/>
+              </a:ext>
+            </a:extLst>
+          </p:cNvPr>
+          <p:cNvSpPr txBox="1"/>
+          <p:nvPr/>
+        </p:nvSpPr>
+        <p:spPr>
+          <a:xfrm>
+            <a:off x="445017" y="3850548"/>
+            <a:ext cx="769434" cy="523220"/>
+          </a:xfrm>
+          <a:prstGeom prst="rect">
+            <a:avLst/>
+          </a:prstGeom>
+          <a:noFill/>
+        </p:spPr>
+        <p:txBody>
+          <a:bodyPr wrap="square" rtlCol="0">
+            <a:spAutoFit/>
+          </a:bodyPr>
+          <a:lstStyle/>
+          <a:p>
+            <a:r>
+              <a:rPr lang="en-IN" sz="2800" b="1" dirty="0">
+                <a:solidFill>
+                  <a:srgbClr val="C00000"/>
+                </a:solidFill>
+              </a:rPr>
+              <a:t>V</a:t>
+            </a:r>
+            <a:r>
+              <a:rPr lang="en-IN" sz="2800" b="1" baseline="-25000" dirty="0">
+                <a:solidFill>
+                  <a:srgbClr val="C00000"/>
+                </a:solidFill>
+              </a:rPr>
+              <a:t>in</a:t>
+            </a:r>
+            <a:endParaRPr lang="en-IN" sz="2800" b="1" dirty="0">
+              <a:solidFill>
+                <a:srgbClr val="C00000"/>
+              </a:solidFill>
+            </a:endParaRPr>
+          </a:p>
+        </p:txBody>
+      </p:sp>
+      <p:cxnSp>
+        <p:nvCxnSpPr>
+          <p:cNvPr id="5" name="Straight Connector 4">
+            <a:extLst>
+              <a:ext uri="{FF2B5EF4-FFF2-40B4-BE49-F238E27FC236}">
+                <a16:creationId xmlns:a16="http://schemas.microsoft.com/office/drawing/2014/main" id="{DAC2D3C7-EF33-55F4-BFD7-7F0700979E22}"/>
+              </a:ext>
+            </a:extLst>
+          </p:cNvPr>
+          <p:cNvCxnSpPr>
+            <a:cxnSpLocks/>
+          </p:cNvCxnSpPr>
+          <p:nvPr/>
+        </p:nvCxnSpPr>
+        <p:spPr>
+          <a:xfrm flipH="1">
+            <a:off x="4781180" y="1498744"/>
+            <a:ext cx="3571" cy="4139381"/>
+          </a:xfrm>
+          <a:prstGeom prst="line">
+            <a:avLst/>
+          </a:prstGeom>
+          <a:ln w="38100">
+            <a:solidFill>
+              <a:schemeClr val="tx1"/>
+            </a:solidFill>
+          </a:ln>
+        </p:spPr>
+        <p:style>
+          <a:lnRef idx="1">
+            <a:schemeClr val="accent1"/>
+          </a:lnRef>
+          <a:fillRef idx="0">
+            <a:schemeClr val="accent1"/>
+          </a:fillRef>
+          <a:effectRef idx="0">
+            <a:schemeClr val="accent1"/>
+          </a:effectRef>
+          <a:fontRef idx="minor">
+            <a:schemeClr val="tx1"/>
+          </a:fontRef>
+        </p:style>
+      </p:cxnSp>
+      <p:grpSp>
+        <p:nvGrpSpPr>
+          <p:cNvPr id="6" name="Group 5">
+            <a:extLst>
+              <a:ext uri="{FF2B5EF4-FFF2-40B4-BE49-F238E27FC236}">
+                <a16:creationId xmlns:a16="http://schemas.microsoft.com/office/drawing/2014/main" id="{9062206E-9358-FE74-F147-B79A9AEC2AE8}"/>
+              </a:ext>
+            </a:extLst>
+          </p:cNvPr>
+          <p:cNvGrpSpPr/>
+          <p:nvPr/>
+        </p:nvGrpSpPr>
+        <p:grpSpPr>
+          <a:xfrm rot="10800000" flipH="1" flipV="1">
+            <a:off x="4493619" y="3194773"/>
+            <a:ext cx="575565" cy="980150"/>
+            <a:chOff x="3193236" y="1910774"/>
+            <a:chExt cx="489316" cy="1064887"/>
+          </a:xfrm>
+        </p:grpSpPr>
+        <p:sp>
+          <p:nvSpPr>
+            <p:cNvPr id="7" name="Isosceles Triangle 6">
+              <a:extLst>
+                <a:ext uri="{FF2B5EF4-FFF2-40B4-BE49-F238E27FC236}">
+                  <a16:creationId xmlns:a16="http://schemas.microsoft.com/office/drawing/2014/main" id="{779D0945-179A-2814-1309-D122BDE4253B}"/>
+                </a:ext>
+              </a:extLst>
+            </p:cNvPr>
+            <p:cNvSpPr/>
+            <p:nvPr/>
+          </p:nvSpPr>
+          <p:spPr>
+            <a:xfrm>
+              <a:off x="3193236" y="2328433"/>
+              <a:ext cx="489316" cy="396258"/>
+            </a:xfrm>
+            <a:prstGeom prst="triangle">
+              <a:avLst/>
+            </a:prstGeom>
+            <a:solidFill>
+              <a:srgbClr val="002060"/>
+            </a:solidFill>
+            <a:ln>
+              <a:solidFill>
+                <a:srgbClr val="002060"/>
+              </a:solidFill>
+            </a:ln>
+          </p:spPr>
+          <p:style>
+            <a:lnRef idx="2">
+              <a:schemeClr val="accent1">
+                <a:shade val="50000"/>
+              </a:schemeClr>
+            </a:lnRef>
+            <a:fillRef idx="1">
+              <a:schemeClr val="accent1"/>
+            </a:fillRef>
+            <a:effectRef idx="0">
+              <a:schemeClr val="accent1"/>
+            </a:effectRef>
+            <a:fontRef idx="minor">
+              <a:schemeClr val="lt1"/>
+            </a:fontRef>
+          </p:style>
+          <p:txBody>
+            <a:bodyPr rtlCol="0" anchor="ctr"/>
+            <a:lstStyle/>
+            <a:p>
+              <a:pPr algn="ctr"/>
+              <a:endParaRPr lang="en-IN"/>
+            </a:p>
+          </p:txBody>
+        </p:sp>
+        <p:cxnSp>
+          <p:nvCxnSpPr>
+            <p:cNvPr id="8" name="Straight Connector 7">
+              <a:extLst>
+                <a:ext uri="{FF2B5EF4-FFF2-40B4-BE49-F238E27FC236}">
+                  <a16:creationId xmlns:a16="http://schemas.microsoft.com/office/drawing/2014/main" id="{EC05AD93-4A29-F8FC-6E21-D231922213AD}"/>
+                </a:ext>
+              </a:extLst>
+            </p:cNvPr>
+            <p:cNvCxnSpPr>
+              <a:cxnSpLocks/>
+            </p:cNvCxnSpPr>
+            <p:nvPr/>
+          </p:nvCxnSpPr>
+          <p:spPr>
+            <a:xfrm rot="10800000" flipH="1">
+              <a:off x="3222812" y="2339456"/>
+              <a:ext cx="456636" cy="1"/>
+            </a:xfrm>
+            <a:prstGeom prst="line">
+              <a:avLst/>
+            </a:prstGeom>
+            <a:ln w="38100">
+              <a:solidFill>
+                <a:srgbClr val="002060"/>
+              </a:solidFill>
+            </a:ln>
+          </p:spPr>
+          <p:style>
+            <a:lnRef idx="1">
+              <a:schemeClr val="accent1"/>
+            </a:lnRef>
+            <a:fillRef idx="0">
+              <a:schemeClr val="accent1"/>
+            </a:fillRef>
+            <a:effectRef idx="0">
+              <a:schemeClr val="accent1"/>
+            </a:effectRef>
+            <a:fontRef idx="minor">
+              <a:schemeClr val="tx1"/>
+            </a:fontRef>
+          </p:style>
+        </p:cxnSp>
+        <p:cxnSp>
+          <p:nvCxnSpPr>
+            <p:cNvPr id="9" name="Straight Connector 8">
+              <a:extLst>
+                <a:ext uri="{FF2B5EF4-FFF2-40B4-BE49-F238E27FC236}">
+                  <a16:creationId xmlns:a16="http://schemas.microsoft.com/office/drawing/2014/main" id="{527A2735-5268-4BE8-9CBA-E2D269814C25}"/>
+                </a:ext>
+              </a:extLst>
+            </p:cNvPr>
+            <p:cNvCxnSpPr>
+              <a:cxnSpLocks/>
+            </p:cNvCxnSpPr>
+            <p:nvPr/>
+          </p:nvCxnSpPr>
+          <p:spPr>
+            <a:xfrm rot="10800000" flipV="1">
+              <a:off x="3435967" y="1910774"/>
+              <a:ext cx="1" cy="1064887"/>
+            </a:xfrm>
+            <a:prstGeom prst="line">
+              <a:avLst/>
+            </a:prstGeom>
+            <a:ln w="38100">
+              <a:solidFill>
+                <a:srgbClr val="002060"/>
+              </a:solidFill>
+            </a:ln>
+          </p:spPr>
+          <p:style>
+            <a:lnRef idx="1">
+              <a:schemeClr val="accent1"/>
+            </a:lnRef>
+            <a:fillRef idx="0">
+              <a:schemeClr val="accent1"/>
+            </a:fillRef>
+            <a:effectRef idx="0">
+              <a:schemeClr val="accent1"/>
+            </a:effectRef>
+            <a:fontRef idx="minor">
+              <a:schemeClr val="tx1"/>
+            </a:fontRef>
+          </p:style>
+        </p:cxnSp>
+      </p:grpSp>
+      <p:sp>
+        <p:nvSpPr>
+          <p:cNvPr id="10" name="TextBox 9">
+            <a:extLst>
+              <a:ext uri="{FF2B5EF4-FFF2-40B4-BE49-F238E27FC236}">
+                <a16:creationId xmlns:a16="http://schemas.microsoft.com/office/drawing/2014/main" id="{481F741F-4C33-9CCA-381D-3EE583C367EF}"/>
+              </a:ext>
+            </a:extLst>
+          </p:cNvPr>
+          <p:cNvSpPr txBox="1"/>
+          <p:nvPr/>
+        </p:nvSpPr>
+        <p:spPr>
+          <a:xfrm>
+            <a:off x="4178478" y="3100619"/>
+            <a:ext cx="769434" cy="523220"/>
+          </a:xfrm>
+          <a:prstGeom prst="rect">
+            <a:avLst/>
+          </a:prstGeom>
+          <a:noFill/>
+        </p:spPr>
+        <p:txBody>
+          <a:bodyPr wrap="square" rtlCol="0">
+            <a:spAutoFit/>
+          </a:bodyPr>
+          <a:lstStyle/>
+          <a:p>
+            <a:r>
+              <a:rPr lang="en-IN" sz="2800" b="1" dirty="0">
+                <a:solidFill>
+                  <a:srgbClr val="C00000"/>
+                </a:solidFill>
+              </a:rPr>
+              <a:t>FD</a:t>
+            </a:r>
+          </a:p>
+        </p:txBody>
+      </p:sp>
+      <p:grpSp>
+        <p:nvGrpSpPr>
+          <p:cNvPr id="11" name="Group 10">
+            <a:extLst>
+              <a:ext uri="{FF2B5EF4-FFF2-40B4-BE49-F238E27FC236}">
+                <a16:creationId xmlns:a16="http://schemas.microsoft.com/office/drawing/2014/main" id="{55074B24-DD49-87E7-C161-CBABC6475C35}"/>
+              </a:ext>
+            </a:extLst>
+          </p:cNvPr>
+          <p:cNvGrpSpPr/>
+          <p:nvPr/>
+        </p:nvGrpSpPr>
+        <p:grpSpPr>
+          <a:xfrm rot="10800000" flipH="1" flipV="1">
+            <a:off x="3257807" y="4545372"/>
+            <a:ext cx="645274" cy="980150"/>
+            <a:chOff x="3193236" y="1910774"/>
+            <a:chExt cx="548579" cy="1064887"/>
+          </a:xfrm>
+        </p:grpSpPr>
+        <p:sp>
+          <p:nvSpPr>
+            <p:cNvPr id="12" name="Isosceles Triangle 11">
+              <a:extLst>
+                <a:ext uri="{FF2B5EF4-FFF2-40B4-BE49-F238E27FC236}">
+                  <a16:creationId xmlns:a16="http://schemas.microsoft.com/office/drawing/2014/main" id="{7A353F86-D9A8-63B5-F810-815ED99F5F74}"/>
+                </a:ext>
+              </a:extLst>
+            </p:cNvPr>
+            <p:cNvSpPr/>
+            <p:nvPr/>
+          </p:nvSpPr>
+          <p:spPr>
+            <a:xfrm>
+              <a:off x="3193236" y="2328433"/>
+              <a:ext cx="489316" cy="396258"/>
+            </a:xfrm>
+            <a:prstGeom prst="triangle">
+              <a:avLst/>
+            </a:prstGeom>
+            <a:solidFill>
+              <a:srgbClr val="002060"/>
+            </a:solidFill>
+            <a:ln>
+              <a:solidFill>
+                <a:srgbClr val="002060"/>
+              </a:solidFill>
+            </a:ln>
+          </p:spPr>
+          <p:style>
+            <a:lnRef idx="2">
+              <a:schemeClr val="accent1">
+                <a:shade val="50000"/>
+              </a:schemeClr>
+            </a:lnRef>
+            <a:fillRef idx="1">
+              <a:schemeClr val="accent1"/>
+            </a:fillRef>
+            <a:effectRef idx="0">
+              <a:schemeClr val="accent1"/>
+            </a:effectRef>
+            <a:fontRef idx="minor">
+              <a:schemeClr val="lt1"/>
+            </a:fontRef>
+          </p:style>
+          <p:txBody>
+            <a:bodyPr rtlCol="0" anchor="ctr"/>
+            <a:lstStyle/>
+            <a:p>
+              <a:pPr algn="ctr"/>
+              <a:endParaRPr lang="en-IN"/>
+            </a:p>
+          </p:txBody>
+        </p:sp>
+        <p:cxnSp>
+          <p:nvCxnSpPr>
+            <p:cNvPr id="13" name="Straight Connector 12">
+              <a:extLst>
+                <a:ext uri="{FF2B5EF4-FFF2-40B4-BE49-F238E27FC236}">
+                  <a16:creationId xmlns:a16="http://schemas.microsoft.com/office/drawing/2014/main" id="{4FE90582-5F69-9048-E34C-EF63CB36A6A6}"/>
+                </a:ext>
+              </a:extLst>
+            </p:cNvPr>
+            <p:cNvCxnSpPr>
+              <a:cxnSpLocks/>
+            </p:cNvCxnSpPr>
+            <p:nvPr/>
+          </p:nvCxnSpPr>
+          <p:spPr>
+            <a:xfrm rot="10800000" flipH="1">
+              <a:off x="3222812" y="2339456"/>
+              <a:ext cx="456636" cy="1"/>
+            </a:xfrm>
+            <a:prstGeom prst="line">
+              <a:avLst/>
+            </a:prstGeom>
+            <a:ln w="38100">
+              <a:solidFill>
+                <a:srgbClr val="002060"/>
+              </a:solidFill>
+            </a:ln>
+          </p:spPr>
+          <p:style>
+            <a:lnRef idx="1">
+              <a:schemeClr val="accent1"/>
+            </a:lnRef>
+            <a:fillRef idx="0">
+              <a:schemeClr val="accent1"/>
+            </a:fillRef>
+            <a:effectRef idx="0">
+              <a:schemeClr val="accent1"/>
+            </a:effectRef>
+            <a:fontRef idx="minor">
+              <a:schemeClr val="tx1"/>
+            </a:fontRef>
+          </p:style>
+        </p:cxnSp>
+        <p:cxnSp>
+          <p:nvCxnSpPr>
+            <p:cNvPr id="14" name="Straight Connector 13">
+              <a:extLst>
+                <a:ext uri="{FF2B5EF4-FFF2-40B4-BE49-F238E27FC236}">
+                  <a16:creationId xmlns:a16="http://schemas.microsoft.com/office/drawing/2014/main" id="{2B88BA6E-0E6B-9AD1-6C93-3202D8C2607D}"/>
+                </a:ext>
+              </a:extLst>
+            </p:cNvPr>
+            <p:cNvCxnSpPr>
+              <a:cxnSpLocks/>
+            </p:cNvCxnSpPr>
+            <p:nvPr/>
+          </p:nvCxnSpPr>
+          <p:spPr>
+            <a:xfrm rot="10800000" flipV="1">
+              <a:off x="3435967" y="1910774"/>
+              <a:ext cx="1" cy="1064887"/>
+            </a:xfrm>
+            <a:prstGeom prst="line">
+              <a:avLst/>
+            </a:prstGeom>
+            <a:ln w="38100">
+              <a:solidFill>
+                <a:srgbClr val="002060"/>
+              </a:solidFill>
+            </a:ln>
+          </p:spPr>
+          <p:style>
+            <a:lnRef idx="1">
+              <a:schemeClr val="accent1"/>
+            </a:lnRef>
+            <a:fillRef idx="0">
+              <a:schemeClr val="accent1"/>
+            </a:fillRef>
+            <a:effectRef idx="0">
+              <a:schemeClr val="accent1"/>
+            </a:effectRef>
+            <a:fontRef idx="minor">
+              <a:schemeClr val="tx1"/>
+            </a:fontRef>
+          </p:style>
+        </p:cxnSp>
+        <p:sp>
+          <p:nvSpPr>
+            <p:cNvPr id="15" name="Oval 14">
+              <a:extLst>
+                <a:ext uri="{FF2B5EF4-FFF2-40B4-BE49-F238E27FC236}">
+                  <a16:creationId xmlns:a16="http://schemas.microsoft.com/office/drawing/2014/main" id="{D8543760-582E-99E0-2EA5-3643441FFF86}"/>
+                </a:ext>
+              </a:extLst>
+            </p:cNvPr>
+            <p:cNvSpPr/>
+            <p:nvPr/>
+          </p:nvSpPr>
+          <p:spPr>
+            <a:xfrm>
+              <a:off x="3647976" y="2055991"/>
+              <a:ext cx="93839" cy="88564"/>
+            </a:xfrm>
+            <a:prstGeom prst="ellipse">
+              <a:avLst/>
+            </a:prstGeom>
+            <a:solidFill>
+              <a:srgbClr val="002060"/>
+            </a:solidFill>
+            <a:ln>
+              <a:noFill/>
+            </a:ln>
+          </p:spPr>
+          <p:style>
+            <a:lnRef idx="2">
+              <a:schemeClr val="accent1">
+                <a:shade val="50000"/>
+              </a:schemeClr>
+            </a:lnRef>
+            <a:fillRef idx="1">
+              <a:schemeClr val="accent1"/>
+            </a:fillRef>
+            <a:effectRef idx="0">
+              <a:schemeClr val="accent1"/>
+            </a:effectRef>
+            <a:fontRef idx="minor">
+              <a:schemeClr val="lt1"/>
+            </a:fontRef>
+          </p:style>
+          <p:txBody>
+            <a:bodyPr rtlCol="0" anchor="ctr"/>
+            <a:lstStyle/>
+            <a:p>
+              <a:pPr algn="ctr"/>
+              <a:endParaRPr lang="en-IN"/>
+            </a:p>
+          </p:txBody>
+        </p:sp>
+        <p:cxnSp>
+          <p:nvCxnSpPr>
+            <p:cNvPr id="16" name="Straight Connector 15">
+              <a:extLst>
+                <a:ext uri="{FF2B5EF4-FFF2-40B4-BE49-F238E27FC236}">
+                  <a16:creationId xmlns:a16="http://schemas.microsoft.com/office/drawing/2014/main" id="{E41FEF4C-36B6-44E8-83DE-2E6387F73EBE}"/>
+                </a:ext>
+              </a:extLst>
+            </p:cNvPr>
+            <p:cNvCxnSpPr>
+              <a:cxnSpLocks/>
+            </p:cNvCxnSpPr>
+            <p:nvPr/>
+          </p:nvCxnSpPr>
+          <p:spPr>
+            <a:xfrm rot="10800000" flipV="1">
+              <a:off x="3433237" y="2117578"/>
+              <a:ext cx="252284" cy="232308"/>
+            </a:xfrm>
+            <a:prstGeom prst="line">
+              <a:avLst/>
+            </a:prstGeom>
+            <a:ln w="38100">
+              <a:solidFill>
+                <a:srgbClr val="002060"/>
+              </a:solidFill>
+            </a:ln>
+          </p:spPr>
+          <p:style>
+            <a:lnRef idx="1">
+              <a:schemeClr val="accent1"/>
+            </a:lnRef>
+            <a:fillRef idx="0">
+              <a:schemeClr val="accent1"/>
+            </a:fillRef>
+            <a:effectRef idx="0">
+              <a:schemeClr val="accent1"/>
+            </a:effectRef>
+            <a:fontRef idx="minor">
+              <a:schemeClr val="tx1"/>
+            </a:fontRef>
+          </p:style>
+        </p:cxnSp>
+      </p:grpSp>
+      <p:grpSp>
+        <p:nvGrpSpPr>
+          <p:cNvPr id="17" name="Group 16">
+            <a:extLst>
+              <a:ext uri="{FF2B5EF4-FFF2-40B4-BE49-F238E27FC236}">
+                <a16:creationId xmlns:a16="http://schemas.microsoft.com/office/drawing/2014/main" id="{69782D00-41EC-49D5-370A-77E03E79D2ED}"/>
+              </a:ext>
+            </a:extLst>
+          </p:cNvPr>
+          <p:cNvGrpSpPr/>
+          <p:nvPr/>
+        </p:nvGrpSpPr>
+        <p:grpSpPr>
+          <a:xfrm rot="10800000" flipH="1" flipV="1">
+            <a:off x="1893617" y="4519545"/>
+            <a:ext cx="645274" cy="980150"/>
+            <a:chOff x="3193236" y="1910774"/>
+            <a:chExt cx="548579" cy="1064887"/>
+          </a:xfrm>
+        </p:grpSpPr>
+        <p:sp>
+          <p:nvSpPr>
+            <p:cNvPr id="18" name="Isosceles Triangle 17">
+              <a:extLst>
+                <a:ext uri="{FF2B5EF4-FFF2-40B4-BE49-F238E27FC236}">
+                  <a16:creationId xmlns:a16="http://schemas.microsoft.com/office/drawing/2014/main" id="{D2C12F21-A9E2-3E73-E175-6A0EE424F4E4}"/>
+                </a:ext>
+              </a:extLst>
+            </p:cNvPr>
+            <p:cNvSpPr/>
+            <p:nvPr/>
+          </p:nvSpPr>
+          <p:spPr>
+            <a:xfrm>
+              <a:off x="3193236" y="2328433"/>
+              <a:ext cx="489316" cy="396258"/>
+            </a:xfrm>
+            <a:prstGeom prst="triangle">
+              <a:avLst/>
+            </a:prstGeom>
+            <a:solidFill>
+              <a:srgbClr val="002060"/>
+            </a:solidFill>
+            <a:ln>
+              <a:solidFill>
+                <a:srgbClr val="002060"/>
+              </a:solidFill>
+            </a:ln>
+          </p:spPr>
+          <p:style>
+            <a:lnRef idx="2">
+              <a:schemeClr val="accent1">
+                <a:shade val="50000"/>
+              </a:schemeClr>
+            </a:lnRef>
+            <a:fillRef idx="1">
+              <a:schemeClr val="accent1"/>
+            </a:fillRef>
+            <a:effectRef idx="0">
+              <a:schemeClr val="accent1"/>
+            </a:effectRef>
+            <a:fontRef idx="minor">
+              <a:schemeClr val="lt1"/>
+            </a:fontRef>
+          </p:style>
+          <p:txBody>
+            <a:bodyPr rtlCol="0" anchor="ctr"/>
+            <a:lstStyle/>
+            <a:p>
+              <a:pPr algn="ctr"/>
+              <a:endParaRPr lang="en-IN"/>
+            </a:p>
+          </p:txBody>
+        </p:sp>
+        <p:cxnSp>
+          <p:nvCxnSpPr>
+            <p:cNvPr id="19" name="Straight Connector 18">
+              <a:extLst>
+                <a:ext uri="{FF2B5EF4-FFF2-40B4-BE49-F238E27FC236}">
+                  <a16:creationId xmlns:a16="http://schemas.microsoft.com/office/drawing/2014/main" id="{B3E521AD-7642-F0C7-5A33-934ABA5EE1E5}"/>
+                </a:ext>
+              </a:extLst>
+            </p:cNvPr>
+            <p:cNvCxnSpPr>
+              <a:cxnSpLocks/>
+            </p:cNvCxnSpPr>
+            <p:nvPr/>
+          </p:nvCxnSpPr>
+          <p:spPr>
+            <a:xfrm rot="10800000" flipH="1">
+              <a:off x="3222812" y="2339456"/>
+              <a:ext cx="456636" cy="1"/>
+            </a:xfrm>
+            <a:prstGeom prst="line">
+              <a:avLst/>
+            </a:prstGeom>
+            <a:ln w="38100">
+              <a:solidFill>
+                <a:srgbClr val="002060"/>
+              </a:solidFill>
+            </a:ln>
+          </p:spPr>
+          <p:style>
+            <a:lnRef idx="1">
+              <a:schemeClr val="accent1"/>
+            </a:lnRef>
+            <a:fillRef idx="0">
+              <a:schemeClr val="accent1"/>
+            </a:fillRef>
+            <a:effectRef idx="0">
+              <a:schemeClr val="accent1"/>
+            </a:effectRef>
+            <a:fontRef idx="minor">
+              <a:schemeClr val="tx1"/>
+            </a:fontRef>
+          </p:style>
+        </p:cxnSp>
+        <p:cxnSp>
+          <p:nvCxnSpPr>
+            <p:cNvPr id="20" name="Straight Connector 19">
+              <a:extLst>
+                <a:ext uri="{FF2B5EF4-FFF2-40B4-BE49-F238E27FC236}">
+                  <a16:creationId xmlns:a16="http://schemas.microsoft.com/office/drawing/2014/main" id="{0B9E2629-ACD6-FD20-643C-10FCD0891E43}"/>
+                </a:ext>
+              </a:extLst>
+            </p:cNvPr>
+            <p:cNvCxnSpPr>
+              <a:cxnSpLocks/>
+            </p:cNvCxnSpPr>
+            <p:nvPr/>
+          </p:nvCxnSpPr>
+          <p:spPr>
+            <a:xfrm rot="10800000" flipV="1">
+              <a:off x="3435967" y="1910774"/>
+              <a:ext cx="1" cy="1064887"/>
+            </a:xfrm>
+            <a:prstGeom prst="line">
+              <a:avLst/>
+            </a:prstGeom>
+            <a:ln w="38100">
+              <a:solidFill>
+                <a:srgbClr val="002060"/>
+              </a:solidFill>
+            </a:ln>
+          </p:spPr>
+          <p:style>
+            <a:lnRef idx="1">
+              <a:schemeClr val="accent1"/>
+            </a:lnRef>
+            <a:fillRef idx="0">
+              <a:schemeClr val="accent1"/>
+            </a:fillRef>
+            <a:effectRef idx="0">
+              <a:schemeClr val="accent1"/>
+            </a:effectRef>
+            <a:fontRef idx="minor">
+              <a:schemeClr val="tx1"/>
+            </a:fontRef>
+          </p:style>
+        </p:cxnSp>
+        <p:sp>
+          <p:nvSpPr>
+            <p:cNvPr id="21" name="Oval 20">
+              <a:extLst>
+                <a:ext uri="{FF2B5EF4-FFF2-40B4-BE49-F238E27FC236}">
+                  <a16:creationId xmlns:a16="http://schemas.microsoft.com/office/drawing/2014/main" id="{D14D9864-4750-743C-CDB5-D74885D7D240}"/>
+                </a:ext>
+              </a:extLst>
+            </p:cNvPr>
+            <p:cNvSpPr/>
+            <p:nvPr/>
+          </p:nvSpPr>
+          <p:spPr>
+            <a:xfrm>
+              <a:off x="3647976" y="2055991"/>
+              <a:ext cx="93839" cy="88564"/>
+            </a:xfrm>
+            <a:prstGeom prst="ellipse">
+              <a:avLst/>
+            </a:prstGeom>
+            <a:solidFill>
+              <a:srgbClr val="002060"/>
+            </a:solidFill>
+            <a:ln>
+              <a:noFill/>
+            </a:ln>
+          </p:spPr>
+          <p:style>
+            <a:lnRef idx="2">
+              <a:schemeClr val="accent1">
+                <a:shade val="50000"/>
+              </a:schemeClr>
+            </a:lnRef>
+            <a:fillRef idx="1">
+              <a:schemeClr val="accent1"/>
+            </a:fillRef>
+            <a:effectRef idx="0">
+              <a:schemeClr val="accent1"/>
+            </a:effectRef>
+            <a:fontRef idx="minor">
+              <a:schemeClr val="lt1"/>
+            </a:fontRef>
+          </p:style>
+          <p:txBody>
+            <a:bodyPr rtlCol="0" anchor="ctr"/>
+            <a:lstStyle/>
+            <a:p>
+              <a:pPr algn="ctr"/>
+              <a:endParaRPr lang="en-IN"/>
+            </a:p>
+          </p:txBody>
+        </p:sp>
+        <p:cxnSp>
+          <p:nvCxnSpPr>
+            <p:cNvPr id="22" name="Straight Connector 21">
+              <a:extLst>
+                <a:ext uri="{FF2B5EF4-FFF2-40B4-BE49-F238E27FC236}">
+                  <a16:creationId xmlns:a16="http://schemas.microsoft.com/office/drawing/2014/main" id="{72EB1B48-D453-BECD-C6C8-11072C0974B3}"/>
+                </a:ext>
+              </a:extLst>
+            </p:cNvPr>
+            <p:cNvCxnSpPr>
+              <a:cxnSpLocks/>
+            </p:cNvCxnSpPr>
+            <p:nvPr/>
+          </p:nvCxnSpPr>
+          <p:spPr>
+            <a:xfrm rot="10800000" flipV="1">
+              <a:off x="3433237" y="2117578"/>
+              <a:ext cx="252284" cy="232308"/>
+            </a:xfrm>
+            <a:prstGeom prst="line">
+              <a:avLst/>
+            </a:prstGeom>
+            <a:ln w="38100">
+              <a:solidFill>
+                <a:srgbClr val="002060"/>
+              </a:solidFill>
+            </a:ln>
+          </p:spPr>
+          <p:style>
+            <a:lnRef idx="1">
+              <a:schemeClr val="accent1"/>
+            </a:lnRef>
+            <a:fillRef idx="0">
+              <a:schemeClr val="accent1"/>
+            </a:fillRef>
+            <a:effectRef idx="0">
+              <a:schemeClr val="accent1"/>
+            </a:effectRef>
+            <a:fontRef idx="minor">
+              <a:schemeClr val="tx1"/>
+            </a:fontRef>
+          </p:style>
+        </p:cxnSp>
+      </p:grpSp>
+    </p:spTree>
+    <p:extLst>
+      <p:ext uri="{BB962C8B-B14F-4D97-AF65-F5344CB8AC3E}">
+        <p14:creationId xmlns:p14="http://schemas.microsoft.com/office/powerpoint/2010/main" val="1856851905"/>
+      </p:ext>
+    </p:extLst>
+  </p:cSld>
+  <p:clrMapOvr>
+    <a:masterClrMapping/>
+  </p:clrMapOvr>
+</p:sld>
+</file>
+
+<file path=ppt/slides/slide4.xml><?xml version="1.0" encoding="utf-8"?>
+<p:sld xmlns:a="http://schemas.openxmlformats.org/drawingml/2006/main" xmlns:r="http://schemas.openxmlformats.org/officeDocument/2006/relationships" xmlns:p="http://schemas.openxmlformats.org/presentationml/2006/main">
+  <p:cSld>
+    <p:spTree>
+      <p:nvGrpSpPr>
+        <p:cNvPr id="1" name=""/>
+        <p:cNvGrpSpPr/>
+        <p:nvPr/>
+      </p:nvGrpSpPr>
+      <p:grpSpPr>
+        <a:xfrm>
+          <a:off x="0" y="0"/>
+          <a:ext cx="0" cy="0"/>
+          <a:chOff x="0" y="0"/>
+          <a:chExt cx="0" cy="0"/>
+        </a:xfrm>
+      </p:grpSpPr>
+      <p:cxnSp>
+        <p:nvCxnSpPr>
+          <p:cNvPr id="61" name="Straight Connector 60">
+            <a:extLst>
+              <a:ext uri="{FF2B5EF4-FFF2-40B4-BE49-F238E27FC236}">
+                <a16:creationId xmlns:a16="http://schemas.microsoft.com/office/drawing/2014/main" id="{6E6BEE10-3338-C075-F2B0-5FD85041E444}"/>
+              </a:ext>
+            </a:extLst>
+          </p:cNvPr>
+          <p:cNvCxnSpPr>
+            <a:cxnSpLocks/>
+          </p:cNvCxnSpPr>
+          <p:nvPr/>
+        </p:nvCxnSpPr>
+        <p:spPr>
+          <a:xfrm>
+            <a:off x="1049848" y="3033439"/>
+            <a:ext cx="0" cy="1355990"/>
+          </a:xfrm>
+          <a:prstGeom prst="line">
+            <a:avLst/>
+          </a:prstGeom>
+          <a:ln w="38100">
+            <a:solidFill>
+              <a:schemeClr val="tx1"/>
+            </a:solidFill>
+          </a:ln>
+        </p:spPr>
+        <p:style>
+          <a:lnRef idx="1">
+            <a:schemeClr val="accent1"/>
+          </a:lnRef>
+          <a:fillRef idx="0">
+            <a:schemeClr val="accent1"/>
+          </a:fillRef>
+          <a:effectRef idx="0">
+            <a:schemeClr val="accent1"/>
+          </a:effectRef>
+          <a:fontRef idx="minor">
+            <a:schemeClr val="tx1"/>
+          </a:fontRef>
+        </p:style>
+      </p:cxnSp>
+      <p:cxnSp>
+        <p:nvCxnSpPr>
+          <p:cNvPr id="36" name="Straight Connector 35">
+            <a:extLst>
+              <a:ext uri="{FF2B5EF4-FFF2-40B4-BE49-F238E27FC236}">
+                <a16:creationId xmlns:a16="http://schemas.microsoft.com/office/drawing/2014/main" id="{7884BA5A-55B1-D71F-A39E-BFCEDA607B4E}"/>
+              </a:ext>
+            </a:extLst>
+          </p:cNvPr>
+          <p:cNvCxnSpPr>
+            <a:cxnSpLocks/>
+          </p:cNvCxnSpPr>
+          <p:nvPr/>
+        </p:nvCxnSpPr>
+        <p:spPr>
+          <a:xfrm flipH="1">
+            <a:off x="3550206" y="1498744"/>
+            <a:ext cx="3571" cy="4139381"/>
+          </a:xfrm>
+          <a:prstGeom prst="line">
+            <a:avLst/>
+          </a:prstGeom>
+          <a:ln w="38100">
+            <a:solidFill>
+              <a:schemeClr val="tx1"/>
+            </a:solidFill>
+          </a:ln>
+        </p:spPr>
+        <p:style>
+          <a:lnRef idx="1">
+            <a:schemeClr val="accent1"/>
+          </a:lnRef>
+          <a:fillRef idx="0">
+            <a:schemeClr val="accent1"/>
+          </a:fillRef>
+          <a:effectRef idx="0">
+            <a:schemeClr val="accent1"/>
+          </a:effectRef>
+          <a:fontRef idx="minor">
+            <a:schemeClr val="tx1"/>
+          </a:fontRef>
+        </p:style>
+      </p:cxnSp>
+      <p:cxnSp>
+        <p:nvCxnSpPr>
+          <p:cNvPr id="32" name="Straight Connector 31">
+            <a:extLst>
+              <a:ext uri="{FF2B5EF4-FFF2-40B4-BE49-F238E27FC236}">
+                <a16:creationId xmlns:a16="http://schemas.microsoft.com/office/drawing/2014/main" id="{580B232C-F971-45E5-95D0-9BF514D8EA7F}"/>
+              </a:ext>
+            </a:extLst>
+          </p:cNvPr>
+          <p:cNvCxnSpPr>
+            <a:cxnSpLocks/>
+          </p:cNvCxnSpPr>
+          <p:nvPr/>
+        </p:nvCxnSpPr>
+        <p:spPr>
+          <a:xfrm flipH="1">
+            <a:off x="2176747" y="1498745"/>
+            <a:ext cx="3571" cy="4139381"/>
+          </a:xfrm>
+          <a:prstGeom prst="line">
+            <a:avLst/>
+          </a:prstGeom>
+          <a:ln w="38100">
+            <a:solidFill>
+              <a:schemeClr val="tx1"/>
+            </a:solidFill>
+          </a:ln>
+        </p:spPr>
+        <p:style>
+          <a:lnRef idx="1">
+            <a:schemeClr val="accent1"/>
+          </a:lnRef>
+          <a:fillRef idx="0">
+            <a:schemeClr val="accent1"/>
+          </a:fillRef>
+          <a:effectRef idx="0">
+            <a:schemeClr val="accent1"/>
+          </a:effectRef>
+          <a:fontRef idx="minor">
+            <a:schemeClr val="tx1"/>
+          </a:fontRef>
+        </p:style>
+      </p:cxnSp>
+      <p:cxnSp>
+        <p:nvCxnSpPr>
+          <p:cNvPr id="38" name="Straight Connector 37">
+            <a:extLst>
+              <a:ext uri="{FF2B5EF4-FFF2-40B4-BE49-F238E27FC236}">
+                <a16:creationId xmlns:a16="http://schemas.microsoft.com/office/drawing/2014/main" id="{77D66B3A-BE2B-83A0-D2CE-3ECC7BD35B11}"/>
+              </a:ext>
+            </a:extLst>
+          </p:cNvPr>
+          <p:cNvCxnSpPr>
+            <a:cxnSpLocks/>
+          </p:cNvCxnSpPr>
+          <p:nvPr/>
+        </p:nvCxnSpPr>
+        <p:spPr>
+          <a:xfrm>
+            <a:off x="2190220" y="1515099"/>
+            <a:ext cx="3707803" cy="11843"/>
+          </a:xfrm>
+          <a:prstGeom prst="line">
+            <a:avLst/>
+          </a:prstGeom>
+          <a:ln w="38100">
+            <a:solidFill>
+              <a:schemeClr val="tx1"/>
+            </a:solidFill>
+          </a:ln>
+        </p:spPr>
+        <p:style>
+          <a:lnRef idx="1">
+            <a:schemeClr val="accent1"/>
+          </a:lnRef>
+          <a:fillRef idx="0">
+            <a:schemeClr val="accent1"/>
+          </a:fillRef>
+          <a:effectRef idx="0">
+            <a:schemeClr val="accent1"/>
+          </a:effectRef>
+          <a:fontRef idx="minor">
+            <a:schemeClr val="tx1"/>
+          </a:fontRef>
+        </p:style>
+      </p:cxnSp>
+      <p:cxnSp>
+        <p:nvCxnSpPr>
+          <p:cNvPr id="47" name="Straight Connector 46">
+            <a:extLst>
+              <a:ext uri="{FF2B5EF4-FFF2-40B4-BE49-F238E27FC236}">
+                <a16:creationId xmlns:a16="http://schemas.microsoft.com/office/drawing/2014/main" id="{FDF824B2-1FB6-D755-B6D7-407CB5E73549}"/>
+              </a:ext>
+            </a:extLst>
+          </p:cNvPr>
+          <p:cNvCxnSpPr>
+            <a:cxnSpLocks/>
+          </p:cNvCxnSpPr>
+          <p:nvPr/>
+        </p:nvCxnSpPr>
+        <p:spPr>
+          <a:xfrm flipV="1">
+            <a:off x="2166845" y="5638126"/>
+            <a:ext cx="3731178" cy="9832"/>
+          </a:xfrm>
+          <a:prstGeom prst="line">
+            <a:avLst/>
+          </a:prstGeom>
+          <a:ln w="38100">
+            <a:solidFill>
+              <a:schemeClr val="tx1"/>
+            </a:solidFill>
+          </a:ln>
+        </p:spPr>
+        <p:style>
+          <a:lnRef idx="1">
+            <a:schemeClr val="accent1"/>
+          </a:lnRef>
+          <a:fillRef idx="0">
+            <a:schemeClr val="accent1"/>
+          </a:fillRef>
+          <a:effectRef idx="0">
+            <a:schemeClr val="accent1"/>
+          </a:effectRef>
+          <a:fontRef idx="minor">
+            <a:schemeClr val="tx1"/>
+          </a:fontRef>
+        </p:style>
+      </p:cxnSp>
+      <p:grpSp>
+        <p:nvGrpSpPr>
+          <p:cNvPr id="56" name="Group 55">
+            <a:extLst>
+              <a:ext uri="{FF2B5EF4-FFF2-40B4-BE49-F238E27FC236}">
+                <a16:creationId xmlns:a16="http://schemas.microsoft.com/office/drawing/2014/main" id="{BFB614FB-D120-F9D9-D376-6FE96D07A897}"/>
+              </a:ext>
+            </a:extLst>
+          </p:cNvPr>
+          <p:cNvGrpSpPr/>
+          <p:nvPr/>
+        </p:nvGrpSpPr>
+        <p:grpSpPr>
+          <a:xfrm>
+            <a:off x="717699" y="3418357"/>
+            <a:ext cx="676026" cy="660916"/>
+            <a:chOff x="1090355" y="3457618"/>
+            <a:chExt cx="982649" cy="988865"/>
+          </a:xfrm>
+          <a:solidFill>
+            <a:schemeClr val="bg1"/>
+          </a:solidFill>
+        </p:grpSpPr>
+        <p:sp>
+          <p:nvSpPr>
+            <p:cNvPr id="57" name="Oval 56">
+              <a:extLst>
+                <a:ext uri="{FF2B5EF4-FFF2-40B4-BE49-F238E27FC236}">
+                  <a16:creationId xmlns:a16="http://schemas.microsoft.com/office/drawing/2014/main" id="{54A1774B-CDC2-471B-9B85-F452E78326CC}"/>
+                </a:ext>
+              </a:extLst>
+            </p:cNvPr>
+            <p:cNvSpPr/>
+            <p:nvPr/>
+          </p:nvSpPr>
+          <p:spPr>
+            <a:xfrm>
+              <a:off x="1090355" y="3457618"/>
+              <a:ext cx="982649" cy="988865"/>
+            </a:xfrm>
+            <a:prstGeom prst="ellipse">
+              <a:avLst/>
+            </a:prstGeom>
+            <a:grpFill/>
+            <a:ln w="57150"/>
+          </p:spPr>
+          <p:style>
+            <a:lnRef idx="2">
+              <a:schemeClr val="accent1">
+                <a:shade val="50000"/>
+              </a:schemeClr>
+            </a:lnRef>
+            <a:fillRef idx="1">
+              <a:schemeClr val="accent1"/>
+            </a:fillRef>
+            <a:effectRef idx="0">
+              <a:schemeClr val="accent1"/>
+            </a:effectRef>
+            <a:fontRef idx="minor">
+              <a:schemeClr val="lt1"/>
+            </a:fontRef>
+          </p:style>
+          <p:txBody>
+            <a:bodyPr rtlCol="0" anchor="ctr"/>
+            <a:lstStyle/>
+            <a:p>
+              <a:pPr algn="ctr"/>
+              <a:endParaRPr lang="en-IN"/>
+            </a:p>
+          </p:txBody>
+        </p:sp>
+        <p:grpSp>
+          <p:nvGrpSpPr>
+            <p:cNvPr id="58" name="Group 57">
+              <a:extLst>
+                <a:ext uri="{FF2B5EF4-FFF2-40B4-BE49-F238E27FC236}">
+                  <a16:creationId xmlns:a16="http://schemas.microsoft.com/office/drawing/2014/main" id="{8F0B9245-0FBB-63F2-9CA8-BCA989A3CB2A}"/>
+                </a:ext>
+              </a:extLst>
+            </p:cNvPr>
+            <p:cNvGrpSpPr/>
+            <p:nvPr/>
+          </p:nvGrpSpPr>
+          <p:grpSpPr>
+            <a:xfrm rot="5400000" flipV="1">
+              <a:off x="1355829" y="3603539"/>
+              <a:ext cx="451699" cy="697021"/>
+              <a:chOff x="3898812" y="2986773"/>
+              <a:chExt cx="232509" cy="554879"/>
+            </a:xfrm>
+            <a:grpFill/>
+          </p:grpSpPr>
+          <p:sp>
+            <p:nvSpPr>
+              <p:cNvPr id="59" name="Arc 58">
+                <a:extLst>
+                  <a:ext uri="{FF2B5EF4-FFF2-40B4-BE49-F238E27FC236}">
+                    <a16:creationId xmlns:a16="http://schemas.microsoft.com/office/drawing/2014/main" id="{228C49C6-1C60-C154-CC9F-2925597055DA}"/>
+                  </a:ext>
+                </a:extLst>
+              </p:cNvPr>
+              <p:cNvSpPr/>
+              <p:nvPr/>
+            </p:nvSpPr>
+            <p:spPr>
+              <a:xfrm rot="16200000">
+                <a:off x="3877316" y="3010463"/>
+                <a:ext cx="277695" cy="230315"/>
+              </a:xfrm>
+              <a:prstGeom prst="arc">
+                <a:avLst>
+                  <a:gd name="adj1" fmla="val 10739696"/>
+                  <a:gd name="adj2" fmla="val 0"/>
+                </a:avLst>
+              </a:prstGeom>
+              <a:grpFill/>
+              <a:ln w="57150">
+                <a:solidFill>
+                  <a:srgbClr val="FF0000"/>
+                </a:solidFill>
+              </a:ln>
+            </p:spPr>
+            <p:style>
+              <a:lnRef idx="1">
+                <a:schemeClr val="dk1"/>
+              </a:lnRef>
+              <a:fillRef idx="0">
+                <a:schemeClr val="dk1"/>
+              </a:fillRef>
+              <a:effectRef idx="0">
+                <a:schemeClr val="dk1"/>
+              </a:effectRef>
+              <a:fontRef idx="minor">
+                <a:schemeClr val="tx1"/>
+              </a:fontRef>
+            </p:style>
+            <p:txBody>
+              <a:bodyPr rtlCol="0" anchor="ctr"/>
+              <a:lstStyle/>
+              <a:p>
+                <a:pPr algn="ctr"/>
+                <a:endParaRPr lang="en-IN"/>
+              </a:p>
+            </p:txBody>
+          </p:sp>
+          <p:sp>
+            <p:nvSpPr>
+              <p:cNvPr id="60" name="Arc 59">
+                <a:extLst>
+                  <a:ext uri="{FF2B5EF4-FFF2-40B4-BE49-F238E27FC236}">
+                    <a16:creationId xmlns:a16="http://schemas.microsoft.com/office/drawing/2014/main" id="{95ED457E-3D6B-1B8F-9690-04BCBBE6EBAA}"/>
+                  </a:ext>
+                </a:extLst>
+              </p:cNvPr>
+              <p:cNvSpPr/>
+              <p:nvPr/>
+            </p:nvSpPr>
+            <p:spPr>
+              <a:xfrm rot="5400000" flipH="1">
+                <a:off x="3875122" y="3287647"/>
+                <a:ext cx="277695" cy="230315"/>
+              </a:xfrm>
+              <a:prstGeom prst="arc">
+                <a:avLst>
+                  <a:gd name="adj1" fmla="val 10739696"/>
+                  <a:gd name="adj2" fmla="val 0"/>
+                </a:avLst>
+              </a:prstGeom>
+              <a:grpFill/>
+              <a:ln w="57150">
+                <a:solidFill>
+                  <a:srgbClr val="FF0000"/>
+                </a:solidFill>
+              </a:ln>
+            </p:spPr>
+            <p:style>
+              <a:lnRef idx="1">
+                <a:schemeClr val="dk1"/>
+              </a:lnRef>
+              <a:fillRef idx="0">
+                <a:schemeClr val="dk1"/>
+              </a:fillRef>
+              <a:effectRef idx="0">
+                <a:schemeClr val="dk1"/>
+              </a:effectRef>
+              <a:fontRef idx="minor">
+                <a:schemeClr val="tx1"/>
+              </a:fontRef>
+            </p:style>
+            <p:txBody>
+              <a:bodyPr rtlCol="0" anchor="ctr"/>
+              <a:lstStyle/>
+              <a:p>
+                <a:pPr algn="ctr"/>
+                <a:endParaRPr lang="en-IN"/>
+              </a:p>
+            </p:txBody>
+          </p:sp>
+        </p:grpSp>
+      </p:grpSp>
+      <p:cxnSp>
+        <p:nvCxnSpPr>
+          <p:cNvPr id="67" name="Straight Connector 66">
+            <a:extLst>
+              <a:ext uri="{FF2B5EF4-FFF2-40B4-BE49-F238E27FC236}">
+                <a16:creationId xmlns:a16="http://schemas.microsoft.com/office/drawing/2014/main" id="{554EFCE0-B2B1-902C-BB9B-F119ACE8C442}"/>
+              </a:ext>
+            </a:extLst>
+          </p:cNvPr>
+          <p:cNvCxnSpPr>
+            <a:cxnSpLocks/>
+          </p:cNvCxnSpPr>
+          <p:nvPr/>
+        </p:nvCxnSpPr>
+        <p:spPr>
+          <a:xfrm>
+            <a:off x="1048315" y="3055883"/>
+            <a:ext cx="1118530" cy="0"/>
+          </a:xfrm>
+          <a:prstGeom prst="line">
+            <a:avLst/>
+          </a:prstGeom>
+          <a:ln w="38100">
+            <a:solidFill>
+              <a:schemeClr val="tx1"/>
+            </a:solidFill>
+          </a:ln>
+        </p:spPr>
+        <p:style>
+          <a:lnRef idx="1">
+            <a:schemeClr val="accent1"/>
+          </a:lnRef>
+          <a:fillRef idx="0">
+            <a:schemeClr val="accent1"/>
+          </a:fillRef>
+          <a:effectRef idx="0">
+            <a:schemeClr val="accent1"/>
+          </a:effectRef>
+          <a:fontRef idx="minor">
+            <a:schemeClr val="tx1"/>
+          </a:fontRef>
+        </p:style>
+      </p:cxnSp>
+      <p:cxnSp>
+        <p:nvCxnSpPr>
+          <p:cNvPr id="72" name="Straight Connector 71">
+            <a:extLst>
+              <a:ext uri="{FF2B5EF4-FFF2-40B4-BE49-F238E27FC236}">
+                <a16:creationId xmlns:a16="http://schemas.microsoft.com/office/drawing/2014/main" id="{FCFD215A-FC75-3364-11EF-65FDBC94D644}"/>
+              </a:ext>
+            </a:extLst>
+          </p:cNvPr>
+          <p:cNvCxnSpPr>
+            <a:cxnSpLocks/>
+          </p:cNvCxnSpPr>
+          <p:nvPr/>
+        </p:nvCxnSpPr>
+        <p:spPr>
+          <a:xfrm>
+            <a:off x="1041105" y="4385609"/>
+            <a:ext cx="1061245" cy="0"/>
+          </a:xfrm>
+          <a:prstGeom prst="line">
+            <a:avLst/>
+          </a:prstGeom>
+          <a:ln w="38100">
+            <a:solidFill>
+              <a:schemeClr val="tx1"/>
+            </a:solidFill>
+          </a:ln>
+        </p:spPr>
+        <p:style>
+          <a:lnRef idx="1">
+            <a:schemeClr val="accent1"/>
+          </a:lnRef>
+          <a:fillRef idx="0">
+            <a:schemeClr val="accent1"/>
+          </a:fillRef>
+          <a:effectRef idx="0">
+            <a:schemeClr val="accent1"/>
+          </a:effectRef>
+          <a:fontRef idx="minor">
+            <a:schemeClr val="tx1"/>
+          </a:fontRef>
+        </p:style>
+      </p:cxnSp>
+      <p:cxnSp>
+        <p:nvCxnSpPr>
+          <p:cNvPr id="73" name="Straight Connector 72">
+            <a:extLst>
+              <a:ext uri="{FF2B5EF4-FFF2-40B4-BE49-F238E27FC236}">
+                <a16:creationId xmlns:a16="http://schemas.microsoft.com/office/drawing/2014/main" id="{A80AA155-E329-306F-2A68-2D712FFF3AED}"/>
+              </a:ext>
+            </a:extLst>
+          </p:cNvPr>
+          <p:cNvCxnSpPr>
+            <a:cxnSpLocks/>
+          </p:cNvCxnSpPr>
+          <p:nvPr/>
+        </p:nvCxnSpPr>
+        <p:spPr>
+          <a:xfrm>
+            <a:off x="2241415" y="4385609"/>
+            <a:ext cx="1334532" cy="0"/>
+          </a:xfrm>
+          <a:prstGeom prst="line">
+            <a:avLst/>
+          </a:prstGeom>
+          <a:ln w="38100">
+            <a:solidFill>
+              <a:schemeClr val="tx1"/>
+            </a:solidFill>
+          </a:ln>
+        </p:spPr>
+        <p:style>
+          <a:lnRef idx="1">
+            <a:schemeClr val="accent1"/>
+          </a:lnRef>
+          <a:fillRef idx="0">
+            <a:schemeClr val="accent1"/>
+          </a:fillRef>
+          <a:effectRef idx="0">
+            <a:schemeClr val="accent1"/>
+          </a:effectRef>
+          <a:fontRef idx="minor">
+            <a:schemeClr val="tx1"/>
+          </a:fontRef>
+        </p:style>
+      </p:cxnSp>
+      <p:sp>
+        <p:nvSpPr>
+          <p:cNvPr id="77" name="Arc 76">
+            <a:extLst>
+              <a:ext uri="{FF2B5EF4-FFF2-40B4-BE49-F238E27FC236}">
+                <a16:creationId xmlns:a16="http://schemas.microsoft.com/office/drawing/2014/main" id="{10E50053-544C-E161-80CB-D29F35340703}"/>
+              </a:ext>
+            </a:extLst>
+          </p:cNvPr>
+          <p:cNvSpPr/>
+          <p:nvPr/>
+        </p:nvSpPr>
+        <p:spPr>
+          <a:xfrm flipH="1">
+            <a:off x="2096072" y="4301642"/>
+            <a:ext cx="160202" cy="196572"/>
+          </a:xfrm>
+          <a:prstGeom prst="arc">
+            <a:avLst>
+              <a:gd name="adj1" fmla="val 10739696"/>
+              <a:gd name="adj2" fmla="val 0"/>
+            </a:avLst>
+          </a:prstGeom>
+          <a:noFill/>
+          <a:ln w="38100">
+            <a:solidFill>
+              <a:schemeClr val="tx1"/>
+            </a:solidFill>
+          </a:ln>
+        </p:spPr>
+        <p:style>
+          <a:lnRef idx="1">
+            <a:schemeClr val="dk1"/>
+          </a:lnRef>
+          <a:fillRef idx="0">
+            <a:schemeClr val="dk1"/>
+          </a:fillRef>
+          <a:effectRef idx="0">
+            <a:schemeClr val="dk1"/>
+          </a:effectRef>
+          <a:fontRef idx="minor">
+            <a:schemeClr val="tx1"/>
+          </a:fontRef>
+        </p:style>
+        <p:txBody>
+          <a:bodyPr rtlCol="0" anchor="ctr"/>
+          <a:lstStyle/>
+          <a:p>
+            <a:pPr algn="ctr"/>
+            <a:endParaRPr lang="en-IN"/>
+          </a:p>
+        </p:txBody>
+      </p:sp>
+      <p:grpSp>
+        <p:nvGrpSpPr>
+          <p:cNvPr id="82" name="Group 81">
+            <a:extLst>
+              <a:ext uri="{FF2B5EF4-FFF2-40B4-BE49-F238E27FC236}">
+                <a16:creationId xmlns:a16="http://schemas.microsoft.com/office/drawing/2014/main" id="{F3FD5572-C880-A1AB-B39E-EF8732B9D89C}"/>
+              </a:ext>
+            </a:extLst>
+          </p:cNvPr>
+          <p:cNvGrpSpPr/>
+          <p:nvPr/>
+        </p:nvGrpSpPr>
+        <p:grpSpPr>
+          <a:xfrm rot="10800000" flipH="1" flipV="1">
+            <a:off x="1894734" y="1797532"/>
+            <a:ext cx="645274" cy="980150"/>
+            <a:chOff x="3193236" y="1910774"/>
+            <a:chExt cx="548579" cy="1064887"/>
+          </a:xfrm>
+        </p:grpSpPr>
+        <p:sp>
+          <p:nvSpPr>
+            <p:cNvPr id="83" name="Isosceles Triangle 82">
+              <a:extLst>
+                <a:ext uri="{FF2B5EF4-FFF2-40B4-BE49-F238E27FC236}">
+                  <a16:creationId xmlns:a16="http://schemas.microsoft.com/office/drawing/2014/main" id="{A2B6852F-DBC8-50DA-A287-F916F3F7BF66}"/>
+                </a:ext>
+              </a:extLst>
+            </p:cNvPr>
+            <p:cNvSpPr/>
+            <p:nvPr/>
+          </p:nvSpPr>
+          <p:spPr>
+            <a:xfrm>
+              <a:off x="3193236" y="2328433"/>
+              <a:ext cx="489316" cy="396258"/>
+            </a:xfrm>
+            <a:prstGeom prst="triangle">
+              <a:avLst/>
+            </a:prstGeom>
+            <a:solidFill>
+              <a:srgbClr val="002060"/>
+            </a:solidFill>
+            <a:ln>
+              <a:solidFill>
+                <a:srgbClr val="002060"/>
+              </a:solidFill>
+            </a:ln>
+          </p:spPr>
+          <p:style>
+            <a:lnRef idx="2">
+              <a:schemeClr val="accent1">
+                <a:shade val="50000"/>
+              </a:schemeClr>
+            </a:lnRef>
+            <a:fillRef idx="1">
+              <a:schemeClr val="accent1"/>
+            </a:fillRef>
+            <a:effectRef idx="0">
+              <a:schemeClr val="accent1"/>
+            </a:effectRef>
+            <a:fontRef idx="minor">
+              <a:schemeClr val="lt1"/>
+            </a:fontRef>
+          </p:style>
+          <p:txBody>
+            <a:bodyPr rtlCol="0" anchor="ctr"/>
+            <a:lstStyle/>
+            <a:p>
+              <a:pPr algn="ctr"/>
+              <a:endParaRPr lang="en-IN"/>
+            </a:p>
+          </p:txBody>
+        </p:sp>
+        <p:cxnSp>
+          <p:nvCxnSpPr>
+            <p:cNvPr id="84" name="Straight Connector 83">
+              <a:extLst>
+                <a:ext uri="{FF2B5EF4-FFF2-40B4-BE49-F238E27FC236}">
+                  <a16:creationId xmlns:a16="http://schemas.microsoft.com/office/drawing/2014/main" id="{A5A1A38D-87BF-273E-8611-FAED7FF77ABE}"/>
+                </a:ext>
+              </a:extLst>
+            </p:cNvPr>
+            <p:cNvCxnSpPr>
+              <a:cxnSpLocks/>
+            </p:cNvCxnSpPr>
+            <p:nvPr/>
+          </p:nvCxnSpPr>
+          <p:spPr>
+            <a:xfrm rot="10800000" flipH="1">
+              <a:off x="3222812" y="2339456"/>
+              <a:ext cx="456636" cy="1"/>
+            </a:xfrm>
+            <a:prstGeom prst="line">
+              <a:avLst/>
+            </a:prstGeom>
+            <a:ln w="38100">
+              <a:solidFill>
+                <a:srgbClr val="002060"/>
+              </a:solidFill>
+            </a:ln>
+          </p:spPr>
+          <p:style>
+            <a:lnRef idx="1">
+              <a:schemeClr val="accent1"/>
+            </a:lnRef>
+            <a:fillRef idx="0">
+              <a:schemeClr val="accent1"/>
+            </a:fillRef>
+            <a:effectRef idx="0">
+              <a:schemeClr val="accent1"/>
+            </a:effectRef>
+            <a:fontRef idx="minor">
+              <a:schemeClr val="tx1"/>
+            </a:fontRef>
+          </p:style>
+        </p:cxnSp>
+        <p:cxnSp>
+          <p:nvCxnSpPr>
+            <p:cNvPr id="85" name="Straight Connector 84">
+              <a:extLst>
+                <a:ext uri="{FF2B5EF4-FFF2-40B4-BE49-F238E27FC236}">
+                  <a16:creationId xmlns:a16="http://schemas.microsoft.com/office/drawing/2014/main" id="{2498AF70-BFD8-8095-6BE1-29B7E0A3F5E2}"/>
+                </a:ext>
+              </a:extLst>
+            </p:cNvPr>
+            <p:cNvCxnSpPr>
+              <a:cxnSpLocks/>
+            </p:cNvCxnSpPr>
+            <p:nvPr/>
+          </p:nvCxnSpPr>
+          <p:spPr>
+            <a:xfrm rot="10800000" flipV="1">
+              <a:off x="3435967" y="1910774"/>
+              <a:ext cx="1" cy="1064887"/>
+            </a:xfrm>
+            <a:prstGeom prst="line">
+              <a:avLst/>
+            </a:prstGeom>
+            <a:ln w="38100">
+              <a:solidFill>
+                <a:srgbClr val="002060"/>
+              </a:solidFill>
+            </a:ln>
+          </p:spPr>
+          <p:style>
+            <a:lnRef idx="1">
+              <a:schemeClr val="accent1"/>
+            </a:lnRef>
+            <a:fillRef idx="0">
+              <a:schemeClr val="accent1"/>
+            </a:fillRef>
+            <a:effectRef idx="0">
+              <a:schemeClr val="accent1"/>
+            </a:effectRef>
+            <a:fontRef idx="minor">
+              <a:schemeClr val="tx1"/>
+            </a:fontRef>
+          </p:style>
+        </p:cxnSp>
+        <p:sp>
+          <p:nvSpPr>
+            <p:cNvPr id="86" name="Oval 85">
+              <a:extLst>
+                <a:ext uri="{FF2B5EF4-FFF2-40B4-BE49-F238E27FC236}">
+                  <a16:creationId xmlns:a16="http://schemas.microsoft.com/office/drawing/2014/main" id="{46573032-F0AA-EBB8-7F64-4B9E0DA1DB0C}"/>
+                </a:ext>
+              </a:extLst>
+            </p:cNvPr>
+            <p:cNvSpPr/>
+            <p:nvPr/>
+          </p:nvSpPr>
+          <p:spPr>
+            <a:xfrm>
+              <a:off x="3647976" y="2055991"/>
+              <a:ext cx="93839" cy="88564"/>
+            </a:xfrm>
+            <a:prstGeom prst="ellipse">
+              <a:avLst/>
+            </a:prstGeom>
+            <a:solidFill>
+              <a:srgbClr val="002060"/>
+            </a:solidFill>
+            <a:ln>
+              <a:noFill/>
+            </a:ln>
+          </p:spPr>
+          <p:style>
+            <a:lnRef idx="2">
+              <a:schemeClr val="accent1">
+                <a:shade val="50000"/>
+              </a:schemeClr>
+            </a:lnRef>
+            <a:fillRef idx="1">
+              <a:schemeClr val="accent1"/>
+            </a:fillRef>
+            <a:effectRef idx="0">
+              <a:schemeClr val="accent1"/>
+            </a:effectRef>
+            <a:fontRef idx="minor">
+              <a:schemeClr val="lt1"/>
+            </a:fontRef>
+          </p:style>
+          <p:txBody>
+            <a:bodyPr rtlCol="0" anchor="ctr"/>
+            <a:lstStyle/>
+            <a:p>
+              <a:pPr algn="ctr"/>
+              <a:endParaRPr lang="en-IN"/>
+            </a:p>
+          </p:txBody>
+        </p:sp>
+        <p:cxnSp>
+          <p:nvCxnSpPr>
+            <p:cNvPr id="87" name="Straight Connector 86">
+              <a:extLst>
+                <a:ext uri="{FF2B5EF4-FFF2-40B4-BE49-F238E27FC236}">
+                  <a16:creationId xmlns:a16="http://schemas.microsoft.com/office/drawing/2014/main" id="{89C0534E-1F80-896F-3CD1-3F09556DCF7B}"/>
+                </a:ext>
+              </a:extLst>
+            </p:cNvPr>
+            <p:cNvCxnSpPr>
+              <a:cxnSpLocks/>
+            </p:cNvCxnSpPr>
+            <p:nvPr/>
+          </p:nvCxnSpPr>
+          <p:spPr>
+            <a:xfrm rot="10800000" flipV="1">
+              <a:off x="3433237" y="2117578"/>
+              <a:ext cx="252284" cy="232308"/>
+            </a:xfrm>
+            <a:prstGeom prst="line">
+              <a:avLst/>
+            </a:prstGeom>
+            <a:ln w="38100">
+              <a:solidFill>
+                <a:srgbClr val="002060"/>
+              </a:solidFill>
+            </a:ln>
+          </p:spPr>
+          <p:style>
+            <a:lnRef idx="1">
+              <a:schemeClr val="accent1"/>
+            </a:lnRef>
+            <a:fillRef idx="0">
+              <a:schemeClr val="accent1"/>
+            </a:fillRef>
+            <a:effectRef idx="0">
+              <a:schemeClr val="accent1"/>
+            </a:effectRef>
+            <a:fontRef idx="minor">
+              <a:schemeClr val="tx1"/>
+            </a:fontRef>
+          </p:style>
+        </p:cxnSp>
+      </p:grpSp>
+      <p:grpSp>
+        <p:nvGrpSpPr>
+          <p:cNvPr id="95" name="Group 94">
+            <a:extLst>
+              <a:ext uri="{FF2B5EF4-FFF2-40B4-BE49-F238E27FC236}">
+                <a16:creationId xmlns:a16="http://schemas.microsoft.com/office/drawing/2014/main" id="{B48BC69B-2250-A75A-95EE-42D946346525}"/>
+              </a:ext>
+            </a:extLst>
+          </p:cNvPr>
+          <p:cNvGrpSpPr/>
+          <p:nvPr/>
+        </p:nvGrpSpPr>
+        <p:grpSpPr>
+          <a:xfrm rot="10800000" flipH="1" flipV="1">
+            <a:off x="3270909" y="1823431"/>
+            <a:ext cx="645274" cy="980150"/>
+            <a:chOff x="3193236" y="1910774"/>
+            <a:chExt cx="548579" cy="1064887"/>
+          </a:xfrm>
+        </p:grpSpPr>
+        <p:sp>
+          <p:nvSpPr>
+            <p:cNvPr id="96" name="Isosceles Triangle 95">
+              <a:extLst>
+                <a:ext uri="{FF2B5EF4-FFF2-40B4-BE49-F238E27FC236}">
+                  <a16:creationId xmlns:a16="http://schemas.microsoft.com/office/drawing/2014/main" id="{6DBF98A0-7E92-109D-212A-988EB23F6E38}"/>
+                </a:ext>
+              </a:extLst>
+            </p:cNvPr>
+            <p:cNvSpPr/>
+            <p:nvPr/>
+          </p:nvSpPr>
+          <p:spPr>
+            <a:xfrm>
+              <a:off x="3193236" y="2328433"/>
+              <a:ext cx="489316" cy="396258"/>
+            </a:xfrm>
+            <a:prstGeom prst="triangle">
+              <a:avLst/>
+            </a:prstGeom>
+            <a:solidFill>
+              <a:srgbClr val="002060"/>
+            </a:solidFill>
+            <a:ln>
+              <a:solidFill>
+                <a:srgbClr val="002060"/>
+              </a:solidFill>
+            </a:ln>
+          </p:spPr>
+          <p:style>
+            <a:lnRef idx="2">
+              <a:schemeClr val="accent1">
+                <a:shade val="50000"/>
+              </a:schemeClr>
+            </a:lnRef>
+            <a:fillRef idx="1">
+              <a:schemeClr val="accent1"/>
+            </a:fillRef>
+            <a:effectRef idx="0">
+              <a:schemeClr val="accent1"/>
+            </a:effectRef>
+            <a:fontRef idx="minor">
+              <a:schemeClr val="lt1"/>
+            </a:fontRef>
+          </p:style>
+          <p:txBody>
+            <a:bodyPr rtlCol="0" anchor="ctr"/>
+            <a:lstStyle/>
+            <a:p>
+              <a:pPr algn="ctr"/>
+              <a:endParaRPr lang="en-IN"/>
+            </a:p>
+          </p:txBody>
+        </p:sp>
+        <p:cxnSp>
+          <p:nvCxnSpPr>
+            <p:cNvPr id="97" name="Straight Connector 96">
+              <a:extLst>
+                <a:ext uri="{FF2B5EF4-FFF2-40B4-BE49-F238E27FC236}">
+                  <a16:creationId xmlns:a16="http://schemas.microsoft.com/office/drawing/2014/main" id="{75ED46EB-5D87-E2B2-4BBE-BA565034E2DF}"/>
+                </a:ext>
+              </a:extLst>
+            </p:cNvPr>
+            <p:cNvCxnSpPr>
+              <a:cxnSpLocks/>
+            </p:cNvCxnSpPr>
+            <p:nvPr/>
+          </p:nvCxnSpPr>
+          <p:spPr>
+            <a:xfrm rot="10800000" flipH="1">
+              <a:off x="3222812" y="2339456"/>
+              <a:ext cx="456636" cy="1"/>
+            </a:xfrm>
+            <a:prstGeom prst="line">
+              <a:avLst/>
+            </a:prstGeom>
+            <a:ln w="38100">
+              <a:solidFill>
+                <a:srgbClr val="002060"/>
+              </a:solidFill>
+            </a:ln>
+          </p:spPr>
+          <p:style>
+            <a:lnRef idx="1">
+              <a:schemeClr val="accent1"/>
+            </a:lnRef>
+            <a:fillRef idx="0">
+              <a:schemeClr val="accent1"/>
+            </a:fillRef>
+            <a:effectRef idx="0">
+              <a:schemeClr val="accent1"/>
+            </a:effectRef>
+            <a:fontRef idx="minor">
+              <a:schemeClr val="tx1"/>
+            </a:fontRef>
+          </p:style>
+        </p:cxnSp>
+        <p:cxnSp>
+          <p:nvCxnSpPr>
+            <p:cNvPr id="98" name="Straight Connector 97">
+              <a:extLst>
+                <a:ext uri="{FF2B5EF4-FFF2-40B4-BE49-F238E27FC236}">
+                  <a16:creationId xmlns:a16="http://schemas.microsoft.com/office/drawing/2014/main" id="{2948E2C8-AE20-45D8-F6C9-2B88008238E1}"/>
+                </a:ext>
+              </a:extLst>
+            </p:cNvPr>
+            <p:cNvCxnSpPr>
+              <a:cxnSpLocks/>
+            </p:cNvCxnSpPr>
+            <p:nvPr/>
+          </p:nvCxnSpPr>
+          <p:spPr>
+            <a:xfrm rot="10800000" flipV="1">
+              <a:off x="3435967" y="1910774"/>
+              <a:ext cx="1" cy="1064887"/>
+            </a:xfrm>
+            <a:prstGeom prst="line">
+              <a:avLst/>
+            </a:prstGeom>
+            <a:ln w="38100">
+              <a:solidFill>
+                <a:srgbClr val="002060"/>
+              </a:solidFill>
+            </a:ln>
+          </p:spPr>
+          <p:style>
+            <a:lnRef idx="1">
+              <a:schemeClr val="accent1"/>
+            </a:lnRef>
+            <a:fillRef idx="0">
+              <a:schemeClr val="accent1"/>
+            </a:fillRef>
+            <a:effectRef idx="0">
+              <a:schemeClr val="accent1"/>
+            </a:effectRef>
+            <a:fontRef idx="minor">
+              <a:schemeClr val="tx1"/>
+            </a:fontRef>
+          </p:style>
+        </p:cxnSp>
+        <p:sp>
+          <p:nvSpPr>
+            <p:cNvPr id="99" name="Oval 98">
+              <a:extLst>
+                <a:ext uri="{FF2B5EF4-FFF2-40B4-BE49-F238E27FC236}">
+                  <a16:creationId xmlns:a16="http://schemas.microsoft.com/office/drawing/2014/main" id="{24B46E0A-A6D8-FA8E-251B-86845CC0EADE}"/>
+                </a:ext>
+              </a:extLst>
+            </p:cNvPr>
+            <p:cNvSpPr/>
+            <p:nvPr/>
+          </p:nvSpPr>
+          <p:spPr>
+            <a:xfrm>
+              <a:off x="3647976" y="2055991"/>
+              <a:ext cx="93839" cy="88564"/>
+            </a:xfrm>
+            <a:prstGeom prst="ellipse">
+              <a:avLst/>
+            </a:prstGeom>
+            <a:solidFill>
+              <a:srgbClr val="002060"/>
+            </a:solidFill>
+            <a:ln>
+              <a:noFill/>
+            </a:ln>
+          </p:spPr>
+          <p:style>
+            <a:lnRef idx="2">
+              <a:schemeClr val="accent1">
+                <a:shade val="50000"/>
+              </a:schemeClr>
+            </a:lnRef>
+            <a:fillRef idx="1">
+              <a:schemeClr val="accent1"/>
+            </a:fillRef>
+            <a:effectRef idx="0">
+              <a:schemeClr val="accent1"/>
+            </a:effectRef>
+            <a:fontRef idx="minor">
+              <a:schemeClr val="lt1"/>
+            </a:fontRef>
+          </p:style>
+          <p:txBody>
+            <a:bodyPr rtlCol="0" anchor="ctr"/>
+            <a:lstStyle/>
+            <a:p>
+              <a:pPr algn="ctr"/>
+              <a:endParaRPr lang="en-IN"/>
+            </a:p>
+          </p:txBody>
+        </p:sp>
+        <p:cxnSp>
+          <p:nvCxnSpPr>
+            <p:cNvPr id="100" name="Straight Connector 99">
+              <a:extLst>
+                <a:ext uri="{FF2B5EF4-FFF2-40B4-BE49-F238E27FC236}">
+                  <a16:creationId xmlns:a16="http://schemas.microsoft.com/office/drawing/2014/main" id="{5A32E3A4-598D-BD12-236B-D9E632D4F00B}"/>
+                </a:ext>
+              </a:extLst>
+            </p:cNvPr>
+            <p:cNvCxnSpPr>
+              <a:cxnSpLocks/>
+            </p:cNvCxnSpPr>
+            <p:nvPr/>
+          </p:nvCxnSpPr>
+          <p:spPr>
+            <a:xfrm rot="10800000" flipV="1">
+              <a:off x="3433237" y="2117578"/>
+              <a:ext cx="252284" cy="232308"/>
+            </a:xfrm>
+            <a:prstGeom prst="line">
+              <a:avLst/>
+            </a:prstGeom>
+            <a:ln w="38100">
+              <a:solidFill>
+                <a:srgbClr val="002060"/>
+              </a:solidFill>
+            </a:ln>
+          </p:spPr>
+          <p:style>
+            <a:lnRef idx="1">
+              <a:schemeClr val="accent1"/>
+            </a:lnRef>
+            <a:fillRef idx="0">
+              <a:schemeClr val="accent1"/>
+            </a:fillRef>
+            <a:effectRef idx="0">
+              <a:schemeClr val="accent1"/>
+            </a:effectRef>
+            <a:fontRef idx="minor">
+              <a:schemeClr val="tx1"/>
+            </a:fontRef>
+          </p:style>
+        </p:cxnSp>
+      </p:grpSp>
+      <p:sp>
+        <p:nvSpPr>
+          <p:cNvPr id="111" name="TextBox 110">
+            <a:extLst>
+              <a:ext uri="{FF2B5EF4-FFF2-40B4-BE49-F238E27FC236}">
+                <a16:creationId xmlns:a16="http://schemas.microsoft.com/office/drawing/2014/main" id="{3295567C-6B86-6072-FEE9-5598FE5F66E9}"/>
+              </a:ext>
+            </a:extLst>
+          </p:cNvPr>
+          <p:cNvSpPr txBox="1"/>
+          <p:nvPr/>
+        </p:nvSpPr>
+        <p:spPr>
+          <a:xfrm>
+            <a:off x="1443294" y="1981991"/>
+            <a:ext cx="769434" cy="523220"/>
+          </a:xfrm>
+          <a:prstGeom prst="rect">
+            <a:avLst/>
+          </a:prstGeom>
+          <a:noFill/>
+        </p:spPr>
+        <p:txBody>
+          <a:bodyPr wrap="square" rtlCol="0">
+            <a:spAutoFit/>
+          </a:bodyPr>
+          <a:lstStyle/>
+          <a:p>
+            <a:r>
+              <a:rPr lang="en-IN" sz="2800" b="1" dirty="0">
+                <a:solidFill>
+                  <a:srgbClr val="C00000"/>
+                </a:solidFill>
+              </a:rPr>
+              <a:t>T</a:t>
+            </a:r>
+            <a:r>
+              <a:rPr lang="en-IN" sz="2800" b="1" baseline="-25000" dirty="0">
+                <a:solidFill>
+                  <a:srgbClr val="C00000"/>
+                </a:solidFill>
+              </a:rPr>
+              <a:t>1</a:t>
+            </a:r>
+            <a:endParaRPr lang="en-IN" sz="2800" b="1" dirty="0">
+              <a:solidFill>
+                <a:srgbClr val="C00000"/>
+              </a:solidFill>
+            </a:endParaRPr>
+          </a:p>
+        </p:txBody>
+      </p:sp>
+      <p:sp>
+        <p:nvSpPr>
+          <p:cNvPr id="112" name="TextBox 111">
+            <a:extLst>
+              <a:ext uri="{FF2B5EF4-FFF2-40B4-BE49-F238E27FC236}">
+                <a16:creationId xmlns:a16="http://schemas.microsoft.com/office/drawing/2014/main" id="{7F1A356C-FF72-323B-923F-7F965F4A5FE3}"/>
+              </a:ext>
+            </a:extLst>
+          </p:cNvPr>
+          <p:cNvSpPr txBox="1"/>
+          <p:nvPr/>
+        </p:nvSpPr>
+        <p:spPr>
+          <a:xfrm>
+            <a:off x="2861403" y="2010969"/>
+            <a:ext cx="769434" cy="523220"/>
+          </a:xfrm>
+          <a:prstGeom prst="rect">
+            <a:avLst/>
+          </a:prstGeom>
+          <a:noFill/>
+        </p:spPr>
+        <p:txBody>
+          <a:bodyPr wrap="square" rtlCol="0">
+            <a:spAutoFit/>
+          </a:bodyPr>
+          <a:lstStyle/>
+          <a:p>
+            <a:r>
+              <a:rPr lang="en-IN" sz="2800" b="1" dirty="0">
+                <a:solidFill>
+                  <a:srgbClr val="C00000"/>
+                </a:solidFill>
+              </a:rPr>
+              <a:t>T</a:t>
+            </a:r>
+            <a:r>
+              <a:rPr lang="en-IN" sz="2800" b="1" baseline="-25000" dirty="0">
+                <a:solidFill>
+                  <a:srgbClr val="C00000"/>
+                </a:solidFill>
+              </a:rPr>
+              <a:t>3</a:t>
+            </a:r>
+            <a:endParaRPr lang="en-IN" sz="2800" b="1" dirty="0">
+              <a:solidFill>
+                <a:srgbClr val="C00000"/>
+              </a:solidFill>
+            </a:endParaRPr>
+          </a:p>
+        </p:txBody>
+      </p:sp>
+      <p:sp>
+        <p:nvSpPr>
+          <p:cNvPr id="113" name="TextBox 112">
+            <a:extLst>
+              <a:ext uri="{FF2B5EF4-FFF2-40B4-BE49-F238E27FC236}">
+                <a16:creationId xmlns:a16="http://schemas.microsoft.com/office/drawing/2014/main" id="{A4B924A0-8FB5-32C3-EE74-13C28CF7FA27}"/>
+              </a:ext>
+            </a:extLst>
+          </p:cNvPr>
+          <p:cNvSpPr txBox="1"/>
+          <p:nvPr/>
+        </p:nvSpPr>
+        <p:spPr>
+          <a:xfrm>
+            <a:off x="2806513" y="4816098"/>
+            <a:ext cx="769434" cy="523220"/>
+          </a:xfrm>
+          <a:prstGeom prst="rect">
+            <a:avLst/>
+          </a:prstGeom>
+          <a:noFill/>
+        </p:spPr>
+        <p:txBody>
+          <a:bodyPr wrap="square" rtlCol="0">
+            <a:spAutoFit/>
+          </a:bodyPr>
+          <a:lstStyle/>
+          <a:p>
+            <a:r>
+              <a:rPr lang="en-IN" sz="2800" b="1" dirty="0">
+                <a:solidFill>
+                  <a:srgbClr val="C00000"/>
+                </a:solidFill>
+              </a:rPr>
+              <a:t>T</a:t>
+            </a:r>
+            <a:r>
+              <a:rPr lang="en-IN" sz="2800" b="1" baseline="-25000" dirty="0">
+                <a:solidFill>
+                  <a:srgbClr val="C00000"/>
+                </a:solidFill>
+              </a:rPr>
+              <a:t>2</a:t>
+            </a:r>
+            <a:endParaRPr lang="en-IN" sz="2800" b="1" dirty="0">
+              <a:solidFill>
+                <a:srgbClr val="C00000"/>
+              </a:solidFill>
+            </a:endParaRPr>
+          </a:p>
+        </p:txBody>
+      </p:sp>
+      <p:sp>
+        <p:nvSpPr>
+          <p:cNvPr id="114" name="TextBox 113">
+            <a:extLst>
+              <a:ext uri="{FF2B5EF4-FFF2-40B4-BE49-F238E27FC236}">
+                <a16:creationId xmlns:a16="http://schemas.microsoft.com/office/drawing/2014/main" id="{927C7DDC-9AFE-7854-B7BD-265D8BD0ADDA}"/>
+              </a:ext>
+            </a:extLst>
+          </p:cNvPr>
+          <p:cNvSpPr txBox="1"/>
+          <p:nvPr/>
+        </p:nvSpPr>
+        <p:spPr>
+          <a:xfrm>
+            <a:off x="1435272" y="4816098"/>
+            <a:ext cx="769434" cy="523220"/>
+          </a:xfrm>
+          <a:prstGeom prst="rect">
+            <a:avLst/>
+          </a:prstGeom>
+          <a:noFill/>
+        </p:spPr>
+        <p:txBody>
+          <a:bodyPr wrap="square" rtlCol="0">
+            <a:spAutoFit/>
+          </a:bodyPr>
+          <a:lstStyle/>
+          <a:p>
+            <a:r>
+              <a:rPr lang="en-IN" sz="2800" b="1" dirty="0">
+                <a:solidFill>
+                  <a:srgbClr val="C00000"/>
+                </a:solidFill>
+              </a:rPr>
+              <a:t>T</a:t>
+            </a:r>
+            <a:r>
+              <a:rPr lang="en-IN" sz="2800" b="1" baseline="-25000" dirty="0">
+                <a:solidFill>
+                  <a:srgbClr val="C00000"/>
+                </a:solidFill>
+              </a:rPr>
+              <a:t>4</a:t>
+            </a:r>
+            <a:endParaRPr lang="en-IN" sz="2800" b="1" dirty="0">
+              <a:solidFill>
+                <a:srgbClr val="C00000"/>
+              </a:solidFill>
+            </a:endParaRPr>
+          </a:p>
+        </p:txBody>
+      </p:sp>
+      <p:sp>
+        <p:nvSpPr>
+          <p:cNvPr id="115" name="TextBox 114">
+            <a:extLst>
+              <a:ext uri="{FF2B5EF4-FFF2-40B4-BE49-F238E27FC236}">
+                <a16:creationId xmlns:a16="http://schemas.microsoft.com/office/drawing/2014/main" id="{3675056E-6CB5-059B-A034-AFCA9AA2B3BF}"/>
+              </a:ext>
+            </a:extLst>
+          </p:cNvPr>
+          <p:cNvSpPr txBox="1"/>
+          <p:nvPr/>
+        </p:nvSpPr>
+        <p:spPr>
+          <a:xfrm>
+            <a:off x="445017" y="3850548"/>
+            <a:ext cx="769434" cy="523220"/>
+          </a:xfrm>
+          <a:prstGeom prst="rect">
+            <a:avLst/>
+          </a:prstGeom>
+          <a:noFill/>
+        </p:spPr>
+        <p:txBody>
+          <a:bodyPr wrap="square" rtlCol="0">
+            <a:spAutoFit/>
+          </a:bodyPr>
+          <a:lstStyle/>
+          <a:p>
+            <a:r>
+              <a:rPr lang="en-IN" sz="2800" b="1" dirty="0">
+                <a:solidFill>
+                  <a:srgbClr val="C00000"/>
+                </a:solidFill>
+              </a:rPr>
+              <a:t>V</a:t>
+            </a:r>
+            <a:r>
+              <a:rPr lang="en-IN" sz="2800" b="1" baseline="-25000" dirty="0">
+                <a:solidFill>
+                  <a:srgbClr val="C00000"/>
+                </a:solidFill>
+              </a:rPr>
+              <a:t>in</a:t>
+            </a:r>
+            <a:endParaRPr lang="en-IN" sz="2800" b="1" dirty="0">
+              <a:solidFill>
+                <a:srgbClr val="C00000"/>
+              </a:solidFill>
+            </a:endParaRPr>
+          </a:p>
+        </p:txBody>
+      </p:sp>
+      <p:cxnSp>
+        <p:nvCxnSpPr>
+          <p:cNvPr id="5" name="Straight Connector 4">
+            <a:extLst>
+              <a:ext uri="{FF2B5EF4-FFF2-40B4-BE49-F238E27FC236}">
+                <a16:creationId xmlns:a16="http://schemas.microsoft.com/office/drawing/2014/main" id="{DAC2D3C7-EF33-55F4-BFD7-7F0700979E22}"/>
+              </a:ext>
+            </a:extLst>
+          </p:cNvPr>
+          <p:cNvCxnSpPr>
+            <a:cxnSpLocks/>
+          </p:cNvCxnSpPr>
+          <p:nvPr/>
+        </p:nvCxnSpPr>
+        <p:spPr>
+          <a:xfrm flipH="1">
+            <a:off x="4781180" y="1498744"/>
+            <a:ext cx="3571" cy="4139381"/>
+          </a:xfrm>
+          <a:prstGeom prst="line">
+            <a:avLst/>
+          </a:prstGeom>
+          <a:ln w="38100">
+            <a:solidFill>
+              <a:schemeClr val="tx1"/>
+            </a:solidFill>
+          </a:ln>
+        </p:spPr>
+        <p:style>
+          <a:lnRef idx="1">
+            <a:schemeClr val="accent1"/>
+          </a:lnRef>
+          <a:fillRef idx="0">
+            <a:schemeClr val="accent1"/>
+          </a:fillRef>
+          <a:effectRef idx="0">
+            <a:schemeClr val="accent1"/>
+          </a:effectRef>
+          <a:fontRef idx="minor">
+            <a:schemeClr val="tx1"/>
+          </a:fontRef>
+        </p:style>
+      </p:cxnSp>
+      <p:grpSp>
+        <p:nvGrpSpPr>
+          <p:cNvPr id="6" name="Group 5">
+            <a:extLst>
+              <a:ext uri="{FF2B5EF4-FFF2-40B4-BE49-F238E27FC236}">
+                <a16:creationId xmlns:a16="http://schemas.microsoft.com/office/drawing/2014/main" id="{9062206E-9358-FE74-F147-B79A9AEC2AE8}"/>
+              </a:ext>
+            </a:extLst>
+          </p:cNvPr>
+          <p:cNvGrpSpPr/>
+          <p:nvPr/>
+        </p:nvGrpSpPr>
+        <p:grpSpPr>
+          <a:xfrm rot="10800000" flipH="1" flipV="1">
+            <a:off x="4493619" y="3194773"/>
+            <a:ext cx="575565" cy="980150"/>
+            <a:chOff x="3193236" y="1910774"/>
+            <a:chExt cx="489316" cy="1064887"/>
+          </a:xfrm>
+        </p:grpSpPr>
+        <p:sp>
+          <p:nvSpPr>
+            <p:cNvPr id="7" name="Isosceles Triangle 6">
+              <a:extLst>
+                <a:ext uri="{FF2B5EF4-FFF2-40B4-BE49-F238E27FC236}">
+                  <a16:creationId xmlns:a16="http://schemas.microsoft.com/office/drawing/2014/main" id="{779D0945-179A-2814-1309-D122BDE4253B}"/>
+                </a:ext>
+              </a:extLst>
+            </p:cNvPr>
+            <p:cNvSpPr/>
+            <p:nvPr/>
+          </p:nvSpPr>
+          <p:spPr>
+            <a:xfrm>
+              <a:off x="3193236" y="2328433"/>
+              <a:ext cx="489316" cy="396258"/>
+            </a:xfrm>
+            <a:prstGeom prst="triangle">
+              <a:avLst/>
+            </a:prstGeom>
+            <a:solidFill>
+              <a:srgbClr val="002060"/>
+            </a:solidFill>
+            <a:ln>
+              <a:solidFill>
+                <a:srgbClr val="002060"/>
+              </a:solidFill>
+            </a:ln>
+          </p:spPr>
+          <p:style>
+            <a:lnRef idx="2">
+              <a:schemeClr val="accent1">
+                <a:shade val="50000"/>
+              </a:schemeClr>
+            </a:lnRef>
+            <a:fillRef idx="1">
+              <a:schemeClr val="accent1"/>
+            </a:fillRef>
+            <a:effectRef idx="0">
+              <a:schemeClr val="accent1"/>
+            </a:effectRef>
+            <a:fontRef idx="minor">
+              <a:schemeClr val="lt1"/>
+            </a:fontRef>
+          </p:style>
+          <p:txBody>
+            <a:bodyPr rtlCol="0" anchor="ctr"/>
+            <a:lstStyle/>
+            <a:p>
+              <a:pPr algn="ctr"/>
+              <a:endParaRPr lang="en-IN"/>
+            </a:p>
+          </p:txBody>
+        </p:sp>
+        <p:cxnSp>
+          <p:nvCxnSpPr>
+            <p:cNvPr id="8" name="Straight Connector 7">
+              <a:extLst>
+                <a:ext uri="{FF2B5EF4-FFF2-40B4-BE49-F238E27FC236}">
+                  <a16:creationId xmlns:a16="http://schemas.microsoft.com/office/drawing/2014/main" id="{EC05AD93-4A29-F8FC-6E21-D231922213AD}"/>
+                </a:ext>
+              </a:extLst>
+            </p:cNvPr>
+            <p:cNvCxnSpPr>
+              <a:cxnSpLocks/>
+            </p:cNvCxnSpPr>
+            <p:nvPr/>
+          </p:nvCxnSpPr>
+          <p:spPr>
+            <a:xfrm rot="10800000" flipH="1">
+              <a:off x="3222812" y="2339456"/>
+              <a:ext cx="456636" cy="1"/>
+            </a:xfrm>
+            <a:prstGeom prst="line">
+              <a:avLst/>
+            </a:prstGeom>
+            <a:ln w="38100">
+              <a:solidFill>
+                <a:srgbClr val="002060"/>
+              </a:solidFill>
+            </a:ln>
+          </p:spPr>
+          <p:style>
+            <a:lnRef idx="1">
+              <a:schemeClr val="accent1"/>
+            </a:lnRef>
+            <a:fillRef idx="0">
+              <a:schemeClr val="accent1"/>
+            </a:fillRef>
+            <a:effectRef idx="0">
+              <a:schemeClr val="accent1"/>
+            </a:effectRef>
+            <a:fontRef idx="minor">
+              <a:schemeClr val="tx1"/>
+            </a:fontRef>
+          </p:style>
+        </p:cxnSp>
+        <p:cxnSp>
+          <p:nvCxnSpPr>
+            <p:cNvPr id="9" name="Straight Connector 8">
+              <a:extLst>
+                <a:ext uri="{FF2B5EF4-FFF2-40B4-BE49-F238E27FC236}">
+                  <a16:creationId xmlns:a16="http://schemas.microsoft.com/office/drawing/2014/main" id="{527A2735-5268-4BE8-9CBA-E2D269814C25}"/>
+                </a:ext>
+              </a:extLst>
+            </p:cNvPr>
+            <p:cNvCxnSpPr>
+              <a:cxnSpLocks/>
+            </p:cNvCxnSpPr>
+            <p:nvPr/>
+          </p:nvCxnSpPr>
+          <p:spPr>
+            <a:xfrm rot="10800000" flipV="1">
+              <a:off x="3435967" y="1910774"/>
+              <a:ext cx="1" cy="1064887"/>
+            </a:xfrm>
+            <a:prstGeom prst="line">
+              <a:avLst/>
+            </a:prstGeom>
+            <a:ln w="38100">
+              <a:solidFill>
+                <a:srgbClr val="002060"/>
+              </a:solidFill>
+            </a:ln>
+          </p:spPr>
+          <p:style>
+            <a:lnRef idx="1">
+              <a:schemeClr val="accent1"/>
+            </a:lnRef>
+            <a:fillRef idx="0">
+              <a:schemeClr val="accent1"/>
+            </a:fillRef>
+            <a:effectRef idx="0">
+              <a:schemeClr val="accent1"/>
+            </a:effectRef>
+            <a:fontRef idx="minor">
+              <a:schemeClr val="tx1"/>
+            </a:fontRef>
+          </p:style>
+        </p:cxnSp>
+      </p:grpSp>
+      <p:sp>
+        <p:nvSpPr>
+          <p:cNvPr id="10" name="TextBox 9">
+            <a:extLst>
+              <a:ext uri="{FF2B5EF4-FFF2-40B4-BE49-F238E27FC236}">
+                <a16:creationId xmlns:a16="http://schemas.microsoft.com/office/drawing/2014/main" id="{481F741F-4C33-9CCA-381D-3EE583C367EF}"/>
+              </a:ext>
+            </a:extLst>
+          </p:cNvPr>
+          <p:cNvSpPr txBox="1"/>
+          <p:nvPr/>
+        </p:nvSpPr>
+        <p:spPr>
+          <a:xfrm>
+            <a:off x="4178478" y="3100619"/>
+            <a:ext cx="769434" cy="523220"/>
+          </a:xfrm>
+          <a:prstGeom prst="rect">
+            <a:avLst/>
+          </a:prstGeom>
+          <a:noFill/>
+        </p:spPr>
+        <p:txBody>
+          <a:bodyPr wrap="square" rtlCol="0">
+            <a:spAutoFit/>
+          </a:bodyPr>
+          <a:lstStyle/>
+          <a:p>
+            <a:r>
+              <a:rPr lang="en-IN" sz="2800" b="1" dirty="0">
+                <a:solidFill>
+                  <a:srgbClr val="C00000"/>
+                </a:solidFill>
+              </a:rPr>
+              <a:t>FD</a:t>
+            </a:r>
+          </a:p>
+        </p:txBody>
+      </p:sp>
+      <p:grpSp>
+        <p:nvGrpSpPr>
+          <p:cNvPr id="2" name="Group 1">
+            <a:extLst>
+              <a:ext uri="{FF2B5EF4-FFF2-40B4-BE49-F238E27FC236}">
+                <a16:creationId xmlns:a16="http://schemas.microsoft.com/office/drawing/2014/main" id="{DF2564AD-2FCD-B393-AB13-8C4F23D49384}"/>
+              </a:ext>
+            </a:extLst>
+          </p:cNvPr>
+          <p:cNvGrpSpPr/>
+          <p:nvPr/>
+        </p:nvGrpSpPr>
+        <p:grpSpPr>
+          <a:xfrm rot="16200000">
+            <a:off x="3751594" y="3377563"/>
+            <a:ext cx="4113472" cy="407651"/>
+            <a:chOff x="2388732" y="3027284"/>
+            <a:chExt cx="2878693" cy="494932"/>
+          </a:xfrm>
+        </p:grpSpPr>
+        <p:cxnSp>
+          <p:nvCxnSpPr>
+            <p:cNvPr id="3" name="Straight Connector 2">
+              <a:extLst>
+                <a:ext uri="{FF2B5EF4-FFF2-40B4-BE49-F238E27FC236}">
+                  <a16:creationId xmlns:a16="http://schemas.microsoft.com/office/drawing/2014/main" id="{B9203DDB-BD2F-42E7-A7CA-CFD8A1AE5678}"/>
+                </a:ext>
+              </a:extLst>
+            </p:cNvPr>
+            <p:cNvCxnSpPr>
+              <a:cxnSpLocks/>
+            </p:cNvCxnSpPr>
+            <p:nvPr/>
+          </p:nvCxnSpPr>
+          <p:spPr>
+            <a:xfrm>
+              <a:off x="2388732" y="3346882"/>
+              <a:ext cx="568171" cy="0"/>
+            </a:xfrm>
+            <a:prstGeom prst="line">
+              <a:avLst/>
+            </a:prstGeom>
+            <a:ln w="57150">
+              <a:solidFill>
+                <a:srgbClr val="0070C0"/>
+              </a:solidFill>
+            </a:ln>
+          </p:spPr>
+          <p:style>
+            <a:lnRef idx="1">
+              <a:schemeClr val="accent1"/>
+            </a:lnRef>
+            <a:fillRef idx="0">
+              <a:schemeClr val="accent1"/>
+            </a:fillRef>
+            <a:effectRef idx="0">
+              <a:schemeClr val="accent1"/>
+            </a:effectRef>
+            <a:fontRef idx="minor">
+              <a:schemeClr val="tx1"/>
+            </a:fontRef>
+          </p:style>
+        </p:cxnSp>
+        <p:cxnSp>
+          <p:nvCxnSpPr>
+            <p:cNvPr id="4" name="Straight Connector 3">
+              <a:extLst>
+                <a:ext uri="{FF2B5EF4-FFF2-40B4-BE49-F238E27FC236}">
+                  <a16:creationId xmlns:a16="http://schemas.microsoft.com/office/drawing/2014/main" id="{79BEFBF8-6398-FAD4-E80D-E85A8121BAC4}"/>
+                </a:ext>
+              </a:extLst>
+            </p:cNvPr>
+            <p:cNvCxnSpPr>
+              <a:cxnSpLocks/>
+            </p:cNvCxnSpPr>
+            <p:nvPr/>
+          </p:nvCxnSpPr>
+          <p:spPr>
+            <a:xfrm flipV="1">
+              <a:off x="2938509" y="3027285"/>
+              <a:ext cx="124287" cy="319597"/>
+            </a:xfrm>
+            <a:prstGeom prst="line">
+              <a:avLst/>
+            </a:prstGeom>
+            <a:ln w="57150">
+              <a:solidFill>
+                <a:srgbClr val="0070C0"/>
+              </a:solidFill>
+            </a:ln>
+          </p:spPr>
+          <p:style>
+            <a:lnRef idx="1">
+              <a:schemeClr val="accent1"/>
+            </a:lnRef>
+            <a:fillRef idx="0">
+              <a:schemeClr val="accent1"/>
+            </a:fillRef>
+            <a:effectRef idx="0">
+              <a:schemeClr val="accent1"/>
+            </a:effectRef>
+            <a:fontRef idx="minor">
+              <a:schemeClr val="tx1"/>
+            </a:fontRef>
+          </p:style>
+        </p:cxnSp>
+        <p:grpSp>
+          <p:nvGrpSpPr>
+            <p:cNvPr id="23" name="Group 22">
+              <a:extLst>
+                <a:ext uri="{FF2B5EF4-FFF2-40B4-BE49-F238E27FC236}">
+                  <a16:creationId xmlns:a16="http://schemas.microsoft.com/office/drawing/2014/main" id="{4E1775FF-3BD5-3105-3B45-C78446C59745}"/>
+                </a:ext>
+              </a:extLst>
+            </p:cNvPr>
+            <p:cNvGrpSpPr/>
+            <p:nvPr/>
+          </p:nvGrpSpPr>
+          <p:grpSpPr>
+            <a:xfrm>
+              <a:off x="3062796" y="3038382"/>
+              <a:ext cx="301842" cy="483834"/>
+              <a:chOff x="3062796" y="3027285"/>
+              <a:chExt cx="301842" cy="483834"/>
+            </a:xfrm>
+          </p:grpSpPr>
+          <p:cxnSp>
+            <p:nvCxnSpPr>
+              <p:cNvPr id="48" name="Straight Connector 47">
+                <a:extLst>
+                  <a:ext uri="{FF2B5EF4-FFF2-40B4-BE49-F238E27FC236}">
+                    <a16:creationId xmlns:a16="http://schemas.microsoft.com/office/drawing/2014/main" id="{AB600B20-B2AA-0581-B568-F61A9C4924B3}"/>
+                  </a:ext>
+                </a:extLst>
+              </p:cNvPr>
+              <p:cNvCxnSpPr>
+                <a:cxnSpLocks/>
+              </p:cNvCxnSpPr>
+              <p:nvPr/>
+            </p:nvCxnSpPr>
+            <p:spPr>
+              <a:xfrm flipH="1" flipV="1">
+                <a:off x="3062796" y="3027285"/>
+                <a:ext cx="150921" cy="483834"/>
+              </a:xfrm>
+              <a:prstGeom prst="line">
+                <a:avLst/>
+              </a:prstGeom>
+              <a:ln w="57150">
+                <a:solidFill>
+                  <a:srgbClr val="0070C0"/>
+                </a:solidFill>
+              </a:ln>
+            </p:spPr>
+            <p:style>
+              <a:lnRef idx="1">
+                <a:schemeClr val="accent1"/>
+              </a:lnRef>
+              <a:fillRef idx="0">
+                <a:schemeClr val="accent1"/>
+              </a:fillRef>
+              <a:effectRef idx="0">
+                <a:schemeClr val="accent1"/>
+              </a:effectRef>
+              <a:fontRef idx="minor">
+                <a:schemeClr val="tx1"/>
+              </a:fontRef>
+            </p:style>
+          </p:cxnSp>
+          <p:cxnSp>
+            <p:nvCxnSpPr>
+              <p:cNvPr id="49" name="Straight Connector 48">
+                <a:extLst>
+                  <a:ext uri="{FF2B5EF4-FFF2-40B4-BE49-F238E27FC236}">
+                    <a16:creationId xmlns:a16="http://schemas.microsoft.com/office/drawing/2014/main" id="{A1831B40-3BB0-2DBD-7D0B-E08729B65DA8}"/>
+                  </a:ext>
+                </a:extLst>
+              </p:cNvPr>
+              <p:cNvCxnSpPr>
+                <a:cxnSpLocks/>
+              </p:cNvCxnSpPr>
+              <p:nvPr/>
+            </p:nvCxnSpPr>
+            <p:spPr>
+              <a:xfrm flipV="1">
+                <a:off x="3213717" y="3027285"/>
+                <a:ext cx="150921" cy="483834"/>
+              </a:xfrm>
+              <a:prstGeom prst="line">
+                <a:avLst/>
+              </a:prstGeom>
+              <a:ln w="57150">
+                <a:solidFill>
+                  <a:srgbClr val="0070C0"/>
+                </a:solidFill>
+              </a:ln>
+            </p:spPr>
+            <p:style>
+              <a:lnRef idx="1">
+                <a:schemeClr val="accent1"/>
+              </a:lnRef>
+              <a:fillRef idx="0">
+                <a:schemeClr val="accent1"/>
+              </a:fillRef>
+              <a:effectRef idx="0">
+                <a:schemeClr val="accent1"/>
+              </a:effectRef>
+              <a:fontRef idx="minor">
+                <a:schemeClr val="tx1"/>
+              </a:fontRef>
+            </p:style>
+          </p:cxnSp>
+        </p:grpSp>
+        <p:grpSp>
+          <p:nvGrpSpPr>
+            <p:cNvPr id="24" name="Group 23">
+              <a:extLst>
+                <a:ext uri="{FF2B5EF4-FFF2-40B4-BE49-F238E27FC236}">
+                  <a16:creationId xmlns:a16="http://schemas.microsoft.com/office/drawing/2014/main" id="{32172F90-ECEE-AF78-1BAF-59F35F23A95A}"/>
+                </a:ext>
+              </a:extLst>
+            </p:cNvPr>
+            <p:cNvGrpSpPr/>
+            <p:nvPr/>
+          </p:nvGrpSpPr>
+          <p:grpSpPr>
+            <a:xfrm>
+              <a:off x="3366118" y="3027285"/>
+              <a:ext cx="301842" cy="483834"/>
+              <a:chOff x="3062796" y="3027285"/>
+              <a:chExt cx="301842" cy="483834"/>
+            </a:xfrm>
+          </p:grpSpPr>
+          <p:cxnSp>
+            <p:nvCxnSpPr>
+              <p:cNvPr id="39" name="Straight Connector 38">
+                <a:extLst>
+                  <a:ext uri="{FF2B5EF4-FFF2-40B4-BE49-F238E27FC236}">
+                    <a16:creationId xmlns:a16="http://schemas.microsoft.com/office/drawing/2014/main" id="{9344138A-D8D3-9FF7-2D21-B7EC11DE255B}"/>
+                  </a:ext>
+                </a:extLst>
+              </p:cNvPr>
+              <p:cNvCxnSpPr>
+                <a:cxnSpLocks/>
+              </p:cNvCxnSpPr>
+              <p:nvPr/>
+            </p:nvCxnSpPr>
+            <p:spPr>
+              <a:xfrm flipH="1" flipV="1">
+                <a:off x="3062796" y="3027285"/>
+                <a:ext cx="150921" cy="483834"/>
+              </a:xfrm>
+              <a:prstGeom prst="line">
+                <a:avLst/>
+              </a:prstGeom>
+              <a:ln w="57150">
+                <a:solidFill>
+                  <a:srgbClr val="0070C0"/>
+                </a:solidFill>
+              </a:ln>
+            </p:spPr>
+            <p:style>
+              <a:lnRef idx="1">
+                <a:schemeClr val="accent1"/>
+              </a:lnRef>
+              <a:fillRef idx="0">
+                <a:schemeClr val="accent1"/>
+              </a:fillRef>
+              <a:effectRef idx="0">
+                <a:schemeClr val="accent1"/>
+              </a:effectRef>
+              <a:fontRef idx="minor">
+                <a:schemeClr val="tx1"/>
+              </a:fontRef>
+            </p:style>
+          </p:cxnSp>
+          <p:cxnSp>
+            <p:nvCxnSpPr>
+              <p:cNvPr id="40" name="Straight Connector 39">
+                <a:extLst>
+                  <a:ext uri="{FF2B5EF4-FFF2-40B4-BE49-F238E27FC236}">
+                    <a16:creationId xmlns:a16="http://schemas.microsoft.com/office/drawing/2014/main" id="{FF589E3C-D6CC-372D-006B-6609C1132CB3}"/>
+                  </a:ext>
+                </a:extLst>
+              </p:cNvPr>
+              <p:cNvCxnSpPr>
+                <a:cxnSpLocks/>
+              </p:cNvCxnSpPr>
+              <p:nvPr/>
+            </p:nvCxnSpPr>
+            <p:spPr>
+              <a:xfrm flipV="1">
+                <a:off x="3213717" y="3027285"/>
+                <a:ext cx="150921" cy="483834"/>
+              </a:xfrm>
+              <a:prstGeom prst="line">
+                <a:avLst/>
+              </a:prstGeom>
+              <a:ln w="57150">
+                <a:solidFill>
+                  <a:srgbClr val="0070C0"/>
+                </a:solidFill>
+              </a:ln>
+            </p:spPr>
+            <p:style>
+              <a:lnRef idx="1">
+                <a:schemeClr val="accent1"/>
+              </a:lnRef>
+              <a:fillRef idx="0">
+                <a:schemeClr val="accent1"/>
+              </a:fillRef>
+              <a:effectRef idx="0">
+                <a:schemeClr val="accent1"/>
+              </a:effectRef>
+              <a:fontRef idx="minor">
+                <a:schemeClr val="tx1"/>
+              </a:fontRef>
+            </p:style>
+          </p:cxnSp>
+        </p:grpSp>
+        <p:grpSp>
+          <p:nvGrpSpPr>
+            <p:cNvPr id="25" name="Group 24">
+              <a:extLst>
+                <a:ext uri="{FF2B5EF4-FFF2-40B4-BE49-F238E27FC236}">
+                  <a16:creationId xmlns:a16="http://schemas.microsoft.com/office/drawing/2014/main" id="{697857AB-2B1A-054F-5072-0612B5BCA8A9}"/>
+                </a:ext>
+              </a:extLst>
+            </p:cNvPr>
+            <p:cNvGrpSpPr/>
+            <p:nvPr/>
+          </p:nvGrpSpPr>
+          <p:grpSpPr>
+            <a:xfrm>
+              <a:off x="3971282" y="3038382"/>
+              <a:ext cx="301841" cy="483834"/>
+              <a:chOff x="3062796" y="3027285"/>
+              <a:chExt cx="301841" cy="483834"/>
+            </a:xfrm>
+          </p:grpSpPr>
+          <p:cxnSp>
+            <p:nvCxnSpPr>
+              <p:cNvPr id="35" name="Straight Connector 34">
+                <a:extLst>
+                  <a:ext uri="{FF2B5EF4-FFF2-40B4-BE49-F238E27FC236}">
+                    <a16:creationId xmlns:a16="http://schemas.microsoft.com/office/drawing/2014/main" id="{4AC986FB-A92A-C21C-8C99-2BDDC3ED2896}"/>
+                  </a:ext>
+                </a:extLst>
+              </p:cNvPr>
+              <p:cNvCxnSpPr>
+                <a:cxnSpLocks/>
+              </p:cNvCxnSpPr>
+              <p:nvPr/>
+            </p:nvCxnSpPr>
+            <p:spPr>
+              <a:xfrm flipH="1" flipV="1">
+                <a:off x="3062796" y="3027285"/>
+                <a:ext cx="150921" cy="483834"/>
+              </a:xfrm>
+              <a:prstGeom prst="line">
+                <a:avLst/>
+              </a:prstGeom>
+              <a:ln w="57150">
+                <a:solidFill>
+                  <a:srgbClr val="0070C0"/>
+                </a:solidFill>
+              </a:ln>
+            </p:spPr>
+            <p:style>
+              <a:lnRef idx="1">
+                <a:schemeClr val="accent1"/>
+              </a:lnRef>
+              <a:fillRef idx="0">
+                <a:schemeClr val="accent1"/>
+              </a:fillRef>
+              <a:effectRef idx="0">
+                <a:schemeClr val="accent1"/>
+              </a:effectRef>
+              <a:fontRef idx="minor">
+                <a:schemeClr val="tx1"/>
+              </a:fontRef>
+            </p:style>
+          </p:cxnSp>
+          <p:cxnSp>
+            <p:nvCxnSpPr>
+              <p:cNvPr id="37" name="Straight Connector 36">
+                <a:extLst>
+                  <a:ext uri="{FF2B5EF4-FFF2-40B4-BE49-F238E27FC236}">
+                    <a16:creationId xmlns:a16="http://schemas.microsoft.com/office/drawing/2014/main" id="{CFFC6AF2-B5AB-B827-901C-C361FD182B17}"/>
+                  </a:ext>
+                </a:extLst>
+              </p:cNvPr>
+              <p:cNvCxnSpPr>
+                <a:cxnSpLocks/>
+              </p:cNvCxnSpPr>
+              <p:nvPr/>
+            </p:nvCxnSpPr>
+            <p:spPr>
+              <a:xfrm flipV="1">
+                <a:off x="3213716" y="3027285"/>
+                <a:ext cx="150921" cy="483833"/>
+              </a:xfrm>
+              <a:prstGeom prst="line">
+                <a:avLst/>
+              </a:prstGeom>
+              <a:ln w="57150">
+                <a:solidFill>
+                  <a:srgbClr val="0070C0"/>
+                </a:solidFill>
+              </a:ln>
+            </p:spPr>
+            <p:style>
+              <a:lnRef idx="1">
+                <a:schemeClr val="accent1"/>
+              </a:lnRef>
+              <a:fillRef idx="0">
+                <a:schemeClr val="accent1"/>
+              </a:fillRef>
+              <a:effectRef idx="0">
+                <a:schemeClr val="accent1"/>
+              </a:effectRef>
+              <a:fontRef idx="minor">
+                <a:schemeClr val="tx1"/>
+              </a:fontRef>
+            </p:style>
+          </p:cxnSp>
+        </p:grpSp>
+        <p:grpSp>
+          <p:nvGrpSpPr>
+            <p:cNvPr id="26" name="Group 25">
+              <a:extLst>
+                <a:ext uri="{FF2B5EF4-FFF2-40B4-BE49-F238E27FC236}">
+                  <a16:creationId xmlns:a16="http://schemas.microsoft.com/office/drawing/2014/main" id="{1C5D0E20-0557-9EEA-90C9-BD0419DFAAA3}"/>
+                </a:ext>
+              </a:extLst>
+            </p:cNvPr>
+            <p:cNvGrpSpPr/>
+            <p:nvPr/>
+          </p:nvGrpSpPr>
+          <p:grpSpPr>
+            <a:xfrm>
+              <a:off x="3667960" y="3038382"/>
+              <a:ext cx="301842" cy="483834"/>
+              <a:chOff x="3062796" y="3027285"/>
+              <a:chExt cx="301842" cy="483834"/>
+            </a:xfrm>
+          </p:grpSpPr>
+          <p:cxnSp>
+            <p:nvCxnSpPr>
+              <p:cNvPr id="33" name="Straight Connector 32">
+                <a:extLst>
+                  <a:ext uri="{FF2B5EF4-FFF2-40B4-BE49-F238E27FC236}">
+                    <a16:creationId xmlns:a16="http://schemas.microsoft.com/office/drawing/2014/main" id="{CED74495-9C9C-353A-4063-D5A86562AB75}"/>
+                  </a:ext>
+                </a:extLst>
+              </p:cNvPr>
+              <p:cNvCxnSpPr>
+                <a:cxnSpLocks/>
+              </p:cNvCxnSpPr>
+              <p:nvPr/>
+            </p:nvCxnSpPr>
+            <p:spPr>
+              <a:xfrm flipH="1" flipV="1">
+                <a:off x="3062796" y="3027285"/>
+                <a:ext cx="150921" cy="483834"/>
+              </a:xfrm>
+              <a:prstGeom prst="line">
+                <a:avLst/>
+              </a:prstGeom>
+              <a:ln w="57150">
+                <a:solidFill>
+                  <a:srgbClr val="0070C0"/>
+                </a:solidFill>
+              </a:ln>
+            </p:spPr>
+            <p:style>
+              <a:lnRef idx="1">
+                <a:schemeClr val="accent1"/>
+              </a:lnRef>
+              <a:fillRef idx="0">
+                <a:schemeClr val="accent1"/>
+              </a:fillRef>
+              <a:effectRef idx="0">
+                <a:schemeClr val="accent1"/>
+              </a:effectRef>
+              <a:fontRef idx="minor">
+                <a:schemeClr val="tx1"/>
+              </a:fontRef>
+            </p:style>
+          </p:cxnSp>
+          <p:cxnSp>
+            <p:nvCxnSpPr>
+              <p:cNvPr id="34" name="Straight Connector 33">
+                <a:extLst>
+                  <a:ext uri="{FF2B5EF4-FFF2-40B4-BE49-F238E27FC236}">
+                    <a16:creationId xmlns:a16="http://schemas.microsoft.com/office/drawing/2014/main" id="{3D6D53BD-CE25-363C-3EF6-C233022318E7}"/>
+                  </a:ext>
+                </a:extLst>
+              </p:cNvPr>
+              <p:cNvCxnSpPr>
+                <a:cxnSpLocks/>
+              </p:cNvCxnSpPr>
+              <p:nvPr/>
+            </p:nvCxnSpPr>
+            <p:spPr>
+              <a:xfrm flipV="1">
+                <a:off x="3213717" y="3027285"/>
+                <a:ext cx="150921" cy="483834"/>
+              </a:xfrm>
+              <a:prstGeom prst="line">
+                <a:avLst/>
+              </a:prstGeom>
+              <a:ln w="57150">
+                <a:solidFill>
+                  <a:srgbClr val="0070C0"/>
+                </a:solidFill>
+              </a:ln>
+            </p:spPr>
+            <p:style>
+              <a:lnRef idx="1">
+                <a:schemeClr val="accent1"/>
+              </a:lnRef>
+              <a:fillRef idx="0">
+                <a:schemeClr val="accent1"/>
+              </a:fillRef>
+              <a:effectRef idx="0">
+                <a:schemeClr val="accent1"/>
+              </a:effectRef>
+              <a:fontRef idx="minor">
+                <a:schemeClr val="tx1"/>
+              </a:fontRef>
+            </p:style>
+          </p:cxnSp>
+        </p:grpSp>
+        <p:grpSp>
+          <p:nvGrpSpPr>
+            <p:cNvPr id="27" name="Group 26">
+              <a:extLst>
+                <a:ext uri="{FF2B5EF4-FFF2-40B4-BE49-F238E27FC236}">
+                  <a16:creationId xmlns:a16="http://schemas.microsoft.com/office/drawing/2014/main" id="{C492E081-DBFB-9A9E-59CA-DDE11D7F280E}"/>
+                </a:ext>
+              </a:extLst>
+            </p:cNvPr>
+            <p:cNvGrpSpPr/>
+            <p:nvPr/>
+          </p:nvGrpSpPr>
+          <p:grpSpPr>
+            <a:xfrm>
+              <a:off x="4273124" y="3027284"/>
+              <a:ext cx="301842" cy="483835"/>
+              <a:chOff x="3062796" y="3027284"/>
+              <a:chExt cx="301842" cy="483835"/>
+            </a:xfrm>
+          </p:grpSpPr>
+          <p:cxnSp>
+            <p:nvCxnSpPr>
+              <p:cNvPr id="30" name="Straight Connector 29">
+                <a:extLst>
+                  <a:ext uri="{FF2B5EF4-FFF2-40B4-BE49-F238E27FC236}">
+                    <a16:creationId xmlns:a16="http://schemas.microsoft.com/office/drawing/2014/main" id="{5880A373-2141-2B7E-A7FD-9E31C8446278}"/>
+                  </a:ext>
+                </a:extLst>
+              </p:cNvPr>
+              <p:cNvCxnSpPr>
+                <a:cxnSpLocks/>
+              </p:cNvCxnSpPr>
+              <p:nvPr/>
+            </p:nvCxnSpPr>
+            <p:spPr>
+              <a:xfrm flipH="1" flipV="1">
+                <a:off x="3062796" y="3027285"/>
+                <a:ext cx="150921" cy="483834"/>
+              </a:xfrm>
+              <a:prstGeom prst="line">
+                <a:avLst/>
+              </a:prstGeom>
+              <a:ln w="57150">
+                <a:solidFill>
+                  <a:srgbClr val="0070C0"/>
+                </a:solidFill>
+              </a:ln>
+            </p:spPr>
+            <p:style>
+              <a:lnRef idx="1">
+                <a:schemeClr val="accent1"/>
+              </a:lnRef>
+              <a:fillRef idx="0">
+                <a:schemeClr val="accent1"/>
+              </a:fillRef>
+              <a:effectRef idx="0">
+                <a:schemeClr val="accent1"/>
+              </a:effectRef>
+              <a:fontRef idx="minor">
+                <a:schemeClr val="tx1"/>
+              </a:fontRef>
+            </p:style>
+          </p:cxnSp>
+          <p:cxnSp>
+            <p:nvCxnSpPr>
+              <p:cNvPr id="31" name="Straight Connector 30">
+                <a:extLst>
+                  <a:ext uri="{FF2B5EF4-FFF2-40B4-BE49-F238E27FC236}">
+                    <a16:creationId xmlns:a16="http://schemas.microsoft.com/office/drawing/2014/main" id="{90D13944-D06A-84E7-439B-4CDCD00D0274}"/>
+                  </a:ext>
+                </a:extLst>
+              </p:cNvPr>
+              <p:cNvCxnSpPr>
+                <a:cxnSpLocks/>
+              </p:cNvCxnSpPr>
+              <p:nvPr/>
+            </p:nvCxnSpPr>
+            <p:spPr>
+              <a:xfrm flipV="1">
+                <a:off x="3213717" y="3027284"/>
+                <a:ext cx="150921" cy="483834"/>
+              </a:xfrm>
+              <a:prstGeom prst="line">
+                <a:avLst/>
+              </a:prstGeom>
+              <a:ln w="57150">
+                <a:solidFill>
+                  <a:srgbClr val="0070C0"/>
+                </a:solidFill>
+              </a:ln>
+            </p:spPr>
+            <p:style>
+              <a:lnRef idx="1">
+                <a:schemeClr val="accent1"/>
+              </a:lnRef>
+              <a:fillRef idx="0">
+                <a:schemeClr val="accent1"/>
+              </a:fillRef>
+              <a:effectRef idx="0">
+                <a:schemeClr val="accent1"/>
+              </a:effectRef>
+              <a:fontRef idx="minor">
+                <a:schemeClr val="tx1"/>
+              </a:fontRef>
+            </p:style>
+          </p:cxnSp>
+        </p:grpSp>
+        <p:cxnSp>
+          <p:nvCxnSpPr>
+            <p:cNvPr id="28" name="Straight Connector 27">
+              <a:extLst>
+                <a:ext uri="{FF2B5EF4-FFF2-40B4-BE49-F238E27FC236}">
+                  <a16:creationId xmlns:a16="http://schemas.microsoft.com/office/drawing/2014/main" id="{2129AA7B-1CC4-D8AB-9203-F5F8DF3E770F}"/>
+                </a:ext>
+              </a:extLst>
+            </p:cNvPr>
+            <p:cNvCxnSpPr>
+              <a:cxnSpLocks/>
+            </p:cNvCxnSpPr>
+            <p:nvPr/>
+          </p:nvCxnSpPr>
+          <p:spPr>
+            <a:xfrm flipH="1" flipV="1">
+              <a:off x="4574966" y="3038382"/>
+              <a:ext cx="124287" cy="319597"/>
+            </a:xfrm>
+            <a:prstGeom prst="line">
+              <a:avLst/>
+            </a:prstGeom>
+            <a:ln w="57150">
+              <a:solidFill>
+                <a:srgbClr val="0070C0"/>
+              </a:solidFill>
+            </a:ln>
+          </p:spPr>
+          <p:style>
+            <a:lnRef idx="1">
+              <a:schemeClr val="accent1"/>
+            </a:lnRef>
+            <a:fillRef idx="0">
+              <a:schemeClr val="accent1"/>
+            </a:fillRef>
+            <a:effectRef idx="0">
+              <a:schemeClr val="accent1"/>
+            </a:effectRef>
+            <a:fontRef idx="minor">
+              <a:schemeClr val="tx1"/>
+            </a:fontRef>
+          </p:style>
+        </p:cxnSp>
+        <p:cxnSp>
+          <p:nvCxnSpPr>
+            <p:cNvPr id="29" name="Straight Connector 28">
+              <a:extLst>
+                <a:ext uri="{FF2B5EF4-FFF2-40B4-BE49-F238E27FC236}">
+                  <a16:creationId xmlns:a16="http://schemas.microsoft.com/office/drawing/2014/main" id="{8911E96D-4B61-F1B9-BF31-DFA3DC5EA51A}"/>
+                </a:ext>
+              </a:extLst>
+            </p:cNvPr>
+            <p:cNvCxnSpPr>
+              <a:cxnSpLocks/>
+            </p:cNvCxnSpPr>
+            <p:nvPr/>
+          </p:nvCxnSpPr>
+          <p:spPr>
+            <a:xfrm>
+              <a:off x="4699254" y="3346882"/>
+              <a:ext cx="568171" cy="0"/>
+            </a:xfrm>
+            <a:prstGeom prst="line">
+              <a:avLst/>
+            </a:prstGeom>
+            <a:ln w="57150">
+              <a:solidFill>
+                <a:srgbClr val="0070C0"/>
+              </a:solidFill>
+            </a:ln>
+          </p:spPr>
+          <p:style>
+            <a:lnRef idx="1">
+              <a:schemeClr val="accent1"/>
+            </a:lnRef>
+            <a:fillRef idx="0">
+              <a:schemeClr val="accent1"/>
+            </a:fillRef>
+            <a:effectRef idx="0">
+              <a:schemeClr val="accent1"/>
+            </a:effectRef>
+            <a:fontRef idx="minor">
+              <a:schemeClr val="tx1"/>
+            </a:fontRef>
+          </p:style>
+        </p:cxnSp>
+      </p:grpSp>
+      <p:sp>
+        <p:nvSpPr>
+          <p:cNvPr id="50" name="TextBox 49">
+            <a:extLst>
+              <a:ext uri="{FF2B5EF4-FFF2-40B4-BE49-F238E27FC236}">
+                <a16:creationId xmlns:a16="http://schemas.microsoft.com/office/drawing/2014/main" id="{14C3F315-F7E6-0EAF-05FC-B08893FC7071}"/>
+              </a:ext>
+            </a:extLst>
+          </p:cNvPr>
+          <p:cNvSpPr txBox="1"/>
+          <p:nvPr/>
+        </p:nvSpPr>
+        <p:spPr>
+          <a:xfrm>
+            <a:off x="5996746" y="3243923"/>
+            <a:ext cx="769434" cy="707886"/>
+          </a:xfrm>
+          <a:prstGeom prst="rect">
+            <a:avLst/>
+          </a:prstGeom>
+          <a:noFill/>
+        </p:spPr>
+        <p:txBody>
+          <a:bodyPr wrap="square" rtlCol="0">
+            <a:spAutoFit/>
+          </a:bodyPr>
+          <a:lstStyle/>
+          <a:p>
+            <a:r>
+              <a:rPr lang="en-IN" sz="4000" b="1" dirty="0">
+                <a:solidFill>
+                  <a:srgbClr val="C00000"/>
+                </a:solidFill>
+              </a:rPr>
+              <a:t>R</a:t>
+            </a:r>
+            <a:r>
+              <a:rPr lang="en-IN" sz="4000" b="1" baseline="-25000" dirty="0">
+                <a:solidFill>
+                  <a:srgbClr val="C00000"/>
+                </a:solidFill>
+              </a:rPr>
+              <a:t>L</a:t>
+            </a:r>
+            <a:endParaRPr lang="en-IN" sz="4000" b="1" dirty="0">
+              <a:solidFill>
+                <a:srgbClr val="C00000"/>
+              </a:solidFill>
+            </a:endParaRPr>
+          </a:p>
+        </p:txBody>
+      </p:sp>
+      <p:grpSp>
+        <p:nvGrpSpPr>
+          <p:cNvPr id="51" name="Group 50">
+            <a:extLst>
+              <a:ext uri="{FF2B5EF4-FFF2-40B4-BE49-F238E27FC236}">
+                <a16:creationId xmlns:a16="http://schemas.microsoft.com/office/drawing/2014/main" id="{5B85112B-B966-6344-A13A-E22BBC253CC2}"/>
+              </a:ext>
+            </a:extLst>
+          </p:cNvPr>
+          <p:cNvGrpSpPr/>
+          <p:nvPr/>
+        </p:nvGrpSpPr>
+        <p:grpSpPr>
+          <a:xfrm rot="10800000" flipH="1" flipV="1">
+            <a:off x="1894029" y="4574599"/>
+            <a:ext cx="575565" cy="980150"/>
+            <a:chOff x="3193236" y="1910774"/>
+            <a:chExt cx="489316" cy="1064887"/>
+          </a:xfrm>
+        </p:grpSpPr>
+        <p:sp>
+          <p:nvSpPr>
+            <p:cNvPr id="52" name="Isosceles Triangle 51">
+              <a:extLst>
+                <a:ext uri="{FF2B5EF4-FFF2-40B4-BE49-F238E27FC236}">
+                  <a16:creationId xmlns:a16="http://schemas.microsoft.com/office/drawing/2014/main" id="{0645DD4C-E002-303A-D73A-6C1A7F6AB43B}"/>
+                </a:ext>
+              </a:extLst>
+            </p:cNvPr>
+            <p:cNvSpPr/>
+            <p:nvPr/>
+          </p:nvSpPr>
+          <p:spPr>
+            <a:xfrm>
+              <a:off x="3193236" y="2328433"/>
+              <a:ext cx="489316" cy="396258"/>
+            </a:xfrm>
+            <a:prstGeom prst="triangle">
+              <a:avLst/>
+            </a:prstGeom>
+            <a:solidFill>
+              <a:srgbClr val="002060"/>
+            </a:solidFill>
+            <a:ln>
+              <a:solidFill>
+                <a:srgbClr val="002060"/>
+              </a:solidFill>
+            </a:ln>
+          </p:spPr>
+          <p:style>
+            <a:lnRef idx="2">
+              <a:schemeClr val="accent1">
+                <a:shade val="50000"/>
+              </a:schemeClr>
+            </a:lnRef>
+            <a:fillRef idx="1">
+              <a:schemeClr val="accent1"/>
+            </a:fillRef>
+            <a:effectRef idx="0">
+              <a:schemeClr val="accent1"/>
+            </a:effectRef>
+            <a:fontRef idx="minor">
+              <a:schemeClr val="lt1"/>
+            </a:fontRef>
+          </p:style>
+          <p:txBody>
+            <a:bodyPr rtlCol="0" anchor="ctr"/>
+            <a:lstStyle/>
+            <a:p>
+              <a:pPr algn="ctr"/>
+              <a:endParaRPr lang="en-IN"/>
+            </a:p>
+          </p:txBody>
+        </p:sp>
+        <p:cxnSp>
+          <p:nvCxnSpPr>
+            <p:cNvPr id="53" name="Straight Connector 52">
+              <a:extLst>
+                <a:ext uri="{FF2B5EF4-FFF2-40B4-BE49-F238E27FC236}">
+                  <a16:creationId xmlns:a16="http://schemas.microsoft.com/office/drawing/2014/main" id="{D5D10986-99D1-E6CF-1506-114FD60846D6}"/>
+                </a:ext>
+              </a:extLst>
+            </p:cNvPr>
+            <p:cNvCxnSpPr>
+              <a:cxnSpLocks/>
+            </p:cNvCxnSpPr>
+            <p:nvPr/>
+          </p:nvCxnSpPr>
+          <p:spPr>
+            <a:xfrm rot="10800000" flipH="1">
+              <a:off x="3222812" y="2339456"/>
+              <a:ext cx="456636" cy="1"/>
+            </a:xfrm>
+            <a:prstGeom prst="line">
+              <a:avLst/>
+            </a:prstGeom>
+            <a:ln w="38100">
+              <a:solidFill>
+                <a:srgbClr val="002060"/>
+              </a:solidFill>
+            </a:ln>
+          </p:spPr>
+          <p:style>
+            <a:lnRef idx="1">
+              <a:schemeClr val="accent1"/>
+            </a:lnRef>
+            <a:fillRef idx="0">
+              <a:schemeClr val="accent1"/>
+            </a:fillRef>
+            <a:effectRef idx="0">
+              <a:schemeClr val="accent1"/>
+            </a:effectRef>
+            <a:fontRef idx="minor">
+              <a:schemeClr val="tx1"/>
+            </a:fontRef>
+          </p:style>
+        </p:cxnSp>
+        <p:cxnSp>
+          <p:nvCxnSpPr>
+            <p:cNvPr id="62" name="Straight Connector 61">
+              <a:extLst>
+                <a:ext uri="{FF2B5EF4-FFF2-40B4-BE49-F238E27FC236}">
+                  <a16:creationId xmlns:a16="http://schemas.microsoft.com/office/drawing/2014/main" id="{A008175D-F940-2AC5-4BB2-BB5DD7D1CF51}"/>
+                </a:ext>
+              </a:extLst>
+            </p:cNvPr>
+            <p:cNvCxnSpPr>
+              <a:cxnSpLocks/>
+            </p:cNvCxnSpPr>
+            <p:nvPr/>
+          </p:nvCxnSpPr>
+          <p:spPr>
+            <a:xfrm rot="10800000" flipV="1">
+              <a:off x="3435967" y="1910774"/>
+              <a:ext cx="1" cy="1064887"/>
+            </a:xfrm>
+            <a:prstGeom prst="line">
+              <a:avLst/>
+            </a:prstGeom>
+            <a:ln w="38100">
+              <a:solidFill>
+                <a:srgbClr val="002060"/>
+              </a:solidFill>
+            </a:ln>
+          </p:spPr>
+          <p:style>
+            <a:lnRef idx="1">
+              <a:schemeClr val="accent1"/>
+            </a:lnRef>
+            <a:fillRef idx="0">
+              <a:schemeClr val="accent1"/>
+            </a:fillRef>
+            <a:effectRef idx="0">
+              <a:schemeClr val="accent1"/>
+            </a:effectRef>
+            <a:fontRef idx="minor">
+              <a:schemeClr val="tx1"/>
+            </a:fontRef>
+          </p:style>
+        </p:cxnSp>
+      </p:grpSp>
+      <p:grpSp>
+        <p:nvGrpSpPr>
+          <p:cNvPr id="63" name="Group 62">
+            <a:extLst>
+              <a:ext uri="{FF2B5EF4-FFF2-40B4-BE49-F238E27FC236}">
+                <a16:creationId xmlns:a16="http://schemas.microsoft.com/office/drawing/2014/main" id="{BB15D137-0A36-35BB-1984-63777CDB60D0}"/>
+              </a:ext>
+            </a:extLst>
+          </p:cNvPr>
+          <p:cNvGrpSpPr/>
+          <p:nvPr/>
+        </p:nvGrpSpPr>
+        <p:grpSpPr>
+          <a:xfrm rot="10800000" flipH="1" flipV="1">
+            <a:off x="3268642" y="4574599"/>
+            <a:ext cx="575565" cy="980150"/>
+            <a:chOff x="3193236" y="1910774"/>
+            <a:chExt cx="489316" cy="1064887"/>
+          </a:xfrm>
+        </p:grpSpPr>
+        <p:sp>
+          <p:nvSpPr>
+            <p:cNvPr id="64" name="Isosceles Triangle 63">
+              <a:extLst>
+                <a:ext uri="{FF2B5EF4-FFF2-40B4-BE49-F238E27FC236}">
+                  <a16:creationId xmlns:a16="http://schemas.microsoft.com/office/drawing/2014/main" id="{85283A76-B40E-E0AA-DB60-06316FB8F6FF}"/>
+                </a:ext>
+              </a:extLst>
+            </p:cNvPr>
+            <p:cNvSpPr/>
+            <p:nvPr/>
+          </p:nvSpPr>
+          <p:spPr>
+            <a:xfrm>
+              <a:off x="3193236" y="2328433"/>
+              <a:ext cx="489316" cy="396258"/>
+            </a:xfrm>
+            <a:prstGeom prst="triangle">
+              <a:avLst/>
+            </a:prstGeom>
+            <a:solidFill>
+              <a:srgbClr val="002060"/>
+            </a:solidFill>
+            <a:ln>
+              <a:solidFill>
+                <a:srgbClr val="002060"/>
+              </a:solidFill>
+            </a:ln>
+          </p:spPr>
+          <p:style>
+            <a:lnRef idx="2">
+              <a:schemeClr val="accent1">
+                <a:shade val="50000"/>
+              </a:schemeClr>
+            </a:lnRef>
+            <a:fillRef idx="1">
+              <a:schemeClr val="accent1"/>
+            </a:fillRef>
+            <a:effectRef idx="0">
+              <a:schemeClr val="accent1"/>
+            </a:effectRef>
+            <a:fontRef idx="minor">
+              <a:schemeClr val="lt1"/>
+            </a:fontRef>
+          </p:style>
+          <p:txBody>
+            <a:bodyPr rtlCol="0" anchor="ctr"/>
+            <a:lstStyle/>
+            <a:p>
+              <a:pPr algn="ctr"/>
+              <a:endParaRPr lang="en-IN"/>
+            </a:p>
+          </p:txBody>
+        </p:sp>
+        <p:cxnSp>
+          <p:nvCxnSpPr>
+            <p:cNvPr id="65" name="Straight Connector 64">
+              <a:extLst>
+                <a:ext uri="{FF2B5EF4-FFF2-40B4-BE49-F238E27FC236}">
+                  <a16:creationId xmlns:a16="http://schemas.microsoft.com/office/drawing/2014/main" id="{D82F719F-EB62-345A-C3EC-99F4A5BD95C3}"/>
+                </a:ext>
+              </a:extLst>
+            </p:cNvPr>
+            <p:cNvCxnSpPr>
+              <a:cxnSpLocks/>
+            </p:cNvCxnSpPr>
+            <p:nvPr/>
+          </p:nvCxnSpPr>
+          <p:spPr>
+            <a:xfrm rot="10800000" flipH="1">
+              <a:off x="3222812" y="2339456"/>
+              <a:ext cx="456636" cy="1"/>
+            </a:xfrm>
+            <a:prstGeom prst="line">
+              <a:avLst/>
+            </a:prstGeom>
+            <a:ln w="38100">
+              <a:solidFill>
+                <a:srgbClr val="002060"/>
+              </a:solidFill>
+            </a:ln>
+          </p:spPr>
+          <p:style>
+            <a:lnRef idx="1">
+              <a:schemeClr val="accent1"/>
+            </a:lnRef>
+            <a:fillRef idx="0">
+              <a:schemeClr val="accent1"/>
+            </a:fillRef>
+            <a:effectRef idx="0">
+              <a:schemeClr val="accent1"/>
+            </a:effectRef>
+            <a:fontRef idx="minor">
+              <a:schemeClr val="tx1"/>
+            </a:fontRef>
+          </p:style>
+        </p:cxnSp>
+        <p:cxnSp>
+          <p:nvCxnSpPr>
+            <p:cNvPr id="66" name="Straight Connector 65">
+              <a:extLst>
+                <a:ext uri="{FF2B5EF4-FFF2-40B4-BE49-F238E27FC236}">
+                  <a16:creationId xmlns:a16="http://schemas.microsoft.com/office/drawing/2014/main" id="{E315C1D7-6A78-61FC-B645-A685807E2675}"/>
+                </a:ext>
+              </a:extLst>
+            </p:cNvPr>
+            <p:cNvCxnSpPr>
+              <a:cxnSpLocks/>
+            </p:cNvCxnSpPr>
+            <p:nvPr/>
+          </p:nvCxnSpPr>
+          <p:spPr>
+            <a:xfrm rot="10800000" flipV="1">
+              <a:off x="3435967" y="1910774"/>
+              <a:ext cx="1" cy="1064887"/>
+            </a:xfrm>
+            <a:prstGeom prst="line">
+              <a:avLst/>
+            </a:prstGeom>
+            <a:ln w="38100">
+              <a:solidFill>
+                <a:srgbClr val="002060"/>
+              </a:solidFill>
+            </a:ln>
+          </p:spPr>
+          <p:style>
+            <a:lnRef idx="1">
+              <a:schemeClr val="accent1"/>
+            </a:lnRef>
+            <a:fillRef idx="0">
+              <a:schemeClr val="accent1"/>
+            </a:fillRef>
+            <a:effectRef idx="0">
+              <a:schemeClr val="accent1"/>
+            </a:effectRef>
+            <a:fontRef idx="minor">
+              <a:schemeClr val="tx1"/>
+            </a:fontRef>
+          </p:style>
+        </p:cxnSp>
+      </p:grpSp>
+    </p:spTree>
+    <p:extLst>
+      <p:ext uri="{BB962C8B-B14F-4D97-AF65-F5344CB8AC3E}">
+        <p14:creationId xmlns:p14="http://schemas.microsoft.com/office/powerpoint/2010/main" val="3479159773"/>
+      </p:ext>
+    </p:extLst>
+  </p:cSld>
+  <p:clrMapOvr>
+    <a:masterClrMapping/>
+  </p:clrMapOvr>
+</p:sld>
+</file>
+
+<file path=ppt/slides/slide5.xml><?xml version="1.0" encoding="utf-8"?>
+<p:sld xmlns:a="http://schemas.openxmlformats.org/drawingml/2006/main" xmlns:r="http://schemas.openxmlformats.org/officeDocument/2006/relationships" xmlns:p="http://schemas.openxmlformats.org/presentationml/2006/main">
+  <p:cSld>
+    <p:spTree>
+      <p:nvGrpSpPr>
+        <p:cNvPr id="1" name=""/>
+        <p:cNvGrpSpPr/>
+        <p:nvPr/>
+      </p:nvGrpSpPr>
+      <p:grpSpPr>
+        <a:xfrm>
+          <a:off x="0" y="0"/>
+          <a:ext cx="0" cy="0"/>
+          <a:chOff x="0" y="0"/>
+          <a:chExt cx="0" cy="0"/>
+        </a:xfrm>
+      </p:grpSpPr>
+      <p:cxnSp>
+        <p:nvCxnSpPr>
+          <p:cNvPr id="16" name="Straight Connector 15">
+            <a:extLst>
+              <a:ext uri="{FF2B5EF4-FFF2-40B4-BE49-F238E27FC236}">
+                <a16:creationId xmlns:a16="http://schemas.microsoft.com/office/drawing/2014/main" id="{84938377-5303-D918-10BF-618A11E268CB}"/>
+              </a:ext>
+            </a:extLst>
+          </p:cNvPr>
+          <p:cNvCxnSpPr>
+            <a:cxnSpLocks/>
+          </p:cNvCxnSpPr>
+          <p:nvPr/>
+        </p:nvCxnSpPr>
+        <p:spPr>
+          <a:xfrm flipV="1">
+            <a:off x="1433100" y="1755195"/>
+            <a:ext cx="4293041" cy="15474"/>
+          </a:xfrm>
+          <a:prstGeom prst="line">
+            <a:avLst/>
+          </a:prstGeom>
+          <a:ln w="57150"/>
+        </p:spPr>
+        <p:style>
+          <a:lnRef idx="3">
+            <a:schemeClr val="dk1"/>
+          </a:lnRef>
+          <a:fillRef idx="0">
+            <a:schemeClr val="dk1"/>
+          </a:fillRef>
+          <a:effectRef idx="2">
+            <a:schemeClr val="dk1"/>
+          </a:effectRef>
+          <a:fontRef idx="minor">
+            <a:schemeClr val="tx1"/>
+          </a:fontRef>
+        </p:style>
+      </p:cxnSp>
+      <p:cxnSp>
+        <p:nvCxnSpPr>
+          <p:cNvPr id="25" name="Straight Connector 24">
+            <a:extLst>
+              <a:ext uri="{FF2B5EF4-FFF2-40B4-BE49-F238E27FC236}">
+                <a16:creationId xmlns:a16="http://schemas.microsoft.com/office/drawing/2014/main" id="{0E64FC33-8658-E84B-5BB2-72DE09C4C4BB}"/>
+              </a:ext>
+            </a:extLst>
+          </p:cNvPr>
+          <p:cNvCxnSpPr>
+            <a:cxnSpLocks/>
+          </p:cNvCxnSpPr>
+          <p:nvPr/>
+        </p:nvCxnSpPr>
+        <p:spPr>
+          <a:xfrm>
+            <a:off x="1464646" y="1776984"/>
+            <a:ext cx="20463" cy="3672462"/>
+          </a:xfrm>
+          <a:prstGeom prst="line">
+            <a:avLst/>
+          </a:prstGeom>
+          <a:ln w="57150"/>
+        </p:spPr>
+        <p:style>
+          <a:lnRef idx="3">
+            <a:schemeClr val="dk1"/>
+          </a:lnRef>
+          <a:fillRef idx="0">
+            <a:schemeClr val="dk1"/>
+          </a:fillRef>
+          <a:effectRef idx="2">
+            <a:schemeClr val="dk1"/>
+          </a:effectRef>
+          <a:fontRef idx="minor">
+            <a:schemeClr val="tx1"/>
+          </a:fontRef>
+        </p:style>
+      </p:cxnSp>
+      <p:grpSp>
+        <p:nvGrpSpPr>
+          <p:cNvPr id="22" name="Group 21">
+            <a:extLst>
+              <a:ext uri="{FF2B5EF4-FFF2-40B4-BE49-F238E27FC236}">
+                <a16:creationId xmlns:a16="http://schemas.microsoft.com/office/drawing/2014/main" id="{B966BD47-6ADE-F293-1962-4EDF84CF29FD}"/>
+              </a:ext>
+            </a:extLst>
+          </p:cNvPr>
+          <p:cNvGrpSpPr/>
+          <p:nvPr/>
+        </p:nvGrpSpPr>
+        <p:grpSpPr>
+          <a:xfrm>
+            <a:off x="961705" y="3141142"/>
+            <a:ext cx="982649" cy="988865"/>
+            <a:chOff x="1090355" y="3457618"/>
+            <a:chExt cx="982649" cy="988865"/>
+          </a:xfrm>
+          <a:solidFill>
+            <a:schemeClr val="bg1"/>
+          </a:solidFill>
+        </p:grpSpPr>
+        <p:sp>
+          <p:nvSpPr>
+            <p:cNvPr id="18" name="Oval 17">
+              <a:extLst>
+                <a:ext uri="{FF2B5EF4-FFF2-40B4-BE49-F238E27FC236}">
+                  <a16:creationId xmlns:a16="http://schemas.microsoft.com/office/drawing/2014/main" id="{3827CE8B-8A9E-0B70-BCA7-915C4EA81062}"/>
+                </a:ext>
+              </a:extLst>
+            </p:cNvPr>
+            <p:cNvSpPr/>
+            <p:nvPr/>
+          </p:nvSpPr>
+          <p:spPr>
+            <a:xfrm>
+              <a:off x="1090355" y="3457618"/>
+              <a:ext cx="982649" cy="988865"/>
+            </a:xfrm>
+            <a:prstGeom prst="ellipse">
+              <a:avLst/>
+            </a:prstGeom>
+            <a:grpFill/>
+            <a:ln w="57150"/>
+          </p:spPr>
+          <p:style>
+            <a:lnRef idx="2">
+              <a:schemeClr val="accent1">
+                <a:shade val="50000"/>
+              </a:schemeClr>
+            </a:lnRef>
+            <a:fillRef idx="1">
+              <a:schemeClr val="accent1"/>
+            </a:fillRef>
+            <a:effectRef idx="0">
+              <a:schemeClr val="accent1"/>
+            </a:effectRef>
+            <a:fontRef idx="minor">
+              <a:schemeClr val="lt1"/>
+            </a:fontRef>
+          </p:style>
+          <p:txBody>
+            <a:bodyPr rtlCol="0" anchor="ctr"/>
+            <a:lstStyle/>
+            <a:p>
+              <a:pPr algn="ctr"/>
+              <a:endParaRPr lang="en-IN"/>
+            </a:p>
+          </p:txBody>
+        </p:sp>
+        <p:grpSp>
+          <p:nvGrpSpPr>
+            <p:cNvPr id="19" name="Group 18">
+              <a:extLst>
+                <a:ext uri="{FF2B5EF4-FFF2-40B4-BE49-F238E27FC236}">
+                  <a16:creationId xmlns:a16="http://schemas.microsoft.com/office/drawing/2014/main" id="{F4F58637-9E1C-0148-A064-A69E3982E52A}"/>
+                </a:ext>
+              </a:extLst>
+            </p:cNvPr>
+            <p:cNvGrpSpPr/>
+            <p:nvPr/>
+          </p:nvGrpSpPr>
+          <p:grpSpPr>
+            <a:xfrm rot="5400000" flipV="1">
+              <a:off x="1355829" y="3603539"/>
+              <a:ext cx="451699" cy="697021"/>
+              <a:chOff x="3898812" y="2986773"/>
+              <a:chExt cx="232509" cy="554879"/>
+            </a:xfrm>
+            <a:grpFill/>
+          </p:grpSpPr>
+          <p:sp>
+            <p:nvSpPr>
+              <p:cNvPr id="20" name="Arc 19">
+                <a:extLst>
+                  <a:ext uri="{FF2B5EF4-FFF2-40B4-BE49-F238E27FC236}">
+                    <a16:creationId xmlns:a16="http://schemas.microsoft.com/office/drawing/2014/main" id="{DFE67346-2EB0-3B03-64F9-E33236854307}"/>
+                  </a:ext>
+                </a:extLst>
+              </p:cNvPr>
+              <p:cNvSpPr/>
+              <p:nvPr/>
+            </p:nvSpPr>
+            <p:spPr>
+              <a:xfrm rot="16200000">
+                <a:off x="3877316" y="3010463"/>
+                <a:ext cx="277695" cy="230315"/>
+              </a:xfrm>
+              <a:prstGeom prst="arc">
+                <a:avLst>
+                  <a:gd name="adj1" fmla="val 10739696"/>
+                  <a:gd name="adj2" fmla="val 0"/>
+                </a:avLst>
+              </a:prstGeom>
+              <a:grpFill/>
+              <a:ln w="57150">
+                <a:solidFill>
+                  <a:srgbClr val="FF0000"/>
+                </a:solidFill>
+              </a:ln>
+            </p:spPr>
+            <p:style>
+              <a:lnRef idx="1">
+                <a:schemeClr val="dk1"/>
+              </a:lnRef>
+              <a:fillRef idx="0">
+                <a:schemeClr val="dk1"/>
+              </a:fillRef>
+              <a:effectRef idx="0">
+                <a:schemeClr val="dk1"/>
+              </a:effectRef>
+              <a:fontRef idx="minor">
+                <a:schemeClr val="tx1"/>
+              </a:fontRef>
+            </p:style>
+            <p:txBody>
+              <a:bodyPr rtlCol="0" anchor="ctr"/>
+              <a:lstStyle/>
+              <a:p>
+                <a:pPr algn="ctr"/>
+                <a:endParaRPr lang="en-IN"/>
+              </a:p>
+            </p:txBody>
+          </p:sp>
+          <p:sp>
+            <p:nvSpPr>
+              <p:cNvPr id="21" name="Arc 20">
+                <a:extLst>
+                  <a:ext uri="{FF2B5EF4-FFF2-40B4-BE49-F238E27FC236}">
+                    <a16:creationId xmlns:a16="http://schemas.microsoft.com/office/drawing/2014/main" id="{8CD0CB9D-E0A5-F7A6-E6E3-56F3C51B153F}"/>
+                  </a:ext>
+                </a:extLst>
+              </p:cNvPr>
+              <p:cNvSpPr/>
+              <p:nvPr/>
+            </p:nvSpPr>
+            <p:spPr>
+              <a:xfrm rot="5400000" flipH="1">
+                <a:off x="3875122" y="3287647"/>
+                <a:ext cx="277695" cy="230315"/>
+              </a:xfrm>
+              <a:prstGeom prst="arc">
+                <a:avLst>
+                  <a:gd name="adj1" fmla="val 10739696"/>
+                  <a:gd name="adj2" fmla="val 0"/>
+                </a:avLst>
+              </a:prstGeom>
+              <a:grpFill/>
+              <a:ln w="57150">
+                <a:solidFill>
+                  <a:srgbClr val="FF0000"/>
+                </a:solidFill>
+              </a:ln>
+            </p:spPr>
+            <p:style>
+              <a:lnRef idx="1">
+                <a:schemeClr val="dk1"/>
+              </a:lnRef>
+              <a:fillRef idx="0">
+                <a:schemeClr val="dk1"/>
+              </a:fillRef>
+              <a:effectRef idx="0">
+                <a:schemeClr val="dk1"/>
+              </a:effectRef>
+              <a:fontRef idx="minor">
+                <a:schemeClr val="tx1"/>
+              </a:fontRef>
+            </p:style>
+            <p:txBody>
+              <a:bodyPr rtlCol="0" anchor="ctr"/>
+              <a:lstStyle/>
+              <a:p>
+                <a:pPr algn="ctr"/>
+                <a:endParaRPr lang="en-IN"/>
+              </a:p>
+            </p:txBody>
+          </p:sp>
+        </p:grpSp>
+      </p:grpSp>
+      <p:cxnSp>
+        <p:nvCxnSpPr>
+          <p:cNvPr id="27" name="Straight Connector 26">
+            <a:extLst>
+              <a:ext uri="{FF2B5EF4-FFF2-40B4-BE49-F238E27FC236}">
+                <a16:creationId xmlns:a16="http://schemas.microsoft.com/office/drawing/2014/main" id="{C2C4FD99-18E9-AD12-8569-F364629FC96F}"/>
+              </a:ext>
+            </a:extLst>
+          </p:cNvPr>
+          <p:cNvCxnSpPr>
+            <a:cxnSpLocks/>
+          </p:cNvCxnSpPr>
+          <p:nvPr/>
+        </p:nvCxnSpPr>
+        <p:spPr>
+          <a:xfrm>
+            <a:off x="1473171" y="5426787"/>
+            <a:ext cx="4252970" cy="8090"/>
+          </a:xfrm>
+          <a:prstGeom prst="line">
+            <a:avLst/>
+          </a:prstGeom>
+          <a:ln w="57150"/>
+        </p:spPr>
+        <p:style>
+          <a:lnRef idx="3">
+            <a:schemeClr val="dk1"/>
+          </a:lnRef>
+          <a:fillRef idx="0">
+            <a:schemeClr val="dk1"/>
+          </a:fillRef>
+          <a:effectRef idx="2">
+            <a:schemeClr val="dk1"/>
+          </a:effectRef>
+          <a:fontRef idx="minor">
+            <a:schemeClr val="tx1"/>
+          </a:fontRef>
+        </p:style>
+      </p:cxnSp>
+      <p:sp>
+        <p:nvSpPr>
+          <p:cNvPr id="83" name="TextBox 82">
+            <a:extLst>
+              <a:ext uri="{FF2B5EF4-FFF2-40B4-BE49-F238E27FC236}">
+                <a16:creationId xmlns:a16="http://schemas.microsoft.com/office/drawing/2014/main" id="{6FD61B0A-DD3D-F5B8-232F-B2C7738226A1}"/>
+              </a:ext>
+            </a:extLst>
+          </p:cNvPr>
+          <p:cNvSpPr txBox="1"/>
+          <p:nvPr/>
+        </p:nvSpPr>
+        <p:spPr>
+          <a:xfrm>
+            <a:off x="488310" y="3836722"/>
+            <a:ext cx="769434" cy="646331"/>
+          </a:xfrm>
+          <a:prstGeom prst="rect">
+            <a:avLst/>
+          </a:prstGeom>
+          <a:noFill/>
+        </p:spPr>
+        <p:txBody>
+          <a:bodyPr wrap="square" rtlCol="0">
+            <a:spAutoFit/>
+          </a:bodyPr>
+          <a:lstStyle/>
+          <a:p>
+            <a:r>
+              <a:rPr lang="en-IN" sz="3600" b="1" dirty="0">
+                <a:solidFill>
+                  <a:srgbClr val="C00000"/>
+                </a:solidFill>
+              </a:rPr>
+              <a:t>V</a:t>
+            </a:r>
+            <a:r>
+              <a:rPr lang="en-IN" sz="3600" b="1" baseline="-25000" dirty="0">
+                <a:solidFill>
+                  <a:srgbClr val="C00000"/>
+                </a:solidFill>
+              </a:rPr>
+              <a:t>in</a:t>
+            </a:r>
+            <a:endParaRPr lang="en-IN" sz="3600" b="1" dirty="0">
+              <a:solidFill>
+                <a:srgbClr val="C00000"/>
+              </a:solidFill>
+            </a:endParaRPr>
+          </a:p>
+        </p:txBody>
+      </p:sp>
+      <p:sp>
+        <p:nvSpPr>
+          <p:cNvPr id="85" name="TextBox 84">
+            <a:extLst>
+              <a:ext uri="{FF2B5EF4-FFF2-40B4-BE49-F238E27FC236}">
+                <a16:creationId xmlns:a16="http://schemas.microsoft.com/office/drawing/2014/main" id="{C13432F6-79C0-D98D-363E-D276079F83E8}"/>
+              </a:ext>
+            </a:extLst>
+          </p:cNvPr>
+          <p:cNvSpPr txBox="1"/>
+          <p:nvPr/>
+        </p:nvSpPr>
+        <p:spPr>
+          <a:xfrm>
+            <a:off x="2503964" y="1957219"/>
+            <a:ext cx="769434" cy="523220"/>
+          </a:xfrm>
+          <a:prstGeom prst="rect">
+            <a:avLst/>
+          </a:prstGeom>
+          <a:noFill/>
+        </p:spPr>
+        <p:txBody>
+          <a:bodyPr wrap="square" rtlCol="0">
+            <a:spAutoFit/>
+          </a:bodyPr>
+          <a:lstStyle/>
+          <a:p>
+            <a:r>
+              <a:rPr lang="en-IN" sz="2800" b="1" dirty="0">
+                <a:solidFill>
+                  <a:srgbClr val="C00000"/>
+                </a:solidFill>
+              </a:rPr>
+              <a:t>SCR</a:t>
+            </a:r>
+          </a:p>
+        </p:txBody>
+      </p:sp>
+      <p:sp>
+        <p:nvSpPr>
+          <p:cNvPr id="86" name="TextBox 85">
+            <a:extLst>
+              <a:ext uri="{FF2B5EF4-FFF2-40B4-BE49-F238E27FC236}">
+                <a16:creationId xmlns:a16="http://schemas.microsoft.com/office/drawing/2014/main" id="{BE17C27F-6480-EDB7-F9AA-5B62CC754F97}"/>
+              </a:ext>
+            </a:extLst>
+          </p:cNvPr>
+          <p:cNvSpPr txBox="1"/>
+          <p:nvPr/>
+        </p:nvSpPr>
+        <p:spPr>
+          <a:xfrm>
+            <a:off x="5831121" y="2393904"/>
+            <a:ext cx="451574" cy="646331"/>
+          </a:xfrm>
+          <a:prstGeom prst="rect">
+            <a:avLst/>
+          </a:prstGeom>
+          <a:noFill/>
+        </p:spPr>
+        <p:txBody>
+          <a:bodyPr wrap="square" rtlCol="0">
+            <a:spAutoFit/>
+          </a:bodyPr>
+          <a:lstStyle/>
+          <a:p>
+            <a:r>
+              <a:rPr lang="en-IN" sz="3600" b="1" dirty="0">
+                <a:solidFill>
+                  <a:srgbClr val="C00000"/>
+                </a:solidFill>
+              </a:rPr>
+              <a:t>R</a:t>
+            </a:r>
+          </a:p>
+        </p:txBody>
+      </p:sp>
+      <p:cxnSp>
+        <p:nvCxnSpPr>
+          <p:cNvPr id="4" name="Straight Connector 3">
+            <a:extLst>
+              <a:ext uri="{FF2B5EF4-FFF2-40B4-BE49-F238E27FC236}">
+                <a16:creationId xmlns:a16="http://schemas.microsoft.com/office/drawing/2014/main" id="{E3BD025E-0FAB-DEA6-E092-987331BCBFDB}"/>
+              </a:ext>
+            </a:extLst>
+          </p:cNvPr>
+          <p:cNvCxnSpPr>
+            <a:cxnSpLocks/>
+          </p:cNvCxnSpPr>
+          <p:nvPr/>
+        </p:nvCxnSpPr>
+        <p:spPr>
+          <a:xfrm>
+            <a:off x="5704363" y="1755195"/>
+            <a:ext cx="0" cy="515588"/>
+          </a:xfrm>
+          <a:prstGeom prst="line">
+            <a:avLst/>
+          </a:prstGeom>
+          <a:ln w="57150">
+            <a:solidFill>
+              <a:schemeClr val="tx1"/>
+            </a:solidFill>
+          </a:ln>
+        </p:spPr>
+        <p:style>
+          <a:lnRef idx="1">
+            <a:schemeClr val="accent1"/>
+          </a:lnRef>
+          <a:fillRef idx="0">
+            <a:schemeClr val="accent1"/>
+          </a:fillRef>
+          <a:effectRef idx="0">
+            <a:schemeClr val="accent1"/>
+          </a:effectRef>
+          <a:fontRef idx="minor">
+            <a:schemeClr val="tx1"/>
+          </a:fontRef>
+        </p:style>
+      </p:cxnSp>
+      <p:grpSp>
+        <p:nvGrpSpPr>
+          <p:cNvPr id="97" name="Group 96">
+            <a:extLst>
+              <a:ext uri="{FF2B5EF4-FFF2-40B4-BE49-F238E27FC236}">
+                <a16:creationId xmlns:a16="http://schemas.microsoft.com/office/drawing/2014/main" id="{6E6350BA-EF41-7B4A-5AD6-E1138E3BA44B}"/>
+              </a:ext>
+            </a:extLst>
+          </p:cNvPr>
+          <p:cNvGrpSpPr/>
+          <p:nvPr/>
+        </p:nvGrpSpPr>
+        <p:grpSpPr>
+          <a:xfrm>
+            <a:off x="5407112" y="2024852"/>
+            <a:ext cx="638058" cy="3164514"/>
+            <a:chOff x="230711" y="941738"/>
+            <a:chExt cx="638058" cy="3164514"/>
+          </a:xfrm>
+        </p:grpSpPr>
+        <p:grpSp>
+          <p:nvGrpSpPr>
+            <p:cNvPr id="94" name="Group 93">
+              <a:extLst>
+                <a:ext uri="{FF2B5EF4-FFF2-40B4-BE49-F238E27FC236}">
+                  <a16:creationId xmlns:a16="http://schemas.microsoft.com/office/drawing/2014/main" id="{1A29E7B5-D707-61C9-123A-6F10B36716DB}"/>
+                </a:ext>
+              </a:extLst>
+            </p:cNvPr>
+            <p:cNvGrpSpPr/>
+            <p:nvPr/>
+          </p:nvGrpSpPr>
+          <p:grpSpPr>
+            <a:xfrm>
+              <a:off x="230711" y="941738"/>
+              <a:ext cx="638058" cy="3164514"/>
+              <a:chOff x="485856" y="1114702"/>
+              <a:chExt cx="638058" cy="3164514"/>
+            </a:xfrm>
+          </p:grpSpPr>
+          <p:grpSp>
+            <p:nvGrpSpPr>
+              <p:cNvPr id="93" name="Group 92">
+                <a:extLst>
+                  <a:ext uri="{FF2B5EF4-FFF2-40B4-BE49-F238E27FC236}">
+                    <a16:creationId xmlns:a16="http://schemas.microsoft.com/office/drawing/2014/main" id="{5D1C92BF-08A5-8491-B65E-A89D96221417}"/>
+                  </a:ext>
+                </a:extLst>
+              </p:cNvPr>
+              <p:cNvGrpSpPr/>
+              <p:nvPr/>
+            </p:nvGrpSpPr>
+            <p:grpSpPr>
+              <a:xfrm>
+                <a:off x="485856" y="1114702"/>
+                <a:ext cx="638058" cy="3164514"/>
+                <a:chOff x="473075" y="1480516"/>
+                <a:chExt cx="638058" cy="3164514"/>
+              </a:xfrm>
+            </p:grpSpPr>
+            <p:cxnSp>
+              <p:nvCxnSpPr>
+                <p:cNvPr id="50" name="Straight Connector 49">
+                  <a:extLst>
+                    <a:ext uri="{FF2B5EF4-FFF2-40B4-BE49-F238E27FC236}">
+                      <a16:creationId xmlns:a16="http://schemas.microsoft.com/office/drawing/2014/main" id="{1EB5F59E-CB48-2882-1DB3-C1EF4FBE66C3}"/>
+                    </a:ext>
+                  </a:extLst>
+                </p:cNvPr>
+                <p:cNvCxnSpPr>
+                  <a:cxnSpLocks/>
+                </p:cNvCxnSpPr>
+                <p:nvPr/>
+              </p:nvCxnSpPr>
+              <p:spPr>
+                <a:xfrm flipV="1">
+                  <a:off x="767269" y="2503397"/>
+                  <a:ext cx="0" cy="347775"/>
+                </a:xfrm>
+                <a:prstGeom prst="line">
+                  <a:avLst/>
+                </a:prstGeom>
+                <a:ln w="57150">
+                  <a:solidFill>
+                    <a:srgbClr val="0070C0"/>
+                  </a:solidFill>
+                </a:ln>
+              </p:spPr>
+              <p:style>
+                <a:lnRef idx="1">
+                  <a:schemeClr val="accent1"/>
+                </a:lnRef>
+                <a:fillRef idx="0">
+                  <a:schemeClr val="accent1"/>
+                </a:fillRef>
+                <a:effectRef idx="0">
+                  <a:schemeClr val="accent1"/>
+                </a:effectRef>
+                <a:fontRef idx="minor">
+                  <a:schemeClr val="tx1"/>
+                </a:fontRef>
+              </p:style>
+            </p:cxnSp>
+            <p:cxnSp>
+              <p:nvCxnSpPr>
+                <p:cNvPr id="51" name="Straight Connector 50">
+                  <a:extLst>
+                    <a:ext uri="{FF2B5EF4-FFF2-40B4-BE49-F238E27FC236}">
+                      <a16:creationId xmlns:a16="http://schemas.microsoft.com/office/drawing/2014/main" id="{D853FCEA-56E3-9F48-3576-664D6F1313E4}"/>
+                    </a:ext>
+                  </a:extLst>
+                </p:cNvPr>
+                <p:cNvCxnSpPr>
+                  <a:cxnSpLocks/>
+                </p:cNvCxnSpPr>
+                <p:nvPr/>
+              </p:nvCxnSpPr>
+              <p:spPr>
+                <a:xfrm rot="16200000" flipV="1">
+                  <a:off x="635099" y="2365419"/>
+                  <a:ext cx="75130" cy="200826"/>
+                </a:xfrm>
+                <a:prstGeom prst="line">
+                  <a:avLst/>
+                </a:prstGeom>
+                <a:ln w="57150">
+                  <a:solidFill>
+                    <a:srgbClr val="0070C0"/>
+                  </a:solidFill>
+                </a:ln>
+              </p:spPr>
+              <p:style>
+                <a:lnRef idx="1">
+                  <a:schemeClr val="accent1"/>
+                </a:lnRef>
+                <a:fillRef idx="0">
+                  <a:schemeClr val="accent1"/>
+                </a:fillRef>
+                <a:effectRef idx="0">
+                  <a:schemeClr val="accent1"/>
+                </a:effectRef>
+                <a:fontRef idx="minor">
+                  <a:schemeClr val="tx1"/>
+                </a:fontRef>
+              </p:style>
+            </p:cxnSp>
+            <p:cxnSp>
+              <p:nvCxnSpPr>
+                <p:cNvPr id="95" name="Straight Connector 94">
+                  <a:extLst>
+                    <a:ext uri="{FF2B5EF4-FFF2-40B4-BE49-F238E27FC236}">
+                      <a16:creationId xmlns:a16="http://schemas.microsoft.com/office/drawing/2014/main" id="{BAD322EB-D073-0709-6949-95E9E3A9CFD3}"/>
+                    </a:ext>
+                  </a:extLst>
+                </p:cNvPr>
+                <p:cNvCxnSpPr>
+                  <a:cxnSpLocks/>
+                </p:cNvCxnSpPr>
+                <p:nvPr/>
+              </p:nvCxnSpPr>
+              <p:spPr>
+                <a:xfrm rot="16200000">
+                  <a:off x="595543" y="1652242"/>
+                  <a:ext cx="343452" cy="0"/>
+                </a:xfrm>
+                <a:prstGeom prst="line">
+                  <a:avLst/>
+                </a:prstGeom>
+                <a:ln w="57150">
+                  <a:solidFill>
+                    <a:srgbClr val="0070C0"/>
+                  </a:solidFill>
+                </a:ln>
+              </p:spPr>
+              <p:style>
+                <a:lnRef idx="1">
+                  <a:schemeClr val="accent1"/>
+                </a:lnRef>
+                <a:fillRef idx="0">
+                  <a:schemeClr val="accent1"/>
+                </a:fillRef>
+                <a:effectRef idx="0">
+                  <a:schemeClr val="accent1"/>
+                </a:effectRef>
+                <a:fontRef idx="minor">
+                  <a:schemeClr val="tx1"/>
+                </a:fontRef>
+              </p:style>
+            </p:cxnSp>
+            <p:cxnSp>
+              <p:nvCxnSpPr>
+                <p:cNvPr id="96" name="Straight Connector 95">
+                  <a:extLst>
+                    <a:ext uri="{FF2B5EF4-FFF2-40B4-BE49-F238E27FC236}">
+                      <a16:creationId xmlns:a16="http://schemas.microsoft.com/office/drawing/2014/main" id="{35E64714-1446-2E86-6FB6-27C9D5C2A369}"/>
+                    </a:ext>
+                  </a:extLst>
+                </p:cNvPr>
+                <p:cNvCxnSpPr>
+                  <a:cxnSpLocks/>
+                </p:cNvCxnSpPr>
+                <p:nvPr/>
+              </p:nvCxnSpPr>
+              <p:spPr>
+                <a:xfrm rot="16200000">
+                  <a:off x="615281" y="4003340"/>
+                  <a:ext cx="343452" cy="0"/>
+                </a:xfrm>
+                <a:prstGeom prst="line">
+                  <a:avLst/>
+                </a:prstGeom>
+                <a:ln w="57150">
+                  <a:solidFill>
+                    <a:srgbClr val="0070C0"/>
+                  </a:solidFill>
+                </a:ln>
+              </p:spPr>
+              <p:style>
+                <a:lnRef idx="1">
+                  <a:schemeClr val="accent1"/>
+                </a:lnRef>
+                <a:fillRef idx="0">
+                  <a:schemeClr val="accent1"/>
+                </a:fillRef>
+                <a:effectRef idx="0">
+                  <a:schemeClr val="accent1"/>
+                </a:effectRef>
+                <a:fontRef idx="minor">
+                  <a:schemeClr val="tx1"/>
+                </a:fontRef>
+              </p:style>
+            </p:cxnSp>
+            <p:cxnSp>
+              <p:nvCxnSpPr>
+                <p:cNvPr id="101" name="Straight Connector 100">
+                  <a:extLst>
+                    <a:ext uri="{FF2B5EF4-FFF2-40B4-BE49-F238E27FC236}">
+                      <a16:creationId xmlns:a16="http://schemas.microsoft.com/office/drawing/2014/main" id="{8F9AAD1D-073C-F98D-BB23-62B013478414}"/>
+                    </a:ext>
+                  </a:extLst>
+                </p:cNvPr>
+                <p:cNvCxnSpPr>
+                  <a:cxnSpLocks/>
+                </p:cNvCxnSpPr>
+                <p:nvPr/>
+              </p:nvCxnSpPr>
+              <p:spPr>
+                <a:xfrm>
+                  <a:off x="473075" y="4155740"/>
+                  <a:ext cx="638058" cy="0"/>
+                </a:xfrm>
+                <a:prstGeom prst="line">
+                  <a:avLst/>
+                </a:prstGeom>
+                <a:ln w="57150">
+                  <a:solidFill>
+                    <a:srgbClr val="0070C0"/>
+                  </a:solidFill>
+                </a:ln>
+              </p:spPr>
+              <p:style>
+                <a:lnRef idx="1">
+                  <a:schemeClr val="accent1"/>
+                </a:lnRef>
+                <a:fillRef idx="0">
+                  <a:schemeClr val="accent1"/>
+                </a:fillRef>
+                <a:effectRef idx="0">
+                  <a:schemeClr val="accent1"/>
+                </a:effectRef>
+                <a:fontRef idx="minor">
+                  <a:schemeClr val="tx1"/>
+                </a:fontRef>
+              </p:style>
+            </p:cxnSp>
+            <p:cxnSp>
+              <p:nvCxnSpPr>
+                <p:cNvPr id="103" name="Straight Connector 102">
+                  <a:extLst>
+                    <a:ext uri="{FF2B5EF4-FFF2-40B4-BE49-F238E27FC236}">
+                      <a16:creationId xmlns:a16="http://schemas.microsoft.com/office/drawing/2014/main" id="{EA995634-39FF-BE64-E359-1888A548EB81}"/>
+                    </a:ext>
+                  </a:extLst>
+                </p:cNvPr>
+                <p:cNvCxnSpPr>
+                  <a:cxnSpLocks/>
+                </p:cNvCxnSpPr>
+                <p:nvPr/>
+              </p:nvCxnSpPr>
+              <p:spPr>
+                <a:xfrm>
+                  <a:off x="580400" y="4297255"/>
+                  <a:ext cx="400035" cy="0"/>
+                </a:xfrm>
+                <a:prstGeom prst="line">
+                  <a:avLst/>
+                </a:prstGeom>
+                <a:ln w="57150">
+                  <a:solidFill>
+                    <a:srgbClr val="0070C0"/>
+                  </a:solidFill>
+                </a:ln>
+              </p:spPr>
+              <p:style>
+                <a:lnRef idx="1">
+                  <a:schemeClr val="accent1"/>
+                </a:lnRef>
+                <a:fillRef idx="0">
+                  <a:schemeClr val="accent1"/>
+                </a:fillRef>
+                <a:effectRef idx="0">
+                  <a:schemeClr val="accent1"/>
+                </a:effectRef>
+                <a:fontRef idx="minor">
+                  <a:schemeClr val="tx1"/>
+                </a:fontRef>
+              </p:style>
+            </p:cxnSp>
+            <p:cxnSp>
+              <p:nvCxnSpPr>
+                <p:cNvPr id="105" name="Straight Connector 104">
+                  <a:extLst>
+                    <a:ext uri="{FF2B5EF4-FFF2-40B4-BE49-F238E27FC236}">
+                      <a16:creationId xmlns:a16="http://schemas.microsoft.com/office/drawing/2014/main" id="{7DBCB760-5E01-FF73-7ED5-057923E3A14F}"/>
+                    </a:ext>
+                  </a:extLst>
+                </p:cNvPr>
+                <p:cNvCxnSpPr>
+                  <a:cxnSpLocks/>
+                </p:cNvCxnSpPr>
+                <p:nvPr/>
+              </p:nvCxnSpPr>
+              <p:spPr>
+                <a:xfrm flipV="1">
+                  <a:off x="787007" y="4297255"/>
+                  <a:ext cx="0" cy="347775"/>
+                </a:xfrm>
+                <a:prstGeom prst="line">
+                  <a:avLst/>
+                </a:prstGeom>
+                <a:ln w="57150">
+                  <a:solidFill>
+                    <a:srgbClr val="0070C0"/>
+                  </a:solidFill>
+                </a:ln>
+              </p:spPr>
+              <p:style>
+                <a:lnRef idx="1">
+                  <a:schemeClr val="accent1"/>
+                </a:lnRef>
+                <a:fillRef idx="0">
+                  <a:schemeClr val="accent1"/>
+                </a:fillRef>
+                <a:effectRef idx="0">
+                  <a:schemeClr val="accent1"/>
+                </a:effectRef>
+                <a:fontRef idx="minor">
+                  <a:schemeClr val="tx1"/>
+                </a:fontRef>
+              </p:style>
+            </p:cxnSp>
+          </p:grpSp>
+          <p:cxnSp>
+            <p:nvCxnSpPr>
+              <p:cNvPr id="82" name="Straight Connector 81">
+                <a:extLst>
+                  <a:ext uri="{FF2B5EF4-FFF2-40B4-BE49-F238E27FC236}">
+                    <a16:creationId xmlns:a16="http://schemas.microsoft.com/office/drawing/2014/main" id="{C4CA30A5-11FA-40FB-86D3-6A587D329578}"/>
+                  </a:ext>
+                </a:extLst>
+              </p:cNvPr>
+              <p:cNvCxnSpPr>
+                <a:cxnSpLocks/>
+              </p:cNvCxnSpPr>
+              <p:nvPr/>
+            </p:nvCxnSpPr>
+            <p:spPr>
+              <a:xfrm rot="16200000" flipH="1" flipV="1">
+                <a:off x="685623" y="1681470"/>
+                <a:ext cx="91230" cy="304028"/>
+              </a:xfrm>
+              <a:prstGeom prst="line">
+                <a:avLst/>
+              </a:prstGeom>
+              <a:ln w="57150">
+                <a:solidFill>
+                  <a:srgbClr val="0070C0"/>
+                </a:solidFill>
+              </a:ln>
+            </p:spPr>
+            <p:style>
+              <a:lnRef idx="1">
+                <a:schemeClr val="accent1"/>
+              </a:lnRef>
+              <a:fillRef idx="0">
+                <a:schemeClr val="accent1"/>
+              </a:fillRef>
+              <a:effectRef idx="0">
+                <a:schemeClr val="accent1"/>
+              </a:effectRef>
+              <a:fontRef idx="minor">
+                <a:schemeClr val="tx1"/>
+              </a:fontRef>
+            </p:style>
+          </p:cxnSp>
+          <p:cxnSp>
+            <p:nvCxnSpPr>
+              <p:cNvPr id="84" name="Straight Connector 83">
+                <a:extLst>
+                  <a:ext uri="{FF2B5EF4-FFF2-40B4-BE49-F238E27FC236}">
+                    <a16:creationId xmlns:a16="http://schemas.microsoft.com/office/drawing/2014/main" id="{C871A413-4FB5-02F4-23F3-9D40471C2462}"/>
+                  </a:ext>
+                </a:extLst>
+              </p:cNvPr>
+              <p:cNvCxnSpPr>
+                <a:cxnSpLocks/>
+              </p:cNvCxnSpPr>
+              <p:nvPr/>
+            </p:nvCxnSpPr>
+            <p:spPr>
+              <a:xfrm rot="16200000" flipV="1">
+                <a:off x="685623" y="1590240"/>
+                <a:ext cx="91230" cy="304028"/>
+              </a:xfrm>
+              <a:prstGeom prst="line">
+                <a:avLst/>
+              </a:prstGeom>
+              <a:ln w="57150">
+                <a:solidFill>
+                  <a:srgbClr val="0070C0"/>
+                </a:solidFill>
+              </a:ln>
+            </p:spPr>
+            <p:style>
+              <a:lnRef idx="1">
+                <a:schemeClr val="accent1"/>
+              </a:lnRef>
+              <a:fillRef idx="0">
+                <a:schemeClr val="accent1"/>
+              </a:fillRef>
+              <a:effectRef idx="0">
+                <a:schemeClr val="accent1"/>
+              </a:effectRef>
+              <a:fontRef idx="minor">
+                <a:schemeClr val="tx1"/>
+              </a:fontRef>
+            </p:style>
+          </p:cxnSp>
+          <p:cxnSp>
+            <p:nvCxnSpPr>
+              <p:cNvPr id="69" name="Straight Connector 68">
+                <a:extLst>
+                  <a:ext uri="{FF2B5EF4-FFF2-40B4-BE49-F238E27FC236}">
+                    <a16:creationId xmlns:a16="http://schemas.microsoft.com/office/drawing/2014/main" id="{2110DB71-3D97-3712-AB3F-E766BAF32417}"/>
+                  </a:ext>
+                </a:extLst>
+              </p:cNvPr>
+              <p:cNvCxnSpPr>
+                <a:cxnSpLocks/>
+              </p:cNvCxnSpPr>
+              <p:nvPr/>
+            </p:nvCxnSpPr>
+            <p:spPr>
+              <a:xfrm rot="16200000" flipH="1" flipV="1">
+                <a:off x="685623" y="1864824"/>
+                <a:ext cx="91230" cy="304028"/>
+              </a:xfrm>
+              <a:prstGeom prst="line">
+                <a:avLst/>
+              </a:prstGeom>
+              <a:ln w="57150">
+                <a:solidFill>
+                  <a:srgbClr val="0070C0"/>
+                </a:solidFill>
+              </a:ln>
+            </p:spPr>
+            <p:style>
+              <a:lnRef idx="1">
+                <a:schemeClr val="accent1"/>
+              </a:lnRef>
+              <a:fillRef idx="0">
+                <a:schemeClr val="accent1"/>
+              </a:fillRef>
+              <a:effectRef idx="0">
+                <a:schemeClr val="accent1"/>
+              </a:effectRef>
+              <a:fontRef idx="minor">
+                <a:schemeClr val="tx1"/>
+              </a:fontRef>
+            </p:style>
+          </p:cxnSp>
+          <p:cxnSp>
+            <p:nvCxnSpPr>
+              <p:cNvPr id="81" name="Straight Connector 80">
+                <a:extLst>
+                  <a:ext uri="{FF2B5EF4-FFF2-40B4-BE49-F238E27FC236}">
+                    <a16:creationId xmlns:a16="http://schemas.microsoft.com/office/drawing/2014/main" id="{9AD8DCFE-4E62-F3D0-0B2F-AF82DE39FCC9}"/>
+                  </a:ext>
+                </a:extLst>
+              </p:cNvPr>
+              <p:cNvCxnSpPr>
+                <a:cxnSpLocks/>
+              </p:cNvCxnSpPr>
+              <p:nvPr/>
+            </p:nvCxnSpPr>
+            <p:spPr>
+              <a:xfrm rot="16200000" flipV="1">
+                <a:off x="685623" y="1773594"/>
+                <a:ext cx="91230" cy="304028"/>
+              </a:xfrm>
+              <a:prstGeom prst="line">
+                <a:avLst/>
+              </a:prstGeom>
+              <a:ln w="57150">
+                <a:solidFill>
+                  <a:srgbClr val="0070C0"/>
+                </a:solidFill>
+              </a:ln>
+            </p:spPr>
+            <p:style>
+              <a:lnRef idx="1">
+                <a:schemeClr val="accent1"/>
+              </a:lnRef>
+              <a:fillRef idx="0">
+                <a:schemeClr val="accent1"/>
+              </a:fillRef>
+              <a:effectRef idx="0">
+                <a:schemeClr val="accent1"/>
+              </a:effectRef>
+              <a:fontRef idx="minor">
+                <a:schemeClr val="tx1"/>
+              </a:fontRef>
+            </p:style>
+          </p:cxnSp>
+          <p:cxnSp>
+            <p:nvCxnSpPr>
+              <p:cNvPr id="59" name="Straight Connector 58">
+                <a:extLst>
+                  <a:ext uri="{FF2B5EF4-FFF2-40B4-BE49-F238E27FC236}">
+                    <a16:creationId xmlns:a16="http://schemas.microsoft.com/office/drawing/2014/main" id="{4448B6C9-E97E-31A9-EFA3-2CFDB22329AC}"/>
+                  </a:ext>
+                </a:extLst>
+              </p:cNvPr>
+              <p:cNvCxnSpPr>
+                <a:cxnSpLocks/>
+              </p:cNvCxnSpPr>
+              <p:nvPr/>
+            </p:nvCxnSpPr>
+            <p:spPr>
+              <a:xfrm rot="16200000" flipH="1" flipV="1">
+                <a:off x="678650" y="1499010"/>
+                <a:ext cx="91230" cy="304028"/>
+              </a:xfrm>
+              <a:prstGeom prst="line">
+                <a:avLst/>
+              </a:prstGeom>
+              <a:ln w="57150">
+                <a:solidFill>
+                  <a:srgbClr val="0070C0"/>
+                </a:solidFill>
+              </a:ln>
+            </p:spPr>
+            <p:style>
+              <a:lnRef idx="1">
+                <a:schemeClr val="accent1"/>
+              </a:lnRef>
+              <a:fillRef idx="0">
+                <a:schemeClr val="accent1"/>
+              </a:fillRef>
+              <a:effectRef idx="0">
+                <a:schemeClr val="accent1"/>
+              </a:effectRef>
+              <a:fontRef idx="minor">
+                <a:schemeClr val="tx1"/>
+              </a:fontRef>
+            </p:style>
+          </p:cxnSp>
+          <p:cxnSp>
+            <p:nvCxnSpPr>
+              <p:cNvPr id="60" name="Straight Connector 59">
+                <a:extLst>
+                  <a:ext uri="{FF2B5EF4-FFF2-40B4-BE49-F238E27FC236}">
+                    <a16:creationId xmlns:a16="http://schemas.microsoft.com/office/drawing/2014/main" id="{58A26166-0397-F6AF-87E7-C85226BA5ACE}"/>
+                  </a:ext>
+                </a:extLst>
+              </p:cNvPr>
+              <p:cNvCxnSpPr>
+                <a:cxnSpLocks/>
+              </p:cNvCxnSpPr>
+              <p:nvPr/>
+            </p:nvCxnSpPr>
+            <p:spPr>
+              <a:xfrm rot="16200000" flipV="1">
+                <a:off x="678650" y="1407780"/>
+                <a:ext cx="91230" cy="304028"/>
+              </a:xfrm>
+              <a:prstGeom prst="line">
+                <a:avLst/>
+              </a:prstGeom>
+              <a:ln w="57150">
+                <a:solidFill>
+                  <a:srgbClr val="0070C0"/>
+                </a:solidFill>
+              </a:ln>
+            </p:spPr>
+            <p:style>
+              <a:lnRef idx="1">
+                <a:schemeClr val="accent1"/>
+              </a:lnRef>
+              <a:fillRef idx="0">
+                <a:schemeClr val="accent1"/>
+              </a:fillRef>
+              <a:effectRef idx="0">
+                <a:schemeClr val="accent1"/>
+              </a:effectRef>
+              <a:fontRef idx="minor">
+                <a:schemeClr val="tx1"/>
+              </a:fontRef>
+            </p:style>
+          </p:cxnSp>
+          <p:cxnSp>
+            <p:nvCxnSpPr>
+              <p:cNvPr id="57" name="Straight Connector 56">
+                <a:extLst>
+                  <a:ext uri="{FF2B5EF4-FFF2-40B4-BE49-F238E27FC236}">
+                    <a16:creationId xmlns:a16="http://schemas.microsoft.com/office/drawing/2014/main" id="{4F8E2227-4188-888C-D912-CD180F5C8CCE}"/>
+                  </a:ext>
+                </a:extLst>
+              </p:cNvPr>
+              <p:cNvCxnSpPr>
+                <a:cxnSpLocks/>
+              </p:cNvCxnSpPr>
+              <p:nvPr/>
+            </p:nvCxnSpPr>
+            <p:spPr>
+              <a:xfrm rot="16200000" flipH="1" flipV="1">
+                <a:off x="642072" y="1376202"/>
+                <a:ext cx="75130" cy="200826"/>
+              </a:xfrm>
+              <a:prstGeom prst="line">
+                <a:avLst/>
+              </a:prstGeom>
+              <a:ln w="57150">
+                <a:solidFill>
+                  <a:srgbClr val="0070C0"/>
+                </a:solidFill>
+              </a:ln>
+            </p:spPr>
+            <p:style>
+              <a:lnRef idx="1">
+                <a:schemeClr val="accent1"/>
+              </a:lnRef>
+              <a:fillRef idx="0">
+                <a:schemeClr val="accent1"/>
+              </a:fillRef>
+              <a:effectRef idx="0">
+                <a:schemeClr val="accent1"/>
+              </a:effectRef>
+              <a:fontRef idx="minor">
+                <a:schemeClr val="tx1"/>
+              </a:fontRef>
+            </p:style>
+          </p:cxnSp>
+        </p:grpSp>
+        <p:grpSp>
+          <p:nvGrpSpPr>
+            <p:cNvPr id="12" name="Group 11">
+              <a:extLst>
+                <a:ext uri="{FF2B5EF4-FFF2-40B4-BE49-F238E27FC236}">
+                  <a16:creationId xmlns:a16="http://schemas.microsoft.com/office/drawing/2014/main" id="{C7AB2BBD-D1B3-7ABF-954A-82A6E038412F}"/>
+                </a:ext>
+              </a:extLst>
+            </p:cNvPr>
+            <p:cNvGrpSpPr/>
+            <p:nvPr/>
+          </p:nvGrpSpPr>
+          <p:grpSpPr>
+            <a:xfrm rot="16200000" flipH="1">
+              <a:off x="60830" y="2689478"/>
+              <a:ext cx="967626" cy="239089"/>
+              <a:chOff x="5886212" y="3231463"/>
+              <a:chExt cx="2939301" cy="967671"/>
+            </a:xfrm>
+          </p:grpSpPr>
+          <p:grpSp>
+            <p:nvGrpSpPr>
+              <p:cNvPr id="24" name="Group 23">
+                <a:extLst>
+                  <a:ext uri="{FF2B5EF4-FFF2-40B4-BE49-F238E27FC236}">
+                    <a16:creationId xmlns:a16="http://schemas.microsoft.com/office/drawing/2014/main" id="{AF9A9482-FA4F-12A0-7CB2-BDF658775C31}"/>
+                  </a:ext>
+                </a:extLst>
+              </p:cNvPr>
+              <p:cNvGrpSpPr/>
+              <p:nvPr/>
+            </p:nvGrpSpPr>
+            <p:grpSpPr>
+              <a:xfrm>
+                <a:off x="5886212" y="3266979"/>
+                <a:ext cx="843537" cy="932155"/>
+                <a:chOff x="4314389" y="3293616"/>
+                <a:chExt cx="843537" cy="932155"/>
+              </a:xfrm>
+            </p:grpSpPr>
+            <p:sp>
+              <p:nvSpPr>
+                <p:cNvPr id="41" name="Arc 40">
+                  <a:extLst>
+                    <a:ext uri="{FF2B5EF4-FFF2-40B4-BE49-F238E27FC236}">
+                      <a16:creationId xmlns:a16="http://schemas.microsoft.com/office/drawing/2014/main" id="{9212E0AF-CF05-F53B-6B0E-6DF036641503}"/>
+                    </a:ext>
+                  </a:extLst>
+                </p:cNvPr>
+                <p:cNvSpPr/>
+                <p:nvPr/>
+              </p:nvSpPr>
+              <p:spPr>
+                <a:xfrm>
+                  <a:off x="4314389" y="3293616"/>
+                  <a:ext cx="843537" cy="932155"/>
+                </a:xfrm>
+                <a:prstGeom prst="arc">
+                  <a:avLst>
+                    <a:gd name="adj1" fmla="val 10739696"/>
+                    <a:gd name="adj2" fmla="val 0"/>
+                  </a:avLst>
+                </a:prstGeom>
+                <a:ln w="57150">
+                  <a:solidFill>
+                    <a:srgbClr val="0070C0"/>
+                  </a:solidFill>
+                </a:ln>
+              </p:spPr>
+              <p:style>
+                <a:lnRef idx="1">
+                  <a:schemeClr val="dk1"/>
+                </a:lnRef>
+                <a:fillRef idx="0">
+                  <a:schemeClr val="dk1"/>
+                </a:fillRef>
+                <a:effectRef idx="0">
+                  <a:schemeClr val="dk1"/>
+                </a:effectRef>
+                <a:fontRef idx="minor">
+                  <a:schemeClr val="tx1"/>
+                </a:fontRef>
+              </p:style>
+              <p:txBody>
+                <a:bodyPr rtlCol="0" anchor="ctr"/>
+                <a:lstStyle/>
+                <a:p>
+                  <a:pPr algn="ctr"/>
+                  <a:endParaRPr lang="en-IN"/>
+                </a:p>
+              </p:txBody>
+            </p:sp>
+            <p:sp>
+              <p:nvSpPr>
+                <p:cNvPr id="42" name="Arc 41">
+                  <a:extLst>
+                    <a:ext uri="{FF2B5EF4-FFF2-40B4-BE49-F238E27FC236}">
+                      <a16:creationId xmlns:a16="http://schemas.microsoft.com/office/drawing/2014/main" id="{5B9C01B6-A232-F1AC-0B42-E89B12CD636D}"/>
+                    </a:ext>
+                  </a:extLst>
+                </p:cNvPr>
+                <p:cNvSpPr/>
+                <p:nvPr/>
+              </p:nvSpPr>
+              <p:spPr>
+                <a:xfrm flipV="1">
+                  <a:off x="4838330" y="3360197"/>
+                  <a:ext cx="319596" cy="803429"/>
+                </a:xfrm>
+                <a:prstGeom prst="arc">
+                  <a:avLst>
+                    <a:gd name="adj1" fmla="val 10739696"/>
+                    <a:gd name="adj2" fmla="val 0"/>
+                  </a:avLst>
+                </a:prstGeom>
+                <a:ln w="57150">
+                  <a:solidFill>
+                    <a:srgbClr val="0070C0"/>
+                  </a:solidFill>
+                </a:ln>
+              </p:spPr>
+              <p:style>
+                <a:lnRef idx="1">
+                  <a:schemeClr val="dk1"/>
+                </a:lnRef>
+                <a:fillRef idx="0">
+                  <a:schemeClr val="dk1"/>
+                </a:fillRef>
+                <a:effectRef idx="0">
+                  <a:schemeClr val="dk1"/>
+                </a:effectRef>
+                <a:fontRef idx="minor">
+                  <a:schemeClr val="tx1"/>
+                </a:fontRef>
+              </p:style>
+              <p:txBody>
+                <a:bodyPr rtlCol="0" anchor="ctr"/>
+                <a:lstStyle/>
+                <a:p>
+                  <a:pPr algn="ctr"/>
+                  <a:endParaRPr lang="en-IN"/>
+                </a:p>
+              </p:txBody>
+            </p:sp>
+          </p:grpSp>
+          <p:grpSp>
+            <p:nvGrpSpPr>
+              <p:cNvPr id="26" name="Group 25">
+                <a:extLst>
+                  <a:ext uri="{FF2B5EF4-FFF2-40B4-BE49-F238E27FC236}">
+                    <a16:creationId xmlns:a16="http://schemas.microsoft.com/office/drawing/2014/main" id="{A50BE5C6-31B9-25AE-1CF6-E32385AF4CB6}"/>
+                  </a:ext>
+                </a:extLst>
+              </p:cNvPr>
+              <p:cNvGrpSpPr/>
+              <p:nvPr/>
+            </p:nvGrpSpPr>
+            <p:grpSpPr>
+              <a:xfrm>
+                <a:off x="6410153" y="3258100"/>
+                <a:ext cx="843537" cy="932155"/>
+                <a:chOff x="4314389" y="3293616"/>
+                <a:chExt cx="843537" cy="932155"/>
+              </a:xfrm>
+            </p:grpSpPr>
+            <p:sp>
+              <p:nvSpPr>
+                <p:cNvPr id="39" name="Arc 38">
+                  <a:extLst>
+                    <a:ext uri="{FF2B5EF4-FFF2-40B4-BE49-F238E27FC236}">
+                      <a16:creationId xmlns:a16="http://schemas.microsoft.com/office/drawing/2014/main" id="{7723EAA8-34FB-FFBF-803A-39541E2A62E4}"/>
+                    </a:ext>
+                  </a:extLst>
+                </p:cNvPr>
+                <p:cNvSpPr/>
+                <p:nvPr/>
+              </p:nvSpPr>
+              <p:spPr>
+                <a:xfrm>
+                  <a:off x="4314389" y="3293616"/>
+                  <a:ext cx="843537" cy="932155"/>
+                </a:xfrm>
+                <a:prstGeom prst="arc">
+                  <a:avLst>
+                    <a:gd name="adj1" fmla="val 10739696"/>
+                    <a:gd name="adj2" fmla="val 0"/>
+                  </a:avLst>
+                </a:prstGeom>
+                <a:ln w="57150">
+                  <a:solidFill>
+                    <a:srgbClr val="0070C0"/>
+                  </a:solidFill>
+                </a:ln>
+              </p:spPr>
+              <p:style>
+                <a:lnRef idx="1">
+                  <a:schemeClr val="dk1"/>
+                </a:lnRef>
+                <a:fillRef idx="0">
+                  <a:schemeClr val="dk1"/>
+                </a:fillRef>
+                <a:effectRef idx="0">
+                  <a:schemeClr val="dk1"/>
+                </a:effectRef>
+                <a:fontRef idx="minor">
+                  <a:schemeClr val="tx1"/>
+                </a:fontRef>
+              </p:style>
+              <p:txBody>
+                <a:bodyPr rtlCol="0" anchor="ctr"/>
+                <a:lstStyle/>
+                <a:p>
+                  <a:pPr algn="ctr"/>
+                  <a:endParaRPr lang="en-IN"/>
+                </a:p>
+              </p:txBody>
+            </p:sp>
+            <p:sp>
+              <p:nvSpPr>
+                <p:cNvPr id="40" name="Arc 39">
+                  <a:extLst>
+                    <a:ext uri="{FF2B5EF4-FFF2-40B4-BE49-F238E27FC236}">
+                      <a16:creationId xmlns:a16="http://schemas.microsoft.com/office/drawing/2014/main" id="{36BBF719-B1A0-9B56-E499-EDC16999CEB8}"/>
+                    </a:ext>
+                  </a:extLst>
+                </p:cNvPr>
+                <p:cNvSpPr/>
+                <p:nvPr/>
+              </p:nvSpPr>
+              <p:spPr>
+                <a:xfrm flipV="1">
+                  <a:off x="4838330" y="3360197"/>
+                  <a:ext cx="319596" cy="803429"/>
+                </a:xfrm>
+                <a:prstGeom prst="arc">
+                  <a:avLst>
+                    <a:gd name="adj1" fmla="val 10739696"/>
+                    <a:gd name="adj2" fmla="val 0"/>
+                  </a:avLst>
+                </a:prstGeom>
+                <a:ln w="57150">
+                  <a:solidFill>
+                    <a:srgbClr val="0070C0"/>
+                  </a:solidFill>
+                </a:ln>
+              </p:spPr>
+              <p:style>
+                <a:lnRef idx="1">
+                  <a:schemeClr val="dk1"/>
+                </a:lnRef>
+                <a:fillRef idx="0">
+                  <a:schemeClr val="dk1"/>
+                </a:fillRef>
+                <a:effectRef idx="0">
+                  <a:schemeClr val="dk1"/>
+                </a:effectRef>
+                <a:fontRef idx="minor">
+                  <a:schemeClr val="tx1"/>
+                </a:fontRef>
+              </p:style>
+              <p:txBody>
+                <a:bodyPr rtlCol="0" anchor="ctr"/>
+                <a:lstStyle/>
+                <a:p>
+                  <a:pPr algn="ctr"/>
+                  <a:endParaRPr lang="en-IN"/>
+                </a:p>
+              </p:txBody>
+            </p:sp>
+          </p:grpSp>
+          <p:grpSp>
+            <p:nvGrpSpPr>
+              <p:cNvPr id="28" name="Group 27">
+                <a:extLst>
+                  <a:ext uri="{FF2B5EF4-FFF2-40B4-BE49-F238E27FC236}">
+                    <a16:creationId xmlns:a16="http://schemas.microsoft.com/office/drawing/2014/main" id="{EF68CA44-0B01-F966-BBCF-28A4FF7A2F24}"/>
+                  </a:ext>
+                </a:extLst>
+              </p:cNvPr>
+              <p:cNvGrpSpPr/>
+              <p:nvPr/>
+            </p:nvGrpSpPr>
+            <p:grpSpPr>
+              <a:xfrm>
+                <a:off x="6934094" y="3249221"/>
+                <a:ext cx="843537" cy="932155"/>
+                <a:chOff x="4314389" y="3293616"/>
+                <a:chExt cx="843537" cy="932155"/>
+              </a:xfrm>
+            </p:grpSpPr>
+            <p:sp>
+              <p:nvSpPr>
+                <p:cNvPr id="37" name="Arc 36">
+                  <a:extLst>
+                    <a:ext uri="{FF2B5EF4-FFF2-40B4-BE49-F238E27FC236}">
+                      <a16:creationId xmlns:a16="http://schemas.microsoft.com/office/drawing/2014/main" id="{2A9AF6C1-1D4B-B976-332D-B22EC78BF049}"/>
+                    </a:ext>
+                  </a:extLst>
+                </p:cNvPr>
+                <p:cNvSpPr/>
+                <p:nvPr/>
+              </p:nvSpPr>
+              <p:spPr>
+                <a:xfrm>
+                  <a:off x="4314389" y="3293616"/>
+                  <a:ext cx="843537" cy="932155"/>
+                </a:xfrm>
+                <a:prstGeom prst="arc">
+                  <a:avLst>
+                    <a:gd name="adj1" fmla="val 10739696"/>
+                    <a:gd name="adj2" fmla="val 0"/>
+                  </a:avLst>
+                </a:prstGeom>
+                <a:ln w="57150">
+                  <a:solidFill>
+                    <a:srgbClr val="0070C0"/>
+                  </a:solidFill>
+                </a:ln>
+              </p:spPr>
+              <p:style>
+                <a:lnRef idx="1">
+                  <a:schemeClr val="dk1"/>
+                </a:lnRef>
+                <a:fillRef idx="0">
+                  <a:schemeClr val="dk1"/>
+                </a:fillRef>
+                <a:effectRef idx="0">
+                  <a:schemeClr val="dk1"/>
+                </a:effectRef>
+                <a:fontRef idx="minor">
+                  <a:schemeClr val="tx1"/>
+                </a:fontRef>
+              </p:style>
+              <p:txBody>
+                <a:bodyPr rtlCol="0" anchor="ctr"/>
+                <a:lstStyle/>
+                <a:p>
+                  <a:pPr algn="ctr"/>
+                  <a:endParaRPr lang="en-IN"/>
+                </a:p>
+              </p:txBody>
+            </p:sp>
+            <p:sp>
+              <p:nvSpPr>
+                <p:cNvPr id="38" name="Arc 37">
+                  <a:extLst>
+                    <a:ext uri="{FF2B5EF4-FFF2-40B4-BE49-F238E27FC236}">
+                      <a16:creationId xmlns:a16="http://schemas.microsoft.com/office/drawing/2014/main" id="{AE464AA5-9850-CBBC-6542-39B0779DA67C}"/>
+                    </a:ext>
+                  </a:extLst>
+                </p:cNvPr>
+                <p:cNvSpPr/>
+                <p:nvPr/>
+              </p:nvSpPr>
+              <p:spPr>
+                <a:xfrm flipV="1">
+                  <a:off x="4838330" y="3360197"/>
+                  <a:ext cx="319596" cy="803429"/>
+                </a:xfrm>
+                <a:prstGeom prst="arc">
+                  <a:avLst>
+                    <a:gd name="adj1" fmla="val 10739696"/>
+                    <a:gd name="adj2" fmla="val 0"/>
+                  </a:avLst>
+                </a:prstGeom>
+                <a:ln w="57150">
+                  <a:solidFill>
+                    <a:srgbClr val="0070C0"/>
+                  </a:solidFill>
+                </a:ln>
+              </p:spPr>
+              <p:style>
+                <a:lnRef idx="1">
+                  <a:schemeClr val="dk1"/>
+                </a:lnRef>
+                <a:fillRef idx="0">
+                  <a:schemeClr val="dk1"/>
+                </a:fillRef>
+                <a:effectRef idx="0">
+                  <a:schemeClr val="dk1"/>
+                </a:effectRef>
+                <a:fontRef idx="minor">
+                  <a:schemeClr val="tx1"/>
+                </a:fontRef>
+              </p:style>
+              <p:txBody>
+                <a:bodyPr rtlCol="0" anchor="ctr"/>
+                <a:lstStyle/>
+                <a:p>
+                  <a:pPr algn="ctr"/>
+                  <a:endParaRPr lang="en-IN"/>
+                </a:p>
+              </p:txBody>
+            </p:sp>
+          </p:grpSp>
+          <p:grpSp>
+            <p:nvGrpSpPr>
+              <p:cNvPr id="29" name="Group 28">
+                <a:extLst>
+                  <a:ext uri="{FF2B5EF4-FFF2-40B4-BE49-F238E27FC236}">
+                    <a16:creationId xmlns:a16="http://schemas.microsoft.com/office/drawing/2014/main" id="{FEFAFDBC-204E-4018-2B5C-D2D3C192BB17}"/>
+                  </a:ext>
+                </a:extLst>
+              </p:cNvPr>
+              <p:cNvGrpSpPr/>
+              <p:nvPr/>
+            </p:nvGrpSpPr>
+            <p:grpSpPr>
+              <a:xfrm>
+                <a:off x="7458035" y="3240342"/>
+                <a:ext cx="843537" cy="932155"/>
+                <a:chOff x="4314389" y="3293616"/>
+                <a:chExt cx="843537" cy="932155"/>
+              </a:xfrm>
+            </p:grpSpPr>
+            <p:sp>
+              <p:nvSpPr>
+                <p:cNvPr id="35" name="Arc 34">
+                  <a:extLst>
+                    <a:ext uri="{FF2B5EF4-FFF2-40B4-BE49-F238E27FC236}">
+                      <a16:creationId xmlns:a16="http://schemas.microsoft.com/office/drawing/2014/main" id="{C31FF977-18C2-5E26-A6A2-10BAF00C8053}"/>
+                    </a:ext>
+                  </a:extLst>
+                </p:cNvPr>
+                <p:cNvSpPr/>
+                <p:nvPr/>
+              </p:nvSpPr>
+              <p:spPr>
+                <a:xfrm>
+                  <a:off x="4314389" y="3293616"/>
+                  <a:ext cx="843537" cy="932155"/>
+                </a:xfrm>
+                <a:prstGeom prst="arc">
+                  <a:avLst>
+                    <a:gd name="adj1" fmla="val 10739696"/>
+                    <a:gd name="adj2" fmla="val 0"/>
+                  </a:avLst>
+                </a:prstGeom>
+                <a:ln w="57150">
+                  <a:solidFill>
+                    <a:srgbClr val="0070C0"/>
+                  </a:solidFill>
+                </a:ln>
+              </p:spPr>
+              <p:style>
+                <a:lnRef idx="1">
+                  <a:schemeClr val="dk1"/>
+                </a:lnRef>
+                <a:fillRef idx="0">
+                  <a:schemeClr val="dk1"/>
+                </a:fillRef>
+                <a:effectRef idx="0">
+                  <a:schemeClr val="dk1"/>
+                </a:effectRef>
+                <a:fontRef idx="minor">
+                  <a:schemeClr val="tx1"/>
+                </a:fontRef>
+              </p:style>
+              <p:txBody>
+                <a:bodyPr rtlCol="0" anchor="ctr"/>
+                <a:lstStyle/>
+                <a:p>
+                  <a:pPr algn="ctr"/>
+                  <a:endParaRPr lang="en-IN"/>
+                </a:p>
+              </p:txBody>
+            </p:sp>
+            <p:sp>
+              <p:nvSpPr>
+                <p:cNvPr id="36" name="Arc 35">
+                  <a:extLst>
+                    <a:ext uri="{FF2B5EF4-FFF2-40B4-BE49-F238E27FC236}">
+                      <a16:creationId xmlns:a16="http://schemas.microsoft.com/office/drawing/2014/main" id="{0C6012CD-4781-2425-22CC-1622D0A79D32}"/>
+                    </a:ext>
+                  </a:extLst>
+                </p:cNvPr>
+                <p:cNvSpPr/>
+                <p:nvPr/>
+              </p:nvSpPr>
+              <p:spPr>
+                <a:xfrm flipV="1">
+                  <a:off x="4838330" y="3360197"/>
+                  <a:ext cx="319596" cy="803429"/>
+                </a:xfrm>
+                <a:prstGeom prst="arc">
+                  <a:avLst>
+                    <a:gd name="adj1" fmla="val 10739696"/>
+                    <a:gd name="adj2" fmla="val 0"/>
+                  </a:avLst>
+                </a:prstGeom>
+                <a:ln w="57150">
+                  <a:solidFill>
+                    <a:srgbClr val="0070C0"/>
+                  </a:solidFill>
+                </a:ln>
+              </p:spPr>
+              <p:style>
+                <a:lnRef idx="1">
+                  <a:schemeClr val="dk1"/>
+                </a:lnRef>
+                <a:fillRef idx="0">
+                  <a:schemeClr val="dk1"/>
+                </a:fillRef>
+                <a:effectRef idx="0">
+                  <a:schemeClr val="dk1"/>
+                </a:effectRef>
+                <a:fontRef idx="minor">
+                  <a:schemeClr val="tx1"/>
+                </a:fontRef>
+              </p:style>
+              <p:txBody>
+                <a:bodyPr rtlCol="0" anchor="ctr"/>
+                <a:lstStyle/>
+                <a:p>
+                  <a:pPr algn="ctr"/>
+                  <a:endParaRPr lang="en-IN"/>
+                </a:p>
+              </p:txBody>
+            </p:sp>
+          </p:grpSp>
+          <p:sp>
+            <p:nvSpPr>
+              <p:cNvPr id="33" name="Arc 32">
+                <a:extLst>
+                  <a:ext uri="{FF2B5EF4-FFF2-40B4-BE49-F238E27FC236}">
+                    <a16:creationId xmlns:a16="http://schemas.microsoft.com/office/drawing/2014/main" id="{46C43476-750F-342C-50DA-F245CA142B6B}"/>
+                  </a:ext>
+                </a:extLst>
+              </p:cNvPr>
+              <p:cNvSpPr/>
+              <p:nvPr/>
+            </p:nvSpPr>
+            <p:spPr>
+              <a:xfrm>
+                <a:off x="7981975" y="3231463"/>
+                <a:ext cx="843538" cy="932156"/>
+              </a:xfrm>
+              <a:prstGeom prst="arc">
+                <a:avLst>
+                  <a:gd name="adj1" fmla="val 10739696"/>
+                  <a:gd name="adj2" fmla="val 0"/>
+                </a:avLst>
+              </a:prstGeom>
+              <a:ln w="57150">
+                <a:solidFill>
+                  <a:srgbClr val="0070C0"/>
+                </a:solidFill>
+              </a:ln>
+            </p:spPr>
+            <p:style>
+              <a:lnRef idx="1">
+                <a:schemeClr val="dk1"/>
+              </a:lnRef>
+              <a:fillRef idx="0">
+                <a:schemeClr val="dk1"/>
+              </a:fillRef>
+              <a:effectRef idx="0">
+                <a:schemeClr val="dk1"/>
+              </a:effectRef>
+              <a:fontRef idx="minor">
+                <a:schemeClr val="tx1"/>
+              </a:fontRef>
+            </p:style>
+            <p:txBody>
+              <a:bodyPr rtlCol="0" anchor="ctr"/>
+              <a:lstStyle/>
+              <a:p>
+                <a:pPr algn="ctr"/>
+                <a:endParaRPr lang="en-IN"/>
+              </a:p>
+            </p:txBody>
+          </p:sp>
+        </p:grpSp>
+      </p:grpSp>
+      <p:cxnSp>
+        <p:nvCxnSpPr>
+          <p:cNvPr id="106" name="Straight Connector 105">
+            <a:extLst>
+              <a:ext uri="{FF2B5EF4-FFF2-40B4-BE49-F238E27FC236}">
+                <a16:creationId xmlns:a16="http://schemas.microsoft.com/office/drawing/2014/main" id="{3B8EFB7C-2CD2-4C4E-57C1-119E18C1D606}"/>
+              </a:ext>
+            </a:extLst>
+          </p:cNvPr>
+          <p:cNvCxnSpPr>
+            <a:cxnSpLocks/>
+          </p:cNvCxnSpPr>
+          <p:nvPr/>
+        </p:nvCxnSpPr>
+        <p:spPr>
+          <a:xfrm>
+            <a:off x="5723580" y="4933858"/>
+            <a:ext cx="0" cy="515588"/>
+          </a:xfrm>
+          <a:prstGeom prst="line">
+            <a:avLst/>
+          </a:prstGeom>
+          <a:ln w="57150">
+            <a:solidFill>
+              <a:schemeClr val="tx1"/>
+            </a:solidFill>
+          </a:ln>
+        </p:spPr>
+        <p:style>
+          <a:lnRef idx="1">
+            <a:schemeClr val="accent1"/>
+          </a:lnRef>
+          <a:fillRef idx="0">
+            <a:schemeClr val="accent1"/>
+          </a:fillRef>
+          <a:effectRef idx="0">
+            <a:schemeClr val="accent1"/>
+          </a:effectRef>
+          <a:fontRef idx="minor">
+            <a:schemeClr val="tx1"/>
+          </a:fontRef>
+        </p:style>
+      </p:cxnSp>
+      <p:sp>
+        <p:nvSpPr>
+          <p:cNvPr id="107" name="TextBox 106">
+            <a:extLst>
+              <a:ext uri="{FF2B5EF4-FFF2-40B4-BE49-F238E27FC236}">
+                <a16:creationId xmlns:a16="http://schemas.microsoft.com/office/drawing/2014/main" id="{6B80DBE0-4B9E-380D-9B82-13D2D0C8C658}"/>
+              </a:ext>
+            </a:extLst>
+          </p:cNvPr>
+          <p:cNvSpPr txBox="1"/>
+          <p:nvPr/>
+        </p:nvSpPr>
+        <p:spPr>
+          <a:xfrm>
+            <a:off x="5898389" y="3482275"/>
+            <a:ext cx="451574" cy="646331"/>
+          </a:xfrm>
+          <a:prstGeom prst="rect">
+            <a:avLst/>
+          </a:prstGeom>
+          <a:noFill/>
+        </p:spPr>
+        <p:txBody>
+          <a:bodyPr wrap="square" rtlCol="0">
+            <a:spAutoFit/>
+          </a:bodyPr>
+          <a:lstStyle/>
+          <a:p>
+            <a:r>
+              <a:rPr lang="en-IN" sz="3600" b="1" dirty="0">
+                <a:solidFill>
+                  <a:srgbClr val="C00000"/>
+                </a:solidFill>
+              </a:rPr>
+              <a:t>L</a:t>
+            </a:r>
+          </a:p>
+        </p:txBody>
+      </p:sp>
+      <p:sp>
+        <p:nvSpPr>
+          <p:cNvPr id="108" name="TextBox 107">
+            <a:extLst>
+              <a:ext uri="{FF2B5EF4-FFF2-40B4-BE49-F238E27FC236}">
+                <a16:creationId xmlns:a16="http://schemas.microsoft.com/office/drawing/2014/main" id="{FD106015-90FA-9AE3-0D92-79DDFC0B7492}"/>
+              </a:ext>
+            </a:extLst>
+          </p:cNvPr>
+          <p:cNvSpPr txBox="1"/>
+          <p:nvPr/>
+        </p:nvSpPr>
+        <p:spPr>
+          <a:xfrm>
+            <a:off x="5895292" y="4610692"/>
+            <a:ext cx="451574" cy="646331"/>
+          </a:xfrm>
+          <a:prstGeom prst="rect">
+            <a:avLst/>
+          </a:prstGeom>
+          <a:noFill/>
+        </p:spPr>
+        <p:txBody>
+          <a:bodyPr wrap="square" rtlCol="0">
+            <a:spAutoFit/>
+          </a:bodyPr>
+          <a:lstStyle/>
+          <a:p>
+            <a:r>
+              <a:rPr lang="en-IN" sz="3600" b="1" dirty="0">
+                <a:solidFill>
+                  <a:srgbClr val="C00000"/>
+                </a:solidFill>
+              </a:rPr>
+              <a:t>E</a:t>
+            </a:r>
+          </a:p>
+        </p:txBody>
+      </p:sp>
+      <p:grpSp>
+        <p:nvGrpSpPr>
+          <p:cNvPr id="109" name="Group 108">
+            <a:extLst>
+              <a:ext uri="{FF2B5EF4-FFF2-40B4-BE49-F238E27FC236}">
+                <a16:creationId xmlns:a16="http://schemas.microsoft.com/office/drawing/2014/main" id="{C201D31A-AFA8-2512-E8C4-E3EF58E5AE6B}"/>
+              </a:ext>
+            </a:extLst>
+          </p:cNvPr>
+          <p:cNvGrpSpPr/>
+          <p:nvPr/>
+        </p:nvGrpSpPr>
+        <p:grpSpPr>
+          <a:xfrm rot="5400000" flipH="1">
+            <a:off x="2332283" y="1232659"/>
+            <a:ext cx="645274" cy="980150"/>
+            <a:chOff x="3193236" y="1910774"/>
+            <a:chExt cx="548579" cy="1064887"/>
+          </a:xfrm>
+        </p:grpSpPr>
+        <p:sp>
+          <p:nvSpPr>
+            <p:cNvPr id="110" name="Isosceles Triangle 109">
+              <a:extLst>
+                <a:ext uri="{FF2B5EF4-FFF2-40B4-BE49-F238E27FC236}">
+                  <a16:creationId xmlns:a16="http://schemas.microsoft.com/office/drawing/2014/main" id="{61E49705-6ABC-2C67-70F1-F595DAE791BF}"/>
+                </a:ext>
+              </a:extLst>
+            </p:cNvPr>
+            <p:cNvSpPr/>
+            <p:nvPr/>
+          </p:nvSpPr>
+          <p:spPr>
+            <a:xfrm>
+              <a:off x="3193236" y="2328433"/>
+              <a:ext cx="489316" cy="396258"/>
+            </a:xfrm>
+            <a:prstGeom prst="triangle">
+              <a:avLst/>
+            </a:prstGeom>
+            <a:solidFill>
+              <a:srgbClr val="002060"/>
+            </a:solidFill>
+            <a:ln w="57150">
+              <a:solidFill>
+                <a:srgbClr val="002060"/>
+              </a:solidFill>
+            </a:ln>
+          </p:spPr>
+          <p:style>
+            <a:lnRef idx="2">
+              <a:schemeClr val="accent1">
+                <a:shade val="50000"/>
+              </a:schemeClr>
+            </a:lnRef>
+            <a:fillRef idx="1">
+              <a:schemeClr val="accent1"/>
+            </a:fillRef>
+            <a:effectRef idx="0">
+              <a:schemeClr val="accent1"/>
+            </a:effectRef>
+            <a:fontRef idx="minor">
+              <a:schemeClr val="lt1"/>
+            </a:fontRef>
+          </p:style>
+          <p:txBody>
+            <a:bodyPr rtlCol="0" anchor="ctr"/>
+            <a:lstStyle/>
+            <a:p>
+              <a:pPr algn="ctr"/>
+              <a:endParaRPr lang="en-IN"/>
+            </a:p>
+          </p:txBody>
+        </p:sp>
+        <p:cxnSp>
+          <p:nvCxnSpPr>
+            <p:cNvPr id="111" name="Straight Connector 110">
+              <a:extLst>
+                <a:ext uri="{FF2B5EF4-FFF2-40B4-BE49-F238E27FC236}">
+                  <a16:creationId xmlns:a16="http://schemas.microsoft.com/office/drawing/2014/main" id="{98BAAAAE-20F2-3C8D-0F0A-9369C684F0B7}"/>
+                </a:ext>
+              </a:extLst>
+            </p:cNvPr>
+            <p:cNvCxnSpPr>
+              <a:cxnSpLocks/>
+            </p:cNvCxnSpPr>
+            <p:nvPr/>
+          </p:nvCxnSpPr>
+          <p:spPr>
+            <a:xfrm rot="10800000" flipH="1">
+              <a:off x="3222812" y="2339456"/>
+              <a:ext cx="456636" cy="1"/>
+            </a:xfrm>
+            <a:prstGeom prst="line">
+              <a:avLst/>
+            </a:prstGeom>
+            <a:ln w="57150">
+              <a:solidFill>
+                <a:srgbClr val="002060"/>
+              </a:solidFill>
+            </a:ln>
+          </p:spPr>
+          <p:style>
+            <a:lnRef idx="1">
+              <a:schemeClr val="accent1"/>
+            </a:lnRef>
+            <a:fillRef idx="0">
+              <a:schemeClr val="accent1"/>
+            </a:fillRef>
+            <a:effectRef idx="0">
+              <a:schemeClr val="accent1"/>
+            </a:effectRef>
+            <a:fontRef idx="minor">
+              <a:schemeClr val="tx1"/>
+            </a:fontRef>
+          </p:style>
+        </p:cxnSp>
+        <p:cxnSp>
+          <p:nvCxnSpPr>
+            <p:cNvPr id="112" name="Straight Connector 111">
+              <a:extLst>
+                <a:ext uri="{FF2B5EF4-FFF2-40B4-BE49-F238E27FC236}">
+                  <a16:creationId xmlns:a16="http://schemas.microsoft.com/office/drawing/2014/main" id="{E80B9826-6EC7-7B3F-4A31-F78ABF6C94A9}"/>
+                </a:ext>
+              </a:extLst>
+            </p:cNvPr>
+            <p:cNvCxnSpPr>
+              <a:cxnSpLocks/>
+            </p:cNvCxnSpPr>
+            <p:nvPr/>
+          </p:nvCxnSpPr>
+          <p:spPr>
+            <a:xfrm rot="10800000" flipV="1">
+              <a:off x="3435967" y="1910774"/>
+              <a:ext cx="1" cy="1064887"/>
+            </a:xfrm>
+            <a:prstGeom prst="line">
+              <a:avLst/>
+            </a:prstGeom>
+            <a:ln w="57150">
+              <a:solidFill>
+                <a:srgbClr val="002060"/>
+              </a:solidFill>
+            </a:ln>
+          </p:spPr>
+          <p:style>
+            <a:lnRef idx="1">
+              <a:schemeClr val="accent1"/>
+            </a:lnRef>
+            <a:fillRef idx="0">
+              <a:schemeClr val="accent1"/>
+            </a:fillRef>
+            <a:effectRef idx="0">
+              <a:schemeClr val="accent1"/>
+            </a:effectRef>
+            <a:fontRef idx="minor">
+              <a:schemeClr val="tx1"/>
+            </a:fontRef>
+          </p:style>
+        </p:cxnSp>
+        <p:sp>
+          <p:nvSpPr>
+            <p:cNvPr id="113" name="Oval 112">
+              <a:extLst>
+                <a:ext uri="{FF2B5EF4-FFF2-40B4-BE49-F238E27FC236}">
+                  <a16:creationId xmlns:a16="http://schemas.microsoft.com/office/drawing/2014/main" id="{64771147-D302-5A73-2409-7A11B697B916}"/>
+                </a:ext>
+              </a:extLst>
+            </p:cNvPr>
+            <p:cNvSpPr/>
+            <p:nvPr/>
+          </p:nvSpPr>
+          <p:spPr>
+            <a:xfrm>
+              <a:off x="3647976" y="2055991"/>
+              <a:ext cx="93839" cy="88564"/>
+            </a:xfrm>
+            <a:prstGeom prst="ellipse">
+              <a:avLst/>
+            </a:prstGeom>
+            <a:solidFill>
+              <a:srgbClr val="002060"/>
+            </a:solidFill>
+            <a:ln w="57150">
+              <a:solidFill>
+                <a:srgbClr val="002060"/>
+              </a:solidFill>
+            </a:ln>
+          </p:spPr>
+          <p:style>
+            <a:lnRef idx="2">
+              <a:schemeClr val="accent1">
+                <a:shade val="50000"/>
+              </a:schemeClr>
+            </a:lnRef>
+            <a:fillRef idx="1">
+              <a:schemeClr val="accent1"/>
+            </a:fillRef>
+            <a:effectRef idx="0">
+              <a:schemeClr val="accent1"/>
+            </a:effectRef>
+            <a:fontRef idx="minor">
+              <a:schemeClr val="lt1"/>
+            </a:fontRef>
+          </p:style>
+          <p:txBody>
+            <a:bodyPr rtlCol="0" anchor="ctr"/>
+            <a:lstStyle/>
+            <a:p>
+              <a:pPr algn="ctr"/>
+              <a:endParaRPr lang="en-IN"/>
+            </a:p>
+          </p:txBody>
+        </p:sp>
+        <p:cxnSp>
+          <p:nvCxnSpPr>
+            <p:cNvPr id="114" name="Straight Connector 113">
+              <a:extLst>
+                <a:ext uri="{FF2B5EF4-FFF2-40B4-BE49-F238E27FC236}">
+                  <a16:creationId xmlns:a16="http://schemas.microsoft.com/office/drawing/2014/main" id="{8C4B1073-2353-C25C-017F-5CFB420BB4FB}"/>
+                </a:ext>
+              </a:extLst>
+            </p:cNvPr>
+            <p:cNvCxnSpPr>
+              <a:cxnSpLocks/>
+            </p:cNvCxnSpPr>
+            <p:nvPr/>
+          </p:nvCxnSpPr>
+          <p:spPr>
+            <a:xfrm rot="10800000" flipV="1">
+              <a:off x="3433237" y="2117578"/>
+              <a:ext cx="252284" cy="232308"/>
+            </a:xfrm>
+            <a:prstGeom prst="line">
+              <a:avLst/>
+            </a:prstGeom>
+            <a:ln w="57150">
+              <a:solidFill>
+                <a:srgbClr val="002060"/>
+              </a:solidFill>
+            </a:ln>
+          </p:spPr>
+          <p:style>
+            <a:lnRef idx="1">
+              <a:schemeClr val="accent1"/>
+            </a:lnRef>
+            <a:fillRef idx="0">
+              <a:schemeClr val="accent1"/>
+            </a:fillRef>
+            <a:effectRef idx="0">
+              <a:schemeClr val="accent1"/>
+            </a:effectRef>
+            <a:fontRef idx="minor">
+              <a:schemeClr val="tx1"/>
+            </a:fontRef>
+          </p:style>
+        </p:cxnSp>
+      </p:grpSp>
+      <p:sp>
+        <p:nvSpPr>
+          <p:cNvPr id="115" name="TextBox 114">
+            <a:extLst>
+              <a:ext uri="{FF2B5EF4-FFF2-40B4-BE49-F238E27FC236}">
+                <a16:creationId xmlns:a16="http://schemas.microsoft.com/office/drawing/2014/main" id="{D06136D4-1B57-9F8C-7858-4B1580843B3F}"/>
+              </a:ext>
+            </a:extLst>
+          </p:cNvPr>
+          <p:cNvSpPr txBox="1"/>
+          <p:nvPr/>
+        </p:nvSpPr>
+        <p:spPr>
+          <a:xfrm>
+            <a:off x="5245347" y="4141854"/>
+            <a:ext cx="451574" cy="646331"/>
+          </a:xfrm>
+          <a:prstGeom prst="rect">
+            <a:avLst/>
+          </a:prstGeom>
+          <a:noFill/>
+        </p:spPr>
+        <p:txBody>
+          <a:bodyPr wrap="square" rtlCol="0">
+            <a:spAutoFit/>
+          </a:bodyPr>
+          <a:lstStyle/>
+          <a:p>
+            <a:r>
+              <a:rPr lang="en-IN" sz="3600" b="1" dirty="0">
+                <a:solidFill>
+                  <a:srgbClr val="C00000"/>
+                </a:solidFill>
+              </a:rPr>
+              <a:t>+</a:t>
+            </a:r>
+          </a:p>
+        </p:txBody>
+      </p:sp>
+      <p:sp>
+        <p:nvSpPr>
+          <p:cNvPr id="116" name="TextBox 115">
+            <a:extLst>
+              <a:ext uri="{FF2B5EF4-FFF2-40B4-BE49-F238E27FC236}">
+                <a16:creationId xmlns:a16="http://schemas.microsoft.com/office/drawing/2014/main" id="{8A3D4FCF-E449-9B51-F395-B0EE4AFD0EC1}"/>
+              </a:ext>
+            </a:extLst>
+          </p:cNvPr>
+          <p:cNvSpPr txBox="1"/>
+          <p:nvPr/>
+        </p:nvSpPr>
+        <p:spPr>
+          <a:xfrm>
+            <a:off x="5288650" y="4614676"/>
+            <a:ext cx="451574" cy="646331"/>
+          </a:xfrm>
+          <a:prstGeom prst="rect">
+            <a:avLst/>
+          </a:prstGeom>
+          <a:noFill/>
+        </p:spPr>
+        <p:txBody>
+          <a:bodyPr wrap="square" rtlCol="0">
+            <a:spAutoFit/>
+          </a:bodyPr>
+          <a:lstStyle/>
+          <a:p>
+            <a:r>
+              <a:rPr lang="en-IN" sz="3600" b="1" dirty="0">
+                <a:solidFill>
+                  <a:srgbClr val="C00000"/>
+                </a:solidFill>
+              </a:rPr>
+              <a:t>-</a:t>
+            </a:r>
+          </a:p>
+        </p:txBody>
+      </p:sp>
+      <p:cxnSp>
+        <p:nvCxnSpPr>
+          <p:cNvPr id="117" name="Straight Connector 116">
+            <a:extLst>
+              <a:ext uri="{FF2B5EF4-FFF2-40B4-BE49-F238E27FC236}">
+                <a16:creationId xmlns:a16="http://schemas.microsoft.com/office/drawing/2014/main" id="{9BEC9C81-5E6C-E1C3-2565-E5AAD06441D8}"/>
+              </a:ext>
+            </a:extLst>
+          </p:cNvPr>
+          <p:cNvCxnSpPr>
+            <a:cxnSpLocks/>
+          </p:cNvCxnSpPr>
+          <p:nvPr/>
+        </p:nvCxnSpPr>
+        <p:spPr>
+          <a:xfrm>
+            <a:off x="4500696" y="1779424"/>
+            <a:ext cx="21755" cy="3694529"/>
+          </a:xfrm>
+          <a:prstGeom prst="line">
+            <a:avLst/>
+          </a:prstGeom>
+          <a:ln w="38100">
+            <a:solidFill>
+              <a:schemeClr val="tx1"/>
+            </a:solidFill>
+          </a:ln>
+        </p:spPr>
+        <p:style>
+          <a:lnRef idx="1">
+            <a:schemeClr val="accent1"/>
+          </a:lnRef>
+          <a:fillRef idx="0">
+            <a:schemeClr val="accent1"/>
+          </a:fillRef>
+          <a:effectRef idx="0">
+            <a:schemeClr val="accent1"/>
+          </a:effectRef>
+          <a:fontRef idx="minor">
+            <a:schemeClr val="tx1"/>
+          </a:fontRef>
+        </p:style>
+      </p:cxnSp>
+      <p:grpSp>
+        <p:nvGrpSpPr>
+          <p:cNvPr id="118" name="Group 117">
+            <a:extLst>
+              <a:ext uri="{FF2B5EF4-FFF2-40B4-BE49-F238E27FC236}">
+                <a16:creationId xmlns:a16="http://schemas.microsoft.com/office/drawing/2014/main" id="{E03A747F-446A-88EC-14FF-7C73C1C70FD6}"/>
+              </a:ext>
+            </a:extLst>
+          </p:cNvPr>
+          <p:cNvGrpSpPr/>
+          <p:nvPr/>
+        </p:nvGrpSpPr>
+        <p:grpSpPr>
+          <a:xfrm rot="10800000" flipH="1" flipV="1">
+            <a:off x="4223790" y="2998228"/>
+            <a:ext cx="575565" cy="980150"/>
+            <a:chOff x="3193236" y="1910774"/>
+            <a:chExt cx="489316" cy="1064887"/>
+          </a:xfrm>
+        </p:grpSpPr>
+        <p:sp>
+          <p:nvSpPr>
+            <p:cNvPr id="119" name="Isosceles Triangle 118">
+              <a:extLst>
+                <a:ext uri="{FF2B5EF4-FFF2-40B4-BE49-F238E27FC236}">
+                  <a16:creationId xmlns:a16="http://schemas.microsoft.com/office/drawing/2014/main" id="{74BACD09-E6BD-AA02-18A8-8D7F55D1B3E9}"/>
+                </a:ext>
+              </a:extLst>
+            </p:cNvPr>
+            <p:cNvSpPr/>
+            <p:nvPr/>
+          </p:nvSpPr>
+          <p:spPr>
+            <a:xfrm>
+              <a:off x="3193236" y="2328433"/>
+              <a:ext cx="489316" cy="396258"/>
+            </a:xfrm>
+            <a:prstGeom prst="triangle">
+              <a:avLst/>
+            </a:prstGeom>
+            <a:solidFill>
+              <a:srgbClr val="002060"/>
+            </a:solidFill>
+            <a:ln>
+              <a:solidFill>
+                <a:srgbClr val="002060"/>
+              </a:solidFill>
+            </a:ln>
+          </p:spPr>
+          <p:style>
+            <a:lnRef idx="2">
+              <a:schemeClr val="accent1">
+                <a:shade val="50000"/>
+              </a:schemeClr>
+            </a:lnRef>
+            <a:fillRef idx="1">
+              <a:schemeClr val="accent1"/>
+            </a:fillRef>
+            <a:effectRef idx="0">
+              <a:schemeClr val="accent1"/>
+            </a:effectRef>
+            <a:fontRef idx="minor">
+              <a:schemeClr val="lt1"/>
+            </a:fontRef>
+          </p:style>
+          <p:txBody>
+            <a:bodyPr rtlCol="0" anchor="ctr"/>
+            <a:lstStyle/>
+            <a:p>
+              <a:pPr algn="ctr"/>
+              <a:endParaRPr lang="en-IN"/>
+            </a:p>
+          </p:txBody>
+        </p:sp>
+        <p:cxnSp>
+          <p:nvCxnSpPr>
+            <p:cNvPr id="120" name="Straight Connector 119">
+              <a:extLst>
+                <a:ext uri="{FF2B5EF4-FFF2-40B4-BE49-F238E27FC236}">
+                  <a16:creationId xmlns:a16="http://schemas.microsoft.com/office/drawing/2014/main" id="{7D865CBE-219B-B964-23D9-94DD99D606E3}"/>
+                </a:ext>
+              </a:extLst>
+            </p:cNvPr>
+            <p:cNvCxnSpPr>
+              <a:cxnSpLocks/>
+            </p:cNvCxnSpPr>
+            <p:nvPr/>
+          </p:nvCxnSpPr>
+          <p:spPr>
+            <a:xfrm rot="10800000" flipH="1">
+              <a:off x="3222812" y="2339456"/>
+              <a:ext cx="456636" cy="1"/>
+            </a:xfrm>
+            <a:prstGeom prst="line">
+              <a:avLst/>
+            </a:prstGeom>
+            <a:ln w="38100">
+              <a:solidFill>
+                <a:srgbClr val="002060"/>
+              </a:solidFill>
+            </a:ln>
+          </p:spPr>
+          <p:style>
+            <a:lnRef idx="1">
+              <a:schemeClr val="accent1"/>
+            </a:lnRef>
+            <a:fillRef idx="0">
+              <a:schemeClr val="accent1"/>
+            </a:fillRef>
+            <a:effectRef idx="0">
+              <a:schemeClr val="accent1"/>
+            </a:effectRef>
+            <a:fontRef idx="minor">
+              <a:schemeClr val="tx1"/>
+            </a:fontRef>
+          </p:style>
+        </p:cxnSp>
+        <p:cxnSp>
+          <p:nvCxnSpPr>
+            <p:cNvPr id="121" name="Straight Connector 120">
+              <a:extLst>
+                <a:ext uri="{FF2B5EF4-FFF2-40B4-BE49-F238E27FC236}">
+                  <a16:creationId xmlns:a16="http://schemas.microsoft.com/office/drawing/2014/main" id="{64FD9ECF-2D39-62A8-52E0-793C80C4696B}"/>
+                </a:ext>
+              </a:extLst>
+            </p:cNvPr>
+            <p:cNvCxnSpPr>
+              <a:cxnSpLocks/>
+            </p:cNvCxnSpPr>
+            <p:nvPr/>
+          </p:nvCxnSpPr>
+          <p:spPr>
+            <a:xfrm rot="10800000" flipV="1">
+              <a:off x="3435967" y="1910774"/>
+              <a:ext cx="1" cy="1064887"/>
+            </a:xfrm>
+            <a:prstGeom prst="line">
+              <a:avLst/>
+            </a:prstGeom>
+            <a:ln w="38100">
+              <a:solidFill>
+                <a:srgbClr val="002060"/>
+              </a:solidFill>
+            </a:ln>
+          </p:spPr>
+          <p:style>
+            <a:lnRef idx="1">
+              <a:schemeClr val="accent1"/>
+            </a:lnRef>
+            <a:fillRef idx="0">
+              <a:schemeClr val="accent1"/>
+            </a:fillRef>
+            <a:effectRef idx="0">
+              <a:schemeClr val="accent1"/>
+            </a:effectRef>
+            <a:fontRef idx="minor">
+              <a:schemeClr val="tx1"/>
+            </a:fontRef>
+          </p:style>
+        </p:cxnSp>
+      </p:grpSp>
+      <p:sp>
+        <p:nvSpPr>
+          <p:cNvPr id="122" name="TextBox 121">
+            <a:extLst>
+              <a:ext uri="{FF2B5EF4-FFF2-40B4-BE49-F238E27FC236}">
+                <a16:creationId xmlns:a16="http://schemas.microsoft.com/office/drawing/2014/main" id="{58B648B4-257A-2F2F-F58A-3B11D6E233CB}"/>
+              </a:ext>
+            </a:extLst>
+          </p:cNvPr>
+          <p:cNvSpPr txBox="1"/>
+          <p:nvPr/>
+        </p:nvSpPr>
+        <p:spPr>
+          <a:xfrm>
+            <a:off x="3710585" y="3285561"/>
+            <a:ext cx="769434" cy="523220"/>
+          </a:xfrm>
+          <a:prstGeom prst="rect">
+            <a:avLst/>
+          </a:prstGeom>
+          <a:noFill/>
+        </p:spPr>
+        <p:txBody>
+          <a:bodyPr wrap="square" rtlCol="0">
+            <a:spAutoFit/>
+          </a:bodyPr>
+          <a:lstStyle/>
+          <a:p>
+            <a:r>
+              <a:rPr lang="en-IN" sz="2800" b="1" dirty="0">
+                <a:solidFill>
+                  <a:srgbClr val="C00000"/>
+                </a:solidFill>
+              </a:rPr>
+              <a:t>FD</a:t>
+            </a:r>
+          </a:p>
+        </p:txBody>
+      </p:sp>
+      <p:cxnSp>
+        <p:nvCxnSpPr>
+          <p:cNvPr id="125" name="Straight Arrow Connector 124">
+            <a:extLst>
+              <a:ext uri="{FF2B5EF4-FFF2-40B4-BE49-F238E27FC236}">
+                <a16:creationId xmlns:a16="http://schemas.microsoft.com/office/drawing/2014/main" id="{85BC51FB-80F2-4D1A-A584-5466817E2306}"/>
+              </a:ext>
+            </a:extLst>
+          </p:cNvPr>
+          <p:cNvCxnSpPr/>
+          <p:nvPr/>
+        </p:nvCxnSpPr>
+        <p:spPr>
+          <a:xfrm>
+            <a:off x="4095302" y="1614690"/>
+            <a:ext cx="1193348" cy="0"/>
+          </a:xfrm>
+          <a:prstGeom prst="straightConnector1">
+            <a:avLst/>
+          </a:prstGeom>
+          <a:ln w="38100" cap="flat" cmpd="sng" algn="ctr">
+            <a:solidFill>
+              <a:srgbClr val="FF0000"/>
+            </a:solidFill>
+            <a:prstDash val="solid"/>
+            <a:round/>
+            <a:headEnd type="none" w="med" len="med"/>
+            <a:tailEnd type="arrow" w="med" len="med"/>
+          </a:ln>
+        </p:spPr>
+        <p:style>
+          <a:lnRef idx="0">
+            <a:scrgbClr r="0" g="0" b="0"/>
+          </a:lnRef>
+          <a:fillRef idx="0">
+            <a:scrgbClr r="0" g="0" b="0"/>
+          </a:fillRef>
+          <a:effectRef idx="0">
+            <a:scrgbClr r="0" g="0" b="0"/>
+          </a:effectRef>
+          <a:fontRef idx="minor">
+            <a:schemeClr val="tx1"/>
+          </a:fontRef>
+        </p:style>
+      </p:cxnSp>
+      <p:sp>
+        <p:nvSpPr>
+          <p:cNvPr id="126" name="TextBox 125">
+            <a:extLst>
+              <a:ext uri="{FF2B5EF4-FFF2-40B4-BE49-F238E27FC236}">
+                <a16:creationId xmlns:a16="http://schemas.microsoft.com/office/drawing/2014/main" id="{2FDB984C-BD36-0040-9438-792719318828}"/>
+              </a:ext>
+            </a:extLst>
+          </p:cNvPr>
+          <p:cNvSpPr txBox="1"/>
+          <p:nvPr/>
+        </p:nvSpPr>
+        <p:spPr>
+          <a:xfrm>
+            <a:off x="4444663" y="1057209"/>
+            <a:ext cx="769434" cy="523220"/>
+          </a:xfrm>
+          <a:prstGeom prst="rect">
+            <a:avLst/>
+          </a:prstGeom>
+          <a:noFill/>
+        </p:spPr>
+        <p:txBody>
+          <a:bodyPr wrap="square" rtlCol="0">
+            <a:spAutoFit/>
+          </a:bodyPr>
+          <a:lstStyle/>
+          <a:p>
+            <a:r>
+              <a:rPr lang="en-IN" sz="2800" b="1" dirty="0">
+                <a:solidFill>
+                  <a:srgbClr val="C00000"/>
+                </a:solidFill>
+                <a:latin typeface="Times New Roman" panose="02020603050405020304" pitchFamily="18" charset="0"/>
+                <a:cs typeface="Times New Roman" panose="02020603050405020304" pitchFamily="18" charset="0"/>
+              </a:rPr>
+              <a:t>I</a:t>
+            </a:r>
+            <a:r>
+              <a:rPr lang="en-IN" sz="2800" b="1" baseline="-25000" dirty="0">
+                <a:solidFill>
+                  <a:srgbClr val="C00000"/>
+                </a:solidFill>
+                <a:latin typeface="Times New Roman" panose="02020603050405020304" pitchFamily="18" charset="0"/>
+                <a:cs typeface="Times New Roman" panose="02020603050405020304" pitchFamily="18" charset="0"/>
+              </a:rPr>
+              <a:t>L</a:t>
+            </a:r>
+            <a:endParaRPr lang="en-IN" sz="2800" b="1" dirty="0">
+              <a:solidFill>
+                <a:srgbClr val="C00000"/>
+              </a:solidFill>
+              <a:latin typeface="Times New Roman" panose="02020603050405020304" pitchFamily="18" charset="0"/>
+              <a:cs typeface="Times New Roman" panose="02020603050405020304" pitchFamily="18" charset="0"/>
+            </a:endParaRPr>
+          </a:p>
+        </p:txBody>
+      </p:sp>
+    </p:spTree>
+    <p:extLst>
+      <p:ext uri="{BB962C8B-B14F-4D97-AF65-F5344CB8AC3E}">
+        <p14:creationId xmlns:p14="http://schemas.microsoft.com/office/powerpoint/2010/main" val="3745250619"/>
+      </p:ext>
+    </p:extLst>
+  </p:cSld>
+  <p:clrMapOvr>
+    <a:masterClrMapping/>
+  </p:clrMapOvr>
+</p:sld>
+</file>
+
 <file path=ppt/theme/theme1.xml><?xml version="1.0" encoding="utf-8"?>
 <a:theme xmlns:a="http://schemas.openxmlformats.org/drawingml/2006/main" name="Office Theme">
   <a:themeElements>

--- a/Assets/Powerpoints/Quiz images.pptx
+++ b/Assets/Powerpoints/Quiz images.pptx
@@ -5,11 +5,17 @@
     <p:sldMasterId id="2147483660" r:id="rId1"/>
   </p:sldMasterIdLst>
   <p:sldIdLst>
-    <p:sldId id="256" r:id="rId2"/>
-    <p:sldId id="257" r:id="rId3"/>
-    <p:sldId id="258" r:id="rId4"/>
-    <p:sldId id="259" r:id="rId5"/>
-    <p:sldId id="261" r:id="rId6"/>
+    <p:sldId id="262" r:id="rId2"/>
+    <p:sldId id="256" r:id="rId3"/>
+    <p:sldId id="257" r:id="rId4"/>
+    <p:sldId id="258" r:id="rId5"/>
+    <p:sldId id="259" r:id="rId6"/>
+    <p:sldId id="261" r:id="rId7"/>
+    <p:sldId id="263" r:id="rId8"/>
+    <p:sldId id="264" r:id="rId9"/>
+    <p:sldId id="265" r:id="rId10"/>
+    <p:sldId id="267" r:id="rId11"/>
+    <p:sldId id="268" r:id="rId12"/>
   </p:sldIdLst>
   <p:sldSz cx="7199313" cy="7199313"/>
   <p:notesSz cx="6858000" cy="9144000"/>
@@ -247,7 +253,7 @@
           <a:p>
             <a:fld id="{B0B1D766-2295-4AB4-A17B-F0557D292FDB}" type="datetimeFigureOut">
               <a:rPr lang="en-IN" smtClean="0"/>
-              <a:t>04-11-2022</a:t>
+              <a:t>26-12-2022</a:t>
             </a:fld>
             <a:endParaRPr lang="en-IN"/>
           </a:p>
@@ -417,7 +423,7 @@
           <a:p>
             <a:fld id="{B0B1D766-2295-4AB4-A17B-F0557D292FDB}" type="datetimeFigureOut">
               <a:rPr lang="en-IN" smtClean="0"/>
-              <a:t>04-11-2022</a:t>
+              <a:t>26-12-2022</a:t>
             </a:fld>
             <a:endParaRPr lang="en-IN"/>
           </a:p>
@@ -597,7 +603,7 @@
           <a:p>
             <a:fld id="{B0B1D766-2295-4AB4-A17B-F0557D292FDB}" type="datetimeFigureOut">
               <a:rPr lang="en-IN" smtClean="0"/>
-              <a:t>04-11-2022</a:t>
+              <a:t>26-12-2022</a:t>
             </a:fld>
             <a:endParaRPr lang="en-IN"/>
           </a:p>
@@ -767,7 +773,7 @@
           <a:p>
             <a:fld id="{B0B1D766-2295-4AB4-A17B-F0557D292FDB}" type="datetimeFigureOut">
               <a:rPr lang="en-IN" smtClean="0"/>
-              <a:t>04-11-2022</a:t>
+              <a:t>26-12-2022</a:t>
             </a:fld>
             <a:endParaRPr lang="en-IN"/>
           </a:p>
@@ -1011,7 +1017,7 @@
           <a:p>
             <a:fld id="{B0B1D766-2295-4AB4-A17B-F0557D292FDB}" type="datetimeFigureOut">
               <a:rPr lang="en-IN" smtClean="0"/>
-              <a:t>04-11-2022</a:t>
+              <a:t>26-12-2022</a:t>
             </a:fld>
             <a:endParaRPr lang="en-IN"/>
           </a:p>
@@ -1243,7 +1249,7 @@
           <a:p>
             <a:fld id="{B0B1D766-2295-4AB4-A17B-F0557D292FDB}" type="datetimeFigureOut">
               <a:rPr lang="en-IN" smtClean="0"/>
-              <a:t>04-11-2022</a:t>
+              <a:t>26-12-2022</a:t>
             </a:fld>
             <a:endParaRPr lang="en-IN"/>
           </a:p>
@@ -1610,7 +1616,7 @@
           <a:p>
             <a:fld id="{B0B1D766-2295-4AB4-A17B-F0557D292FDB}" type="datetimeFigureOut">
               <a:rPr lang="en-IN" smtClean="0"/>
-              <a:t>04-11-2022</a:t>
+              <a:t>26-12-2022</a:t>
             </a:fld>
             <a:endParaRPr lang="en-IN"/>
           </a:p>
@@ -1728,7 +1734,7 @@
           <a:p>
             <a:fld id="{B0B1D766-2295-4AB4-A17B-F0557D292FDB}" type="datetimeFigureOut">
               <a:rPr lang="en-IN" smtClean="0"/>
-              <a:t>04-11-2022</a:t>
+              <a:t>26-12-2022</a:t>
             </a:fld>
             <a:endParaRPr lang="en-IN"/>
           </a:p>
@@ -1823,7 +1829,7 @@
           <a:p>
             <a:fld id="{B0B1D766-2295-4AB4-A17B-F0557D292FDB}" type="datetimeFigureOut">
               <a:rPr lang="en-IN" smtClean="0"/>
-              <a:t>04-11-2022</a:t>
+              <a:t>26-12-2022</a:t>
             </a:fld>
             <a:endParaRPr lang="en-IN"/>
           </a:p>
@@ -2100,7 +2106,7 @@
           <a:p>
             <a:fld id="{B0B1D766-2295-4AB4-A17B-F0557D292FDB}" type="datetimeFigureOut">
               <a:rPr lang="en-IN" smtClean="0"/>
-              <a:t>04-11-2022</a:t>
+              <a:t>26-12-2022</a:t>
             </a:fld>
             <a:endParaRPr lang="en-IN"/>
           </a:p>
@@ -2357,7 +2363,7 @@
           <a:p>
             <a:fld id="{B0B1D766-2295-4AB4-A17B-F0557D292FDB}" type="datetimeFigureOut">
               <a:rPr lang="en-IN" smtClean="0"/>
-              <a:t>04-11-2022</a:t>
+              <a:t>26-12-2022</a:t>
             </a:fld>
             <a:endParaRPr lang="en-IN"/>
           </a:p>
@@ -2570,7 +2576,7 @@
           <a:p>
             <a:fld id="{B0B1D766-2295-4AB4-A17B-F0557D292FDB}" type="datetimeFigureOut">
               <a:rPr lang="en-IN" smtClean="0"/>
-              <a:t>04-11-2022</a:t>
+              <a:t>26-12-2022</a:t>
             </a:fld>
             <a:endParaRPr lang="en-IN"/>
           </a:p>
@@ -2959,6 +2965,2888 @@
 </file>
 
 <file path=ppt/slides/slide1.xml><?xml version="1.0" encoding="utf-8"?>
+<p:sld xmlns:a="http://schemas.openxmlformats.org/drawingml/2006/main" xmlns:r="http://schemas.openxmlformats.org/officeDocument/2006/relationships" xmlns:p="http://schemas.openxmlformats.org/presentationml/2006/main">
+  <p:cSld>
+    <p:spTree>
+      <p:nvGrpSpPr>
+        <p:cNvPr id="1" name=""/>
+        <p:cNvGrpSpPr/>
+        <p:nvPr/>
+      </p:nvGrpSpPr>
+      <p:grpSpPr>
+        <a:xfrm>
+          <a:off x="0" y="0"/>
+          <a:ext cx="0" cy="0"/>
+          <a:chOff x="0" y="0"/>
+          <a:chExt cx="0" cy="0"/>
+        </a:xfrm>
+      </p:grpSpPr>
+      <p:sp>
+        <p:nvSpPr>
+          <p:cNvPr id="2" name="Title 1">
+            <a:extLst>
+              <a:ext uri="{FF2B5EF4-FFF2-40B4-BE49-F238E27FC236}">
+                <a16:creationId xmlns:a16="http://schemas.microsoft.com/office/drawing/2014/main" id="{5E3BF65B-AE89-8FF7-50BD-A07B90943582}"/>
+              </a:ext>
+            </a:extLst>
+          </p:cNvPr>
+          <p:cNvSpPr>
+            <a:spLocks noGrp="1"/>
+          </p:cNvSpPr>
+          <p:nvPr>
+            <p:ph type="title"/>
+          </p:nvPr>
+        </p:nvSpPr>
+        <p:spPr>
+          <a:xfrm>
+            <a:off x="494952" y="2903889"/>
+            <a:ext cx="6209407" cy="1391534"/>
+          </a:xfrm>
+        </p:spPr>
+        <p:txBody>
+          <a:bodyPr/>
+          <a:lstStyle/>
+          <a:p>
+            <a:pPr algn="ctr"/>
+            <a:r>
+              <a:rPr lang="en-US" b="1" dirty="0">
+                <a:latin typeface="Arial Rounded MT Bold" panose="020F0704030504030204" pitchFamily="34" charset="0"/>
+              </a:rPr>
+              <a:t>SEMI CONVERTER</a:t>
+            </a:r>
+            <a:endParaRPr lang="en-IN" b="1" dirty="0">
+              <a:latin typeface="Arial Rounded MT Bold" panose="020F0704030504030204" pitchFamily="34" charset="0"/>
+            </a:endParaRPr>
+          </a:p>
+        </p:txBody>
+      </p:sp>
+    </p:spTree>
+    <p:extLst>
+      <p:ext uri="{BB962C8B-B14F-4D97-AF65-F5344CB8AC3E}">
+        <p14:creationId xmlns:p14="http://schemas.microsoft.com/office/powerpoint/2010/main" val="1832090944"/>
+      </p:ext>
+    </p:extLst>
+  </p:cSld>
+  <p:clrMapOvr>
+    <a:masterClrMapping/>
+  </p:clrMapOvr>
+</p:sld>
+</file>
+
+<file path=ppt/slides/slide10.xml><?xml version="1.0" encoding="utf-8"?>
+<p:sld xmlns:a="http://schemas.openxmlformats.org/drawingml/2006/main" xmlns:r="http://schemas.openxmlformats.org/officeDocument/2006/relationships" xmlns:p="http://schemas.openxmlformats.org/presentationml/2006/main">
+  <p:cSld>
+    <p:spTree>
+      <p:nvGrpSpPr>
+        <p:cNvPr id="1" name=""/>
+        <p:cNvGrpSpPr/>
+        <p:nvPr/>
+      </p:nvGrpSpPr>
+      <p:grpSpPr>
+        <a:xfrm>
+          <a:off x="0" y="0"/>
+          <a:ext cx="0" cy="0"/>
+          <a:chOff x="0" y="0"/>
+          <a:chExt cx="0" cy="0"/>
+        </a:xfrm>
+      </p:grpSpPr>
+      <p:cxnSp>
+        <p:nvCxnSpPr>
+          <p:cNvPr id="4" name="Straight Connector 3">
+            <a:extLst>
+              <a:ext uri="{FF2B5EF4-FFF2-40B4-BE49-F238E27FC236}">
+                <a16:creationId xmlns:a16="http://schemas.microsoft.com/office/drawing/2014/main" id="{42AB1886-6AF8-309C-656D-EC920DC5DF3C}"/>
+              </a:ext>
+            </a:extLst>
+          </p:cNvPr>
+          <p:cNvCxnSpPr>
+            <a:cxnSpLocks/>
+          </p:cNvCxnSpPr>
+          <p:nvPr/>
+        </p:nvCxnSpPr>
+        <p:spPr>
+          <a:xfrm flipV="1">
+            <a:off x="990279" y="2107552"/>
+            <a:ext cx="1" cy="3208368"/>
+          </a:xfrm>
+          <a:prstGeom prst="line">
+            <a:avLst/>
+          </a:prstGeom>
+          <a:ln w="38100" cap="flat" cmpd="sng" algn="ctr">
+            <a:solidFill>
+              <a:schemeClr val="dk1"/>
+            </a:solidFill>
+            <a:prstDash val="solid"/>
+            <a:round/>
+            <a:headEnd type="arrow" w="med" len="med"/>
+            <a:tailEnd type="arrow" w="med" len="med"/>
+          </a:ln>
+        </p:spPr>
+        <p:style>
+          <a:lnRef idx="0">
+            <a:scrgbClr r="0" g="0" b="0"/>
+          </a:lnRef>
+          <a:fillRef idx="0">
+            <a:scrgbClr r="0" g="0" b="0"/>
+          </a:fillRef>
+          <a:effectRef idx="0">
+            <a:scrgbClr r="0" g="0" b="0"/>
+          </a:effectRef>
+          <a:fontRef idx="minor">
+            <a:schemeClr val="tx1"/>
+          </a:fontRef>
+        </p:style>
+      </p:cxnSp>
+      <p:sp>
+        <p:nvSpPr>
+          <p:cNvPr id="5" name="Freeform: Shape 4">
+            <a:extLst>
+              <a:ext uri="{FF2B5EF4-FFF2-40B4-BE49-F238E27FC236}">
+                <a16:creationId xmlns:a16="http://schemas.microsoft.com/office/drawing/2014/main" id="{C5F9C19B-93E5-7115-9465-27ECCF1BAD98}"/>
+              </a:ext>
+            </a:extLst>
+          </p:cNvPr>
+          <p:cNvSpPr/>
+          <p:nvPr/>
+        </p:nvSpPr>
+        <p:spPr>
+          <a:xfrm>
+            <a:off x="1759844" y="2642251"/>
+            <a:ext cx="1570636" cy="1232354"/>
+          </a:xfrm>
+          <a:custGeom>
+            <a:avLst/>
+            <a:gdLst>
+              <a:gd name="connsiteX0" fmla="*/ 727788 w 2892490"/>
+              <a:gd name="connsiteY0" fmla="*/ 1 h 2164703"/>
+              <a:gd name="connsiteX1" fmla="*/ 2892490 w 2892490"/>
+              <a:gd name="connsiteY1" fmla="*/ 2164703 h 2164703"/>
+              <a:gd name="connsiteX2" fmla="*/ 0 w 2892490"/>
+              <a:gd name="connsiteY2" fmla="*/ 2158456 h 2164703"/>
+              <a:gd name="connsiteX3" fmla="*/ 0 w 2892490"/>
+              <a:gd name="connsiteY3" fmla="*/ 327532 h 2164703"/>
+              <a:gd name="connsiteX4" fmla="*/ 53389 w 2892490"/>
+              <a:gd name="connsiteY4" fmla="*/ 281995 h 2164703"/>
+              <a:gd name="connsiteX5" fmla="*/ 727788 w 2892490"/>
+              <a:gd name="connsiteY5" fmla="*/ 1 h 2164703"/>
+            </a:gdLst>
+            <a:ahLst/>
+            <a:cxnLst>
+              <a:cxn ang="0">
+                <a:pos x="connsiteX0" y="connsiteY0"/>
+              </a:cxn>
+              <a:cxn ang="0">
+                <a:pos x="connsiteX1" y="connsiteY1"/>
+              </a:cxn>
+              <a:cxn ang="0">
+                <a:pos x="connsiteX2" y="connsiteY2"/>
+              </a:cxn>
+              <a:cxn ang="0">
+                <a:pos x="connsiteX3" y="connsiteY3"/>
+              </a:cxn>
+              <a:cxn ang="0">
+                <a:pos x="connsiteX4" y="connsiteY4"/>
+              </a:cxn>
+              <a:cxn ang="0">
+                <a:pos x="connsiteX5" y="connsiteY5"/>
+              </a:cxn>
+            </a:cxnLst>
+            <a:rect l="l" t="t" r="r" b="b"/>
+            <a:pathLst>
+              <a:path w="2892490" h="2164703">
+                <a:moveTo>
+                  <a:pt x="727788" y="1"/>
+                </a:moveTo>
+                <a:cubicBezTo>
+                  <a:pt x="1447800" y="1556"/>
+                  <a:pt x="2170145" y="1083129"/>
+                  <a:pt x="2892490" y="2164703"/>
+                </a:cubicBezTo>
+                <a:lnTo>
+                  <a:pt x="0" y="2158456"/>
+                </a:lnTo>
+                <a:lnTo>
+                  <a:pt x="0" y="327532"/>
+                </a:lnTo>
+                <a:lnTo>
+                  <a:pt x="53389" y="281995"/>
+                </a:lnTo>
+                <a:cubicBezTo>
+                  <a:pt x="278008" y="104500"/>
+                  <a:pt x="502784" y="-485"/>
+                  <a:pt x="727788" y="1"/>
+                </a:cubicBezTo>
+                <a:close/>
+              </a:path>
+            </a:pathLst>
+          </a:custGeom>
+          <a:solidFill>
+            <a:schemeClr val="accent1">
+              <a:lumMod val="20000"/>
+              <a:lumOff val="80000"/>
+            </a:schemeClr>
+          </a:solidFill>
+          <a:ln w="38100">
+            <a:solidFill>
+              <a:schemeClr val="accent1">
+                <a:lumMod val="75000"/>
+              </a:schemeClr>
+            </a:solidFill>
+          </a:ln>
+        </p:spPr>
+        <p:style>
+          <a:lnRef idx="1">
+            <a:schemeClr val="accent5"/>
+          </a:lnRef>
+          <a:fillRef idx="0">
+            <a:schemeClr val="accent5"/>
+          </a:fillRef>
+          <a:effectRef idx="0">
+            <a:schemeClr val="accent5"/>
+          </a:effectRef>
+          <a:fontRef idx="minor">
+            <a:schemeClr val="tx1"/>
+          </a:fontRef>
+        </p:style>
+        <p:txBody>
+          <a:bodyPr wrap="square" rtlCol="0" anchor="ctr">
+            <a:noAutofit/>
+          </a:bodyPr>
+          <a:lstStyle/>
+          <a:p>
+            <a:pPr algn="ctr"/>
+            <a:endParaRPr lang="en-IN" sz="1063"/>
+          </a:p>
+        </p:txBody>
+      </p:sp>
+      <p:cxnSp>
+        <p:nvCxnSpPr>
+          <p:cNvPr id="7" name="Straight Connector 6">
+            <a:extLst>
+              <a:ext uri="{FF2B5EF4-FFF2-40B4-BE49-F238E27FC236}">
+                <a16:creationId xmlns:a16="http://schemas.microsoft.com/office/drawing/2014/main" id="{671B3DF7-1A00-69C1-3F05-2395A0661A31}"/>
+              </a:ext>
+            </a:extLst>
+          </p:cNvPr>
+          <p:cNvCxnSpPr>
+            <a:cxnSpLocks/>
+          </p:cNvCxnSpPr>
+          <p:nvPr/>
+        </p:nvCxnSpPr>
+        <p:spPr>
+          <a:xfrm flipH="1" flipV="1">
+            <a:off x="681222" y="3874147"/>
+            <a:ext cx="5940510" cy="458"/>
+          </a:xfrm>
+          <a:prstGeom prst="line">
+            <a:avLst/>
+          </a:prstGeom>
+          <a:ln w="38100" cap="flat" cmpd="sng" algn="ctr">
+            <a:solidFill>
+              <a:schemeClr val="dk1"/>
+            </a:solidFill>
+            <a:prstDash val="solid"/>
+            <a:round/>
+            <a:headEnd type="arrow" w="med" len="med"/>
+            <a:tailEnd type="arrow" w="med" len="med"/>
+          </a:ln>
+        </p:spPr>
+        <p:style>
+          <a:lnRef idx="0">
+            <a:scrgbClr r="0" g="0" b="0"/>
+          </a:lnRef>
+          <a:fillRef idx="0">
+            <a:scrgbClr r="0" g="0" b="0"/>
+          </a:fillRef>
+          <a:effectRef idx="0">
+            <a:scrgbClr r="0" g="0" b="0"/>
+          </a:effectRef>
+          <a:fontRef idx="minor">
+            <a:schemeClr val="tx1"/>
+          </a:fontRef>
+        </p:style>
+      </p:cxnSp>
+      <p:sp>
+        <p:nvSpPr>
+          <p:cNvPr id="8" name="TextBox 7">
+            <a:extLst>
+              <a:ext uri="{FF2B5EF4-FFF2-40B4-BE49-F238E27FC236}">
+                <a16:creationId xmlns:a16="http://schemas.microsoft.com/office/drawing/2014/main" id="{7F7BEA9D-7959-89D0-C94E-17B34D010098}"/>
+              </a:ext>
+            </a:extLst>
+          </p:cNvPr>
+          <p:cNvSpPr txBox="1"/>
+          <p:nvPr/>
+        </p:nvSpPr>
+        <p:spPr>
+          <a:xfrm>
+            <a:off x="5542598" y="3878945"/>
+            <a:ext cx="498212" cy="369332"/>
+          </a:xfrm>
+          <a:prstGeom prst="rect">
+            <a:avLst/>
+          </a:prstGeom>
+          <a:noFill/>
+        </p:spPr>
+        <p:txBody>
+          <a:bodyPr wrap="square" rtlCol="0">
+            <a:spAutoFit/>
+          </a:bodyPr>
+          <a:lstStyle/>
+          <a:p>
+            <a:pPr algn="ctr"/>
+            <a:r>
+              <a:rPr lang="en-US" b="1" i="1" dirty="0">
+                <a:latin typeface="Times New Roman" panose="02020603050405020304" pitchFamily="18" charset="0"/>
+                <a:ea typeface="Cambria" panose="02040503050406030204" pitchFamily="18" charset="0"/>
+                <a:cs typeface="Times New Roman" panose="02020603050405020304" pitchFamily="18" charset="0"/>
+              </a:rPr>
+              <a:t>2</a:t>
+            </a:r>
+            <a:r>
+              <a:rPr lang="el-GR" b="1" i="1" dirty="0">
+                <a:latin typeface="Times New Roman" panose="02020603050405020304" pitchFamily="18" charset="0"/>
+                <a:ea typeface="Cambria" panose="02040503050406030204" pitchFamily="18" charset="0"/>
+                <a:cs typeface="Times New Roman" panose="02020603050405020304" pitchFamily="18" charset="0"/>
+              </a:rPr>
+              <a:t>π</a:t>
+            </a:r>
+            <a:endParaRPr lang="en-IN" b="1" i="1" dirty="0">
+              <a:latin typeface="Times New Roman" panose="02020603050405020304" pitchFamily="18" charset="0"/>
+              <a:ea typeface="Cambria" panose="02040503050406030204" pitchFamily="18" charset="0"/>
+              <a:cs typeface="Times New Roman" panose="02020603050405020304" pitchFamily="18" charset="0"/>
+            </a:endParaRPr>
+          </a:p>
+        </p:txBody>
+      </p:sp>
+      <p:sp>
+        <p:nvSpPr>
+          <p:cNvPr id="9" name="TextBox 8">
+            <a:extLst>
+              <a:ext uri="{FF2B5EF4-FFF2-40B4-BE49-F238E27FC236}">
+                <a16:creationId xmlns:a16="http://schemas.microsoft.com/office/drawing/2014/main" id="{3081F9DC-4C3F-2FF9-A122-CF181AF822A4}"/>
+              </a:ext>
+            </a:extLst>
+          </p:cNvPr>
+          <p:cNvSpPr txBox="1"/>
+          <p:nvPr/>
+        </p:nvSpPr>
+        <p:spPr>
+          <a:xfrm>
+            <a:off x="3058576" y="3855555"/>
+            <a:ext cx="498212" cy="369332"/>
+          </a:xfrm>
+          <a:prstGeom prst="rect">
+            <a:avLst/>
+          </a:prstGeom>
+          <a:noFill/>
+        </p:spPr>
+        <p:txBody>
+          <a:bodyPr wrap="square" rtlCol="0">
+            <a:spAutoFit/>
+          </a:bodyPr>
+          <a:lstStyle/>
+          <a:p>
+            <a:pPr algn="ctr"/>
+            <a:r>
+              <a:rPr lang="el-GR" b="1" i="1" dirty="0">
+                <a:latin typeface="Times New Roman" panose="02020603050405020304" pitchFamily="18" charset="0"/>
+                <a:ea typeface="Cambria" panose="02040503050406030204" pitchFamily="18" charset="0"/>
+                <a:cs typeface="Times New Roman" panose="02020603050405020304" pitchFamily="18" charset="0"/>
+              </a:rPr>
+              <a:t>π</a:t>
+            </a:r>
+            <a:endParaRPr lang="en-IN" b="1" i="1" dirty="0">
+              <a:latin typeface="Times New Roman" panose="02020603050405020304" pitchFamily="18" charset="0"/>
+              <a:ea typeface="Cambria" panose="02040503050406030204" pitchFamily="18" charset="0"/>
+              <a:cs typeface="Times New Roman" panose="02020603050405020304" pitchFamily="18" charset="0"/>
+            </a:endParaRPr>
+          </a:p>
+        </p:txBody>
+      </p:sp>
+      <p:sp>
+        <p:nvSpPr>
+          <p:cNvPr id="10" name="TextBox 9">
+            <a:extLst>
+              <a:ext uri="{FF2B5EF4-FFF2-40B4-BE49-F238E27FC236}">
+                <a16:creationId xmlns:a16="http://schemas.microsoft.com/office/drawing/2014/main" id="{92AB86F2-E31C-B969-B4D0-4B81884A8D6F}"/>
+              </a:ext>
+            </a:extLst>
+          </p:cNvPr>
+          <p:cNvSpPr txBox="1"/>
+          <p:nvPr/>
+        </p:nvSpPr>
+        <p:spPr>
+          <a:xfrm>
+            <a:off x="636759" y="3856092"/>
+            <a:ext cx="498212" cy="369332"/>
+          </a:xfrm>
+          <a:prstGeom prst="rect">
+            <a:avLst/>
+          </a:prstGeom>
+          <a:noFill/>
+        </p:spPr>
+        <p:txBody>
+          <a:bodyPr wrap="square" rtlCol="0">
+            <a:spAutoFit/>
+          </a:bodyPr>
+          <a:lstStyle/>
+          <a:p>
+            <a:pPr algn="ctr"/>
+            <a:r>
+              <a:rPr lang="en-US" b="1" i="1" dirty="0">
+                <a:latin typeface="Times New Roman" panose="02020603050405020304" pitchFamily="18" charset="0"/>
+                <a:ea typeface="Cambria" panose="02040503050406030204" pitchFamily="18" charset="0"/>
+                <a:cs typeface="Times New Roman" panose="02020603050405020304" pitchFamily="18" charset="0"/>
+              </a:rPr>
+              <a:t>0</a:t>
+            </a:r>
+            <a:endParaRPr lang="en-IN" b="1" i="1" dirty="0">
+              <a:latin typeface="Times New Roman" panose="02020603050405020304" pitchFamily="18" charset="0"/>
+              <a:ea typeface="Cambria" panose="02040503050406030204" pitchFamily="18" charset="0"/>
+              <a:cs typeface="Times New Roman" panose="02020603050405020304" pitchFamily="18" charset="0"/>
+            </a:endParaRPr>
+          </a:p>
+        </p:txBody>
+      </p:sp>
+      <mc:AlternateContent xmlns:mc="http://schemas.openxmlformats.org/markup-compatibility/2006">
+        <mc:Choice xmlns:a14="http://schemas.microsoft.com/office/drawing/2010/main" Requires="a14">
+          <p:sp>
+            <p:nvSpPr>
+              <p:cNvPr id="11" name="TextBox 10">
+                <a:extLst>
+                  <a:ext uri="{FF2B5EF4-FFF2-40B4-BE49-F238E27FC236}">
+                    <a16:creationId xmlns:a16="http://schemas.microsoft.com/office/drawing/2014/main" id="{AAA44488-FC2F-C854-814F-429964638B50}"/>
+                  </a:ext>
+                </a:extLst>
+              </p:cNvPr>
+              <p:cNvSpPr txBox="1"/>
+              <p:nvPr/>
+            </p:nvSpPr>
+            <p:spPr>
+              <a:xfrm>
+                <a:off x="1538989" y="3855555"/>
+                <a:ext cx="452920" cy="369332"/>
+              </a:xfrm>
+              <a:prstGeom prst="rect">
+                <a:avLst/>
+              </a:prstGeom>
+              <a:noFill/>
+            </p:spPr>
+            <p:txBody>
+              <a:bodyPr wrap="square" rtlCol="0">
+                <a:spAutoFit/>
+              </a:bodyPr>
+              <a:lstStyle/>
+              <a:p>
+                <a:pPr algn="ctr"/>
+                <a14:m>
+                  <m:oMathPara xmlns:m="http://schemas.openxmlformats.org/officeDocument/2006/math">
+                    <m:oMathParaPr>
+                      <m:jc m:val="centerGroup"/>
+                    </m:oMathParaPr>
+                    <m:oMath xmlns:m="http://schemas.openxmlformats.org/officeDocument/2006/math">
+                      <m:r>
+                        <a:rPr lang="el-GR" b="1" i="1">
+                          <a:latin typeface="Cambria Math" panose="02040503050406030204" pitchFamily="18" charset="0"/>
+                          <a:ea typeface="Cambria" panose="02040503050406030204" pitchFamily="18" charset="0"/>
+                          <a:cs typeface="Times New Roman" panose="02020603050405020304" pitchFamily="18" charset="0"/>
+                        </a:rPr>
+                        <m:t>𝜶</m:t>
+                      </m:r>
+                    </m:oMath>
+                  </m:oMathPara>
+                </a14:m>
+                <a:endParaRPr lang="en-IN" b="1" i="1" dirty="0">
+                  <a:latin typeface="Times New Roman" panose="02020603050405020304" pitchFamily="18" charset="0"/>
+                  <a:ea typeface="Cambria" panose="02040503050406030204" pitchFamily="18" charset="0"/>
+                  <a:cs typeface="Times New Roman" panose="02020603050405020304" pitchFamily="18" charset="0"/>
+                </a:endParaRPr>
+              </a:p>
+            </p:txBody>
+          </p:sp>
+        </mc:Choice>
+        <mc:Fallback>
+          <p:sp>
+            <p:nvSpPr>
+              <p:cNvPr id="11" name="TextBox 10">
+                <a:extLst>
+                  <a:ext uri="{FF2B5EF4-FFF2-40B4-BE49-F238E27FC236}">
+                    <a16:creationId xmlns:a16="http://schemas.microsoft.com/office/drawing/2014/main" id="{AAA44488-FC2F-C854-814F-429964638B50}"/>
+                  </a:ext>
+                </a:extLst>
+              </p:cNvPr>
+              <p:cNvSpPr txBox="1">
+                <a:spLocks noRot="1" noChangeAspect="1" noMove="1" noResize="1" noEditPoints="1" noAdjustHandles="1" noChangeArrowheads="1" noChangeShapeType="1" noTextEdit="1"/>
+              </p:cNvSpPr>
+              <p:nvPr/>
+            </p:nvSpPr>
+            <p:spPr>
+              <a:xfrm>
+                <a:off x="1538989" y="3855555"/>
+                <a:ext cx="452920" cy="369332"/>
+              </a:xfrm>
+              <a:prstGeom prst="rect">
+                <a:avLst/>
+              </a:prstGeom>
+              <a:blipFill>
+                <a:blip r:embed="rId2"/>
+                <a:stretch>
+                  <a:fillRect/>
+                </a:stretch>
+              </a:blipFill>
+            </p:spPr>
+            <p:txBody>
+              <a:bodyPr/>
+              <a:lstStyle/>
+              <a:p>
+                <a:r>
+                  <a:rPr lang="en-IN">
+                    <a:noFill/>
+                  </a:rPr>
+                  <a:t> </a:t>
+                </a:r>
+              </a:p>
+            </p:txBody>
+          </p:sp>
+        </mc:Fallback>
+      </mc:AlternateContent>
+      <p:cxnSp>
+        <p:nvCxnSpPr>
+          <p:cNvPr id="13" name="Straight Connector 12">
+            <a:extLst>
+              <a:ext uri="{FF2B5EF4-FFF2-40B4-BE49-F238E27FC236}">
+                <a16:creationId xmlns:a16="http://schemas.microsoft.com/office/drawing/2014/main" id="{E855EB56-6995-38AB-A44B-1E9EE2D397CB}"/>
+              </a:ext>
+            </a:extLst>
+          </p:cNvPr>
+          <p:cNvCxnSpPr>
+            <a:cxnSpLocks/>
+          </p:cNvCxnSpPr>
+          <p:nvPr/>
+        </p:nvCxnSpPr>
+        <p:spPr>
+          <a:xfrm>
+            <a:off x="949747" y="2642251"/>
+            <a:ext cx="81065" cy="0"/>
+          </a:xfrm>
+          <a:prstGeom prst="line">
+            <a:avLst/>
+          </a:prstGeom>
+          <a:solidFill>
+            <a:schemeClr val="accent1">
+              <a:lumMod val="60000"/>
+              <a:lumOff val="40000"/>
+            </a:schemeClr>
+          </a:solidFill>
+          <a:ln w="38100">
+            <a:solidFill>
+              <a:schemeClr val="tx1"/>
+            </a:solidFill>
+          </a:ln>
+        </p:spPr>
+        <p:style>
+          <a:lnRef idx="1">
+            <a:schemeClr val="accent5"/>
+          </a:lnRef>
+          <a:fillRef idx="0">
+            <a:schemeClr val="accent5"/>
+          </a:fillRef>
+          <a:effectRef idx="0">
+            <a:schemeClr val="accent5"/>
+          </a:effectRef>
+          <a:fontRef idx="minor">
+            <a:schemeClr val="tx1"/>
+          </a:fontRef>
+        </p:style>
+      </p:cxnSp>
+      <mc:AlternateContent xmlns:mc="http://schemas.openxmlformats.org/markup-compatibility/2006">
+        <mc:Choice xmlns:a14="http://schemas.microsoft.com/office/drawing/2010/main" Requires="a14">
+          <p:sp>
+            <p:nvSpPr>
+              <p:cNvPr id="14" name="TextBox 13">
+                <a:extLst>
+                  <a:ext uri="{FF2B5EF4-FFF2-40B4-BE49-F238E27FC236}">
+                    <a16:creationId xmlns:a16="http://schemas.microsoft.com/office/drawing/2014/main" id="{8BEABEEA-1550-ADE1-4949-CA792790525D}"/>
+                  </a:ext>
+                </a:extLst>
+              </p:cNvPr>
+              <p:cNvSpPr txBox="1"/>
+              <p:nvPr/>
+            </p:nvSpPr>
+            <p:spPr>
+              <a:xfrm>
+                <a:off x="525896" y="2480061"/>
+                <a:ext cx="498212" cy="369332"/>
+              </a:xfrm>
+              <a:prstGeom prst="rect">
+                <a:avLst/>
+              </a:prstGeom>
+              <a:noFill/>
+            </p:spPr>
+            <p:txBody>
+              <a:bodyPr wrap="square" rtlCol="0">
+                <a:spAutoFit/>
+              </a:bodyPr>
+              <a:lstStyle/>
+              <a:p>
+                <a:pPr algn="ctr"/>
+                <a14:m>
+                  <m:oMathPara xmlns:m="http://schemas.openxmlformats.org/officeDocument/2006/math">
+                    <m:oMathParaPr>
+                      <m:jc m:val="centerGroup"/>
+                    </m:oMathParaPr>
+                    <m:oMath xmlns:m="http://schemas.openxmlformats.org/officeDocument/2006/math">
+                      <m:sSub>
+                        <m:sSubPr>
+                          <m:ctrlPr>
+                            <a:rPr lang="en-US" b="1" i="1">
+                              <a:solidFill>
+                                <a:schemeClr val="accent1">
+                                  <a:lumMod val="75000"/>
+                                </a:schemeClr>
+                              </a:solidFill>
+                              <a:latin typeface="Cambria Math" panose="02040503050406030204" pitchFamily="18" charset="0"/>
+                              <a:ea typeface="Cambria" panose="02040503050406030204" pitchFamily="18" charset="0"/>
+                              <a:cs typeface="Times New Roman" panose="02020603050405020304" pitchFamily="18" charset="0"/>
+                            </a:rPr>
+                          </m:ctrlPr>
+                        </m:sSubPr>
+                        <m:e>
+                          <m:r>
+                            <a:rPr lang="en-US" b="1" i="1">
+                              <a:solidFill>
+                                <a:schemeClr val="accent1">
+                                  <a:lumMod val="75000"/>
+                                </a:schemeClr>
+                              </a:solidFill>
+                              <a:latin typeface="Cambria Math" panose="02040503050406030204" pitchFamily="18" charset="0"/>
+                              <a:ea typeface="Cambria" panose="02040503050406030204" pitchFamily="18" charset="0"/>
+                              <a:cs typeface="Times New Roman" panose="02020603050405020304" pitchFamily="18" charset="0"/>
+                            </a:rPr>
+                            <m:t>𝑽</m:t>
+                          </m:r>
+                        </m:e>
+                        <m:sub>
+                          <m:r>
+                            <a:rPr lang="en-US" b="1" i="1">
+                              <a:solidFill>
+                                <a:schemeClr val="accent1">
+                                  <a:lumMod val="75000"/>
+                                </a:schemeClr>
+                              </a:solidFill>
+                              <a:latin typeface="Cambria Math" panose="02040503050406030204" pitchFamily="18" charset="0"/>
+                              <a:ea typeface="Cambria" panose="02040503050406030204" pitchFamily="18" charset="0"/>
+                              <a:cs typeface="Times New Roman" panose="02020603050405020304" pitchFamily="18" charset="0"/>
+                            </a:rPr>
+                            <m:t>𝒎</m:t>
+                          </m:r>
+                        </m:sub>
+                      </m:sSub>
+                    </m:oMath>
+                  </m:oMathPara>
+                </a14:m>
+                <a:endParaRPr lang="en-IN" b="1" i="1" dirty="0">
+                  <a:latin typeface="Times New Roman" panose="02020603050405020304" pitchFamily="18" charset="0"/>
+                  <a:ea typeface="Cambria" panose="02040503050406030204" pitchFamily="18" charset="0"/>
+                  <a:cs typeface="Times New Roman" panose="02020603050405020304" pitchFamily="18" charset="0"/>
+                </a:endParaRPr>
+              </a:p>
+            </p:txBody>
+          </p:sp>
+        </mc:Choice>
+        <mc:Fallback>
+          <p:sp>
+            <p:nvSpPr>
+              <p:cNvPr id="14" name="TextBox 13">
+                <a:extLst>
+                  <a:ext uri="{FF2B5EF4-FFF2-40B4-BE49-F238E27FC236}">
+                    <a16:creationId xmlns:a16="http://schemas.microsoft.com/office/drawing/2014/main" id="{8BEABEEA-1550-ADE1-4949-CA792790525D}"/>
+                  </a:ext>
+                </a:extLst>
+              </p:cNvPr>
+              <p:cNvSpPr txBox="1">
+                <a:spLocks noRot="1" noChangeAspect="1" noMove="1" noResize="1" noEditPoints="1" noAdjustHandles="1" noChangeArrowheads="1" noChangeShapeType="1" noTextEdit="1"/>
+              </p:cNvSpPr>
+              <p:nvPr/>
+            </p:nvSpPr>
+            <p:spPr>
+              <a:xfrm>
+                <a:off x="525896" y="2480061"/>
+                <a:ext cx="498212" cy="369332"/>
+              </a:xfrm>
+              <a:prstGeom prst="rect">
+                <a:avLst/>
+              </a:prstGeom>
+              <a:blipFill>
+                <a:blip r:embed="rId3"/>
+                <a:stretch>
+                  <a:fillRect l="-3659"/>
+                </a:stretch>
+              </a:blipFill>
+            </p:spPr>
+            <p:txBody>
+              <a:bodyPr/>
+              <a:lstStyle/>
+              <a:p>
+                <a:r>
+                  <a:rPr lang="en-IN">
+                    <a:noFill/>
+                  </a:rPr>
+                  <a:t> </a:t>
+                </a:r>
+              </a:p>
+            </p:txBody>
+          </p:sp>
+        </mc:Fallback>
+      </mc:AlternateContent>
+      <mc:AlternateContent xmlns:mc="http://schemas.openxmlformats.org/markup-compatibility/2006">
+        <mc:Choice xmlns:a14="http://schemas.microsoft.com/office/drawing/2010/main" Requires="a14">
+          <p:sp>
+            <p:nvSpPr>
+              <p:cNvPr id="15" name="TextBox 14">
+                <a:extLst>
+                  <a:ext uri="{FF2B5EF4-FFF2-40B4-BE49-F238E27FC236}">
+                    <a16:creationId xmlns:a16="http://schemas.microsoft.com/office/drawing/2014/main" id="{56453AE9-B759-93F1-8331-3783564538AC}"/>
+                  </a:ext>
+                </a:extLst>
+              </p:cNvPr>
+              <p:cNvSpPr txBox="1"/>
+              <p:nvPr/>
+            </p:nvSpPr>
+            <p:spPr>
+              <a:xfrm>
+                <a:off x="6477040" y="3855555"/>
+                <a:ext cx="498212" cy="369332"/>
+              </a:xfrm>
+              <a:prstGeom prst="rect">
+                <a:avLst/>
+              </a:prstGeom>
+              <a:noFill/>
+            </p:spPr>
+            <p:txBody>
+              <a:bodyPr wrap="square" rtlCol="0">
+                <a:spAutoFit/>
+              </a:bodyPr>
+              <a:lstStyle/>
+              <a:p>
+                <a:pPr algn="ctr"/>
+                <a14:m>
+                  <m:oMathPara xmlns:m="http://schemas.openxmlformats.org/officeDocument/2006/math">
+                    <m:oMathParaPr>
+                      <m:jc m:val="centerGroup"/>
+                    </m:oMathParaPr>
+                    <m:oMath xmlns:m="http://schemas.openxmlformats.org/officeDocument/2006/math">
+                      <m:r>
+                        <a:rPr lang="el-GR" b="1" i="1">
+                          <a:latin typeface="Cambria Math" panose="02040503050406030204" pitchFamily="18" charset="0"/>
+                          <a:ea typeface="Cambria" panose="02040503050406030204" pitchFamily="18" charset="0"/>
+                          <a:cs typeface="Times New Roman" panose="02020603050405020304" pitchFamily="18" charset="0"/>
+                        </a:rPr>
+                        <m:t>𝝎</m:t>
+                      </m:r>
+                      <m:r>
+                        <a:rPr lang="en-US" b="1" i="1">
+                          <a:latin typeface="Cambria Math" panose="02040503050406030204" pitchFamily="18" charset="0"/>
+                          <a:ea typeface="Cambria" panose="02040503050406030204" pitchFamily="18" charset="0"/>
+                          <a:cs typeface="Times New Roman" panose="02020603050405020304" pitchFamily="18" charset="0"/>
+                        </a:rPr>
+                        <m:t>𝒕</m:t>
+                      </m:r>
+                    </m:oMath>
+                  </m:oMathPara>
+                </a14:m>
+                <a:endParaRPr lang="en-IN" b="1" i="1" dirty="0">
+                  <a:latin typeface="Times New Roman" panose="02020603050405020304" pitchFamily="18" charset="0"/>
+                  <a:ea typeface="Cambria" panose="02040503050406030204" pitchFamily="18" charset="0"/>
+                  <a:cs typeface="Times New Roman" panose="02020603050405020304" pitchFamily="18" charset="0"/>
+                </a:endParaRPr>
+              </a:p>
+            </p:txBody>
+          </p:sp>
+        </mc:Choice>
+        <mc:Fallback>
+          <p:sp>
+            <p:nvSpPr>
+              <p:cNvPr id="15" name="TextBox 14">
+                <a:extLst>
+                  <a:ext uri="{FF2B5EF4-FFF2-40B4-BE49-F238E27FC236}">
+                    <a16:creationId xmlns:a16="http://schemas.microsoft.com/office/drawing/2014/main" id="{56453AE9-B759-93F1-8331-3783564538AC}"/>
+                  </a:ext>
+                </a:extLst>
+              </p:cNvPr>
+              <p:cNvSpPr txBox="1">
+                <a:spLocks noRot="1" noChangeAspect="1" noMove="1" noResize="1" noEditPoints="1" noAdjustHandles="1" noChangeArrowheads="1" noChangeShapeType="1" noTextEdit="1"/>
+              </p:cNvSpPr>
+              <p:nvPr/>
+            </p:nvSpPr>
+            <p:spPr>
+              <a:xfrm>
+                <a:off x="6477040" y="3855555"/>
+                <a:ext cx="498212" cy="369332"/>
+              </a:xfrm>
+              <a:prstGeom prst="rect">
+                <a:avLst/>
+              </a:prstGeom>
+              <a:blipFill>
+                <a:blip r:embed="rId4"/>
+                <a:stretch>
+                  <a:fillRect/>
+                </a:stretch>
+              </a:blipFill>
+            </p:spPr>
+            <p:txBody>
+              <a:bodyPr/>
+              <a:lstStyle/>
+              <a:p>
+                <a:r>
+                  <a:rPr lang="en-IN">
+                    <a:noFill/>
+                  </a:rPr>
+                  <a:t> </a:t>
+                </a:r>
+              </a:p>
+            </p:txBody>
+          </p:sp>
+        </mc:Fallback>
+      </mc:AlternateContent>
+      <mc:AlternateContent xmlns:mc="http://schemas.openxmlformats.org/markup-compatibility/2006">
+        <mc:Choice xmlns:a14="http://schemas.microsoft.com/office/drawing/2010/main" Requires="a14">
+          <p:sp>
+            <p:nvSpPr>
+              <p:cNvPr id="16" name="TextBox 15">
+                <a:extLst>
+                  <a:ext uri="{FF2B5EF4-FFF2-40B4-BE49-F238E27FC236}">
+                    <a16:creationId xmlns:a16="http://schemas.microsoft.com/office/drawing/2014/main" id="{783936F5-781C-2FB8-B239-E45E9BAF4C0A}"/>
+                  </a:ext>
+                </a:extLst>
+              </p:cNvPr>
+              <p:cNvSpPr txBox="1"/>
+              <p:nvPr/>
+            </p:nvSpPr>
+            <p:spPr>
+              <a:xfrm>
+                <a:off x="781705" y="1778707"/>
+                <a:ext cx="498212" cy="369332"/>
+              </a:xfrm>
+              <a:prstGeom prst="rect">
+                <a:avLst/>
+              </a:prstGeom>
+              <a:noFill/>
+            </p:spPr>
+            <p:txBody>
+              <a:bodyPr wrap="square" rtlCol="0">
+                <a:spAutoFit/>
+              </a:bodyPr>
+              <a:lstStyle/>
+              <a:p>
+                <a:pPr algn="ctr"/>
+                <a14:m>
+                  <m:oMathPara xmlns:m="http://schemas.openxmlformats.org/officeDocument/2006/math">
+                    <m:oMathParaPr>
+                      <m:jc m:val="centerGroup"/>
+                    </m:oMathParaPr>
+                    <m:oMath xmlns:m="http://schemas.openxmlformats.org/officeDocument/2006/math">
+                      <m:sSub>
+                        <m:sSubPr>
+                          <m:ctrlPr>
+                            <a:rPr lang="en-US" b="1" i="1">
+                              <a:latin typeface="Cambria Math" panose="02040503050406030204" pitchFamily="18" charset="0"/>
+                              <a:ea typeface="Cambria" panose="02040503050406030204" pitchFamily="18" charset="0"/>
+                              <a:cs typeface="Times New Roman" panose="02020603050405020304" pitchFamily="18" charset="0"/>
+                            </a:rPr>
+                          </m:ctrlPr>
+                        </m:sSubPr>
+                        <m:e>
+                          <m:r>
+                            <a:rPr lang="en-US" b="1" i="1">
+                              <a:latin typeface="Cambria Math" panose="02040503050406030204" pitchFamily="18" charset="0"/>
+                              <a:ea typeface="Cambria" panose="02040503050406030204" pitchFamily="18" charset="0"/>
+                              <a:cs typeface="Times New Roman" panose="02020603050405020304" pitchFamily="18" charset="0"/>
+                            </a:rPr>
+                            <m:t>𝑽</m:t>
+                          </m:r>
+                        </m:e>
+                        <m:sub>
+                          <m:r>
+                            <a:rPr lang="en-US" b="1" i="1">
+                              <a:latin typeface="Cambria Math" panose="02040503050406030204" pitchFamily="18" charset="0"/>
+                              <a:ea typeface="Cambria" panose="02040503050406030204" pitchFamily="18" charset="0"/>
+                              <a:cs typeface="Times New Roman" panose="02020603050405020304" pitchFamily="18" charset="0"/>
+                            </a:rPr>
+                            <m:t>𝑶</m:t>
+                          </m:r>
+                        </m:sub>
+                      </m:sSub>
+                      <m:r>
+                        <a:rPr lang="en-US" b="1" i="1">
+                          <a:latin typeface="Cambria Math" panose="02040503050406030204" pitchFamily="18" charset="0"/>
+                          <a:ea typeface="Cambria" panose="02040503050406030204" pitchFamily="18" charset="0"/>
+                          <a:cs typeface="Times New Roman" panose="02020603050405020304" pitchFamily="18" charset="0"/>
+                        </a:rPr>
+                        <m:t>(</m:t>
+                      </m:r>
+                      <m:r>
+                        <a:rPr lang="en-US" b="1" i="1">
+                          <a:latin typeface="Cambria Math" panose="02040503050406030204" pitchFamily="18" charset="0"/>
+                          <a:ea typeface="Cambria" panose="02040503050406030204" pitchFamily="18" charset="0"/>
+                          <a:cs typeface="Times New Roman" panose="02020603050405020304" pitchFamily="18" charset="0"/>
+                        </a:rPr>
+                        <m:t>𝒕</m:t>
+                      </m:r>
+                      <m:r>
+                        <a:rPr lang="en-US" b="1" i="1">
+                          <a:latin typeface="Cambria Math" panose="02040503050406030204" pitchFamily="18" charset="0"/>
+                          <a:ea typeface="Cambria" panose="02040503050406030204" pitchFamily="18" charset="0"/>
+                          <a:cs typeface="Times New Roman" panose="02020603050405020304" pitchFamily="18" charset="0"/>
+                        </a:rPr>
+                        <m:t>)</m:t>
+                      </m:r>
+                    </m:oMath>
+                  </m:oMathPara>
+                </a14:m>
+                <a:endParaRPr lang="en-IN" b="1" i="1" dirty="0">
+                  <a:latin typeface="Times New Roman" panose="02020603050405020304" pitchFamily="18" charset="0"/>
+                  <a:ea typeface="Cambria" panose="02040503050406030204" pitchFamily="18" charset="0"/>
+                  <a:cs typeface="Times New Roman" panose="02020603050405020304" pitchFamily="18" charset="0"/>
+                </a:endParaRPr>
+              </a:p>
+            </p:txBody>
+          </p:sp>
+        </mc:Choice>
+        <mc:Fallback>
+          <p:sp>
+            <p:nvSpPr>
+              <p:cNvPr id="16" name="TextBox 15">
+                <a:extLst>
+                  <a:ext uri="{FF2B5EF4-FFF2-40B4-BE49-F238E27FC236}">
+                    <a16:creationId xmlns:a16="http://schemas.microsoft.com/office/drawing/2014/main" id="{783936F5-781C-2FB8-B239-E45E9BAF4C0A}"/>
+                  </a:ext>
+                </a:extLst>
+              </p:cNvPr>
+              <p:cNvSpPr txBox="1">
+                <a:spLocks noRot="1" noChangeAspect="1" noMove="1" noResize="1" noEditPoints="1" noAdjustHandles="1" noChangeArrowheads="1" noChangeShapeType="1" noTextEdit="1"/>
+              </p:cNvSpPr>
+              <p:nvPr/>
+            </p:nvSpPr>
+            <p:spPr>
+              <a:xfrm>
+                <a:off x="781705" y="1778707"/>
+                <a:ext cx="498212" cy="369332"/>
+              </a:xfrm>
+              <a:prstGeom prst="rect">
+                <a:avLst/>
+              </a:prstGeom>
+              <a:blipFill>
+                <a:blip r:embed="rId5"/>
+                <a:stretch>
+                  <a:fillRect l="-28049" r="-24390" b="-15000"/>
+                </a:stretch>
+              </a:blipFill>
+            </p:spPr>
+            <p:txBody>
+              <a:bodyPr/>
+              <a:lstStyle/>
+              <a:p>
+                <a:r>
+                  <a:rPr lang="en-IN">
+                    <a:noFill/>
+                  </a:rPr>
+                  <a:t> </a:t>
+                </a:r>
+              </a:p>
+            </p:txBody>
+          </p:sp>
+        </mc:Fallback>
+      </mc:AlternateContent>
+      <p:cxnSp>
+        <p:nvCxnSpPr>
+          <p:cNvPr id="22" name="Straight Connector 21">
+            <a:extLst>
+              <a:ext uri="{FF2B5EF4-FFF2-40B4-BE49-F238E27FC236}">
+                <a16:creationId xmlns:a16="http://schemas.microsoft.com/office/drawing/2014/main" id="{8337A632-287E-372D-30B3-AFDE8E6032F0}"/>
+              </a:ext>
+            </a:extLst>
+          </p:cNvPr>
+          <p:cNvCxnSpPr>
+            <a:cxnSpLocks/>
+          </p:cNvCxnSpPr>
+          <p:nvPr/>
+        </p:nvCxnSpPr>
+        <p:spPr>
+          <a:xfrm>
+            <a:off x="949746" y="5101702"/>
+            <a:ext cx="81065" cy="0"/>
+          </a:xfrm>
+          <a:prstGeom prst="line">
+            <a:avLst/>
+          </a:prstGeom>
+          <a:solidFill>
+            <a:schemeClr val="accent1">
+              <a:lumMod val="60000"/>
+              <a:lumOff val="40000"/>
+            </a:schemeClr>
+          </a:solidFill>
+          <a:ln w="38100">
+            <a:solidFill>
+              <a:schemeClr val="tx1"/>
+            </a:solidFill>
+          </a:ln>
+        </p:spPr>
+        <p:style>
+          <a:lnRef idx="1">
+            <a:schemeClr val="accent5"/>
+          </a:lnRef>
+          <a:fillRef idx="0">
+            <a:schemeClr val="accent5"/>
+          </a:fillRef>
+          <a:effectRef idx="0">
+            <a:schemeClr val="accent5"/>
+          </a:effectRef>
+          <a:fontRef idx="minor">
+            <a:schemeClr val="tx1"/>
+          </a:fontRef>
+        </p:style>
+      </p:cxnSp>
+      <mc:AlternateContent xmlns:mc="http://schemas.openxmlformats.org/markup-compatibility/2006">
+        <mc:Choice xmlns:a14="http://schemas.microsoft.com/office/drawing/2010/main" Requires="a14">
+          <p:sp>
+            <p:nvSpPr>
+              <p:cNvPr id="24" name="TextBox 23">
+                <a:extLst>
+                  <a:ext uri="{FF2B5EF4-FFF2-40B4-BE49-F238E27FC236}">
+                    <a16:creationId xmlns:a16="http://schemas.microsoft.com/office/drawing/2014/main" id="{DA0C4CBE-EAD6-B8D0-A518-401684F5781E}"/>
+                  </a:ext>
+                </a:extLst>
+              </p:cNvPr>
+              <p:cNvSpPr txBox="1"/>
+              <p:nvPr/>
+            </p:nvSpPr>
+            <p:spPr>
+              <a:xfrm>
+                <a:off x="466450" y="4922083"/>
+                <a:ext cx="498212" cy="369332"/>
+              </a:xfrm>
+              <a:prstGeom prst="rect">
+                <a:avLst/>
+              </a:prstGeom>
+              <a:noFill/>
+            </p:spPr>
+            <p:txBody>
+              <a:bodyPr wrap="square" rtlCol="0">
+                <a:spAutoFit/>
+              </a:bodyPr>
+              <a:lstStyle/>
+              <a:p>
+                <a:pPr algn="ctr"/>
+                <a14:m>
+                  <m:oMathPara xmlns:m="http://schemas.openxmlformats.org/officeDocument/2006/math">
+                    <m:oMathParaPr>
+                      <m:jc m:val="centerGroup"/>
+                    </m:oMathParaPr>
+                    <m:oMath xmlns:m="http://schemas.openxmlformats.org/officeDocument/2006/math">
+                      <m:sSub>
+                        <m:sSubPr>
+                          <m:ctrlPr>
+                            <a:rPr lang="en-US" b="1" i="1">
+                              <a:solidFill>
+                                <a:schemeClr val="accent1">
+                                  <a:lumMod val="75000"/>
+                                </a:schemeClr>
+                              </a:solidFill>
+                              <a:latin typeface="Cambria Math" panose="02040503050406030204" pitchFamily="18" charset="0"/>
+                              <a:ea typeface="Cambria" panose="02040503050406030204" pitchFamily="18" charset="0"/>
+                              <a:cs typeface="Times New Roman" panose="02020603050405020304" pitchFamily="18" charset="0"/>
+                            </a:rPr>
+                          </m:ctrlPr>
+                        </m:sSubPr>
+                        <m:e>
+                          <m:r>
+                            <a:rPr lang="en-US" b="1" i="1">
+                              <a:solidFill>
+                                <a:schemeClr val="accent1">
+                                  <a:lumMod val="75000"/>
+                                </a:schemeClr>
+                              </a:solidFill>
+                              <a:latin typeface="Cambria Math" panose="02040503050406030204" pitchFamily="18" charset="0"/>
+                              <a:ea typeface="Cambria" panose="02040503050406030204" pitchFamily="18" charset="0"/>
+                              <a:cs typeface="Times New Roman" panose="02020603050405020304" pitchFamily="18" charset="0"/>
+                            </a:rPr>
+                            <m:t>−</m:t>
+                          </m:r>
+                          <m:r>
+                            <a:rPr lang="en-US" b="1" i="1">
+                              <a:solidFill>
+                                <a:schemeClr val="accent1">
+                                  <a:lumMod val="75000"/>
+                                </a:schemeClr>
+                              </a:solidFill>
+                              <a:latin typeface="Cambria Math" panose="02040503050406030204" pitchFamily="18" charset="0"/>
+                              <a:ea typeface="Cambria" panose="02040503050406030204" pitchFamily="18" charset="0"/>
+                              <a:cs typeface="Times New Roman" panose="02020603050405020304" pitchFamily="18" charset="0"/>
+                            </a:rPr>
+                            <m:t>𝑽</m:t>
+                          </m:r>
+                        </m:e>
+                        <m:sub>
+                          <m:r>
+                            <a:rPr lang="en-US" b="1" i="1">
+                              <a:solidFill>
+                                <a:schemeClr val="accent1">
+                                  <a:lumMod val="75000"/>
+                                </a:schemeClr>
+                              </a:solidFill>
+                              <a:latin typeface="Cambria Math" panose="02040503050406030204" pitchFamily="18" charset="0"/>
+                              <a:ea typeface="Cambria" panose="02040503050406030204" pitchFamily="18" charset="0"/>
+                              <a:cs typeface="Times New Roman" panose="02020603050405020304" pitchFamily="18" charset="0"/>
+                            </a:rPr>
+                            <m:t>𝒎</m:t>
+                          </m:r>
+                        </m:sub>
+                      </m:sSub>
+                    </m:oMath>
+                  </m:oMathPara>
+                </a14:m>
+                <a:endParaRPr lang="en-IN" b="1" i="1" dirty="0">
+                  <a:latin typeface="Times New Roman" panose="02020603050405020304" pitchFamily="18" charset="0"/>
+                  <a:ea typeface="Cambria" panose="02040503050406030204" pitchFamily="18" charset="0"/>
+                  <a:cs typeface="Times New Roman" panose="02020603050405020304" pitchFamily="18" charset="0"/>
+                </a:endParaRPr>
+              </a:p>
+            </p:txBody>
+          </p:sp>
+        </mc:Choice>
+        <mc:Fallback>
+          <p:sp>
+            <p:nvSpPr>
+              <p:cNvPr id="24" name="TextBox 23">
+                <a:extLst>
+                  <a:ext uri="{FF2B5EF4-FFF2-40B4-BE49-F238E27FC236}">
+                    <a16:creationId xmlns:a16="http://schemas.microsoft.com/office/drawing/2014/main" id="{DA0C4CBE-EAD6-B8D0-A518-401684F5781E}"/>
+                  </a:ext>
+                </a:extLst>
+              </p:cNvPr>
+              <p:cNvSpPr txBox="1">
+                <a:spLocks noRot="1" noChangeAspect="1" noMove="1" noResize="1" noEditPoints="1" noAdjustHandles="1" noChangeArrowheads="1" noChangeShapeType="1" noTextEdit="1"/>
+              </p:cNvSpPr>
+              <p:nvPr/>
+            </p:nvSpPr>
+            <p:spPr>
+              <a:xfrm>
+                <a:off x="466450" y="4922083"/>
+                <a:ext cx="498212" cy="369332"/>
+              </a:xfrm>
+              <a:prstGeom prst="rect">
+                <a:avLst/>
+              </a:prstGeom>
+              <a:blipFill>
+                <a:blip r:embed="rId6"/>
+                <a:stretch>
+                  <a:fillRect l="-12346" r="-2469"/>
+                </a:stretch>
+              </a:blipFill>
+            </p:spPr>
+            <p:txBody>
+              <a:bodyPr/>
+              <a:lstStyle/>
+              <a:p>
+                <a:r>
+                  <a:rPr lang="en-IN">
+                    <a:noFill/>
+                  </a:rPr>
+                  <a:t> </a:t>
+                </a:r>
+              </a:p>
+            </p:txBody>
+          </p:sp>
+        </mc:Fallback>
+      </mc:AlternateContent>
+      <p:sp>
+        <p:nvSpPr>
+          <p:cNvPr id="28" name="Freeform: Shape 27">
+            <a:extLst>
+              <a:ext uri="{FF2B5EF4-FFF2-40B4-BE49-F238E27FC236}">
+                <a16:creationId xmlns:a16="http://schemas.microsoft.com/office/drawing/2014/main" id="{93BB1686-B3F7-1947-5BDF-C24AF37E0187}"/>
+              </a:ext>
+            </a:extLst>
+          </p:cNvPr>
+          <p:cNvSpPr/>
+          <p:nvPr/>
+        </p:nvSpPr>
+        <p:spPr>
+          <a:xfrm flipV="1">
+            <a:off x="3329655" y="3876412"/>
+            <a:ext cx="2348399" cy="1245507"/>
+          </a:xfrm>
+          <a:custGeom>
+            <a:avLst/>
+            <a:gdLst>
+              <a:gd name="connsiteX0" fmla="*/ 0 w 4320073"/>
+              <a:gd name="connsiteY0" fmla="*/ 2164702 h 2164702"/>
+              <a:gd name="connsiteX1" fmla="*/ 2174032 w 4320073"/>
+              <a:gd name="connsiteY1" fmla="*/ 0 h 2164702"/>
+              <a:gd name="connsiteX2" fmla="*/ 4320073 w 4320073"/>
+              <a:gd name="connsiteY2" fmla="*/ 2164702 h 2164702"/>
+              <a:gd name="connsiteX3" fmla="*/ 4320073 w 4320073"/>
+              <a:gd name="connsiteY3" fmla="*/ 2164702 h 2164702"/>
+            </a:gdLst>
+            <a:ahLst/>
+            <a:cxnLst>
+              <a:cxn ang="0">
+                <a:pos x="connsiteX0" y="connsiteY0"/>
+              </a:cxn>
+              <a:cxn ang="0">
+                <a:pos x="connsiteX1" y="connsiteY1"/>
+              </a:cxn>
+              <a:cxn ang="0">
+                <a:pos x="connsiteX2" y="connsiteY2"/>
+              </a:cxn>
+              <a:cxn ang="0">
+                <a:pos x="connsiteX3" y="connsiteY3"/>
+              </a:cxn>
+            </a:cxnLst>
+            <a:rect l="l" t="t" r="r" b="b"/>
+            <a:pathLst>
+              <a:path w="4320073" h="2164702">
+                <a:moveTo>
+                  <a:pt x="0" y="2164702"/>
+                </a:moveTo>
+                <a:cubicBezTo>
+                  <a:pt x="727010" y="1082351"/>
+                  <a:pt x="1454020" y="0"/>
+                  <a:pt x="2174032" y="0"/>
+                </a:cubicBezTo>
+                <a:cubicBezTo>
+                  <a:pt x="2894044" y="0"/>
+                  <a:pt x="4320073" y="2164702"/>
+                  <a:pt x="4320073" y="2164702"/>
+                </a:cubicBezTo>
+                <a:lnTo>
+                  <a:pt x="4320073" y="2164702"/>
+                </a:lnTo>
+              </a:path>
+            </a:pathLst>
+          </a:custGeom>
+          <a:solidFill>
+            <a:schemeClr val="accent1">
+              <a:lumMod val="20000"/>
+              <a:lumOff val="80000"/>
+            </a:schemeClr>
+          </a:solidFill>
+          <a:ln w="38100">
+            <a:solidFill>
+              <a:schemeClr val="accent1">
+                <a:lumMod val="75000"/>
+              </a:schemeClr>
+            </a:solidFill>
+          </a:ln>
+        </p:spPr>
+        <p:style>
+          <a:lnRef idx="1">
+            <a:schemeClr val="accent5"/>
+          </a:lnRef>
+          <a:fillRef idx="0">
+            <a:schemeClr val="accent5"/>
+          </a:fillRef>
+          <a:effectRef idx="0">
+            <a:schemeClr val="accent5"/>
+          </a:effectRef>
+          <a:fontRef idx="minor">
+            <a:schemeClr val="tx1"/>
+          </a:fontRef>
+        </p:style>
+        <p:txBody>
+          <a:bodyPr wrap="square" rtlCol="0" anchor="ctr">
+            <a:noAutofit/>
+          </a:bodyPr>
+          <a:lstStyle/>
+          <a:p>
+            <a:pPr algn="ctr"/>
+            <a:endParaRPr lang="en-IN" sz="1063"/>
+          </a:p>
+        </p:txBody>
+      </p:sp>
+      <mc:AlternateContent xmlns:mc="http://schemas.openxmlformats.org/markup-compatibility/2006">
+        <mc:Choice xmlns:a14="http://schemas.microsoft.com/office/drawing/2010/main" Requires="a14">
+          <p:sp>
+            <p:nvSpPr>
+              <p:cNvPr id="12" name="TextBox 11">
+                <a:extLst>
+                  <a:ext uri="{FF2B5EF4-FFF2-40B4-BE49-F238E27FC236}">
+                    <a16:creationId xmlns:a16="http://schemas.microsoft.com/office/drawing/2014/main" id="{32EDDD5D-3C0E-B012-23A9-ADA32B7A7713}"/>
+                  </a:ext>
+                </a:extLst>
+              </p:cNvPr>
+              <p:cNvSpPr txBox="1"/>
+              <p:nvPr/>
+            </p:nvSpPr>
+            <p:spPr>
+              <a:xfrm>
+                <a:off x="3709633" y="3887765"/>
+                <a:ext cx="691180" cy="369332"/>
+              </a:xfrm>
+              <a:prstGeom prst="rect">
+                <a:avLst/>
+              </a:prstGeom>
+              <a:noFill/>
+            </p:spPr>
+            <p:txBody>
+              <a:bodyPr wrap="square" rtlCol="0">
+                <a:spAutoFit/>
+              </a:bodyPr>
+              <a:lstStyle/>
+              <a:p>
+                <a:pPr algn="ctr"/>
+                <a:r>
+                  <a:rPr lang="el-GR" b="1" i="1" dirty="0">
+                    <a:latin typeface="Times New Roman" panose="02020603050405020304" pitchFamily="18" charset="0"/>
+                    <a:ea typeface="Cambria" panose="02040503050406030204" pitchFamily="18" charset="0"/>
+                    <a:cs typeface="Times New Roman" panose="02020603050405020304" pitchFamily="18" charset="0"/>
+                  </a:rPr>
+                  <a:t>π</a:t>
+                </a:r>
+                <a:r>
+                  <a:rPr lang="en-US" b="1" i="1" dirty="0">
+                    <a:latin typeface="Times New Roman" panose="02020603050405020304" pitchFamily="18" charset="0"/>
+                    <a:ea typeface="Cambria" panose="02040503050406030204" pitchFamily="18" charset="0"/>
+                    <a:cs typeface="Times New Roman" panose="02020603050405020304" pitchFamily="18" charset="0"/>
+                  </a:rPr>
+                  <a:t>+</a:t>
+                </a:r>
+                <a:r>
+                  <a:rPr lang="el-GR" b="1" dirty="0">
+                    <a:ea typeface="Cambria" panose="02040503050406030204" pitchFamily="18" charset="0"/>
+                    <a:cs typeface="Times New Roman" panose="02020603050405020304" pitchFamily="18" charset="0"/>
+                  </a:rPr>
+                  <a:t> </a:t>
+                </a:r>
+                <a14:m>
+                  <m:oMath xmlns:m="http://schemas.openxmlformats.org/officeDocument/2006/math">
+                    <m:r>
+                      <a:rPr lang="el-GR" b="1" i="1">
+                        <a:latin typeface="Cambria Math" panose="02040503050406030204" pitchFamily="18" charset="0"/>
+                        <a:ea typeface="Cambria" panose="02040503050406030204" pitchFamily="18" charset="0"/>
+                        <a:cs typeface="Times New Roman" panose="02020603050405020304" pitchFamily="18" charset="0"/>
+                      </a:rPr>
+                      <m:t>𝜶</m:t>
+                    </m:r>
+                  </m:oMath>
+                </a14:m>
+                <a:endParaRPr lang="en-IN" b="1" i="1" dirty="0">
+                  <a:latin typeface="Times New Roman" panose="02020603050405020304" pitchFamily="18" charset="0"/>
+                  <a:ea typeface="Cambria" panose="02040503050406030204" pitchFamily="18" charset="0"/>
+                  <a:cs typeface="Times New Roman" panose="02020603050405020304" pitchFamily="18" charset="0"/>
+                </a:endParaRPr>
+              </a:p>
+            </p:txBody>
+          </p:sp>
+        </mc:Choice>
+        <mc:Fallback>
+          <p:sp>
+            <p:nvSpPr>
+              <p:cNvPr id="12" name="TextBox 11">
+                <a:extLst>
+                  <a:ext uri="{FF2B5EF4-FFF2-40B4-BE49-F238E27FC236}">
+                    <a16:creationId xmlns:a16="http://schemas.microsoft.com/office/drawing/2014/main" id="{32EDDD5D-3C0E-B012-23A9-ADA32B7A7713}"/>
+                  </a:ext>
+                </a:extLst>
+              </p:cNvPr>
+              <p:cNvSpPr txBox="1">
+                <a:spLocks noRot="1" noChangeAspect="1" noMove="1" noResize="1" noEditPoints="1" noAdjustHandles="1" noChangeArrowheads="1" noChangeShapeType="1" noTextEdit="1"/>
+              </p:cNvSpPr>
+              <p:nvPr/>
+            </p:nvSpPr>
+            <p:spPr>
+              <a:xfrm>
+                <a:off x="3709633" y="3887765"/>
+                <a:ext cx="691180" cy="369332"/>
+              </a:xfrm>
+              <a:prstGeom prst="rect">
+                <a:avLst/>
+              </a:prstGeom>
+              <a:blipFill>
+                <a:blip r:embed="rId7"/>
+                <a:stretch>
+                  <a:fillRect l="-5310" t="-11667" b="-25000"/>
+                </a:stretch>
+              </a:blipFill>
+            </p:spPr>
+            <p:txBody>
+              <a:bodyPr/>
+              <a:lstStyle/>
+              <a:p>
+                <a:r>
+                  <a:rPr lang="en-IN">
+                    <a:noFill/>
+                  </a:rPr>
+                  <a:t> </a:t>
+                </a:r>
+              </a:p>
+            </p:txBody>
+          </p:sp>
+        </mc:Fallback>
+      </mc:AlternateContent>
+      <p:cxnSp>
+        <p:nvCxnSpPr>
+          <p:cNvPr id="3" name="Straight Connector 2">
+            <a:extLst>
+              <a:ext uri="{FF2B5EF4-FFF2-40B4-BE49-F238E27FC236}">
+                <a16:creationId xmlns:a16="http://schemas.microsoft.com/office/drawing/2014/main" id="{116F70DA-8C1D-884F-281E-5E0109AD3619}"/>
+              </a:ext>
+            </a:extLst>
+          </p:cNvPr>
+          <p:cNvCxnSpPr>
+            <a:cxnSpLocks/>
+          </p:cNvCxnSpPr>
+          <p:nvPr/>
+        </p:nvCxnSpPr>
+        <p:spPr>
+          <a:xfrm>
+            <a:off x="4019825" y="3860987"/>
+            <a:ext cx="0" cy="86930"/>
+          </a:xfrm>
+          <a:prstGeom prst="line">
+            <a:avLst/>
+          </a:prstGeom>
+          <a:ln w="38100">
+            <a:solidFill>
+              <a:schemeClr val="tx1"/>
+            </a:solidFill>
+          </a:ln>
+        </p:spPr>
+        <p:style>
+          <a:lnRef idx="1">
+            <a:schemeClr val="accent1"/>
+          </a:lnRef>
+          <a:fillRef idx="0">
+            <a:schemeClr val="accent1"/>
+          </a:fillRef>
+          <a:effectRef idx="0">
+            <a:schemeClr val="accent1"/>
+          </a:effectRef>
+          <a:fontRef idx="minor">
+            <a:schemeClr val="tx1"/>
+          </a:fontRef>
+        </p:style>
+      </p:cxnSp>
+    </p:spTree>
+    <p:extLst>
+      <p:ext uri="{BB962C8B-B14F-4D97-AF65-F5344CB8AC3E}">
+        <p14:creationId xmlns:p14="http://schemas.microsoft.com/office/powerpoint/2010/main" val="3305885881"/>
+      </p:ext>
+    </p:extLst>
+  </p:cSld>
+  <p:clrMapOvr>
+    <a:masterClrMapping/>
+  </p:clrMapOvr>
+</p:sld>
+</file>
+
+<file path=ppt/slides/slide11.xml><?xml version="1.0" encoding="utf-8"?>
+<p:sld xmlns:a="http://schemas.openxmlformats.org/drawingml/2006/main" xmlns:r="http://schemas.openxmlformats.org/officeDocument/2006/relationships" xmlns:p="http://schemas.openxmlformats.org/presentationml/2006/main">
+  <p:cSld>
+    <p:spTree>
+      <p:nvGrpSpPr>
+        <p:cNvPr id="1" name=""/>
+        <p:cNvGrpSpPr/>
+        <p:nvPr/>
+      </p:nvGrpSpPr>
+      <p:grpSpPr>
+        <a:xfrm>
+          <a:off x="0" y="0"/>
+          <a:ext cx="0" cy="0"/>
+          <a:chOff x="0" y="0"/>
+          <a:chExt cx="0" cy="0"/>
+        </a:xfrm>
+      </p:grpSpPr>
+      <p:grpSp>
+        <p:nvGrpSpPr>
+          <p:cNvPr id="26" name="Group 25">
+            <a:extLst>
+              <a:ext uri="{FF2B5EF4-FFF2-40B4-BE49-F238E27FC236}">
+                <a16:creationId xmlns:a16="http://schemas.microsoft.com/office/drawing/2014/main" id="{A31E0361-6A62-0151-F2EE-048A428CBADD}"/>
+              </a:ext>
+            </a:extLst>
+          </p:cNvPr>
+          <p:cNvGrpSpPr/>
+          <p:nvPr/>
+        </p:nvGrpSpPr>
+        <p:grpSpPr>
+          <a:xfrm>
+            <a:off x="387653" y="1778707"/>
+            <a:ext cx="6587599" cy="3537213"/>
+            <a:chOff x="-36784" y="467392"/>
+            <a:chExt cx="12131752" cy="6213326"/>
+          </a:xfrm>
+        </p:grpSpPr>
+        <p:cxnSp>
+          <p:nvCxnSpPr>
+            <p:cNvPr id="4" name="Straight Connector 3">
+              <a:extLst>
+                <a:ext uri="{FF2B5EF4-FFF2-40B4-BE49-F238E27FC236}">
+                  <a16:creationId xmlns:a16="http://schemas.microsoft.com/office/drawing/2014/main" id="{42AB1886-6AF8-309C-656D-EC920DC5DF3C}"/>
+                </a:ext>
+              </a:extLst>
+            </p:cNvPr>
+            <p:cNvCxnSpPr>
+              <a:cxnSpLocks/>
+            </p:cNvCxnSpPr>
+            <p:nvPr/>
+          </p:nvCxnSpPr>
+          <p:spPr>
+            <a:xfrm flipV="1">
+              <a:off x="1073014" y="1045029"/>
+              <a:ext cx="1" cy="5635689"/>
+            </a:xfrm>
+            <a:prstGeom prst="line">
+              <a:avLst/>
+            </a:prstGeom>
+            <a:ln w="38100" cap="flat" cmpd="sng" algn="ctr">
+              <a:solidFill>
+                <a:schemeClr val="dk1"/>
+              </a:solidFill>
+              <a:prstDash val="solid"/>
+              <a:round/>
+              <a:headEnd type="arrow" w="med" len="med"/>
+              <a:tailEnd type="arrow" w="med" len="med"/>
+            </a:ln>
+          </p:spPr>
+          <p:style>
+            <a:lnRef idx="0">
+              <a:scrgbClr r="0" g="0" b="0"/>
+            </a:lnRef>
+            <a:fillRef idx="0">
+              <a:scrgbClr r="0" g="0" b="0"/>
+            </a:fillRef>
+            <a:effectRef idx="0">
+              <a:scrgbClr r="0" g="0" b="0"/>
+            </a:effectRef>
+            <a:fontRef idx="minor">
+              <a:schemeClr val="tx1"/>
+            </a:fontRef>
+          </p:style>
+        </p:cxnSp>
+        <p:sp>
+          <p:nvSpPr>
+            <p:cNvPr id="5" name="Freeform: Shape 4">
+              <a:extLst>
+                <a:ext uri="{FF2B5EF4-FFF2-40B4-BE49-F238E27FC236}">
+                  <a16:creationId xmlns:a16="http://schemas.microsoft.com/office/drawing/2014/main" id="{C5F9C19B-93E5-7115-9465-27ECCF1BAD98}"/>
+                </a:ext>
+              </a:extLst>
+            </p:cNvPr>
+            <p:cNvSpPr/>
+            <p:nvPr/>
+          </p:nvSpPr>
+          <p:spPr>
+            <a:xfrm>
+              <a:off x="2490250" y="1984259"/>
+              <a:ext cx="2892490" cy="2164703"/>
+            </a:xfrm>
+            <a:custGeom>
+              <a:avLst/>
+              <a:gdLst>
+                <a:gd name="connsiteX0" fmla="*/ 727788 w 2892490"/>
+                <a:gd name="connsiteY0" fmla="*/ 1 h 2164703"/>
+                <a:gd name="connsiteX1" fmla="*/ 2892490 w 2892490"/>
+                <a:gd name="connsiteY1" fmla="*/ 2164703 h 2164703"/>
+                <a:gd name="connsiteX2" fmla="*/ 0 w 2892490"/>
+                <a:gd name="connsiteY2" fmla="*/ 2158456 h 2164703"/>
+                <a:gd name="connsiteX3" fmla="*/ 0 w 2892490"/>
+                <a:gd name="connsiteY3" fmla="*/ 327532 h 2164703"/>
+                <a:gd name="connsiteX4" fmla="*/ 53389 w 2892490"/>
+                <a:gd name="connsiteY4" fmla="*/ 281995 h 2164703"/>
+                <a:gd name="connsiteX5" fmla="*/ 727788 w 2892490"/>
+                <a:gd name="connsiteY5" fmla="*/ 1 h 2164703"/>
+              </a:gdLst>
+              <a:ahLst/>
+              <a:cxnLst>
+                <a:cxn ang="0">
+                  <a:pos x="connsiteX0" y="connsiteY0"/>
+                </a:cxn>
+                <a:cxn ang="0">
+                  <a:pos x="connsiteX1" y="connsiteY1"/>
+                </a:cxn>
+                <a:cxn ang="0">
+                  <a:pos x="connsiteX2" y="connsiteY2"/>
+                </a:cxn>
+                <a:cxn ang="0">
+                  <a:pos x="connsiteX3" y="connsiteY3"/>
+                </a:cxn>
+                <a:cxn ang="0">
+                  <a:pos x="connsiteX4" y="connsiteY4"/>
+                </a:cxn>
+                <a:cxn ang="0">
+                  <a:pos x="connsiteX5" y="connsiteY5"/>
+                </a:cxn>
+              </a:cxnLst>
+              <a:rect l="l" t="t" r="r" b="b"/>
+              <a:pathLst>
+                <a:path w="2892490" h="2164703">
+                  <a:moveTo>
+                    <a:pt x="727788" y="1"/>
+                  </a:moveTo>
+                  <a:cubicBezTo>
+                    <a:pt x="1447800" y="1556"/>
+                    <a:pt x="2170145" y="1083129"/>
+                    <a:pt x="2892490" y="2164703"/>
+                  </a:cubicBezTo>
+                  <a:lnTo>
+                    <a:pt x="0" y="2158456"/>
+                  </a:lnTo>
+                  <a:lnTo>
+                    <a:pt x="0" y="327532"/>
+                  </a:lnTo>
+                  <a:lnTo>
+                    <a:pt x="53389" y="281995"/>
+                  </a:lnTo>
+                  <a:cubicBezTo>
+                    <a:pt x="278008" y="104500"/>
+                    <a:pt x="502784" y="-485"/>
+                    <a:pt x="727788" y="1"/>
+                  </a:cubicBezTo>
+                  <a:close/>
+                </a:path>
+              </a:pathLst>
+            </a:custGeom>
+            <a:solidFill>
+              <a:schemeClr val="accent1">
+                <a:lumMod val="20000"/>
+                <a:lumOff val="80000"/>
+              </a:schemeClr>
+            </a:solidFill>
+            <a:ln w="38100">
+              <a:solidFill>
+                <a:schemeClr val="accent1">
+                  <a:lumMod val="75000"/>
+                </a:schemeClr>
+              </a:solidFill>
+            </a:ln>
+          </p:spPr>
+          <p:style>
+            <a:lnRef idx="1">
+              <a:schemeClr val="accent5"/>
+            </a:lnRef>
+            <a:fillRef idx="0">
+              <a:schemeClr val="accent5"/>
+            </a:fillRef>
+            <a:effectRef idx="0">
+              <a:schemeClr val="accent5"/>
+            </a:effectRef>
+            <a:fontRef idx="minor">
+              <a:schemeClr val="tx1"/>
+            </a:fontRef>
+          </p:style>
+          <p:txBody>
+            <a:bodyPr wrap="square" rtlCol="0" anchor="ctr">
+              <a:noAutofit/>
+            </a:bodyPr>
+            <a:lstStyle/>
+            <a:p>
+              <a:pPr algn="ctr"/>
+              <a:endParaRPr lang="en-IN" sz="1063"/>
+            </a:p>
+          </p:txBody>
+        </p:sp>
+        <p:sp>
+          <p:nvSpPr>
+            <p:cNvPr id="6" name="Freeform: Shape 5">
+              <a:extLst>
+                <a:ext uri="{FF2B5EF4-FFF2-40B4-BE49-F238E27FC236}">
+                  <a16:creationId xmlns:a16="http://schemas.microsoft.com/office/drawing/2014/main" id="{377DB9D7-9B5E-A3FB-E575-28C2C78C7E6F}"/>
+                </a:ext>
+              </a:extLst>
+            </p:cNvPr>
+            <p:cNvSpPr/>
+            <p:nvPr/>
+          </p:nvSpPr>
+          <p:spPr>
+            <a:xfrm flipV="1">
+              <a:off x="6806689" y="4139729"/>
+              <a:ext cx="2892490" cy="2164703"/>
+            </a:xfrm>
+            <a:custGeom>
+              <a:avLst/>
+              <a:gdLst>
+                <a:gd name="connsiteX0" fmla="*/ 727788 w 2892490"/>
+                <a:gd name="connsiteY0" fmla="*/ 1 h 2164703"/>
+                <a:gd name="connsiteX1" fmla="*/ 2892490 w 2892490"/>
+                <a:gd name="connsiteY1" fmla="*/ 2164703 h 2164703"/>
+                <a:gd name="connsiteX2" fmla="*/ 0 w 2892490"/>
+                <a:gd name="connsiteY2" fmla="*/ 2158456 h 2164703"/>
+                <a:gd name="connsiteX3" fmla="*/ 0 w 2892490"/>
+                <a:gd name="connsiteY3" fmla="*/ 327532 h 2164703"/>
+                <a:gd name="connsiteX4" fmla="*/ 53389 w 2892490"/>
+                <a:gd name="connsiteY4" fmla="*/ 281995 h 2164703"/>
+                <a:gd name="connsiteX5" fmla="*/ 727788 w 2892490"/>
+                <a:gd name="connsiteY5" fmla="*/ 1 h 2164703"/>
+              </a:gdLst>
+              <a:ahLst/>
+              <a:cxnLst>
+                <a:cxn ang="0">
+                  <a:pos x="connsiteX0" y="connsiteY0"/>
+                </a:cxn>
+                <a:cxn ang="0">
+                  <a:pos x="connsiteX1" y="connsiteY1"/>
+                </a:cxn>
+                <a:cxn ang="0">
+                  <a:pos x="connsiteX2" y="connsiteY2"/>
+                </a:cxn>
+                <a:cxn ang="0">
+                  <a:pos x="connsiteX3" y="connsiteY3"/>
+                </a:cxn>
+                <a:cxn ang="0">
+                  <a:pos x="connsiteX4" y="connsiteY4"/>
+                </a:cxn>
+                <a:cxn ang="0">
+                  <a:pos x="connsiteX5" y="connsiteY5"/>
+                </a:cxn>
+              </a:cxnLst>
+              <a:rect l="l" t="t" r="r" b="b"/>
+              <a:pathLst>
+                <a:path w="2892490" h="2164703">
+                  <a:moveTo>
+                    <a:pt x="727788" y="1"/>
+                  </a:moveTo>
+                  <a:cubicBezTo>
+                    <a:pt x="1447800" y="1556"/>
+                    <a:pt x="2170145" y="1083129"/>
+                    <a:pt x="2892490" y="2164703"/>
+                  </a:cubicBezTo>
+                  <a:lnTo>
+                    <a:pt x="0" y="2158456"/>
+                  </a:lnTo>
+                  <a:lnTo>
+                    <a:pt x="0" y="327532"/>
+                  </a:lnTo>
+                  <a:lnTo>
+                    <a:pt x="53389" y="281995"/>
+                  </a:lnTo>
+                  <a:cubicBezTo>
+                    <a:pt x="278008" y="104500"/>
+                    <a:pt x="502784" y="-485"/>
+                    <a:pt x="727788" y="1"/>
+                  </a:cubicBezTo>
+                  <a:close/>
+                </a:path>
+              </a:pathLst>
+            </a:custGeom>
+            <a:solidFill>
+              <a:schemeClr val="accent1">
+                <a:lumMod val="20000"/>
+                <a:lumOff val="80000"/>
+              </a:schemeClr>
+            </a:solidFill>
+            <a:ln w="38100">
+              <a:solidFill>
+                <a:schemeClr val="accent1">
+                  <a:lumMod val="75000"/>
+                </a:schemeClr>
+              </a:solidFill>
+            </a:ln>
+          </p:spPr>
+          <p:style>
+            <a:lnRef idx="1">
+              <a:schemeClr val="accent5"/>
+            </a:lnRef>
+            <a:fillRef idx="0">
+              <a:schemeClr val="accent5"/>
+            </a:fillRef>
+            <a:effectRef idx="0">
+              <a:schemeClr val="accent5"/>
+            </a:effectRef>
+            <a:fontRef idx="minor">
+              <a:schemeClr val="tx1"/>
+            </a:fontRef>
+          </p:style>
+          <p:txBody>
+            <a:bodyPr wrap="square" rtlCol="0" anchor="ctr">
+              <a:noAutofit/>
+            </a:bodyPr>
+            <a:lstStyle/>
+            <a:p>
+              <a:pPr algn="ctr"/>
+              <a:endParaRPr lang="en-IN" sz="1063"/>
+            </a:p>
+          </p:txBody>
+        </p:sp>
+        <p:cxnSp>
+          <p:nvCxnSpPr>
+            <p:cNvPr id="7" name="Straight Connector 6">
+              <a:extLst>
+                <a:ext uri="{FF2B5EF4-FFF2-40B4-BE49-F238E27FC236}">
+                  <a16:creationId xmlns:a16="http://schemas.microsoft.com/office/drawing/2014/main" id="{671B3DF7-1A00-69C1-3F05-2395A0661A31}"/>
+                </a:ext>
+              </a:extLst>
+            </p:cNvPr>
+            <p:cNvCxnSpPr>
+              <a:cxnSpLocks/>
+            </p:cNvCxnSpPr>
+            <p:nvPr/>
+          </p:nvCxnSpPr>
+          <p:spPr>
+            <a:xfrm flipH="1" flipV="1">
+              <a:off x="503853" y="4148158"/>
+              <a:ext cx="10940071" cy="804"/>
+            </a:xfrm>
+            <a:prstGeom prst="line">
+              <a:avLst/>
+            </a:prstGeom>
+            <a:ln w="38100" cap="flat" cmpd="sng" algn="ctr">
+              <a:solidFill>
+                <a:schemeClr val="dk1"/>
+              </a:solidFill>
+              <a:prstDash val="solid"/>
+              <a:round/>
+              <a:headEnd type="arrow" w="med" len="med"/>
+              <a:tailEnd type="arrow" w="med" len="med"/>
+            </a:ln>
+          </p:spPr>
+          <p:style>
+            <a:lnRef idx="0">
+              <a:scrgbClr r="0" g="0" b="0"/>
+            </a:lnRef>
+            <a:fillRef idx="0">
+              <a:scrgbClr r="0" g="0" b="0"/>
+            </a:fillRef>
+            <a:effectRef idx="0">
+              <a:scrgbClr r="0" g="0" b="0"/>
+            </a:effectRef>
+            <a:fontRef idx="minor">
+              <a:schemeClr val="tx1"/>
+            </a:fontRef>
+          </p:style>
+        </p:cxnSp>
+        <p:sp>
+          <p:nvSpPr>
+            <p:cNvPr id="8" name="TextBox 7">
+              <a:extLst>
+                <a:ext uri="{FF2B5EF4-FFF2-40B4-BE49-F238E27FC236}">
+                  <a16:creationId xmlns:a16="http://schemas.microsoft.com/office/drawing/2014/main" id="{7F7BEA9D-7959-89D0-C94E-17B34D010098}"/>
+                </a:ext>
+              </a:extLst>
+            </p:cNvPr>
+            <p:cNvSpPr txBox="1"/>
+            <p:nvPr/>
+          </p:nvSpPr>
+          <p:spPr>
+            <a:xfrm>
+              <a:off x="9456584" y="4156586"/>
+              <a:ext cx="917509" cy="648754"/>
+            </a:xfrm>
+            <a:prstGeom prst="rect">
+              <a:avLst/>
+            </a:prstGeom>
+            <a:noFill/>
+          </p:spPr>
+          <p:txBody>
+            <a:bodyPr wrap="square" rtlCol="0">
+              <a:spAutoFit/>
+            </a:bodyPr>
+            <a:lstStyle/>
+            <a:p>
+              <a:pPr algn="ctr"/>
+              <a:r>
+                <a:rPr lang="en-US" b="1" i="1" dirty="0">
+                  <a:latin typeface="Times New Roman" panose="02020603050405020304" pitchFamily="18" charset="0"/>
+                  <a:ea typeface="Cambria" panose="02040503050406030204" pitchFamily="18" charset="0"/>
+                  <a:cs typeface="Times New Roman" panose="02020603050405020304" pitchFamily="18" charset="0"/>
+                </a:rPr>
+                <a:t>2</a:t>
+              </a:r>
+              <a:r>
+                <a:rPr lang="el-GR" b="1" i="1" dirty="0">
+                  <a:latin typeface="Times New Roman" panose="02020603050405020304" pitchFamily="18" charset="0"/>
+                  <a:ea typeface="Cambria" panose="02040503050406030204" pitchFamily="18" charset="0"/>
+                  <a:cs typeface="Times New Roman" panose="02020603050405020304" pitchFamily="18" charset="0"/>
+                </a:rPr>
+                <a:t>π</a:t>
+              </a:r>
+              <a:endParaRPr lang="en-IN" b="1" i="1" dirty="0">
+                <a:latin typeface="Times New Roman" panose="02020603050405020304" pitchFamily="18" charset="0"/>
+                <a:ea typeface="Cambria" panose="02040503050406030204" pitchFamily="18" charset="0"/>
+                <a:cs typeface="Times New Roman" panose="02020603050405020304" pitchFamily="18" charset="0"/>
+              </a:endParaRPr>
+            </a:p>
+          </p:txBody>
+        </p:sp>
+        <p:sp>
+          <p:nvSpPr>
+            <p:cNvPr id="9" name="TextBox 8">
+              <a:extLst>
+                <a:ext uri="{FF2B5EF4-FFF2-40B4-BE49-F238E27FC236}">
+                  <a16:creationId xmlns:a16="http://schemas.microsoft.com/office/drawing/2014/main" id="{3081F9DC-4C3F-2FF9-A122-CF181AF822A4}"/>
+                </a:ext>
+              </a:extLst>
+            </p:cNvPr>
+            <p:cNvSpPr txBox="1"/>
+            <p:nvPr/>
+          </p:nvSpPr>
+          <p:spPr>
+            <a:xfrm>
+              <a:off x="4882000" y="4115501"/>
+              <a:ext cx="917509" cy="648754"/>
+            </a:xfrm>
+            <a:prstGeom prst="rect">
+              <a:avLst/>
+            </a:prstGeom>
+            <a:noFill/>
+          </p:spPr>
+          <p:txBody>
+            <a:bodyPr wrap="square" rtlCol="0">
+              <a:spAutoFit/>
+            </a:bodyPr>
+            <a:lstStyle/>
+            <a:p>
+              <a:pPr algn="ctr"/>
+              <a:r>
+                <a:rPr lang="el-GR" b="1" i="1" dirty="0">
+                  <a:latin typeface="Times New Roman" panose="02020603050405020304" pitchFamily="18" charset="0"/>
+                  <a:ea typeface="Cambria" panose="02040503050406030204" pitchFamily="18" charset="0"/>
+                  <a:cs typeface="Times New Roman" panose="02020603050405020304" pitchFamily="18" charset="0"/>
+                </a:rPr>
+                <a:t>π</a:t>
+              </a:r>
+              <a:endParaRPr lang="en-IN" b="1" i="1" dirty="0">
+                <a:latin typeface="Times New Roman" panose="02020603050405020304" pitchFamily="18" charset="0"/>
+                <a:ea typeface="Cambria" panose="02040503050406030204" pitchFamily="18" charset="0"/>
+                <a:cs typeface="Times New Roman" panose="02020603050405020304" pitchFamily="18" charset="0"/>
+              </a:endParaRPr>
+            </a:p>
+          </p:txBody>
+        </p:sp>
+        <p:sp>
+          <p:nvSpPr>
+            <p:cNvPr id="10" name="TextBox 9">
+              <a:extLst>
+                <a:ext uri="{FF2B5EF4-FFF2-40B4-BE49-F238E27FC236}">
+                  <a16:creationId xmlns:a16="http://schemas.microsoft.com/office/drawing/2014/main" id="{92AB86F2-E31C-B969-B4D0-4B81884A8D6F}"/>
+                </a:ext>
+              </a:extLst>
+            </p:cNvPr>
+            <p:cNvSpPr txBox="1"/>
+            <p:nvPr/>
+          </p:nvSpPr>
+          <p:spPr>
+            <a:xfrm>
+              <a:off x="421971" y="4116441"/>
+              <a:ext cx="917509" cy="648754"/>
+            </a:xfrm>
+            <a:prstGeom prst="rect">
+              <a:avLst/>
+            </a:prstGeom>
+            <a:noFill/>
+          </p:spPr>
+          <p:txBody>
+            <a:bodyPr wrap="square" rtlCol="0">
+              <a:spAutoFit/>
+            </a:bodyPr>
+            <a:lstStyle/>
+            <a:p>
+              <a:pPr algn="ctr"/>
+              <a:r>
+                <a:rPr lang="en-US" b="1" i="1" dirty="0">
+                  <a:latin typeface="Times New Roman" panose="02020603050405020304" pitchFamily="18" charset="0"/>
+                  <a:ea typeface="Cambria" panose="02040503050406030204" pitchFamily="18" charset="0"/>
+                  <a:cs typeface="Times New Roman" panose="02020603050405020304" pitchFamily="18" charset="0"/>
+                </a:rPr>
+                <a:t>0</a:t>
+              </a:r>
+              <a:endParaRPr lang="en-IN" b="1" i="1" dirty="0">
+                <a:latin typeface="Times New Roman" panose="02020603050405020304" pitchFamily="18" charset="0"/>
+                <a:ea typeface="Cambria" panose="02040503050406030204" pitchFamily="18" charset="0"/>
+                <a:cs typeface="Times New Roman" panose="02020603050405020304" pitchFamily="18" charset="0"/>
+              </a:endParaRPr>
+            </a:p>
+          </p:txBody>
+        </p:sp>
+        <mc:AlternateContent xmlns:mc="http://schemas.openxmlformats.org/markup-compatibility/2006">
+          <mc:Choice xmlns:a14="http://schemas.microsoft.com/office/drawing/2010/main" Requires="a14">
+            <p:sp>
+              <p:nvSpPr>
+                <p:cNvPr id="11" name="TextBox 10">
+                  <a:extLst>
+                    <a:ext uri="{FF2B5EF4-FFF2-40B4-BE49-F238E27FC236}">
+                      <a16:creationId xmlns:a16="http://schemas.microsoft.com/office/drawing/2014/main" id="{AAA44488-FC2F-C854-814F-429964638B50}"/>
+                    </a:ext>
+                  </a:extLst>
+                </p:cNvPr>
+                <p:cNvSpPr txBox="1"/>
+                <p:nvPr/>
+              </p:nvSpPr>
+              <p:spPr>
+                <a:xfrm>
+                  <a:off x="2083522" y="4115501"/>
+                  <a:ext cx="834100" cy="648754"/>
+                </a:xfrm>
+                <a:prstGeom prst="rect">
+                  <a:avLst/>
+                </a:prstGeom>
+                <a:noFill/>
+              </p:spPr>
+              <p:txBody>
+                <a:bodyPr wrap="square" rtlCol="0">
+                  <a:spAutoFit/>
+                </a:bodyPr>
+                <a:lstStyle/>
+                <a:p>
+                  <a:pPr algn="ctr"/>
+                  <a14:m>
+                    <m:oMathPara xmlns:m="http://schemas.openxmlformats.org/officeDocument/2006/math">
+                      <m:oMathParaPr>
+                        <m:jc m:val="centerGroup"/>
+                      </m:oMathParaPr>
+                      <m:oMath xmlns:m="http://schemas.openxmlformats.org/officeDocument/2006/math">
+                        <m:r>
+                          <a:rPr lang="el-GR" b="1" i="1">
+                            <a:latin typeface="Cambria Math" panose="02040503050406030204" pitchFamily="18" charset="0"/>
+                            <a:ea typeface="Cambria" panose="02040503050406030204" pitchFamily="18" charset="0"/>
+                            <a:cs typeface="Times New Roman" panose="02020603050405020304" pitchFamily="18" charset="0"/>
+                          </a:rPr>
+                          <m:t>𝜶</m:t>
+                        </m:r>
+                      </m:oMath>
+                    </m:oMathPara>
+                  </a14:m>
+                  <a:endParaRPr lang="en-IN" b="1" i="1" dirty="0">
+                    <a:latin typeface="Times New Roman" panose="02020603050405020304" pitchFamily="18" charset="0"/>
+                    <a:ea typeface="Cambria" panose="02040503050406030204" pitchFamily="18" charset="0"/>
+                    <a:cs typeface="Times New Roman" panose="02020603050405020304" pitchFamily="18" charset="0"/>
+                  </a:endParaRPr>
+                </a:p>
+              </p:txBody>
+            </p:sp>
+          </mc:Choice>
+          <mc:Fallback>
+            <p:sp>
+              <p:nvSpPr>
+                <p:cNvPr id="11" name="TextBox 10">
+                  <a:extLst>
+                    <a:ext uri="{FF2B5EF4-FFF2-40B4-BE49-F238E27FC236}">
+                      <a16:creationId xmlns:a16="http://schemas.microsoft.com/office/drawing/2014/main" id="{AAA44488-FC2F-C854-814F-429964638B50}"/>
+                    </a:ext>
+                  </a:extLst>
+                </p:cNvPr>
+                <p:cNvSpPr txBox="1">
+                  <a:spLocks noRot="1" noChangeAspect="1" noMove="1" noResize="1" noEditPoints="1" noAdjustHandles="1" noChangeArrowheads="1" noChangeShapeType="1" noTextEdit="1"/>
+                </p:cNvSpPr>
+                <p:nvPr/>
+              </p:nvSpPr>
+              <p:spPr>
+                <a:xfrm>
+                  <a:off x="2083522" y="4115501"/>
+                  <a:ext cx="834100" cy="648754"/>
+                </a:xfrm>
+                <a:prstGeom prst="rect">
+                  <a:avLst/>
+                </a:prstGeom>
+                <a:blipFill>
+                  <a:blip r:embed="rId2"/>
+                  <a:stretch>
+                    <a:fillRect/>
+                  </a:stretch>
+                </a:blipFill>
+              </p:spPr>
+              <p:txBody>
+                <a:bodyPr/>
+                <a:lstStyle/>
+                <a:p>
+                  <a:r>
+                    <a:rPr lang="en-IN">
+                      <a:noFill/>
+                    </a:rPr>
+                    <a:t> </a:t>
+                  </a:r>
+                </a:p>
+              </p:txBody>
+            </p:sp>
+          </mc:Fallback>
+        </mc:AlternateContent>
+        <mc:AlternateContent xmlns:mc="http://schemas.openxmlformats.org/markup-compatibility/2006">
+          <mc:Choice xmlns:a14="http://schemas.microsoft.com/office/drawing/2010/main" Requires="a14">
+            <p:sp>
+              <p:nvSpPr>
+                <p:cNvPr id="12" name="TextBox 11">
+                  <a:extLst>
+                    <a:ext uri="{FF2B5EF4-FFF2-40B4-BE49-F238E27FC236}">
+                      <a16:creationId xmlns:a16="http://schemas.microsoft.com/office/drawing/2014/main" id="{32EDDD5D-3C0E-B012-23A9-ADA32B7A7713}"/>
+                    </a:ext>
+                  </a:extLst>
+                </p:cNvPr>
+                <p:cNvSpPr txBox="1"/>
+                <p:nvPr/>
+              </p:nvSpPr>
+              <p:spPr>
+                <a:xfrm>
+                  <a:off x="6186104" y="3538496"/>
+                  <a:ext cx="1440387" cy="648754"/>
+                </a:xfrm>
+                <a:prstGeom prst="rect">
+                  <a:avLst/>
+                </a:prstGeom>
+                <a:noFill/>
+              </p:spPr>
+              <p:txBody>
+                <a:bodyPr wrap="square" rtlCol="0">
+                  <a:spAutoFit/>
+                </a:bodyPr>
+                <a:lstStyle/>
+                <a:p>
+                  <a:pPr algn="ctr"/>
+                  <a:r>
+                    <a:rPr lang="el-GR" b="1" i="1" dirty="0">
+                      <a:latin typeface="Times New Roman" panose="02020603050405020304" pitchFamily="18" charset="0"/>
+                      <a:ea typeface="Cambria" panose="02040503050406030204" pitchFamily="18" charset="0"/>
+                      <a:cs typeface="Times New Roman" panose="02020603050405020304" pitchFamily="18" charset="0"/>
+                    </a:rPr>
+                    <a:t>π</a:t>
+                  </a:r>
+                  <a:r>
+                    <a:rPr lang="en-US" b="1" i="1" dirty="0">
+                      <a:latin typeface="Times New Roman" panose="02020603050405020304" pitchFamily="18" charset="0"/>
+                      <a:ea typeface="Cambria" panose="02040503050406030204" pitchFamily="18" charset="0"/>
+                      <a:cs typeface="Times New Roman" panose="02020603050405020304" pitchFamily="18" charset="0"/>
+                    </a:rPr>
+                    <a:t>+</a:t>
+                  </a:r>
+                  <a:r>
+                    <a:rPr lang="el-GR" b="1" dirty="0">
+                      <a:ea typeface="Cambria" panose="02040503050406030204" pitchFamily="18" charset="0"/>
+                      <a:cs typeface="Times New Roman" panose="02020603050405020304" pitchFamily="18" charset="0"/>
+                    </a:rPr>
+                    <a:t> </a:t>
+                  </a:r>
+                  <a14:m>
+                    <m:oMath xmlns:m="http://schemas.openxmlformats.org/officeDocument/2006/math">
+                      <m:r>
+                        <a:rPr lang="el-GR" b="1" i="1">
+                          <a:latin typeface="Cambria Math" panose="02040503050406030204" pitchFamily="18" charset="0"/>
+                          <a:ea typeface="Cambria" panose="02040503050406030204" pitchFamily="18" charset="0"/>
+                          <a:cs typeface="Times New Roman" panose="02020603050405020304" pitchFamily="18" charset="0"/>
+                        </a:rPr>
+                        <m:t>𝜶</m:t>
+                      </m:r>
+                    </m:oMath>
+                  </a14:m>
+                  <a:endParaRPr lang="en-IN" b="1" i="1" dirty="0">
+                    <a:latin typeface="Times New Roman" panose="02020603050405020304" pitchFamily="18" charset="0"/>
+                    <a:ea typeface="Cambria" panose="02040503050406030204" pitchFamily="18" charset="0"/>
+                    <a:cs typeface="Times New Roman" panose="02020603050405020304" pitchFamily="18" charset="0"/>
+                  </a:endParaRPr>
+                </a:p>
+              </p:txBody>
+            </p:sp>
+          </mc:Choice>
+          <mc:Fallback>
+            <p:sp>
+              <p:nvSpPr>
+                <p:cNvPr id="12" name="TextBox 11">
+                  <a:extLst>
+                    <a:ext uri="{FF2B5EF4-FFF2-40B4-BE49-F238E27FC236}">
+                      <a16:creationId xmlns:a16="http://schemas.microsoft.com/office/drawing/2014/main" id="{32EDDD5D-3C0E-B012-23A9-ADA32B7A7713}"/>
+                    </a:ext>
+                  </a:extLst>
+                </p:cNvPr>
+                <p:cNvSpPr txBox="1">
+                  <a:spLocks noRot="1" noChangeAspect="1" noMove="1" noResize="1" noEditPoints="1" noAdjustHandles="1" noChangeArrowheads="1" noChangeShapeType="1" noTextEdit="1"/>
+                </p:cNvSpPr>
+                <p:nvPr/>
+              </p:nvSpPr>
+              <p:spPr>
+                <a:xfrm>
+                  <a:off x="6186104" y="3538496"/>
+                  <a:ext cx="1440387" cy="648754"/>
+                </a:xfrm>
+                <a:prstGeom prst="rect">
+                  <a:avLst/>
+                </a:prstGeom>
+                <a:blipFill>
+                  <a:blip r:embed="rId3"/>
+                  <a:stretch>
+                    <a:fillRect t="-11667" b="-25000"/>
+                  </a:stretch>
+                </a:blipFill>
+              </p:spPr>
+              <p:txBody>
+                <a:bodyPr/>
+                <a:lstStyle/>
+                <a:p>
+                  <a:r>
+                    <a:rPr lang="en-IN">
+                      <a:noFill/>
+                    </a:rPr>
+                    <a:t> </a:t>
+                  </a:r>
+                </a:p>
+              </p:txBody>
+            </p:sp>
+          </mc:Fallback>
+        </mc:AlternateContent>
+        <p:cxnSp>
+          <p:nvCxnSpPr>
+            <p:cNvPr id="13" name="Straight Connector 12">
+              <a:extLst>
+                <a:ext uri="{FF2B5EF4-FFF2-40B4-BE49-F238E27FC236}">
+                  <a16:creationId xmlns:a16="http://schemas.microsoft.com/office/drawing/2014/main" id="{E855EB56-6995-38AB-A44B-1E9EE2D397CB}"/>
+                </a:ext>
+              </a:extLst>
+            </p:cNvPr>
+            <p:cNvCxnSpPr>
+              <a:cxnSpLocks/>
+            </p:cNvCxnSpPr>
+            <p:nvPr/>
+          </p:nvCxnSpPr>
+          <p:spPr>
+            <a:xfrm>
+              <a:off x="998370" y="1984259"/>
+              <a:ext cx="149290" cy="0"/>
+            </a:xfrm>
+            <a:prstGeom prst="line">
+              <a:avLst/>
+            </a:prstGeom>
+            <a:solidFill>
+              <a:schemeClr val="accent1">
+                <a:lumMod val="60000"/>
+                <a:lumOff val="40000"/>
+              </a:schemeClr>
+            </a:solidFill>
+            <a:ln w="38100">
+              <a:solidFill>
+                <a:schemeClr val="tx1"/>
+              </a:solidFill>
+            </a:ln>
+          </p:spPr>
+          <p:style>
+            <a:lnRef idx="1">
+              <a:schemeClr val="accent5"/>
+            </a:lnRef>
+            <a:fillRef idx="0">
+              <a:schemeClr val="accent5"/>
+            </a:fillRef>
+            <a:effectRef idx="0">
+              <a:schemeClr val="accent5"/>
+            </a:effectRef>
+            <a:fontRef idx="minor">
+              <a:schemeClr val="tx1"/>
+            </a:fontRef>
+          </p:style>
+        </p:cxnSp>
+        <mc:AlternateContent xmlns:mc="http://schemas.openxmlformats.org/markup-compatibility/2006">
+          <mc:Choice xmlns:a14="http://schemas.microsoft.com/office/drawing/2010/main" Requires="a14">
+            <p:sp>
+              <p:nvSpPr>
+                <p:cNvPr id="14" name="TextBox 13">
+                  <a:extLst>
+                    <a:ext uri="{FF2B5EF4-FFF2-40B4-BE49-F238E27FC236}">
+                      <a16:creationId xmlns:a16="http://schemas.microsoft.com/office/drawing/2014/main" id="{8BEABEEA-1550-ADE1-4949-CA792790525D}"/>
+                    </a:ext>
+                  </a:extLst>
+                </p:cNvPr>
+                <p:cNvSpPr txBox="1"/>
+                <p:nvPr/>
+              </p:nvSpPr>
+              <p:spPr>
+                <a:xfrm>
+                  <a:off x="217803" y="1699362"/>
+                  <a:ext cx="917509" cy="648754"/>
+                </a:xfrm>
+                <a:prstGeom prst="rect">
+                  <a:avLst/>
+                </a:prstGeom>
+                <a:noFill/>
+              </p:spPr>
+              <p:txBody>
+                <a:bodyPr wrap="square" rtlCol="0">
+                  <a:spAutoFit/>
+                </a:bodyPr>
+                <a:lstStyle/>
+                <a:p>
+                  <a:pPr algn="ctr"/>
+                  <a14:m>
+                    <m:oMathPara xmlns:m="http://schemas.openxmlformats.org/officeDocument/2006/math">
+                      <m:oMathParaPr>
+                        <m:jc m:val="centerGroup"/>
+                      </m:oMathParaPr>
+                      <m:oMath xmlns:m="http://schemas.openxmlformats.org/officeDocument/2006/math">
+                        <m:sSub>
+                          <m:sSubPr>
+                            <m:ctrlPr>
+                              <a:rPr lang="en-US" b="1" i="1">
+                                <a:solidFill>
+                                  <a:schemeClr val="accent1">
+                                    <a:lumMod val="75000"/>
+                                  </a:schemeClr>
+                                </a:solidFill>
+                                <a:latin typeface="Cambria Math" panose="02040503050406030204" pitchFamily="18" charset="0"/>
+                                <a:ea typeface="Cambria" panose="02040503050406030204" pitchFamily="18" charset="0"/>
+                                <a:cs typeface="Times New Roman" panose="02020603050405020304" pitchFamily="18" charset="0"/>
+                              </a:rPr>
+                            </m:ctrlPr>
+                          </m:sSubPr>
+                          <m:e>
+                            <m:r>
+                              <a:rPr lang="en-US" b="1" i="1">
+                                <a:solidFill>
+                                  <a:schemeClr val="accent1">
+                                    <a:lumMod val="75000"/>
+                                  </a:schemeClr>
+                                </a:solidFill>
+                                <a:latin typeface="Cambria Math" panose="02040503050406030204" pitchFamily="18" charset="0"/>
+                                <a:ea typeface="Cambria" panose="02040503050406030204" pitchFamily="18" charset="0"/>
+                                <a:cs typeface="Times New Roman" panose="02020603050405020304" pitchFamily="18" charset="0"/>
+                              </a:rPr>
+                              <m:t>𝑽</m:t>
+                            </m:r>
+                          </m:e>
+                          <m:sub>
+                            <m:r>
+                              <a:rPr lang="en-US" b="1" i="1">
+                                <a:solidFill>
+                                  <a:schemeClr val="accent1">
+                                    <a:lumMod val="75000"/>
+                                  </a:schemeClr>
+                                </a:solidFill>
+                                <a:latin typeface="Cambria Math" panose="02040503050406030204" pitchFamily="18" charset="0"/>
+                                <a:ea typeface="Cambria" panose="02040503050406030204" pitchFamily="18" charset="0"/>
+                                <a:cs typeface="Times New Roman" panose="02020603050405020304" pitchFamily="18" charset="0"/>
+                              </a:rPr>
+                              <m:t>𝒎</m:t>
+                            </m:r>
+                          </m:sub>
+                        </m:sSub>
+                      </m:oMath>
+                    </m:oMathPara>
+                  </a14:m>
+                  <a:endParaRPr lang="en-IN" b="1" i="1" dirty="0">
+                    <a:latin typeface="Times New Roman" panose="02020603050405020304" pitchFamily="18" charset="0"/>
+                    <a:ea typeface="Cambria" panose="02040503050406030204" pitchFamily="18" charset="0"/>
+                    <a:cs typeface="Times New Roman" panose="02020603050405020304" pitchFamily="18" charset="0"/>
+                  </a:endParaRPr>
+                </a:p>
+              </p:txBody>
+            </p:sp>
+          </mc:Choice>
+          <mc:Fallback>
+            <p:sp>
+              <p:nvSpPr>
+                <p:cNvPr id="14" name="TextBox 13">
+                  <a:extLst>
+                    <a:ext uri="{FF2B5EF4-FFF2-40B4-BE49-F238E27FC236}">
+                      <a16:creationId xmlns:a16="http://schemas.microsoft.com/office/drawing/2014/main" id="{8BEABEEA-1550-ADE1-4949-CA792790525D}"/>
+                    </a:ext>
+                  </a:extLst>
+                </p:cNvPr>
+                <p:cNvSpPr txBox="1">
+                  <a:spLocks noRot="1" noChangeAspect="1" noMove="1" noResize="1" noEditPoints="1" noAdjustHandles="1" noChangeArrowheads="1" noChangeShapeType="1" noTextEdit="1"/>
+                </p:cNvSpPr>
+                <p:nvPr/>
+              </p:nvSpPr>
+              <p:spPr>
+                <a:xfrm>
+                  <a:off x="217803" y="1699362"/>
+                  <a:ext cx="917509" cy="648754"/>
+                </a:xfrm>
+                <a:prstGeom prst="rect">
+                  <a:avLst/>
+                </a:prstGeom>
+                <a:blipFill>
+                  <a:blip r:embed="rId4"/>
+                  <a:stretch>
+                    <a:fillRect l="-3659"/>
+                  </a:stretch>
+                </a:blipFill>
+              </p:spPr>
+              <p:txBody>
+                <a:bodyPr/>
+                <a:lstStyle/>
+                <a:p>
+                  <a:r>
+                    <a:rPr lang="en-IN">
+                      <a:noFill/>
+                    </a:rPr>
+                    <a:t> </a:t>
+                  </a:r>
+                </a:p>
+              </p:txBody>
+            </p:sp>
+          </mc:Fallback>
+        </mc:AlternateContent>
+        <mc:AlternateContent xmlns:mc="http://schemas.openxmlformats.org/markup-compatibility/2006">
+          <mc:Choice xmlns:a14="http://schemas.microsoft.com/office/drawing/2010/main" Requires="a14">
+            <p:sp>
+              <p:nvSpPr>
+                <p:cNvPr id="15" name="TextBox 14">
+                  <a:extLst>
+                    <a:ext uri="{FF2B5EF4-FFF2-40B4-BE49-F238E27FC236}">
+                      <a16:creationId xmlns:a16="http://schemas.microsoft.com/office/drawing/2014/main" id="{56453AE9-B759-93F1-8331-3783564538AC}"/>
+                    </a:ext>
+                  </a:extLst>
+                </p:cNvPr>
+                <p:cNvSpPr txBox="1"/>
+                <p:nvPr/>
+              </p:nvSpPr>
+              <p:spPr>
+                <a:xfrm>
+                  <a:off x="11177459" y="4115501"/>
+                  <a:ext cx="917509" cy="648754"/>
+                </a:xfrm>
+                <a:prstGeom prst="rect">
+                  <a:avLst/>
+                </a:prstGeom>
+                <a:noFill/>
+              </p:spPr>
+              <p:txBody>
+                <a:bodyPr wrap="square" rtlCol="0">
+                  <a:spAutoFit/>
+                </a:bodyPr>
+                <a:lstStyle/>
+                <a:p>
+                  <a:pPr algn="ctr"/>
+                  <a14:m>
+                    <m:oMathPara xmlns:m="http://schemas.openxmlformats.org/officeDocument/2006/math">
+                      <m:oMathParaPr>
+                        <m:jc m:val="centerGroup"/>
+                      </m:oMathParaPr>
+                      <m:oMath xmlns:m="http://schemas.openxmlformats.org/officeDocument/2006/math">
+                        <m:r>
+                          <a:rPr lang="el-GR" b="1" i="1">
+                            <a:latin typeface="Cambria Math" panose="02040503050406030204" pitchFamily="18" charset="0"/>
+                            <a:ea typeface="Cambria" panose="02040503050406030204" pitchFamily="18" charset="0"/>
+                            <a:cs typeface="Times New Roman" panose="02020603050405020304" pitchFamily="18" charset="0"/>
+                          </a:rPr>
+                          <m:t>𝝎</m:t>
+                        </m:r>
+                        <m:r>
+                          <a:rPr lang="en-US" b="1" i="1">
+                            <a:latin typeface="Cambria Math" panose="02040503050406030204" pitchFamily="18" charset="0"/>
+                            <a:ea typeface="Cambria" panose="02040503050406030204" pitchFamily="18" charset="0"/>
+                            <a:cs typeface="Times New Roman" panose="02020603050405020304" pitchFamily="18" charset="0"/>
+                          </a:rPr>
+                          <m:t>𝒕</m:t>
+                        </m:r>
+                      </m:oMath>
+                    </m:oMathPara>
+                  </a14:m>
+                  <a:endParaRPr lang="en-IN" b="1" i="1" dirty="0">
+                    <a:latin typeface="Times New Roman" panose="02020603050405020304" pitchFamily="18" charset="0"/>
+                    <a:ea typeface="Cambria" panose="02040503050406030204" pitchFamily="18" charset="0"/>
+                    <a:cs typeface="Times New Roman" panose="02020603050405020304" pitchFamily="18" charset="0"/>
+                  </a:endParaRPr>
+                </a:p>
+              </p:txBody>
+            </p:sp>
+          </mc:Choice>
+          <mc:Fallback>
+            <p:sp>
+              <p:nvSpPr>
+                <p:cNvPr id="15" name="TextBox 14">
+                  <a:extLst>
+                    <a:ext uri="{FF2B5EF4-FFF2-40B4-BE49-F238E27FC236}">
+                      <a16:creationId xmlns:a16="http://schemas.microsoft.com/office/drawing/2014/main" id="{56453AE9-B759-93F1-8331-3783564538AC}"/>
+                    </a:ext>
+                  </a:extLst>
+                </p:cNvPr>
+                <p:cNvSpPr txBox="1">
+                  <a:spLocks noRot="1" noChangeAspect="1" noMove="1" noResize="1" noEditPoints="1" noAdjustHandles="1" noChangeArrowheads="1" noChangeShapeType="1" noTextEdit="1"/>
+                </p:cNvSpPr>
+                <p:nvPr/>
+              </p:nvSpPr>
+              <p:spPr>
+                <a:xfrm>
+                  <a:off x="11177459" y="4115501"/>
+                  <a:ext cx="917509" cy="648754"/>
+                </a:xfrm>
+                <a:prstGeom prst="rect">
+                  <a:avLst/>
+                </a:prstGeom>
+                <a:blipFill>
+                  <a:blip r:embed="rId5"/>
+                  <a:stretch>
+                    <a:fillRect/>
+                  </a:stretch>
+                </a:blipFill>
+              </p:spPr>
+              <p:txBody>
+                <a:bodyPr/>
+                <a:lstStyle/>
+                <a:p>
+                  <a:r>
+                    <a:rPr lang="en-IN">
+                      <a:noFill/>
+                    </a:rPr>
+                    <a:t> </a:t>
+                  </a:r>
+                </a:p>
+              </p:txBody>
+            </p:sp>
+          </mc:Fallback>
+        </mc:AlternateContent>
+        <mc:AlternateContent xmlns:mc="http://schemas.openxmlformats.org/markup-compatibility/2006">
+          <mc:Choice xmlns:a14="http://schemas.microsoft.com/office/drawing/2010/main" Requires="a14">
+            <p:sp>
+              <p:nvSpPr>
+                <p:cNvPr id="16" name="TextBox 15">
+                  <a:extLst>
+                    <a:ext uri="{FF2B5EF4-FFF2-40B4-BE49-F238E27FC236}">
+                      <a16:creationId xmlns:a16="http://schemas.microsoft.com/office/drawing/2014/main" id="{783936F5-781C-2FB8-B239-E45E9BAF4C0A}"/>
+                    </a:ext>
+                  </a:extLst>
+                </p:cNvPr>
+                <p:cNvSpPr txBox="1"/>
+                <p:nvPr/>
+              </p:nvSpPr>
+              <p:spPr>
+                <a:xfrm>
+                  <a:off x="688904" y="467392"/>
+                  <a:ext cx="917509" cy="648754"/>
+                </a:xfrm>
+                <a:prstGeom prst="rect">
+                  <a:avLst/>
+                </a:prstGeom>
+                <a:noFill/>
+              </p:spPr>
+              <p:txBody>
+                <a:bodyPr wrap="square" rtlCol="0">
+                  <a:spAutoFit/>
+                </a:bodyPr>
+                <a:lstStyle/>
+                <a:p>
+                  <a:pPr algn="ctr"/>
+                  <a14:m>
+                    <m:oMathPara xmlns:m="http://schemas.openxmlformats.org/officeDocument/2006/math">
+                      <m:oMathParaPr>
+                        <m:jc m:val="centerGroup"/>
+                      </m:oMathParaPr>
+                      <m:oMath xmlns:m="http://schemas.openxmlformats.org/officeDocument/2006/math">
+                        <m:sSub>
+                          <m:sSubPr>
+                            <m:ctrlPr>
+                              <a:rPr lang="en-US" b="1" i="1">
+                                <a:latin typeface="Cambria Math" panose="02040503050406030204" pitchFamily="18" charset="0"/>
+                                <a:ea typeface="Cambria" panose="02040503050406030204" pitchFamily="18" charset="0"/>
+                                <a:cs typeface="Times New Roman" panose="02020603050405020304" pitchFamily="18" charset="0"/>
+                              </a:rPr>
+                            </m:ctrlPr>
+                          </m:sSubPr>
+                          <m:e>
+                            <m:r>
+                              <a:rPr lang="en-US" b="1" i="1">
+                                <a:latin typeface="Cambria Math" panose="02040503050406030204" pitchFamily="18" charset="0"/>
+                                <a:ea typeface="Cambria" panose="02040503050406030204" pitchFamily="18" charset="0"/>
+                                <a:cs typeface="Times New Roman" panose="02020603050405020304" pitchFamily="18" charset="0"/>
+                              </a:rPr>
+                              <m:t>𝑽</m:t>
+                            </m:r>
+                          </m:e>
+                          <m:sub>
+                            <m:r>
+                              <a:rPr lang="en-US" b="1" i="1">
+                                <a:latin typeface="Cambria Math" panose="02040503050406030204" pitchFamily="18" charset="0"/>
+                                <a:ea typeface="Cambria" panose="02040503050406030204" pitchFamily="18" charset="0"/>
+                                <a:cs typeface="Times New Roman" panose="02020603050405020304" pitchFamily="18" charset="0"/>
+                              </a:rPr>
+                              <m:t>𝑶</m:t>
+                            </m:r>
+                          </m:sub>
+                        </m:sSub>
+                        <m:r>
+                          <a:rPr lang="en-US" b="1" i="1">
+                            <a:latin typeface="Cambria Math" panose="02040503050406030204" pitchFamily="18" charset="0"/>
+                            <a:ea typeface="Cambria" panose="02040503050406030204" pitchFamily="18" charset="0"/>
+                            <a:cs typeface="Times New Roman" panose="02020603050405020304" pitchFamily="18" charset="0"/>
+                          </a:rPr>
+                          <m:t>(</m:t>
+                        </m:r>
+                        <m:r>
+                          <a:rPr lang="en-US" b="1" i="1">
+                            <a:latin typeface="Cambria Math" panose="02040503050406030204" pitchFamily="18" charset="0"/>
+                            <a:ea typeface="Cambria" panose="02040503050406030204" pitchFamily="18" charset="0"/>
+                            <a:cs typeface="Times New Roman" panose="02020603050405020304" pitchFamily="18" charset="0"/>
+                          </a:rPr>
+                          <m:t>𝒕</m:t>
+                        </m:r>
+                        <m:r>
+                          <a:rPr lang="en-US" b="1" i="1">
+                            <a:latin typeface="Cambria Math" panose="02040503050406030204" pitchFamily="18" charset="0"/>
+                            <a:ea typeface="Cambria" panose="02040503050406030204" pitchFamily="18" charset="0"/>
+                            <a:cs typeface="Times New Roman" panose="02020603050405020304" pitchFamily="18" charset="0"/>
+                          </a:rPr>
+                          <m:t>)</m:t>
+                        </m:r>
+                      </m:oMath>
+                    </m:oMathPara>
+                  </a14:m>
+                  <a:endParaRPr lang="en-IN" b="1" i="1" dirty="0">
+                    <a:latin typeface="Times New Roman" panose="02020603050405020304" pitchFamily="18" charset="0"/>
+                    <a:ea typeface="Cambria" panose="02040503050406030204" pitchFamily="18" charset="0"/>
+                    <a:cs typeface="Times New Roman" panose="02020603050405020304" pitchFamily="18" charset="0"/>
+                  </a:endParaRPr>
+                </a:p>
+              </p:txBody>
+            </p:sp>
+          </mc:Choice>
+          <mc:Fallback>
+            <p:sp>
+              <p:nvSpPr>
+                <p:cNvPr id="16" name="TextBox 15">
+                  <a:extLst>
+                    <a:ext uri="{FF2B5EF4-FFF2-40B4-BE49-F238E27FC236}">
+                      <a16:creationId xmlns:a16="http://schemas.microsoft.com/office/drawing/2014/main" id="{783936F5-781C-2FB8-B239-E45E9BAF4C0A}"/>
+                    </a:ext>
+                  </a:extLst>
+                </p:cNvPr>
+                <p:cNvSpPr txBox="1">
+                  <a:spLocks noRot="1" noChangeAspect="1" noMove="1" noResize="1" noEditPoints="1" noAdjustHandles="1" noChangeArrowheads="1" noChangeShapeType="1" noTextEdit="1"/>
+                </p:cNvSpPr>
+                <p:nvPr/>
+              </p:nvSpPr>
+              <p:spPr>
+                <a:xfrm>
+                  <a:off x="688904" y="467392"/>
+                  <a:ext cx="917509" cy="648754"/>
+                </a:xfrm>
+                <a:prstGeom prst="rect">
+                  <a:avLst/>
+                </a:prstGeom>
+                <a:blipFill>
+                  <a:blip r:embed="rId6"/>
+                  <a:stretch>
+                    <a:fillRect l="-28049" r="-24390" b="-15000"/>
+                  </a:stretch>
+                </a:blipFill>
+              </p:spPr>
+              <p:txBody>
+                <a:bodyPr/>
+                <a:lstStyle/>
+                <a:p>
+                  <a:r>
+                    <a:rPr lang="en-IN">
+                      <a:noFill/>
+                    </a:rPr>
+                    <a:t> </a:t>
+                  </a:r>
+                </a:p>
+              </p:txBody>
+            </p:sp>
+          </mc:Fallback>
+        </mc:AlternateContent>
+        <p:cxnSp>
+          <p:nvCxnSpPr>
+            <p:cNvPr id="22" name="Straight Connector 21">
+              <a:extLst>
+                <a:ext uri="{FF2B5EF4-FFF2-40B4-BE49-F238E27FC236}">
+                  <a16:creationId xmlns:a16="http://schemas.microsoft.com/office/drawing/2014/main" id="{8337A632-287E-372D-30B3-AFDE8E6032F0}"/>
+                </a:ext>
+              </a:extLst>
+            </p:cNvPr>
+            <p:cNvCxnSpPr>
+              <a:cxnSpLocks/>
+            </p:cNvCxnSpPr>
+            <p:nvPr/>
+          </p:nvCxnSpPr>
+          <p:spPr>
+            <a:xfrm>
+              <a:off x="998369" y="6304432"/>
+              <a:ext cx="149290" cy="0"/>
+            </a:xfrm>
+            <a:prstGeom prst="line">
+              <a:avLst/>
+            </a:prstGeom>
+            <a:solidFill>
+              <a:schemeClr val="accent1">
+                <a:lumMod val="60000"/>
+                <a:lumOff val="40000"/>
+              </a:schemeClr>
+            </a:solidFill>
+            <a:ln w="38100">
+              <a:solidFill>
+                <a:schemeClr val="tx1"/>
+              </a:solidFill>
+            </a:ln>
+          </p:spPr>
+          <p:style>
+            <a:lnRef idx="1">
+              <a:schemeClr val="accent5"/>
+            </a:lnRef>
+            <a:fillRef idx="0">
+              <a:schemeClr val="accent5"/>
+            </a:fillRef>
+            <a:effectRef idx="0">
+              <a:schemeClr val="accent5"/>
+            </a:effectRef>
+            <a:fontRef idx="minor">
+              <a:schemeClr val="tx1"/>
+            </a:fontRef>
+          </p:style>
+        </p:cxnSp>
+        <mc:AlternateContent xmlns:mc="http://schemas.openxmlformats.org/markup-compatibility/2006">
+          <mc:Choice xmlns:a14="http://schemas.microsoft.com/office/drawing/2010/main" Requires="a14">
+            <p:sp>
+              <p:nvSpPr>
+                <p:cNvPr id="24" name="TextBox 23">
+                  <a:extLst>
+                    <a:ext uri="{FF2B5EF4-FFF2-40B4-BE49-F238E27FC236}">
+                      <a16:creationId xmlns:a16="http://schemas.microsoft.com/office/drawing/2014/main" id="{DA0C4CBE-EAD6-B8D0-A518-401684F5781E}"/>
+                    </a:ext>
+                  </a:extLst>
+                </p:cNvPr>
+                <p:cNvSpPr txBox="1"/>
+                <p:nvPr/>
+              </p:nvSpPr>
+              <p:spPr>
+                <a:xfrm>
+                  <a:off x="-36784" y="5980054"/>
+                  <a:ext cx="917509" cy="648754"/>
+                </a:xfrm>
+                <a:prstGeom prst="rect">
+                  <a:avLst/>
+                </a:prstGeom>
+                <a:noFill/>
+              </p:spPr>
+              <p:txBody>
+                <a:bodyPr wrap="square" rtlCol="0">
+                  <a:spAutoFit/>
+                </a:bodyPr>
+                <a:lstStyle/>
+                <a:p>
+                  <a:pPr algn="ctr"/>
+                  <a14:m>
+                    <m:oMathPara xmlns:m="http://schemas.openxmlformats.org/officeDocument/2006/math">
+                      <m:oMathParaPr>
+                        <m:jc m:val="centerGroup"/>
+                      </m:oMathParaPr>
+                      <m:oMath xmlns:m="http://schemas.openxmlformats.org/officeDocument/2006/math">
+                        <m:sSub>
+                          <m:sSubPr>
+                            <m:ctrlPr>
+                              <a:rPr lang="en-US" b="1" i="1">
+                                <a:solidFill>
+                                  <a:schemeClr val="accent1">
+                                    <a:lumMod val="75000"/>
+                                  </a:schemeClr>
+                                </a:solidFill>
+                                <a:latin typeface="Cambria Math" panose="02040503050406030204" pitchFamily="18" charset="0"/>
+                                <a:ea typeface="Cambria" panose="02040503050406030204" pitchFamily="18" charset="0"/>
+                                <a:cs typeface="Times New Roman" panose="02020603050405020304" pitchFamily="18" charset="0"/>
+                              </a:rPr>
+                            </m:ctrlPr>
+                          </m:sSubPr>
+                          <m:e>
+                            <m:r>
+                              <a:rPr lang="en-US" b="1" i="1">
+                                <a:solidFill>
+                                  <a:schemeClr val="accent1">
+                                    <a:lumMod val="75000"/>
+                                  </a:schemeClr>
+                                </a:solidFill>
+                                <a:latin typeface="Cambria Math" panose="02040503050406030204" pitchFamily="18" charset="0"/>
+                                <a:ea typeface="Cambria" panose="02040503050406030204" pitchFamily="18" charset="0"/>
+                                <a:cs typeface="Times New Roman" panose="02020603050405020304" pitchFamily="18" charset="0"/>
+                              </a:rPr>
+                              <m:t>−</m:t>
+                            </m:r>
+                            <m:r>
+                              <a:rPr lang="en-US" b="1" i="1">
+                                <a:solidFill>
+                                  <a:schemeClr val="accent1">
+                                    <a:lumMod val="75000"/>
+                                  </a:schemeClr>
+                                </a:solidFill>
+                                <a:latin typeface="Cambria Math" panose="02040503050406030204" pitchFamily="18" charset="0"/>
+                                <a:ea typeface="Cambria" panose="02040503050406030204" pitchFamily="18" charset="0"/>
+                                <a:cs typeface="Times New Roman" panose="02020603050405020304" pitchFamily="18" charset="0"/>
+                              </a:rPr>
+                              <m:t>𝑽</m:t>
+                            </m:r>
+                          </m:e>
+                          <m:sub>
+                            <m:r>
+                              <a:rPr lang="en-US" b="1" i="1">
+                                <a:solidFill>
+                                  <a:schemeClr val="accent1">
+                                    <a:lumMod val="75000"/>
+                                  </a:schemeClr>
+                                </a:solidFill>
+                                <a:latin typeface="Cambria Math" panose="02040503050406030204" pitchFamily="18" charset="0"/>
+                                <a:ea typeface="Cambria" panose="02040503050406030204" pitchFamily="18" charset="0"/>
+                                <a:cs typeface="Times New Roman" panose="02020603050405020304" pitchFamily="18" charset="0"/>
+                              </a:rPr>
+                              <m:t>𝒎</m:t>
+                            </m:r>
+                          </m:sub>
+                        </m:sSub>
+                      </m:oMath>
+                    </m:oMathPara>
+                  </a14:m>
+                  <a:endParaRPr lang="en-IN" b="1" i="1" dirty="0">
+                    <a:latin typeface="Times New Roman" panose="02020603050405020304" pitchFamily="18" charset="0"/>
+                    <a:ea typeface="Cambria" panose="02040503050406030204" pitchFamily="18" charset="0"/>
+                    <a:cs typeface="Times New Roman" panose="02020603050405020304" pitchFamily="18" charset="0"/>
+                  </a:endParaRPr>
+                </a:p>
+              </p:txBody>
+            </p:sp>
+          </mc:Choice>
+          <mc:Fallback>
+            <p:sp>
+              <p:nvSpPr>
+                <p:cNvPr id="24" name="TextBox 23">
+                  <a:extLst>
+                    <a:ext uri="{FF2B5EF4-FFF2-40B4-BE49-F238E27FC236}">
+                      <a16:creationId xmlns:a16="http://schemas.microsoft.com/office/drawing/2014/main" id="{DA0C4CBE-EAD6-B8D0-A518-401684F5781E}"/>
+                    </a:ext>
+                  </a:extLst>
+                </p:cNvPr>
+                <p:cNvSpPr txBox="1">
+                  <a:spLocks noRot="1" noChangeAspect="1" noMove="1" noResize="1" noEditPoints="1" noAdjustHandles="1" noChangeArrowheads="1" noChangeShapeType="1" noTextEdit="1"/>
+                </p:cNvSpPr>
+                <p:nvPr/>
+              </p:nvSpPr>
+              <p:spPr>
+                <a:xfrm>
+                  <a:off x="-36784" y="5980054"/>
+                  <a:ext cx="917509" cy="648754"/>
+                </a:xfrm>
+                <a:prstGeom prst="rect">
+                  <a:avLst/>
+                </a:prstGeom>
+                <a:blipFill>
+                  <a:blip r:embed="rId7"/>
+                  <a:stretch>
+                    <a:fillRect l="-12346" r="-2469"/>
+                  </a:stretch>
+                </a:blipFill>
+              </p:spPr>
+              <p:txBody>
+                <a:bodyPr/>
+                <a:lstStyle/>
+                <a:p>
+                  <a:r>
+                    <a:rPr lang="en-IN">
+                      <a:noFill/>
+                    </a:rPr>
+                    <a:t> </a:t>
+                  </a:r>
+                </a:p>
+              </p:txBody>
+            </p:sp>
+          </mc:Fallback>
+        </mc:AlternateContent>
+      </p:grpSp>
+    </p:spTree>
+    <p:extLst>
+      <p:ext uri="{BB962C8B-B14F-4D97-AF65-F5344CB8AC3E}">
+        <p14:creationId xmlns:p14="http://schemas.microsoft.com/office/powerpoint/2010/main" val="2263142077"/>
+      </p:ext>
+    </p:extLst>
+  </p:cSld>
+  <p:clrMapOvr>
+    <a:masterClrMapping/>
+  </p:clrMapOvr>
+</p:sld>
+</file>
+
+<file path=ppt/slides/slide2.xml><?xml version="1.0" encoding="utf-8"?>
 <p:sld xmlns:a="http://schemas.openxmlformats.org/drawingml/2006/main" xmlns:r="http://schemas.openxmlformats.org/officeDocument/2006/relationships" xmlns:p="http://schemas.openxmlformats.org/presentationml/2006/main">
   <p:cSld>
     <p:spTree>
@@ -4529,7 +7417,7 @@
 </p:sld>
 </file>
 
-<file path=ppt/slides/slide2.xml><?xml version="1.0" encoding="utf-8"?>
+<file path=ppt/slides/slide3.xml><?xml version="1.0" encoding="utf-8"?>
 <p:sld xmlns:a="http://schemas.openxmlformats.org/drawingml/2006/main" xmlns:r="http://schemas.openxmlformats.org/officeDocument/2006/relationships" xmlns:p="http://schemas.openxmlformats.org/presentationml/2006/main">
   <p:cSld>
     <p:spTree>
@@ -6557,7 +9445,7 @@
 </p:sld>
 </file>
 
-<file path=ppt/slides/slide3.xml><?xml version="1.0" encoding="utf-8"?>
+<file path=ppt/slides/slide4.xml><?xml version="1.0" encoding="utf-8"?>
 <p:sld xmlns:a="http://schemas.openxmlformats.org/drawingml/2006/main" xmlns:r="http://schemas.openxmlformats.org/officeDocument/2006/relationships" xmlns:p="http://schemas.openxmlformats.org/presentationml/2006/main">
   <p:cSld>
     <p:spTree>
@@ -9018,7 +11906,7 @@
 </p:sld>
 </file>
 
-<file path=ppt/slides/slide4.xml><?xml version="1.0" encoding="utf-8"?>
+<file path=ppt/slides/slide5.xml><?xml version="1.0" encoding="utf-8"?>
 <p:sld xmlns:a="http://schemas.openxmlformats.org/drawingml/2006/main" xmlns:r="http://schemas.openxmlformats.org/officeDocument/2006/relationships" xmlns:p="http://schemas.openxmlformats.org/presentationml/2006/main">
   <p:cSld>
     <p:spTree>
@@ -11762,7 +14650,7 @@
 </p:sld>
 </file>
 
-<file path=ppt/slides/slide5.xml><?xml version="1.0" encoding="utf-8"?>
+<file path=ppt/slides/slide6.xml><?xml version="1.0" encoding="utf-8"?>
 <p:sld xmlns:a="http://schemas.openxmlformats.org/drawingml/2006/main" xmlns:r="http://schemas.openxmlformats.org/officeDocument/2006/relationships" xmlns:p="http://schemas.openxmlformats.org/presentationml/2006/main">
   <p:cSld>
     <p:spTree>
@@ -14323,6 +17211,4446 @@
 </p:sld>
 </file>
 
+<file path=ppt/slides/slide7.xml><?xml version="1.0" encoding="utf-8"?>
+<p:sld xmlns:a="http://schemas.openxmlformats.org/drawingml/2006/main" xmlns:r="http://schemas.openxmlformats.org/officeDocument/2006/relationships" xmlns:p="http://schemas.openxmlformats.org/presentationml/2006/main">
+  <p:cSld>
+    <p:spTree>
+      <p:nvGrpSpPr>
+        <p:cNvPr id="1" name=""/>
+        <p:cNvGrpSpPr/>
+        <p:nvPr/>
+      </p:nvGrpSpPr>
+      <p:grpSpPr>
+        <a:xfrm>
+          <a:off x="0" y="0"/>
+          <a:ext cx="0" cy="0"/>
+          <a:chOff x="0" y="0"/>
+          <a:chExt cx="0" cy="0"/>
+        </a:xfrm>
+      </p:grpSpPr>
+      <p:sp>
+        <p:nvSpPr>
+          <p:cNvPr id="2" name="Title 1">
+            <a:extLst>
+              <a:ext uri="{FF2B5EF4-FFF2-40B4-BE49-F238E27FC236}">
+                <a16:creationId xmlns:a16="http://schemas.microsoft.com/office/drawing/2014/main" id="{5E3BF65B-AE89-8FF7-50BD-A07B90943582}"/>
+              </a:ext>
+            </a:extLst>
+          </p:cNvPr>
+          <p:cNvSpPr>
+            <a:spLocks noGrp="1"/>
+          </p:cNvSpPr>
+          <p:nvPr>
+            <p:ph type="title"/>
+          </p:nvPr>
+        </p:nvSpPr>
+        <p:spPr>
+          <a:xfrm>
+            <a:off x="494952" y="2903889"/>
+            <a:ext cx="6209407" cy="1391534"/>
+          </a:xfrm>
+        </p:spPr>
+        <p:txBody>
+          <a:bodyPr/>
+          <a:lstStyle/>
+          <a:p>
+            <a:pPr algn="ctr"/>
+            <a:r>
+              <a:rPr lang="en-US" b="1" dirty="0">
+                <a:latin typeface="Arial Rounded MT Bold" panose="020F0704030504030204" pitchFamily="34" charset="0"/>
+              </a:rPr>
+              <a:t>AC VOLTAGE CONTROLLER</a:t>
+            </a:r>
+            <a:endParaRPr lang="en-IN" b="1" dirty="0">
+              <a:latin typeface="Arial Rounded MT Bold" panose="020F0704030504030204" pitchFamily="34" charset="0"/>
+            </a:endParaRPr>
+          </a:p>
+        </p:txBody>
+      </p:sp>
+    </p:spTree>
+    <p:extLst>
+      <p:ext uri="{BB962C8B-B14F-4D97-AF65-F5344CB8AC3E}">
+        <p14:creationId xmlns:p14="http://schemas.microsoft.com/office/powerpoint/2010/main" val="785390134"/>
+      </p:ext>
+    </p:extLst>
+  </p:cSld>
+  <p:clrMapOvr>
+    <a:masterClrMapping/>
+  </p:clrMapOvr>
+</p:sld>
+</file>
+
+<file path=ppt/slides/slide8.xml><?xml version="1.0" encoding="utf-8"?>
+<p:sld xmlns:a="http://schemas.openxmlformats.org/drawingml/2006/main" xmlns:r="http://schemas.openxmlformats.org/officeDocument/2006/relationships" xmlns:p="http://schemas.openxmlformats.org/presentationml/2006/main">
+  <p:cSld>
+    <p:spTree>
+      <p:nvGrpSpPr>
+        <p:cNvPr id="1" name=""/>
+        <p:cNvGrpSpPr/>
+        <p:nvPr/>
+      </p:nvGrpSpPr>
+      <p:grpSpPr>
+        <a:xfrm>
+          <a:off x="0" y="0"/>
+          <a:ext cx="0" cy="0"/>
+          <a:chOff x="0" y="0"/>
+          <a:chExt cx="0" cy="0"/>
+        </a:xfrm>
+      </p:grpSpPr>
+      <p:cxnSp>
+        <p:nvCxnSpPr>
+          <p:cNvPr id="5" name="Straight Connector 4">
+            <a:extLst>
+              <a:ext uri="{FF2B5EF4-FFF2-40B4-BE49-F238E27FC236}">
+                <a16:creationId xmlns:a16="http://schemas.microsoft.com/office/drawing/2014/main" id="{970DB75D-D728-3B22-9B13-F80A55C21881}"/>
+              </a:ext>
+            </a:extLst>
+          </p:cNvPr>
+          <p:cNvCxnSpPr>
+            <a:cxnSpLocks/>
+          </p:cNvCxnSpPr>
+          <p:nvPr/>
+        </p:nvCxnSpPr>
+        <p:spPr>
+          <a:xfrm flipH="1">
+            <a:off x="2760323" y="2899013"/>
+            <a:ext cx="1694790" cy="0"/>
+          </a:xfrm>
+          <a:prstGeom prst="line">
+            <a:avLst/>
+          </a:prstGeom>
+          <a:ln w="38100">
+            <a:solidFill>
+              <a:schemeClr val="tx1"/>
+            </a:solidFill>
+          </a:ln>
+        </p:spPr>
+        <p:style>
+          <a:lnRef idx="1">
+            <a:schemeClr val="accent1"/>
+          </a:lnRef>
+          <a:fillRef idx="0">
+            <a:schemeClr val="accent1"/>
+          </a:fillRef>
+          <a:effectRef idx="0">
+            <a:schemeClr val="accent1"/>
+          </a:effectRef>
+          <a:fontRef idx="minor">
+            <a:schemeClr val="tx1"/>
+          </a:fontRef>
+        </p:style>
+      </p:cxnSp>
+      <p:cxnSp>
+        <p:nvCxnSpPr>
+          <p:cNvPr id="6" name="Straight Connector 5">
+            <a:extLst>
+              <a:ext uri="{FF2B5EF4-FFF2-40B4-BE49-F238E27FC236}">
+                <a16:creationId xmlns:a16="http://schemas.microsoft.com/office/drawing/2014/main" id="{9F3B57FC-C13E-C056-05E9-CB9483138735}"/>
+              </a:ext>
+            </a:extLst>
+          </p:cNvPr>
+          <p:cNvCxnSpPr>
+            <a:cxnSpLocks/>
+          </p:cNvCxnSpPr>
+          <p:nvPr/>
+        </p:nvCxnSpPr>
+        <p:spPr>
+          <a:xfrm flipH="1">
+            <a:off x="2760324" y="1779147"/>
+            <a:ext cx="1694790" cy="0"/>
+          </a:xfrm>
+          <a:prstGeom prst="line">
+            <a:avLst/>
+          </a:prstGeom>
+          <a:ln w="38100">
+            <a:solidFill>
+              <a:schemeClr val="tx1"/>
+            </a:solidFill>
+          </a:ln>
+        </p:spPr>
+        <p:style>
+          <a:lnRef idx="1">
+            <a:schemeClr val="accent1"/>
+          </a:lnRef>
+          <a:fillRef idx="0">
+            <a:schemeClr val="accent1"/>
+          </a:fillRef>
+          <a:effectRef idx="0">
+            <a:schemeClr val="accent1"/>
+          </a:effectRef>
+          <a:fontRef idx="minor">
+            <a:schemeClr val="tx1"/>
+          </a:fontRef>
+        </p:style>
+      </p:cxnSp>
+      <p:cxnSp>
+        <p:nvCxnSpPr>
+          <p:cNvPr id="7" name="Straight Connector 6">
+            <a:extLst>
+              <a:ext uri="{FF2B5EF4-FFF2-40B4-BE49-F238E27FC236}">
+                <a16:creationId xmlns:a16="http://schemas.microsoft.com/office/drawing/2014/main" id="{9C7E210F-C24E-38AD-8CF0-E281EA3DE40A}"/>
+              </a:ext>
+            </a:extLst>
+          </p:cNvPr>
+          <p:cNvCxnSpPr>
+            <a:cxnSpLocks/>
+          </p:cNvCxnSpPr>
+          <p:nvPr/>
+        </p:nvCxnSpPr>
+        <p:spPr>
+          <a:xfrm rot="16200000">
+            <a:off x="3652563" y="1392061"/>
+            <a:ext cx="9315" cy="782005"/>
+          </a:xfrm>
+          <a:prstGeom prst="line">
+            <a:avLst/>
+          </a:prstGeom>
+          <a:ln w="57150">
+            <a:solidFill>
+              <a:schemeClr val="accent1"/>
+            </a:solidFill>
+          </a:ln>
+        </p:spPr>
+        <p:style>
+          <a:lnRef idx="1">
+            <a:schemeClr val="accent1"/>
+          </a:lnRef>
+          <a:fillRef idx="0">
+            <a:schemeClr val="accent1"/>
+          </a:fillRef>
+          <a:effectRef idx="0">
+            <a:schemeClr val="accent1"/>
+          </a:effectRef>
+          <a:fontRef idx="minor">
+            <a:schemeClr val="tx1"/>
+          </a:fontRef>
+        </p:style>
+      </p:cxnSp>
+      <p:grpSp>
+        <p:nvGrpSpPr>
+          <p:cNvPr id="8" name="Group 7">
+            <a:extLst>
+              <a:ext uri="{FF2B5EF4-FFF2-40B4-BE49-F238E27FC236}">
+                <a16:creationId xmlns:a16="http://schemas.microsoft.com/office/drawing/2014/main" id="{2748FA9D-0EFA-B0E2-F092-A5C4C2285E21}"/>
+              </a:ext>
+            </a:extLst>
+          </p:cNvPr>
+          <p:cNvGrpSpPr/>
+          <p:nvPr/>
+        </p:nvGrpSpPr>
+        <p:grpSpPr>
+          <a:xfrm rot="16200000" flipV="1">
+            <a:off x="3387044" y="1602482"/>
+            <a:ext cx="394672" cy="312519"/>
+            <a:chOff x="3610045" y="3464345"/>
+            <a:chExt cx="693435" cy="420634"/>
+          </a:xfrm>
+        </p:grpSpPr>
+        <p:sp>
+          <p:nvSpPr>
+            <p:cNvPr id="53" name="Isosceles Triangle 52">
+              <a:extLst>
+                <a:ext uri="{FF2B5EF4-FFF2-40B4-BE49-F238E27FC236}">
+                  <a16:creationId xmlns:a16="http://schemas.microsoft.com/office/drawing/2014/main" id="{0071A33B-88D9-F4E5-B2F8-7877EBB3AF3F}"/>
+                </a:ext>
+              </a:extLst>
+            </p:cNvPr>
+            <p:cNvSpPr/>
+            <p:nvPr/>
+          </p:nvSpPr>
+          <p:spPr>
+            <a:xfrm>
+              <a:off x="3610045" y="3464345"/>
+              <a:ext cx="653139" cy="420634"/>
+            </a:xfrm>
+            <a:prstGeom prst="triangle">
+              <a:avLst/>
+            </a:prstGeom>
+            <a:ln w="57150">
+              <a:solidFill>
+                <a:schemeClr val="accent1"/>
+              </a:solidFill>
+            </a:ln>
+          </p:spPr>
+          <p:style>
+            <a:lnRef idx="2">
+              <a:schemeClr val="accent1">
+                <a:shade val="50000"/>
+              </a:schemeClr>
+            </a:lnRef>
+            <a:fillRef idx="1">
+              <a:schemeClr val="accent1"/>
+            </a:fillRef>
+            <a:effectRef idx="0">
+              <a:schemeClr val="accent1"/>
+            </a:effectRef>
+            <a:fontRef idx="minor">
+              <a:schemeClr val="lt1"/>
+            </a:fontRef>
+          </p:style>
+          <p:txBody>
+            <a:bodyPr rtlCol="0" anchor="ctr"/>
+            <a:lstStyle/>
+            <a:p>
+              <a:pPr algn="ctr"/>
+              <a:endParaRPr lang="en-IN"/>
+            </a:p>
+          </p:txBody>
+        </p:sp>
+        <p:cxnSp>
+          <p:nvCxnSpPr>
+            <p:cNvPr id="54" name="Straight Connector 53">
+              <a:extLst>
+                <a:ext uri="{FF2B5EF4-FFF2-40B4-BE49-F238E27FC236}">
+                  <a16:creationId xmlns:a16="http://schemas.microsoft.com/office/drawing/2014/main" id="{E3947E8E-902A-2C6B-A5FA-CC8F5C144D4D}"/>
+                </a:ext>
+              </a:extLst>
+            </p:cNvPr>
+            <p:cNvCxnSpPr>
+              <a:cxnSpLocks/>
+            </p:cNvCxnSpPr>
+            <p:nvPr/>
+          </p:nvCxnSpPr>
+          <p:spPr>
+            <a:xfrm>
+              <a:off x="3610045" y="3491609"/>
+              <a:ext cx="693435" cy="0"/>
+            </a:xfrm>
+            <a:prstGeom prst="line">
+              <a:avLst/>
+            </a:prstGeom>
+            <a:ln w="57150">
+              <a:solidFill>
+                <a:schemeClr val="accent1"/>
+              </a:solidFill>
+            </a:ln>
+          </p:spPr>
+          <p:style>
+            <a:lnRef idx="1">
+              <a:schemeClr val="accent1"/>
+            </a:lnRef>
+            <a:fillRef idx="0">
+              <a:schemeClr val="accent1"/>
+            </a:fillRef>
+            <a:effectRef idx="0">
+              <a:schemeClr val="accent1"/>
+            </a:effectRef>
+            <a:fontRef idx="minor">
+              <a:schemeClr val="tx1"/>
+            </a:fontRef>
+          </p:style>
+        </p:cxnSp>
+      </p:grpSp>
+      <p:cxnSp>
+        <p:nvCxnSpPr>
+          <p:cNvPr id="9" name="Straight Connector 8">
+            <a:extLst>
+              <a:ext uri="{FF2B5EF4-FFF2-40B4-BE49-F238E27FC236}">
+                <a16:creationId xmlns:a16="http://schemas.microsoft.com/office/drawing/2014/main" id="{4134759B-4BF5-356A-3436-B69673E1DA57}"/>
+              </a:ext>
+            </a:extLst>
+          </p:cNvPr>
+          <p:cNvCxnSpPr>
+            <a:cxnSpLocks/>
+          </p:cNvCxnSpPr>
+          <p:nvPr/>
+        </p:nvCxnSpPr>
+        <p:spPr>
+          <a:xfrm rot="16200000">
+            <a:off x="3756286" y="1607726"/>
+            <a:ext cx="165244" cy="157800"/>
+          </a:xfrm>
+          <a:prstGeom prst="line">
+            <a:avLst/>
+          </a:prstGeom>
+          <a:ln w="57150">
+            <a:solidFill>
+              <a:schemeClr val="accent1"/>
+            </a:solidFill>
+          </a:ln>
+        </p:spPr>
+        <p:style>
+          <a:lnRef idx="1">
+            <a:schemeClr val="accent1"/>
+          </a:lnRef>
+          <a:fillRef idx="0">
+            <a:schemeClr val="accent1"/>
+          </a:fillRef>
+          <a:effectRef idx="0">
+            <a:schemeClr val="accent1"/>
+          </a:effectRef>
+          <a:fontRef idx="minor">
+            <a:schemeClr val="tx1"/>
+          </a:fontRef>
+        </p:style>
+      </p:cxnSp>
+      <p:cxnSp>
+        <p:nvCxnSpPr>
+          <p:cNvPr id="10" name="Straight Connector 9">
+            <a:extLst>
+              <a:ext uri="{FF2B5EF4-FFF2-40B4-BE49-F238E27FC236}">
+                <a16:creationId xmlns:a16="http://schemas.microsoft.com/office/drawing/2014/main" id="{C735CB7B-4A10-0DAA-545F-B92FB0364839}"/>
+              </a:ext>
+            </a:extLst>
+          </p:cNvPr>
+          <p:cNvCxnSpPr>
+            <a:cxnSpLocks/>
+          </p:cNvCxnSpPr>
+          <p:nvPr/>
+        </p:nvCxnSpPr>
+        <p:spPr>
+          <a:xfrm flipH="1">
+            <a:off x="1388282" y="2348358"/>
+            <a:ext cx="1362209" cy="0"/>
+          </a:xfrm>
+          <a:prstGeom prst="line">
+            <a:avLst/>
+          </a:prstGeom>
+          <a:ln w="38100">
+            <a:solidFill>
+              <a:schemeClr val="tx1"/>
+            </a:solidFill>
+          </a:ln>
+        </p:spPr>
+        <p:style>
+          <a:lnRef idx="1">
+            <a:schemeClr val="accent1"/>
+          </a:lnRef>
+          <a:fillRef idx="0">
+            <a:schemeClr val="accent1"/>
+          </a:fillRef>
+          <a:effectRef idx="0">
+            <a:schemeClr val="accent1"/>
+          </a:effectRef>
+          <a:fontRef idx="minor">
+            <a:schemeClr val="tx1"/>
+          </a:fontRef>
+        </p:style>
+      </p:cxnSp>
+      <p:cxnSp>
+        <p:nvCxnSpPr>
+          <p:cNvPr id="11" name="Straight Connector 10">
+            <a:extLst>
+              <a:ext uri="{FF2B5EF4-FFF2-40B4-BE49-F238E27FC236}">
+                <a16:creationId xmlns:a16="http://schemas.microsoft.com/office/drawing/2014/main" id="{C3C1994F-0E57-687A-E0B3-DEDA1B80EF98}"/>
+              </a:ext>
+            </a:extLst>
+          </p:cNvPr>
+          <p:cNvCxnSpPr>
+            <a:cxnSpLocks/>
+          </p:cNvCxnSpPr>
+          <p:nvPr/>
+        </p:nvCxnSpPr>
+        <p:spPr>
+          <a:xfrm>
+            <a:off x="1391658" y="2367604"/>
+            <a:ext cx="0" cy="2759429"/>
+          </a:xfrm>
+          <a:prstGeom prst="line">
+            <a:avLst/>
+          </a:prstGeom>
+          <a:ln w="38100">
+            <a:solidFill>
+              <a:schemeClr val="tx1"/>
+            </a:solidFill>
+          </a:ln>
+        </p:spPr>
+        <p:style>
+          <a:lnRef idx="1">
+            <a:schemeClr val="accent1"/>
+          </a:lnRef>
+          <a:fillRef idx="0">
+            <a:schemeClr val="accent1"/>
+          </a:fillRef>
+          <a:effectRef idx="0">
+            <a:schemeClr val="accent1"/>
+          </a:effectRef>
+          <a:fontRef idx="minor">
+            <a:schemeClr val="tx1"/>
+          </a:fontRef>
+        </p:style>
+      </p:cxnSp>
+      <p:grpSp>
+        <p:nvGrpSpPr>
+          <p:cNvPr id="12" name="Group 11">
+            <a:extLst>
+              <a:ext uri="{FF2B5EF4-FFF2-40B4-BE49-F238E27FC236}">
+                <a16:creationId xmlns:a16="http://schemas.microsoft.com/office/drawing/2014/main" id="{0702EF5B-B4B8-4820-442D-FB6A09007F71}"/>
+              </a:ext>
+            </a:extLst>
+          </p:cNvPr>
+          <p:cNvGrpSpPr/>
+          <p:nvPr/>
+        </p:nvGrpSpPr>
+        <p:grpSpPr>
+          <a:xfrm>
+            <a:off x="974249" y="3282042"/>
+            <a:ext cx="847730" cy="833527"/>
+            <a:chOff x="10511683" y="1426815"/>
+            <a:chExt cx="1411966" cy="1443123"/>
+          </a:xfrm>
+        </p:grpSpPr>
+        <p:sp>
+          <p:nvSpPr>
+            <p:cNvPr id="49" name="Oval 48">
+              <a:extLst>
+                <a:ext uri="{FF2B5EF4-FFF2-40B4-BE49-F238E27FC236}">
+                  <a16:creationId xmlns:a16="http://schemas.microsoft.com/office/drawing/2014/main" id="{B035DFB5-D785-F39D-F588-55E76694305C}"/>
+                </a:ext>
+              </a:extLst>
+            </p:cNvPr>
+            <p:cNvSpPr/>
+            <p:nvPr/>
+          </p:nvSpPr>
+          <p:spPr>
+            <a:xfrm>
+              <a:off x="10511683" y="1426815"/>
+              <a:ext cx="1411966" cy="1443123"/>
+            </a:xfrm>
+            <a:prstGeom prst="ellipse">
+              <a:avLst/>
+            </a:prstGeom>
+            <a:solidFill>
+              <a:schemeClr val="bg1">
+                <a:lumMod val="95000"/>
+              </a:schemeClr>
+            </a:solidFill>
+            <a:ln w="38100"/>
+          </p:spPr>
+          <p:style>
+            <a:lnRef idx="2">
+              <a:schemeClr val="accent1">
+                <a:shade val="50000"/>
+              </a:schemeClr>
+            </a:lnRef>
+            <a:fillRef idx="1">
+              <a:schemeClr val="accent1"/>
+            </a:fillRef>
+            <a:effectRef idx="0">
+              <a:schemeClr val="accent1"/>
+            </a:effectRef>
+            <a:fontRef idx="minor">
+              <a:schemeClr val="lt1"/>
+            </a:fontRef>
+          </p:style>
+          <p:txBody>
+            <a:bodyPr rtlCol="0" anchor="ctr"/>
+            <a:lstStyle/>
+            <a:p>
+              <a:pPr algn="ctr"/>
+              <a:endParaRPr lang="en-IN" sz="4000" dirty="0">
+                <a:solidFill>
+                  <a:srgbClr val="FF0000"/>
+                </a:solidFill>
+              </a:endParaRPr>
+            </a:p>
+          </p:txBody>
+        </p:sp>
+        <p:grpSp>
+          <p:nvGrpSpPr>
+            <p:cNvPr id="50" name="Group 49">
+              <a:extLst>
+                <a:ext uri="{FF2B5EF4-FFF2-40B4-BE49-F238E27FC236}">
+                  <a16:creationId xmlns:a16="http://schemas.microsoft.com/office/drawing/2014/main" id="{5FF5D4D1-A90B-B7D2-C795-E1B6BA7C1D08}"/>
+                </a:ext>
+              </a:extLst>
+            </p:cNvPr>
+            <p:cNvGrpSpPr/>
+            <p:nvPr/>
+          </p:nvGrpSpPr>
+          <p:grpSpPr>
+            <a:xfrm rot="5400000" flipV="1">
+              <a:off x="10921436" y="1708695"/>
+              <a:ext cx="592455" cy="880899"/>
+              <a:chOff x="3308385" y="8500612"/>
+              <a:chExt cx="232510" cy="554881"/>
+            </a:xfrm>
+          </p:grpSpPr>
+          <p:sp>
+            <p:nvSpPr>
+              <p:cNvPr id="51" name="Arc 50">
+                <a:extLst>
+                  <a:ext uri="{FF2B5EF4-FFF2-40B4-BE49-F238E27FC236}">
+                    <a16:creationId xmlns:a16="http://schemas.microsoft.com/office/drawing/2014/main" id="{F63D0D5C-7D0D-FB62-25B4-96D25847F91A}"/>
+                  </a:ext>
+                </a:extLst>
+              </p:cNvPr>
+              <p:cNvSpPr/>
+              <p:nvPr/>
+            </p:nvSpPr>
+            <p:spPr>
+              <a:xfrm rot="16200000">
+                <a:off x="3286890" y="8524302"/>
+                <a:ext cx="277695" cy="230315"/>
+              </a:xfrm>
+              <a:prstGeom prst="arc">
+                <a:avLst>
+                  <a:gd name="adj1" fmla="val 10739696"/>
+                  <a:gd name="adj2" fmla="val 0"/>
+                </a:avLst>
+              </a:prstGeom>
+              <a:ln w="57150">
+                <a:solidFill>
+                  <a:srgbClr val="FF0000"/>
+                </a:solidFill>
+              </a:ln>
+            </p:spPr>
+            <p:style>
+              <a:lnRef idx="1">
+                <a:schemeClr val="dk1"/>
+              </a:lnRef>
+              <a:fillRef idx="0">
+                <a:schemeClr val="dk1"/>
+              </a:fillRef>
+              <a:effectRef idx="0">
+                <a:schemeClr val="dk1"/>
+              </a:effectRef>
+              <a:fontRef idx="minor">
+                <a:schemeClr val="tx1"/>
+              </a:fontRef>
+            </p:style>
+            <p:txBody>
+              <a:bodyPr rtlCol="0" anchor="ctr"/>
+              <a:lstStyle/>
+              <a:p>
+                <a:pPr algn="ctr"/>
+                <a:endParaRPr lang="en-IN" dirty="0"/>
+              </a:p>
+            </p:txBody>
+          </p:sp>
+          <p:sp>
+            <p:nvSpPr>
+              <p:cNvPr id="52" name="Arc 51">
+                <a:extLst>
+                  <a:ext uri="{FF2B5EF4-FFF2-40B4-BE49-F238E27FC236}">
+                    <a16:creationId xmlns:a16="http://schemas.microsoft.com/office/drawing/2014/main" id="{845D61AC-24D9-7FD7-2F54-D09B6F1B63E4}"/>
+                  </a:ext>
+                </a:extLst>
+              </p:cNvPr>
+              <p:cNvSpPr/>
+              <p:nvPr/>
+            </p:nvSpPr>
+            <p:spPr>
+              <a:xfrm rot="5400000" flipH="1">
+                <a:off x="3284695" y="8801488"/>
+                <a:ext cx="277695" cy="230315"/>
+              </a:xfrm>
+              <a:prstGeom prst="arc">
+                <a:avLst>
+                  <a:gd name="adj1" fmla="val 10739696"/>
+                  <a:gd name="adj2" fmla="val 0"/>
+                </a:avLst>
+              </a:prstGeom>
+              <a:ln w="57150">
+                <a:solidFill>
+                  <a:srgbClr val="FF0000"/>
+                </a:solidFill>
+              </a:ln>
+            </p:spPr>
+            <p:style>
+              <a:lnRef idx="1">
+                <a:schemeClr val="dk1"/>
+              </a:lnRef>
+              <a:fillRef idx="0">
+                <a:schemeClr val="dk1"/>
+              </a:fillRef>
+              <a:effectRef idx="0">
+                <a:schemeClr val="dk1"/>
+              </a:effectRef>
+              <a:fontRef idx="minor">
+                <a:schemeClr val="tx1"/>
+              </a:fontRef>
+            </p:style>
+            <p:txBody>
+              <a:bodyPr rtlCol="0" anchor="ctr"/>
+              <a:lstStyle/>
+              <a:p>
+                <a:pPr algn="ctr"/>
+                <a:endParaRPr lang="en-IN" dirty="0"/>
+              </a:p>
+            </p:txBody>
+          </p:sp>
+        </p:grpSp>
+      </p:grpSp>
+      <p:cxnSp>
+        <p:nvCxnSpPr>
+          <p:cNvPr id="13" name="Straight Connector 12">
+            <a:extLst>
+              <a:ext uri="{FF2B5EF4-FFF2-40B4-BE49-F238E27FC236}">
+                <a16:creationId xmlns:a16="http://schemas.microsoft.com/office/drawing/2014/main" id="{8A567716-CDE3-D078-2A3C-71452D2A120F}"/>
+              </a:ext>
+            </a:extLst>
+          </p:cNvPr>
+          <p:cNvCxnSpPr>
+            <a:cxnSpLocks/>
+          </p:cNvCxnSpPr>
+          <p:nvPr/>
+        </p:nvCxnSpPr>
+        <p:spPr>
+          <a:xfrm rot="16200000" flipH="1" flipV="1">
+            <a:off x="3625284" y="2507640"/>
+            <a:ext cx="9315" cy="782005"/>
+          </a:xfrm>
+          <a:prstGeom prst="line">
+            <a:avLst/>
+          </a:prstGeom>
+          <a:ln w="57150">
+            <a:solidFill>
+              <a:schemeClr val="accent1"/>
+            </a:solidFill>
+          </a:ln>
+        </p:spPr>
+        <p:style>
+          <a:lnRef idx="1">
+            <a:schemeClr val="accent1"/>
+          </a:lnRef>
+          <a:fillRef idx="0">
+            <a:schemeClr val="accent1"/>
+          </a:fillRef>
+          <a:effectRef idx="0">
+            <a:schemeClr val="accent1"/>
+          </a:effectRef>
+          <a:fontRef idx="minor">
+            <a:schemeClr val="tx1"/>
+          </a:fontRef>
+        </p:style>
+      </p:cxnSp>
+      <p:grpSp>
+        <p:nvGrpSpPr>
+          <p:cNvPr id="14" name="Group 13">
+            <a:extLst>
+              <a:ext uri="{FF2B5EF4-FFF2-40B4-BE49-F238E27FC236}">
+                <a16:creationId xmlns:a16="http://schemas.microsoft.com/office/drawing/2014/main" id="{1B55FEB2-6D70-7DEE-02BC-C2C677068BDA}"/>
+              </a:ext>
+            </a:extLst>
+          </p:cNvPr>
+          <p:cNvGrpSpPr/>
+          <p:nvPr/>
+        </p:nvGrpSpPr>
+        <p:grpSpPr>
+          <a:xfrm rot="16200000" flipH="1">
+            <a:off x="3456286" y="2766704"/>
+            <a:ext cx="394672" cy="312519"/>
+            <a:chOff x="3610045" y="3464345"/>
+            <a:chExt cx="693435" cy="420634"/>
+          </a:xfrm>
+        </p:grpSpPr>
+        <p:sp>
+          <p:nvSpPr>
+            <p:cNvPr id="47" name="Isosceles Triangle 46">
+              <a:extLst>
+                <a:ext uri="{FF2B5EF4-FFF2-40B4-BE49-F238E27FC236}">
+                  <a16:creationId xmlns:a16="http://schemas.microsoft.com/office/drawing/2014/main" id="{02AB1079-477A-B505-F5BF-9B7042B2501E}"/>
+                </a:ext>
+              </a:extLst>
+            </p:cNvPr>
+            <p:cNvSpPr/>
+            <p:nvPr/>
+          </p:nvSpPr>
+          <p:spPr>
+            <a:xfrm>
+              <a:off x="3610045" y="3464345"/>
+              <a:ext cx="653139" cy="420634"/>
+            </a:xfrm>
+            <a:prstGeom prst="triangle">
+              <a:avLst/>
+            </a:prstGeom>
+            <a:ln w="57150">
+              <a:solidFill>
+                <a:schemeClr val="accent1"/>
+              </a:solidFill>
+            </a:ln>
+          </p:spPr>
+          <p:style>
+            <a:lnRef idx="2">
+              <a:schemeClr val="accent1">
+                <a:shade val="50000"/>
+              </a:schemeClr>
+            </a:lnRef>
+            <a:fillRef idx="1">
+              <a:schemeClr val="accent1"/>
+            </a:fillRef>
+            <a:effectRef idx="0">
+              <a:schemeClr val="accent1"/>
+            </a:effectRef>
+            <a:fontRef idx="minor">
+              <a:schemeClr val="lt1"/>
+            </a:fontRef>
+          </p:style>
+          <p:txBody>
+            <a:bodyPr rtlCol="0" anchor="ctr"/>
+            <a:lstStyle/>
+            <a:p>
+              <a:pPr algn="ctr"/>
+              <a:endParaRPr lang="en-IN"/>
+            </a:p>
+          </p:txBody>
+        </p:sp>
+        <p:cxnSp>
+          <p:nvCxnSpPr>
+            <p:cNvPr id="48" name="Straight Connector 47">
+              <a:extLst>
+                <a:ext uri="{FF2B5EF4-FFF2-40B4-BE49-F238E27FC236}">
+                  <a16:creationId xmlns:a16="http://schemas.microsoft.com/office/drawing/2014/main" id="{05F81EFC-9C32-BE11-1545-B3EFA98CA3BE}"/>
+                </a:ext>
+              </a:extLst>
+            </p:cNvPr>
+            <p:cNvCxnSpPr>
+              <a:cxnSpLocks/>
+            </p:cNvCxnSpPr>
+            <p:nvPr/>
+          </p:nvCxnSpPr>
+          <p:spPr>
+            <a:xfrm>
+              <a:off x="3610045" y="3491609"/>
+              <a:ext cx="693435" cy="0"/>
+            </a:xfrm>
+            <a:prstGeom prst="line">
+              <a:avLst/>
+            </a:prstGeom>
+            <a:ln w="57150">
+              <a:solidFill>
+                <a:schemeClr val="accent1"/>
+              </a:solidFill>
+            </a:ln>
+          </p:spPr>
+          <p:style>
+            <a:lnRef idx="1">
+              <a:schemeClr val="accent1"/>
+            </a:lnRef>
+            <a:fillRef idx="0">
+              <a:schemeClr val="accent1"/>
+            </a:fillRef>
+            <a:effectRef idx="0">
+              <a:schemeClr val="accent1"/>
+            </a:effectRef>
+            <a:fontRef idx="minor">
+              <a:schemeClr val="tx1"/>
+            </a:fontRef>
+          </p:style>
+        </p:cxnSp>
+      </p:grpSp>
+      <p:cxnSp>
+        <p:nvCxnSpPr>
+          <p:cNvPr id="15" name="Straight Connector 14">
+            <a:extLst>
+              <a:ext uri="{FF2B5EF4-FFF2-40B4-BE49-F238E27FC236}">
+                <a16:creationId xmlns:a16="http://schemas.microsoft.com/office/drawing/2014/main" id="{E3F8194B-E626-2FCC-4EAE-8C1BDFC41F56}"/>
+              </a:ext>
+            </a:extLst>
+          </p:cNvPr>
+          <p:cNvCxnSpPr>
+            <a:cxnSpLocks/>
+          </p:cNvCxnSpPr>
+          <p:nvPr/>
+        </p:nvCxnSpPr>
+        <p:spPr>
+          <a:xfrm flipH="1">
+            <a:off x="4446381" y="2347840"/>
+            <a:ext cx="1613228" cy="0"/>
+          </a:xfrm>
+          <a:prstGeom prst="line">
+            <a:avLst/>
+          </a:prstGeom>
+          <a:ln w="38100">
+            <a:solidFill>
+              <a:schemeClr val="tx1"/>
+            </a:solidFill>
+          </a:ln>
+        </p:spPr>
+        <p:style>
+          <a:lnRef idx="1">
+            <a:schemeClr val="accent1"/>
+          </a:lnRef>
+          <a:fillRef idx="0">
+            <a:schemeClr val="accent1"/>
+          </a:fillRef>
+          <a:effectRef idx="0">
+            <a:schemeClr val="accent1"/>
+          </a:effectRef>
+          <a:fontRef idx="minor">
+            <a:schemeClr val="tx1"/>
+          </a:fontRef>
+        </p:style>
+      </p:cxnSp>
+      <p:grpSp>
+        <p:nvGrpSpPr>
+          <p:cNvPr id="16" name="Group 15">
+            <a:extLst>
+              <a:ext uri="{FF2B5EF4-FFF2-40B4-BE49-F238E27FC236}">
+                <a16:creationId xmlns:a16="http://schemas.microsoft.com/office/drawing/2014/main" id="{4B8A6D05-73A5-7012-1F7D-8CA081C3FC79}"/>
+              </a:ext>
+            </a:extLst>
+          </p:cNvPr>
+          <p:cNvGrpSpPr/>
+          <p:nvPr/>
+        </p:nvGrpSpPr>
+        <p:grpSpPr>
+          <a:xfrm>
+            <a:off x="5792925" y="2991536"/>
+            <a:ext cx="334597" cy="1782986"/>
+            <a:chOff x="7918605" y="2686715"/>
+            <a:chExt cx="439795" cy="2316888"/>
+          </a:xfrm>
+        </p:grpSpPr>
+        <p:grpSp>
+          <p:nvGrpSpPr>
+            <p:cNvPr id="30" name="Group 29">
+              <a:extLst>
+                <a:ext uri="{FF2B5EF4-FFF2-40B4-BE49-F238E27FC236}">
+                  <a16:creationId xmlns:a16="http://schemas.microsoft.com/office/drawing/2014/main" id="{28DF9B03-41B2-A5A8-6A5B-173E100DD193}"/>
+                </a:ext>
+              </a:extLst>
+            </p:cNvPr>
+            <p:cNvGrpSpPr/>
+            <p:nvPr/>
+          </p:nvGrpSpPr>
+          <p:grpSpPr>
+            <a:xfrm rot="16200000">
+              <a:off x="7615874" y="3638920"/>
+              <a:ext cx="1045257" cy="439795"/>
+              <a:chOff x="2905113" y="3027281"/>
+              <a:chExt cx="1489971" cy="494935"/>
+            </a:xfrm>
+          </p:grpSpPr>
+          <p:cxnSp>
+            <p:nvCxnSpPr>
+              <p:cNvPr id="33" name="Straight Connector 32">
+                <a:extLst>
+                  <a:ext uri="{FF2B5EF4-FFF2-40B4-BE49-F238E27FC236}">
+                    <a16:creationId xmlns:a16="http://schemas.microsoft.com/office/drawing/2014/main" id="{AD88C749-F668-E9CB-622A-23B1B7E402B0}"/>
+                  </a:ext>
+                </a:extLst>
+              </p:cNvPr>
+              <p:cNvCxnSpPr>
+                <a:cxnSpLocks/>
+              </p:cNvCxnSpPr>
+              <p:nvPr/>
+            </p:nvCxnSpPr>
+            <p:spPr>
+              <a:xfrm rot="5400000" flipH="1" flipV="1">
+                <a:off x="2786718" y="3145681"/>
+                <a:ext cx="394474" cy="157683"/>
+              </a:xfrm>
+              <a:prstGeom prst="line">
+                <a:avLst/>
+              </a:prstGeom>
+              <a:ln w="38100">
+                <a:solidFill>
+                  <a:srgbClr val="0070C0"/>
+                </a:solidFill>
+              </a:ln>
+            </p:spPr>
+            <p:style>
+              <a:lnRef idx="1">
+                <a:schemeClr val="accent1"/>
+              </a:lnRef>
+              <a:fillRef idx="0">
+                <a:schemeClr val="accent1"/>
+              </a:fillRef>
+              <a:effectRef idx="0">
+                <a:schemeClr val="accent1"/>
+              </a:effectRef>
+              <a:fontRef idx="minor">
+                <a:schemeClr val="tx1"/>
+              </a:fontRef>
+            </p:style>
+          </p:cxnSp>
+          <p:grpSp>
+            <p:nvGrpSpPr>
+              <p:cNvPr id="34" name="Group 33">
+                <a:extLst>
+                  <a:ext uri="{FF2B5EF4-FFF2-40B4-BE49-F238E27FC236}">
+                    <a16:creationId xmlns:a16="http://schemas.microsoft.com/office/drawing/2014/main" id="{C5DDB001-A938-4423-BEB2-882A0693B2CD}"/>
+                  </a:ext>
+                </a:extLst>
+              </p:cNvPr>
+              <p:cNvGrpSpPr/>
+              <p:nvPr/>
+            </p:nvGrpSpPr>
+            <p:grpSpPr>
+              <a:xfrm>
+                <a:off x="3062796" y="3038382"/>
+                <a:ext cx="301842" cy="483834"/>
+                <a:chOff x="3062796" y="3027285"/>
+                <a:chExt cx="301842" cy="483834"/>
+              </a:xfrm>
+            </p:grpSpPr>
+            <p:cxnSp>
+              <p:nvCxnSpPr>
+                <p:cNvPr id="45" name="Straight Connector 44">
+                  <a:extLst>
+                    <a:ext uri="{FF2B5EF4-FFF2-40B4-BE49-F238E27FC236}">
+                      <a16:creationId xmlns:a16="http://schemas.microsoft.com/office/drawing/2014/main" id="{042D319D-1600-B513-7890-A2EFEF3B5149}"/>
+                    </a:ext>
+                  </a:extLst>
+                </p:cNvPr>
+                <p:cNvCxnSpPr>
+                  <a:cxnSpLocks/>
+                </p:cNvCxnSpPr>
+                <p:nvPr/>
+              </p:nvCxnSpPr>
+              <p:spPr>
+                <a:xfrm flipH="1" flipV="1">
+                  <a:off x="3062796" y="3027285"/>
+                  <a:ext cx="150921" cy="483834"/>
+                </a:xfrm>
+                <a:prstGeom prst="line">
+                  <a:avLst/>
+                </a:prstGeom>
+                <a:ln w="38100">
+                  <a:solidFill>
+                    <a:srgbClr val="0070C0"/>
+                  </a:solidFill>
+                </a:ln>
+              </p:spPr>
+              <p:style>
+                <a:lnRef idx="1">
+                  <a:schemeClr val="accent1"/>
+                </a:lnRef>
+                <a:fillRef idx="0">
+                  <a:schemeClr val="accent1"/>
+                </a:fillRef>
+                <a:effectRef idx="0">
+                  <a:schemeClr val="accent1"/>
+                </a:effectRef>
+                <a:fontRef idx="minor">
+                  <a:schemeClr val="tx1"/>
+                </a:fontRef>
+              </p:style>
+            </p:cxnSp>
+            <p:cxnSp>
+              <p:nvCxnSpPr>
+                <p:cNvPr id="46" name="Straight Connector 45">
+                  <a:extLst>
+                    <a:ext uri="{FF2B5EF4-FFF2-40B4-BE49-F238E27FC236}">
+                      <a16:creationId xmlns:a16="http://schemas.microsoft.com/office/drawing/2014/main" id="{F1F5A918-F858-7CBC-BAA4-27AA5104BB5E}"/>
+                    </a:ext>
+                  </a:extLst>
+                </p:cNvPr>
+                <p:cNvCxnSpPr>
+                  <a:cxnSpLocks/>
+                </p:cNvCxnSpPr>
+                <p:nvPr/>
+              </p:nvCxnSpPr>
+              <p:spPr>
+                <a:xfrm flipV="1">
+                  <a:off x="3213717" y="3027285"/>
+                  <a:ext cx="150921" cy="483834"/>
+                </a:xfrm>
+                <a:prstGeom prst="line">
+                  <a:avLst/>
+                </a:prstGeom>
+                <a:ln w="38100">
+                  <a:solidFill>
+                    <a:srgbClr val="0070C0"/>
+                  </a:solidFill>
+                </a:ln>
+              </p:spPr>
+              <p:style>
+                <a:lnRef idx="1">
+                  <a:schemeClr val="accent1"/>
+                </a:lnRef>
+                <a:fillRef idx="0">
+                  <a:schemeClr val="accent1"/>
+                </a:fillRef>
+                <a:effectRef idx="0">
+                  <a:schemeClr val="accent1"/>
+                </a:effectRef>
+                <a:fontRef idx="minor">
+                  <a:schemeClr val="tx1"/>
+                </a:fontRef>
+              </p:style>
+            </p:cxnSp>
+          </p:grpSp>
+          <p:grpSp>
+            <p:nvGrpSpPr>
+              <p:cNvPr id="35" name="Group 34">
+                <a:extLst>
+                  <a:ext uri="{FF2B5EF4-FFF2-40B4-BE49-F238E27FC236}">
+                    <a16:creationId xmlns:a16="http://schemas.microsoft.com/office/drawing/2014/main" id="{5D16FE51-C6DD-D1C0-E843-6A0C5EE79481}"/>
+                  </a:ext>
+                </a:extLst>
+              </p:cNvPr>
+              <p:cNvGrpSpPr/>
+              <p:nvPr/>
+            </p:nvGrpSpPr>
+            <p:grpSpPr>
+              <a:xfrm>
+                <a:off x="3366118" y="3027281"/>
+                <a:ext cx="301842" cy="483838"/>
+                <a:chOff x="3062796" y="3027281"/>
+                <a:chExt cx="301842" cy="483838"/>
+              </a:xfrm>
+            </p:grpSpPr>
+            <p:cxnSp>
+              <p:nvCxnSpPr>
+                <p:cNvPr id="43" name="Straight Connector 42">
+                  <a:extLst>
+                    <a:ext uri="{FF2B5EF4-FFF2-40B4-BE49-F238E27FC236}">
+                      <a16:creationId xmlns:a16="http://schemas.microsoft.com/office/drawing/2014/main" id="{D4B8F385-B362-5E85-DE16-64EB5DA9BEFB}"/>
+                    </a:ext>
+                  </a:extLst>
+                </p:cNvPr>
+                <p:cNvCxnSpPr>
+                  <a:cxnSpLocks/>
+                </p:cNvCxnSpPr>
+                <p:nvPr/>
+              </p:nvCxnSpPr>
+              <p:spPr>
+                <a:xfrm flipH="1" flipV="1">
+                  <a:off x="3062796" y="3027281"/>
+                  <a:ext cx="150922" cy="483834"/>
+                </a:xfrm>
+                <a:prstGeom prst="line">
+                  <a:avLst/>
+                </a:prstGeom>
+                <a:ln w="38100">
+                  <a:solidFill>
+                    <a:srgbClr val="0070C0"/>
+                  </a:solidFill>
+                </a:ln>
+              </p:spPr>
+              <p:style>
+                <a:lnRef idx="1">
+                  <a:schemeClr val="accent1"/>
+                </a:lnRef>
+                <a:fillRef idx="0">
+                  <a:schemeClr val="accent1"/>
+                </a:fillRef>
+                <a:effectRef idx="0">
+                  <a:schemeClr val="accent1"/>
+                </a:effectRef>
+                <a:fontRef idx="minor">
+                  <a:schemeClr val="tx1"/>
+                </a:fontRef>
+              </p:style>
+            </p:cxnSp>
+            <p:cxnSp>
+              <p:nvCxnSpPr>
+                <p:cNvPr id="44" name="Straight Connector 43">
+                  <a:extLst>
+                    <a:ext uri="{FF2B5EF4-FFF2-40B4-BE49-F238E27FC236}">
+                      <a16:creationId xmlns:a16="http://schemas.microsoft.com/office/drawing/2014/main" id="{BE61F646-62A3-E826-06D7-8E410725333C}"/>
+                    </a:ext>
+                  </a:extLst>
+                </p:cNvPr>
+                <p:cNvCxnSpPr>
+                  <a:cxnSpLocks/>
+                </p:cNvCxnSpPr>
+                <p:nvPr/>
+              </p:nvCxnSpPr>
+              <p:spPr>
+                <a:xfrm flipV="1">
+                  <a:off x="3213717" y="3027285"/>
+                  <a:ext cx="150921" cy="483834"/>
+                </a:xfrm>
+                <a:prstGeom prst="line">
+                  <a:avLst/>
+                </a:prstGeom>
+                <a:ln w="38100">
+                  <a:solidFill>
+                    <a:srgbClr val="0070C0"/>
+                  </a:solidFill>
+                </a:ln>
+              </p:spPr>
+              <p:style>
+                <a:lnRef idx="1">
+                  <a:schemeClr val="accent1"/>
+                </a:lnRef>
+                <a:fillRef idx="0">
+                  <a:schemeClr val="accent1"/>
+                </a:fillRef>
+                <a:effectRef idx="0">
+                  <a:schemeClr val="accent1"/>
+                </a:effectRef>
+                <a:fontRef idx="minor">
+                  <a:schemeClr val="tx1"/>
+                </a:fontRef>
+              </p:style>
+            </p:cxnSp>
+          </p:grpSp>
+          <p:grpSp>
+            <p:nvGrpSpPr>
+              <p:cNvPr id="36" name="Group 35">
+                <a:extLst>
+                  <a:ext uri="{FF2B5EF4-FFF2-40B4-BE49-F238E27FC236}">
+                    <a16:creationId xmlns:a16="http://schemas.microsoft.com/office/drawing/2014/main" id="{78790D8D-3BCF-3A5B-53BF-D4DF342CCDF9}"/>
+                  </a:ext>
+                </a:extLst>
+              </p:cNvPr>
+              <p:cNvGrpSpPr/>
+              <p:nvPr/>
+            </p:nvGrpSpPr>
+            <p:grpSpPr>
+              <a:xfrm>
+                <a:off x="3971282" y="3038381"/>
+                <a:ext cx="301843" cy="483835"/>
+                <a:chOff x="3062796" y="3027284"/>
+                <a:chExt cx="301843" cy="483835"/>
+              </a:xfrm>
+            </p:grpSpPr>
+            <p:cxnSp>
+              <p:nvCxnSpPr>
+                <p:cNvPr id="41" name="Straight Connector 40">
+                  <a:extLst>
+                    <a:ext uri="{FF2B5EF4-FFF2-40B4-BE49-F238E27FC236}">
+                      <a16:creationId xmlns:a16="http://schemas.microsoft.com/office/drawing/2014/main" id="{EEBF1904-1090-4FFE-927B-C0F316DD7819}"/>
+                    </a:ext>
+                  </a:extLst>
+                </p:cNvPr>
+                <p:cNvCxnSpPr>
+                  <a:cxnSpLocks/>
+                </p:cNvCxnSpPr>
+                <p:nvPr/>
+              </p:nvCxnSpPr>
+              <p:spPr>
+                <a:xfrm flipH="1" flipV="1">
+                  <a:off x="3062796" y="3027285"/>
+                  <a:ext cx="150921" cy="483834"/>
+                </a:xfrm>
+                <a:prstGeom prst="line">
+                  <a:avLst/>
+                </a:prstGeom>
+                <a:ln w="38100">
+                  <a:solidFill>
+                    <a:srgbClr val="0070C0"/>
+                  </a:solidFill>
+                </a:ln>
+              </p:spPr>
+              <p:style>
+                <a:lnRef idx="1">
+                  <a:schemeClr val="accent1"/>
+                </a:lnRef>
+                <a:fillRef idx="0">
+                  <a:schemeClr val="accent1"/>
+                </a:fillRef>
+                <a:effectRef idx="0">
+                  <a:schemeClr val="accent1"/>
+                </a:effectRef>
+                <a:fontRef idx="minor">
+                  <a:schemeClr val="tx1"/>
+                </a:fontRef>
+              </p:style>
+            </p:cxnSp>
+            <p:cxnSp>
+              <p:nvCxnSpPr>
+                <p:cNvPr id="42" name="Straight Connector 41">
+                  <a:extLst>
+                    <a:ext uri="{FF2B5EF4-FFF2-40B4-BE49-F238E27FC236}">
+                      <a16:creationId xmlns:a16="http://schemas.microsoft.com/office/drawing/2014/main" id="{99510576-F277-D8F4-234B-2B1CF4B4C6AD}"/>
+                    </a:ext>
+                  </a:extLst>
+                </p:cNvPr>
+                <p:cNvCxnSpPr>
+                  <a:cxnSpLocks/>
+                </p:cNvCxnSpPr>
+                <p:nvPr/>
+              </p:nvCxnSpPr>
+              <p:spPr>
+                <a:xfrm flipV="1">
+                  <a:off x="3213719" y="3027284"/>
+                  <a:ext cx="150920" cy="483834"/>
+                </a:xfrm>
+                <a:prstGeom prst="line">
+                  <a:avLst/>
+                </a:prstGeom>
+                <a:ln w="38100">
+                  <a:solidFill>
+                    <a:srgbClr val="0070C0"/>
+                  </a:solidFill>
+                </a:ln>
+              </p:spPr>
+              <p:style>
+                <a:lnRef idx="1">
+                  <a:schemeClr val="accent1"/>
+                </a:lnRef>
+                <a:fillRef idx="0">
+                  <a:schemeClr val="accent1"/>
+                </a:fillRef>
+                <a:effectRef idx="0">
+                  <a:schemeClr val="accent1"/>
+                </a:effectRef>
+                <a:fontRef idx="minor">
+                  <a:schemeClr val="tx1"/>
+                </a:fontRef>
+              </p:style>
+            </p:cxnSp>
+          </p:grpSp>
+          <p:grpSp>
+            <p:nvGrpSpPr>
+              <p:cNvPr id="37" name="Group 36">
+                <a:extLst>
+                  <a:ext uri="{FF2B5EF4-FFF2-40B4-BE49-F238E27FC236}">
+                    <a16:creationId xmlns:a16="http://schemas.microsoft.com/office/drawing/2014/main" id="{F496894C-FC2C-9DB0-8626-EF13CB3FB4C0}"/>
+                  </a:ext>
+                </a:extLst>
+              </p:cNvPr>
+              <p:cNvGrpSpPr/>
+              <p:nvPr/>
+            </p:nvGrpSpPr>
+            <p:grpSpPr>
+              <a:xfrm>
+                <a:off x="3667960" y="3038382"/>
+                <a:ext cx="301842" cy="483834"/>
+                <a:chOff x="3062796" y="3027285"/>
+                <a:chExt cx="301842" cy="483834"/>
+              </a:xfrm>
+            </p:grpSpPr>
+            <p:cxnSp>
+              <p:nvCxnSpPr>
+                <p:cNvPr id="39" name="Straight Connector 38">
+                  <a:extLst>
+                    <a:ext uri="{FF2B5EF4-FFF2-40B4-BE49-F238E27FC236}">
+                      <a16:creationId xmlns:a16="http://schemas.microsoft.com/office/drawing/2014/main" id="{70432D00-8C39-4E15-0B9D-728BF74191D3}"/>
+                    </a:ext>
+                  </a:extLst>
+                </p:cNvPr>
+                <p:cNvCxnSpPr>
+                  <a:cxnSpLocks/>
+                </p:cNvCxnSpPr>
+                <p:nvPr/>
+              </p:nvCxnSpPr>
+              <p:spPr>
+                <a:xfrm flipH="1" flipV="1">
+                  <a:off x="3062796" y="3027285"/>
+                  <a:ext cx="150921" cy="483834"/>
+                </a:xfrm>
+                <a:prstGeom prst="line">
+                  <a:avLst/>
+                </a:prstGeom>
+                <a:ln w="38100">
+                  <a:solidFill>
+                    <a:srgbClr val="0070C0"/>
+                  </a:solidFill>
+                </a:ln>
+              </p:spPr>
+              <p:style>
+                <a:lnRef idx="1">
+                  <a:schemeClr val="accent1"/>
+                </a:lnRef>
+                <a:fillRef idx="0">
+                  <a:schemeClr val="accent1"/>
+                </a:fillRef>
+                <a:effectRef idx="0">
+                  <a:schemeClr val="accent1"/>
+                </a:effectRef>
+                <a:fontRef idx="minor">
+                  <a:schemeClr val="tx1"/>
+                </a:fontRef>
+              </p:style>
+            </p:cxnSp>
+            <p:cxnSp>
+              <p:nvCxnSpPr>
+                <p:cNvPr id="40" name="Straight Connector 39">
+                  <a:extLst>
+                    <a:ext uri="{FF2B5EF4-FFF2-40B4-BE49-F238E27FC236}">
+                      <a16:creationId xmlns:a16="http://schemas.microsoft.com/office/drawing/2014/main" id="{494362E4-901E-9704-31DC-210D459258A6}"/>
+                    </a:ext>
+                  </a:extLst>
+                </p:cNvPr>
+                <p:cNvCxnSpPr>
+                  <a:cxnSpLocks/>
+                </p:cNvCxnSpPr>
+                <p:nvPr/>
+              </p:nvCxnSpPr>
+              <p:spPr>
+                <a:xfrm flipV="1">
+                  <a:off x="3213717" y="3027285"/>
+                  <a:ext cx="150921" cy="483834"/>
+                </a:xfrm>
+                <a:prstGeom prst="line">
+                  <a:avLst/>
+                </a:prstGeom>
+                <a:ln w="38100">
+                  <a:solidFill>
+                    <a:srgbClr val="0070C0"/>
+                  </a:solidFill>
+                </a:ln>
+              </p:spPr>
+              <p:style>
+                <a:lnRef idx="1">
+                  <a:schemeClr val="accent1"/>
+                </a:lnRef>
+                <a:fillRef idx="0">
+                  <a:schemeClr val="accent1"/>
+                </a:fillRef>
+                <a:effectRef idx="0">
+                  <a:schemeClr val="accent1"/>
+                </a:effectRef>
+                <a:fontRef idx="minor">
+                  <a:schemeClr val="tx1"/>
+                </a:fontRef>
+              </p:style>
+            </p:cxnSp>
+          </p:grpSp>
+          <p:cxnSp>
+            <p:nvCxnSpPr>
+              <p:cNvPr id="38" name="Straight Connector 37">
+                <a:extLst>
+                  <a:ext uri="{FF2B5EF4-FFF2-40B4-BE49-F238E27FC236}">
+                    <a16:creationId xmlns:a16="http://schemas.microsoft.com/office/drawing/2014/main" id="{53ED1DA4-0EF3-5303-17C5-3FC434C46B91}"/>
+                  </a:ext>
+                </a:extLst>
+              </p:cNvPr>
+              <p:cNvCxnSpPr>
+                <a:cxnSpLocks/>
+              </p:cNvCxnSpPr>
+              <p:nvPr/>
+            </p:nvCxnSpPr>
+            <p:spPr>
+              <a:xfrm rot="5400000" flipH="1">
+                <a:off x="4136867" y="3163543"/>
+                <a:ext cx="394475" cy="121959"/>
+              </a:xfrm>
+              <a:prstGeom prst="line">
+                <a:avLst/>
+              </a:prstGeom>
+              <a:ln w="38100">
+                <a:solidFill>
+                  <a:srgbClr val="0070C0"/>
+                </a:solidFill>
+              </a:ln>
+            </p:spPr>
+            <p:style>
+              <a:lnRef idx="1">
+                <a:schemeClr val="accent1"/>
+              </a:lnRef>
+              <a:fillRef idx="0">
+                <a:schemeClr val="accent1"/>
+              </a:fillRef>
+              <a:effectRef idx="0">
+                <a:schemeClr val="accent1"/>
+              </a:effectRef>
+              <a:fontRef idx="minor">
+                <a:schemeClr val="tx1"/>
+              </a:fontRef>
+            </p:style>
+          </p:cxnSp>
+        </p:grpSp>
+        <p:cxnSp>
+          <p:nvCxnSpPr>
+            <p:cNvPr id="31" name="Straight Connector 30">
+              <a:extLst>
+                <a:ext uri="{FF2B5EF4-FFF2-40B4-BE49-F238E27FC236}">
+                  <a16:creationId xmlns:a16="http://schemas.microsoft.com/office/drawing/2014/main" id="{ACF960DE-C9BA-13CA-30D2-EAB095733FE2}"/>
+                </a:ext>
+              </a:extLst>
+            </p:cNvPr>
+            <p:cNvCxnSpPr>
+              <a:cxnSpLocks/>
+            </p:cNvCxnSpPr>
+            <p:nvPr/>
+          </p:nvCxnSpPr>
+          <p:spPr>
+            <a:xfrm>
+              <a:off x="8258947" y="2686715"/>
+              <a:ext cx="0" cy="649474"/>
+            </a:xfrm>
+            <a:prstGeom prst="line">
+              <a:avLst/>
+            </a:prstGeom>
+            <a:ln w="38100">
+              <a:solidFill>
+                <a:srgbClr val="0070C0"/>
+              </a:solidFill>
+            </a:ln>
+          </p:spPr>
+          <p:style>
+            <a:lnRef idx="1">
+              <a:schemeClr val="accent1"/>
+            </a:lnRef>
+            <a:fillRef idx="0">
+              <a:schemeClr val="accent1"/>
+            </a:fillRef>
+            <a:effectRef idx="0">
+              <a:schemeClr val="accent1"/>
+            </a:effectRef>
+            <a:fontRef idx="minor">
+              <a:schemeClr val="tx1"/>
+            </a:fontRef>
+          </p:style>
+        </p:cxnSp>
+        <p:cxnSp>
+          <p:nvCxnSpPr>
+            <p:cNvPr id="32" name="Straight Connector 31">
+              <a:extLst>
+                <a:ext uri="{FF2B5EF4-FFF2-40B4-BE49-F238E27FC236}">
+                  <a16:creationId xmlns:a16="http://schemas.microsoft.com/office/drawing/2014/main" id="{1512DF74-75FC-765C-8EF9-6F1A69E65709}"/>
+                </a:ext>
+              </a:extLst>
+            </p:cNvPr>
+            <p:cNvCxnSpPr>
+              <a:cxnSpLocks/>
+            </p:cNvCxnSpPr>
+            <p:nvPr/>
+          </p:nvCxnSpPr>
+          <p:spPr>
+            <a:xfrm>
+              <a:off x="8258947" y="4354129"/>
+              <a:ext cx="0" cy="649474"/>
+            </a:xfrm>
+            <a:prstGeom prst="line">
+              <a:avLst/>
+            </a:prstGeom>
+            <a:ln w="38100">
+              <a:solidFill>
+                <a:srgbClr val="0070C0"/>
+              </a:solidFill>
+            </a:ln>
+          </p:spPr>
+          <p:style>
+            <a:lnRef idx="1">
+              <a:schemeClr val="accent1"/>
+            </a:lnRef>
+            <a:fillRef idx="0">
+              <a:schemeClr val="accent1"/>
+            </a:fillRef>
+            <a:effectRef idx="0">
+              <a:schemeClr val="accent1"/>
+            </a:effectRef>
+            <a:fontRef idx="minor">
+              <a:schemeClr val="tx1"/>
+            </a:fontRef>
+          </p:style>
+        </p:cxnSp>
+      </p:grpSp>
+      <p:cxnSp>
+        <p:nvCxnSpPr>
+          <p:cNvPr id="17" name="Straight Connector 16">
+            <a:extLst>
+              <a:ext uri="{FF2B5EF4-FFF2-40B4-BE49-F238E27FC236}">
+                <a16:creationId xmlns:a16="http://schemas.microsoft.com/office/drawing/2014/main" id="{2A1BD97A-E264-1460-56F1-C1F864A53882}"/>
+              </a:ext>
+            </a:extLst>
+          </p:cNvPr>
+          <p:cNvCxnSpPr>
+            <a:cxnSpLocks/>
+          </p:cNvCxnSpPr>
+          <p:nvPr/>
+        </p:nvCxnSpPr>
+        <p:spPr>
+          <a:xfrm>
+            <a:off x="6052480" y="2347840"/>
+            <a:ext cx="0" cy="810214"/>
+          </a:xfrm>
+          <a:prstGeom prst="line">
+            <a:avLst/>
+          </a:prstGeom>
+          <a:ln w="38100">
+            <a:solidFill>
+              <a:schemeClr val="tx1"/>
+            </a:solidFill>
+          </a:ln>
+        </p:spPr>
+        <p:style>
+          <a:lnRef idx="1">
+            <a:schemeClr val="accent1"/>
+          </a:lnRef>
+          <a:fillRef idx="0">
+            <a:schemeClr val="accent1"/>
+          </a:fillRef>
+          <a:effectRef idx="0">
+            <a:schemeClr val="accent1"/>
+          </a:effectRef>
+          <a:fontRef idx="minor">
+            <a:schemeClr val="tx1"/>
+          </a:fontRef>
+        </p:style>
+      </p:cxnSp>
+      <p:cxnSp>
+        <p:nvCxnSpPr>
+          <p:cNvPr id="18" name="Straight Connector 17">
+            <a:extLst>
+              <a:ext uri="{FF2B5EF4-FFF2-40B4-BE49-F238E27FC236}">
+                <a16:creationId xmlns:a16="http://schemas.microsoft.com/office/drawing/2014/main" id="{3AD2C1D4-2089-7CDD-2F19-E349CE7F2739}"/>
+              </a:ext>
+            </a:extLst>
+          </p:cNvPr>
+          <p:cNvCxnSpPr>
+            <a:cxnSpLocks/>
+          </p:cNvCxnSpPr>
+          <p:nvPr/>
+        </p:nvCxnSpPr>
+        <p:spPr>
+          <a:xfrm>
+            <a:off x="6051858" y="4538400"/>
+            <a:ext cx="0" cy="603481"/>
+          </a:xfrm>
+          <a:prstGeom prst="line">
+            <a:avLst/>
+          </a:prstGeom>
+          <a:ln w="38100">
+            <a:solidFill>
+              <a:schemeClr val="tx1"/>
+            </a:solidFill>
+          </a:ln>
+        </p:spPr>
+        <p:style>
+          <a:lnRef idx="1">
+            <a:schemeClr val="accent1"/>
+          </a:lnRef>
+          <a:fillRef idx="0">
+            <a:schemeClr val="accent1"/>
+          </a:fillRef>
+          <a:effectRef idx="0">
+            <a:schemeClr val="accent1"/>
+          </a:effectRef>
+          <a:fontRef idx="minor">
+            <a:schemeClr val="tx1"/>
+          </a:fontRef>
+        </p:style>
+      </p:cxnSp>
+      <p:cxnSp>
+        <p:nvCxnSpPr>
+          <p:cNvPr id="19" name="Straight Connector 18">
+            <a:extLst>
+              <a:ext uri="{FF2B5EF4-FFF2-40B4-BE49-F238E27FC236}">
+                <a16:creationId xmlns:a16="http://schemas.microsoft.com/office/drawing/2014/main" id="{6D42C334-1F12-660A-013F-709C81F33629}"/>
+              </a:ext>
+            </a:extLst>
+          </p:cNvPr>
+          <p:cNvCxnSpPr>
+            <a:cxnSpLocks/>
+          </p:cNvCxnSpPr>
+          <p:nvPr/>
+        </p:nvCxnSpPr>
+        <p:spPr>
+          <a:xfrm>
+            <a:off x="2776695" y="1801462"/>
+            <a:ext cx="0" cy="1078395"/>
+          </a:xfrm>
+          <a:prstGeom prst="line">
+            <a:avLst/>
+          </a:prstGeom>
+          <a:ln w="38100">
+            <a:solidFill>
+              <a:schemeClr val="tx1"/>
+            </a:solidFill>
+          </a:ln>
+        </p:spPr>
+        <p:style>
+          <a:lnRef idx="1">
+            <a:schemeClr val="accent1"/>
+          </a:lnRef>
+          <a:fillRef idx="0">
+            <a:schemeClr val="accent1"/>
+          </a:fillRef>
+          <a:effectRef idx="0">
+            <a:schemeClr val="accent1"/>
+          </a:effectRef>
+          <a:fontRef idx="minor">
+            <a:schemeClr val="tx1"/>
+          </a:fontRef>
+        </p:style>
+      </p:cxnSp>
+      <p:cxnSp>
+        <p:nvCxnSpPr>
+          <p:cNvPr id="20" name="Straight Connector 19">
+            <a:extLst>
+              <a:ext uri="{FF2B5EF4-FFF2-40B4-BE49-F238E27FC236}">
+                <a16:creationId xmlns:a16="http://schemas.microsoft.com/office/drawing/2014/main" id="{89EBE64F-9258-7CE7-C2B9-F5D03C6BA704}"/>
+              </a:ext>
+            </a:extLst>
+          </p:cNvPr>
+          <p:cNvCxnSpPr>
+            <a:cxnSpLocks/>
+          </p:cNvCxnSpPr>
+          <p:nvPr/>
+        </p:nvCxnSpPr>
+        <p:spPr>
+          <a:xfrm>
+            <a:off x="4446381" y="1757374"/>
+            <a:ext cx="0" cy="1164916"/>
+          </a:xfrm>
+          <a:prstGeom prst="line">
+            <a:avLst/>
+          </a:prstGeom>
+          <a:ln w="38100">
+            <a:solidFill>
+              <a:schemeClr val="tx1"/>
+            </a:solidFill>
+          </a:ln>
+        </p:spPr>
+        <p:style>
+          <a:lnRef idx="1">
+            <a:schemeClr val="accent1"/>
+          </a:lnRef>
+          <a:fillRef idx="0">
+            <a:schemeClr val="accent1"/>
+          </a:fillRef>
+          <a:effectRef idx="0">
+            <a:schemeClr val="accent1"/>
+          </a:effectRef>
+          <a:fontRef idx="minor">
+            <a:schemeClr val="tx1"/>
+          </a:fontRef>
+        </p:style>
+      </p:cxnSp>
+      <p:cxnSp>
+        <p:nvCxnSpPr>
+          <p:cNvPr id="21" name="Straight Connector 20">
+            <a:extLst>
+              <a:ext uri="{FF2B5EF4-FFF2-40B4-BE49-F238E27FC236}">
+                <a16:creationId xmlns:a16="http://schemas.microsoft.com/office/drawing/2014/main" id="{6C866FCA-FDE1-87BC-1232-FC3BAEFF94AA}"/>
+              </a:ext>
+            </a:extLst>
+          </p:cNvPr>
+          <p:cNvCxnSpPr>
+            <a:cxnSpLocks/>
+          </p:cNvCxnSpPr>
+          <p:nvPr/>
+        </p:nvCxnSpPr>
+        <p:spPr>
+          <a:xfrm flipH="1">
+            <a:off x="1369356" y="5126818"/>
+            <a:ext cx="4690253" cy="215"/>
+          </a:xfrm>
+          <a:prstGeom prst="line">
+            <a:avLst/>
+          </a:prstGeom>
+          <a:ln w="38100">
+            <a:solidFill>
+              <a:schemeClr val="tx1"/>
+            </a:solidFill>
+          </a:ln>
+        </p:spPr>
+        <p:style>
+          <a:lnRef idx="1">
+            <a:schemeClr val="accent1"/>
+          </a:lnRef>
+          <a:fillRef idx="0">
+            <a:schemeClr val="accent1"/>
+          </a:fillRef>
+          <a:effectRef idx="0">
+            <a:schemeClr val="accent1"/>
+          </a:effectRef>
+          <a:fontRef idx="minor">
+            <a:schemeClr val="tx1"/>
+          </a:fontRef>
+        </p:style>
+      </p:cxnSp>
+      <p:sp>
+        <p:nvSpPr>
+          <p:cNvPr id="22" name="TextBox 21">
+            <a:extLst>
+              <a:ext uri="{FF2B5EF4-FFF2-40B4-BE49-F238E27FC236}">
+                <a16:creationId xmlns:a16="http://schemas.microsoft.com/office/drawing/2014/main" id="{14980575-0112-612D-06D9-A0F10889DC22}"/>
+              </a:ext>
+            </a:extLst>
+          </p:cNvPr>
+          <p:cNvSpPr txBox="1"/>
+          <p:nvPr/>
+        </p:nvSpPr>
+        <p:spPr>
+          <a:xfrm>
+            <a:off x="296300" y="2525914"/>
+            <a:ext cx="1074224" cy="707886"/>
+          </a:xfrm>
+          <a:prstGeom prst="rect">
+            <a:avLst/>
+          </a:prstGeom>
+          <a:noFill/>
+        </p:spPr>
+        <p:txBody>
+          <a:bodyPr wrap="square" rtlCol="0">
+            <a:spAutoFit/>
+          </a:bodyPr>
+          <a:lstStyle/>
+          <a:p>
+            <a:pPr algn="ctr"/>
+            <a:r>
+              <a:rPr lang="en-IN" sz="2000" b="1" dirty="0">
+                <a:solidFill>
+                  <a:srgbClr val="FF0000"/>
+                </a:solidFill>
+                <a:latin typeface="Times New Roman" panose="02020603050405020304" pitchFamily="18" charset="0"/>
+                <a:cs typeface="Times New Roman" panose="02020603050405020304" pitchFamily="18" charset="0"/>
+              </a:rPr>
+              <a:t>1</a:t>
+            </a:r>
+            <a:r>
+              <a:rPr lang="el-GR" sz="2000" b="1" dirty="0">
+                <a:solidFill>
+                  <a:srgbClr val="FF0000"/>
+                </a:solidFill>
+                <a:latin typeface="Times New Roman" panose="02020603050405020304" pitchFamily="18" charset="0"/>
+                <a:cs typeface="Times New Roman" panose="02020603050405020304" pitchFamily="18" charset="0"/>
+              </a:rPr>
+              <a:t>φ</a:t>
+            </a:r>
+            <a:r>
+              <a:rPr lang="en-US" sz="2000" b="1" dirty="0">
+                <a:solidFill>
+                  <a:srgbClr val="FF0000"/>
+                </a:solidFill>
+                <a:latin typeface="Times New Roman" panose="02020603050405020304" pitchFamily="18" charset="0"/>
+                <a:cs typeface="Times New Roman" panose="02020603050405020304" pitchFamily="18" charset="0"/>
+              </a:rPr>
+              <a:t> AC Supply</a:t>
+            </a:r>
+            <a:endParaRPr lang="en-IN" sz="2000" b="1" dirty="0">
+              <a:solidFill>
+                <a:srgbClr val="FF0000"/>
+              </a:solidFill>
+              <a:latin typeface="Times New Roman" panose="02020603050405020304" pitchFamily="18" charset="0"/>
+              <a:cs typeface="Times New Roman" panose="02020603050405020304" pitchFamily="18" charset="0"/>
+            </a:endParaRPr>
+          </a:p>
+        </p:txBody>
+      </p:sp>
+      <p:cxnSp>
+        <p:nvCxnSpPr>
+          <p:cNvPr id="23" name="Straight Arrow Connector 22">
+            <a:extLst>
+              <a:ext uri="{FF2B5EF4-FFF2-40B4-BE49-F238E27FC236}">
+                <a16:creationId xmlns:a16="http://schemas.microsoft.com/office/drawing/2014/main" id="{E7818383-CC20-1AB8-A92D-ED54A074CC39}"/>
+              </a:ext>
+            </a:extLst>
+          </p:cNvPr>
+          <p:cNvCxnSpPr/>
+          <p:nvPr/>
+        </p:nvCxnSpPr>
+        <p:spPr>
+          <a:xfrm>
+            <a:off x="6600746" y="2340659"/>
+            <a:ext cx="0" cy="2786158"/>
+          </a:xfrm>
+          <a:prstGeom prst="straightConnector1">
+            <a:avLst/>
+          </a:prstGeom>
+          <a:ln w="38100" cap="flat" cmpd="sng" algn="ctr">
+            <a:solidFill>
+              <a:srgbClr val="FF0000"/>
+            </a:solidFill>
+            <a:prstDash val="solid"/>
+            <a:round/>
+            <a:headEnd type="arrow" w="med" len="med"/>
+            <a:tailEnd type="arrow" w="med" len="med"/>
+          </a:ln>
+        </p:spPr>
+        <p:style>
+          <a:lnRef idx="0">
+            <a:scrgbClr r="0" g="0" b="0"/>
+          </a:lnRef>
+          <a:fillRef idx="0">
+            <a:scrgbClr r="0" g="0" b="0"/>
+          </a:fillRef>
+          <a:effectRef idx="0">
+            <a:scrgbClr r="0" g="0" b="0"/>
+          </a:effectRef>
+          <a:fontRef idx="minor">
+            <a:schemeClr val="tx1"/>
+          </a:fontRef>
+        </p:style>
+      </p:cxnSp>
+      <p:sp>
+        <p:nvSpPr>
+          <p:cNvPr id="24" name="TextBox 23">
+            <a:extLst>
+              <a:ext uri="{FF2B5EF4-FFF2-40B4-BE49-F238E27FC236}">
+                <a16:creationId xmlns:a16="http://schemas.microsoft.com/office/drawing/2014/main" id="{0AE424FB-99FD-A224-A83D-8B6CAF8A3E6D}"/>
+              </a:ext>
+            </a:extLst>
+          </p:cNvPr>
+          <p:cNvSpPr txBox="1"/>
+          <p:nvPr/>
+        </p:nvSpPr>
+        <p:spPr>
+          <a:xfrm>
+            <a:off x="6330178" y="3566188"/>
+            <a:ext cx="591729" cy="399186"/>
+          </a:xfrm>
+          <a:prstGeom prst="rect">
+            <a:avLst/>
+          </a:prstGeom>
+          <a:solidFill>
+            <a:schemeClr val="bg1"/>
+          </a:solidFill>
+        </p:spPr>
+        <p:txBody>
+          <a:bodyPr wrap="square" rtlCol="0">
+            <a:spAutoFit/>
+          </a:bodyPr>
+          <a:lstStyle/>
+          <a:p>
+            <a:pPr algn="ctr"/>
+            <a:r>
+              <a:rPr lang="en-US" sz="2000" b="1" dirty="0">
+                <a:latin typeface="Times New Roman" panose="02020603050405020304" pitchFamily="18" charset="0"/>
+                <a:cs typeface="Times New Roman" panose="02020603050405020304" pitchFamily="18" charset="0"/>
+              </a:rPr>
+              <a:t>V</a:t>
+            </a:r>
+            <a:r>
+              <a:rPr lang="en-US" sz="2000" b="1" baseline="-25000" dirty="0">
+                <a:latin typeface="Times New Roman" panose="02020603050405020304" pitchFamily="18" charset="0"/>
+                <a:cs typeface="Times New Roman" panose="02020603050405020304" pitchFamily="18" charset="0"/>
+              </a:rPr>
+              <a:t>O</a:t>
+            </a:r>
+            <a:endParaRPr lang="en-IN" sz="2000" dirty="0"/>
+          </a:p>
+        </p:txBody>
+      </p:sp>
+      <p:cxnSp>
+        <p:nvCxnSpPr>
+          <p:cNvPr id="25" name="Straight Arrow Connector 24">
+            <a:extLst>
+              <a:ext uri="{FF2B5EF4-FFF2-40B4-BE49-F238E27FC236}">
+                <a16:creationId xmlns:a16="http://schemas.microsoft.com/office/drawing/2014/main" id="{900B4DFB-8763-739D-A860-E4675289EE86}"/>
+              </a:ext>
+            </a:extLst>
+          </p:cNvPr>
+          <p:cNvCxnSpPr/>
+          <p:nvPr/>
+        </p:nvCxnSpPr>
+        <p:spPr>
+          <a:xfrm>
+            <a:off x="2222950" y="2376919"/>
+            <a:ext cx="0" cy="2721954"/>
+          </a:xfrm>
+          <a:prstGeom prst="straightConnector1">
+            <a:avLst/>
+          </a:prstGeom>
+          <a:ln w="38100" cap="flat" cmpd="sng" algn="ctr">
+            <a:solidFill>
+              <a:srgbClr val="FF0000"/>
+            </a:solidFill>
+            <a:prstDash val="solid"/>
+            <a:round/>
+            <a:headEnd type="arrow" w="med" len="med"/>
+            <a:tailEnd type="arrow" w="med" len="med"/>
+          </a:ln>
+        </p:spPr>
+        <p:style>
+          <a:lnRef idx="0">
+            <a:scrgbClr r="0" g="0" b="0"/>
+          </a:lnRef>
+          <a:fillRef idx="0">
+            <a:scrgbClr r="0" g="0" b="0"/>
+          </a:fillRef>
+          <a:effectRef idx="0">
+            <a:scrgbClr r="0" g="0" b="0"/>
+          </a:effectRef>
+          <a:fontRef idx="minor">
+            <a:schemeClr val="tx1"/>
+          </a:fontRef>
+        </p:style>
+      </p:cxnSp>
+      <p:sp>
+        <p:nvSpPr>
+          <p:cNvPr id="26" name="TextBox 25">
+            <a:extLst>
+              <a:ext uri="{FF2B5EF4-FFF2-40B4-BE49-F238E27FC236}">
+                <a16:creationId xmlns:a16="http://schemas.microsoft.com/office/drawing/2014/main" id="{5BB59E6E-23D3-875B-0B29-7BDB2AC666C0}"/>
+              </a:ext>
+            </a:extLst>
+          </p:cNvPr>
+          <p:cNvSpPr txBox="1"/>
+          <p:nvPr/>
+        </p:nvSpPr>
+        <p:spPr>
+          <a:xfrm>
+            <a:off x="1964640" y="3491346"/>
+            <a:ext cx="549496" cy="402433"/>
+          </a:xfrm>
+          <a:prstGeom prst="rect">
+            <a:avLst/>
+          </a:prstGeom>
+          <a:solidFill>
+            <a:schemeClr val="bg1"/>
+          </a:solidFill>
+        </p:spPr>
+        <p:txBody>
+          <a:bodyPr wrap="square" rtlCol="0">
+            <a:spAutoFit/>
+          </a:bodyPr>
+          <a:lstStyle/>
+          <a:p>
+            <a:pPr algn="ctr"/>
+            <a:r>
+              <a:rPr lang="en-US" sz="2000" b="1" dirty="0">
+                <a:latin typeface="Times New Roman" panose="02020603050405020304" pitchFamily="18" charset="0"/>
+                <a:cs typeface="Times New Roman" panose="02020603050405020304" pitchFamily="18" charset="0"/>
+              </a:rPr>
+              <a:t>V</a:t>
+            </a:r>
+            <a:r>
+              <a:rPr lang="en-US" sz="2000" b="1" baseline="-25000" dirty="0">
+                <a:latin typeface="Times New Roman" panose="02020603050405020304" pitchFamily="18" charset="0"/>
+                <a:cs typeface="Times New Roman" panose="02020603050405020304" pitchFamily="18" charset="0"/>
+              </a:rPr>
+              <a:t>S</a:t>
+            </a:r>
+            <a:endParaRPr lang="en-IN" sz="2000" dirty="0"/>
+          </a:p>
+        </p:txBody>
+      </p:sp>
+      <p:sp>
+        <p:nvSpPr>
+          <p:cNvPr id="27" name="TextBox 26">
+            <a:extLst>
+              <a:ext uri="{FF2B5EF4-FFF2-40B4-BE49-F238E27FC236}">
+                <a16:creationId xmlns:a16="http://schemas.microsoft.com/office/drawing/2014/main" id="{5C2ED7AA-730F-66B5-2539-6FC422F05F97}"/>
+              </a:ext>
+            </a:extLst>
+          </p:cNvPr>
+          <p:cNvSpPr txBox="1"/>
+          <p:nvPr/>
+        </p:nvSpPr>
+        <p:spPr>
+          <a:xfrm>
+            <a:off x="5255678" y="3532413"/>
+            <a:ext cx="266682" cy="402650"/>
+          </a:xfrm>
+          <a:prstGeom prst="rect">
+            <a:avLst/>
+          </a:prstGeom>
+          <a:noFill/>
+        </p:spPr>
+        <p:txBody>
+          <a:bodyPr wrap="square" rtlCol="0">
+            <a:spAutoFit/>
+          </a:bodyPr>
+          <a:lstStyle/>
+          <a:p>
+            <a:r>
+              <a:rPr lang="en-US" sz="2800" b="1" dirty="0">
+                <a:latin typeface="Times New Roman" panose="02020603050405020304" pitchFamily="18" charset="0"/>
+                <a:cs typeface="Times New Roman" panose="02020603050405020304" pitchFamily="18" charset="0"/>
+              </a:rPr>
+              <a:t>R</a:t>
+            </a:r>
+            <a:endParaRPr lang="en-IN" sz="2800" b="1" dirty="0">
+              <a:latin typeface="Times New Roman" panose="02020603050405020304" pitchFamily="18" charset="0"/>
+              <a:cs typeface="Times New Roman" panose="02020603050405020304" pitchFamily="18" charset="0"/>
+            </a:endParaRPr>
+          </a:p>
+        </p:txBody>
+      </p:sp>
+      <p:sp>
+        <p:nvSpPr>
+          <p:cNvPr id="28" name="TextBox 27">
+            <a:extLst>
+              <a:ext uri="{FF2B5EF4-FFF2-40B4-BE49-F238E27FC236}">
+                <a16:creationId xmlns:a16="http://schemas.microsoft.com/office/drawing/2014/main" id="{F1B67365-B142-0221-8BEA-57681E6ECB8B}"/>
+              </a:ext>
+            </a:extLst>
+          </p:cNvPr>
+          <p:cNvSpPr txBox="1"/>
+          <p:nvPr/>
+        </p:nvSpPr>
+        <p:spPr>
+          <a:xfrm>
+            <a:off x="3328038" y="1080062"/>
+            <a:ext cx="603805" cy="400110"/>
+          </a:xfrm>
+          <a:prstGeom prst="rect">
+            <a:avLst/>
+          </a:prstGeom>
+          <a:noFill/>
+        </p:spPr>
+        <p:txBody>
+          <a:bodyPr wrap="square" rtlCol="0">
+            <a:spAutoFit/>
+          </a:bodyPr>
+          <a:lstStyle/>
+          <a:p>
+            <a:pPr algn="ctr"/>
+            <a:r>
+              <a:rPr lang="en-US" sz="2000" b="1" dirty="0">
+                <a:latin typeface="Times New Roman" panose="02020603050405020304" pitchFamily="18" charset="0"/>
+                <a:cs typeface="Times New Roman" panose="02020603050405020304" pitchFamily="18" charset="0"/>
+              </a:rPr>
+              <a:t>T</a:t>
+            </a:r>
+            <a:r>
+              <a:rPr lang="en-US" sz="2000" b="1" baseline="-25000" dirty="0">
+                <a:latin typeface="Times New Roman" panose="02020603050405020304" pitchFamily="18" charset="0"/>
+                <a:cs typeface="Times New Roman" panose="02020603050405020304" pitchFamily="18" charset="0"/>
+              </a:rPr>
+              <a:t>1</a:t>
+            </a:r>
+            <a:endParaRPr lang="en-IN" sz="2000" b="1" dirty="0">
+              <a:latin typeface="Times New Roman" panose="02020603050405020304" pitchFamily="18" charset="0"/>
+              <a:cs typeface="Times New Roman" panose="02020603050405020304" pitchFamily="18" charset="0"/>
+            </a:endParaRPr>
+          </a:p>
+        </p:txBody>
+      </p:sp>
+      <p:sp>
+        <p:nvSpPr>
+          <p:cNvPr id="55" name="TextBox 54">
+            <a:extLst>
+              <a:ext uri="{FF2B5EF4-FFF2-40B4-BE49-F238E27FC236}">
+                <a16:creationId xmlns:a16="http://schemas.microsoft.com/office/drawing/2014/main" id="{EC7984E0-7ED4-068A-1DD4-D3FE548AFCA7}"/>
+              </a:ext>
+            </a:extLst>
+          </p:cNvPr>
+          <p:cNvSpPr txBox="1"/>
+          <p:nvPr/>
+        </p:nvSpPr>
+        <p:spPr>
+          <a:xfrm>
+            <a:off x="3355317" y="3193981"/>
+            <a:ext cx="603805" cy="400110"/>
+          </a:xfrm>
+          <a:prstGeom prst="rect">
+            <a:avLst/>
+          </a:prstGeom>
+          <a:noFill/>
+        </p:spPr>
+        <p:txBody>
+          <a:bodyPr wrap="square" rtlCol="0">
+            <a:spAutoFit/>
+          </a:bodyPr>
+          <a:lstStyle/>
+          <a:p>
+            <a:pPr algn="ctr"/>
+            <a:r>
+              <a:rPr lang="en-US" sz="2000" b="1" dirty="0">
+                <a:latin typeface="Times New Roman" panose="02020603050405020304" pitchFamily="18" charset="0"/>
+                <a:cs typeface="Times New Roman" panose="02020603050405020304" pitchFamily="18" charset="0"/>
+              </a:rPr>
+              <a:t>D</a:t>
+            </a:r>
+            <a:r>
+              <a:rPr lang="en-US" sz="2000" b="1" baseline="-25000" dirty="0">
+                <a:latin typeface="Times New Roman" panose="02020603050405020304" pitchFamily="18" charset="0"/>
+                <a:cs typeface="Times New Roman" panose="02020603050405020304" pitchFamily="18" charset="0"/>
+              </a:rPr>
+              <a:t>1</a:t>
+            </a:r>
+            <a:endParaRPr lang="en-IN" sz="2000" b="1" dirty="0">
+              <a:latin typeface="Times New Roman" panose="02020603050405020304" pitchFamily="18" charset="0"/>
+              <a:cs typeface="Times New Roman" panose="02020603050405020304" pitchFamily="18" charset="0"/>
+            </a:endParaRPr>
+          </a:p>
+        </p:txBody>
+      </p:sp>
+      <p:sp>
+        <p:nvSpPr>
+          <p:cNvPr id="59" name="Oval 58">
+            <a:extLst>
+              <a:ext uri="{FF2B5EF4-FFF2-40B4-BE49-F238E27FC236}">
+                <a16:creationId xmlns:a16="http://schemas.microsoft.com/office/drawing/2014/main" id="{12259C10-F8D9-18B5-7032-CE976888DBCB}"/>
+              </a:ext>
+            </a:extLst>
+          </p:cNvPr>
+          <p:cNvSpPr/>
+          <p:nvPr/>
+        </p:nvSpPr>
+        <p:spPr>
+          <a:xfrm rot="5400000" flipH="1">
+            <a:off x="3902215" y="1537961"/>
+            <a:ext cx="82930" cy="61245"/>
+          </a:xfrm>
+          <a:prstGeom prst="ellipse">
+            <a:avLst/>
+          </a:prstGeom>
+          <a:solidFill>
+            <a:srgbClr val="002060"/>
+          </a:solidFill>
+          <a:ln w="57150">
+            <a:solidFill>
+              <a:srgbClr val="002060"/>
+            </a:solidFill>
+          </a:ln>
+        </p:spPr>
+        <p:style>
+          <a:lnRef idx="2">
+            <a:schemeClr val="accent1">
+              <a:shade val="50000"/>
+            </a:schemeClr>
+          </a:lnRef>
+          <a:fillRef idx="1">
+            <a:schemeClr val="accent1"/>
+          </a:fillRef>
+          <a:effectRef idx="0">
+            <a:schemeClr val="accent1"/>
+          </a:effectRef>
+          <a:fontRef idx="minor">
+            <a:schemeClr val="lt1"/>
+          </a:fontRef>
+        </p:style>
+        <p:txBody>
+          <a:bodyPr rtlCol="0" anchor="ctr"/>
+          <a:lstStyle/>
+          <a:p>
+            <a:pPr algn="ctr"/>
+            <a:endParaRPr lang="en-IN"/>
+          </a:p>
+        </p:txBody>
+      </p:sp>
+    </p:spTree>
+    <p:extLst>
+      <p:ext uri="{BB962C8B-B14F-4D97-AF65-F5344CB8AC3E}">
+        <p14:creationId xmlns:p14="http://schemas.microsoft.com/office/powerpoint/2010/main" val="179076720"/>
+      </p:ext>
+    </p:extLst>
+  </p:cSld>
+  <p:clrMapOvr>
+    <a:masterClrMapping/>
+  </p:clrMapOvr>
+</p:sld>
+</file>
+
+<file path=ppt/slides/slide9.xml><?xml version="1.0" encoding="utf-8"?>
+<p:sld xmlns:a="http://schemas.openxmlformats.org/drawingml/2006/main" xmlns:r="http://schemas.openxmlformats.org/officeDocument/2006/relationships" xmlns:p="http://schemas.openxmlformats.org/presentationml/2006/main">
+  <p:cSld>
+    <p:spTree>
+      <p:nvGrpSpPr>
+        <p:cNvPr id="1" name=""/>
+        <p:cNvGrpSpPr/>
+        <p:nvPr/>
+      </p:nvGrpSpPr>
+      <p:grpSpPr>
+        <a:xfrm>
+          <a:off x="0" y="0"/>
+          <a:ext cx="0" cy="0"/>
+          <a:chOff x="0" y="0"/>
+          <a:chExt cx="0" cy="0"/>
+        </a:xfrm>
+      </p:grpSpPr>
+      <p:cxnSp>
+        <p:nvCxnSpPr>
+          <p:cNvPr id="5" name="Straight Connector 4">
+            <a:extLst>
+              <a:ext uri="{FF2B5EF4-FFF2-40B4-BE49-F238E27FC236}">
+                <a16:creationId xmlns:a16="http://schemas.microsoft.com/office/drawing/2014/main" id="{970DB75D-D728-3B22-9B13-F80A55C21881}"/>
+              </a:ext>
+            </a:extLst>
+          </p:cNvPr>
+          <p:cNvCxnSpPr>
+            <a:cxnSpLocks/>
+          </p:cNvCxnSpPr>
+          <p:nvPr/>
+        </p:nvCxnSpPr>
+        <p:spPr>
+          <a:xfrm flipH="1">
+            <a:off x="2760323" y="2899013"/>
+            <a:ext cx="1694790" cy="0"/>
+          </a:xfrm>
+          <a:prstGeom prst="line">
+            <a:avLst/>
+          </a:prstGeom>
+          <a:ln w="38100">
+            <a:solidFill>
+              <a:schemeClr val="tx1"/>
+            </a:solidFill>
+          </a:ln>
+        </p:spPr>
+        <p:style>
+          <a:lnRef idx="1">
+            <a:schemeClr val="accent1"/>
+          </a:lnRef>
+          <a:fillRef idx="0">
+            <a:schemeClr val="accent1"/>
+          </a:fillRef>
+          <a:effectRef idx="0">
+            <a:schemeClr val="accent1"/>
+          </a:effectRef>
+          <a:fontRef idx="minor">
+            <a:schemeClr val="tx1"/>
+          </a:fontRef>
+        </p:style>
+      </p:cxnSp>
+      <p:cxnSp>
+        <p:nvCxnSpPr>
+          <p:cNvPr id="6" name="Straight Connector 5">
+            <a:extLst>
+              <a:ext uri="{FF2B5EF4-FFF2-40B4-BE49-F238E27FC236}">
+                <a16:creationId xmlns:a16="http://schemas.microsoft.com/office/drawing/2014/main" id="{9F3B57FC-C13E-C056-05E9-CB9483138735}"/>
+              </a:ext>
+            </a:extLst>
+          </p:cNvPr>
+          <p:cNvCxnSpPr>
+            <a:cxnSpLocks/>
+          </p:cNvCxnSpPr>
+          <p:nvPr/>
+        </p:nvCxnSpPr>
+        <p:spPr>
+          <a:xfrm flipH="1">
+            <a:off x="2760324" y="1779147"/>
+            <a:ext cx="1694790" cy="0"/>
+          </a:xfrm>
+          <a:prstGeom prst="line">
+            <a:avLst/>
+          </a:prstGeom>
+          <a:ln w="38100">
+            <a:solidFill>
+              <a:schemeClr val="tx1"/>
+            </a:solidFill>
+          </a:ln>
+        </p:spPr>
+        <p:style>
+          <a:lnRef idx="1">
+            <a:schemeClr val="accent1"/>
+          </a:lnRef>
+          <a:fillRef idx="0">
+            <a:schemeClr val="accent1"/>
+          </a:fillRef>
+          <a:effectRef idx="0">
+            <a:schemeClr val="accent1"/>
+          </a:effectRef>
+          <a:fontRef idx="minor">
+            <a:schemeClr val="tx1"/>
+          </a:fontRef>
+        </p:style>
+      </p:cxnSp>
+      <p:cxnSp>
+        <p:nvCxnSpPr>
+          <p:cNvPr id="10" name="Straight Connector 9">
+            <a:extLst>
+              <a:ext uri="{FF2B5EF4-FFF2-40B4-BE49-F238E27FC236}">
+                <a16:creationId xmlns:a16="http://schemas.microsoft.com/office/drawing/2014/main" id="{C735CB7B-4A10-0DAA-545F-B92FB0364839}"/>
+              </a:ext>
+            </a:extLst>
+          </p:cNvPr>
+          <p:cNvCxnSpPr>
+            <a:cxnSpLocks/>
+          </p:cNvCxnSpPr>
+          <p:nvPr/>
+        </p:nvCxnSpPr>
+        <p:spPr>
+          <a:xfrm flipH="1">
+            <a:off x="1388282" y="2348358"/>
+            <a:ext cx="1362209" cy="0"/>
+          </a:xfrm>
+          <a:prstGeom prst="line">
+            <a:avLst/>
+          </a:prstGeom>
+          <a:ln w="38100">
+            <a:solidFill>
+              <a:schemeClr val="tx1"/>
+            </a:solidFill>
+          </a:ln>
+        </p:spPr>
+        <p:style>
+          <a:lnRef idx="1">
+            <a:schemeClr val="accent1"/>
+          </a:lnRef>
+          <a:fillRef idx="0">
+            <a:schemeClr val="accent1"/>
+          </a:fillRef>
+          <a:effectRef idx="0">
+            <a:schemeClr val="accent1"/>
+          </a:effectRef>
+          <a:fontRef idx="minor">
+            <a:schemeClr val="tx1"/>
+          </a:fontRef>
+        </p:style>
+      </p:cxnSp>
+      <p:cxnSp>
+        <p:nvCxnSpPr>
+          <p:cNvPr id="11" name="Straight Connector 10">
+            <a:extLst>
+              <a:ext uri="{FF2B5EF4-FFF2-40B4-BE49-F238E27FC236}">
+                <a16:creationId xmlns:a16="http://schemas.microsoft.com/office/drawing/2014/main" id="{C3C1994F-0E57-687A-E0B3-DEDA1B80EF98}"/>
+              </a:ext>
+            </a:extLst>
+          </p:cNvPr>
+          <p:cNvCxnSpPr>
+            <a:cxnSpLocks/>
+          </p:cNvCxnSpPr>
+          <p:nvPr/>
+        </p:nvCxnSpPr>
+        <p:spPr>
+          <a:xfrm>
+            <a:off x="1391658" y="2367604"/>
+            <a:ext cx="0" cy="2759429"/>
+          </a:xfrm>
+          <a:prstGeom prst="line">
+            <a:avLst/>
+          </a:prstGeom>
+          <a:ln w="38100">
+            <a:solidFill>
+              <a:schemeClr val="tx1"/>
+            </a:solidFill>
+          </a:ln>
+        </p:spPr>
+        <p:style>
+          <a:lnRef idx="1">
+            <a:schemeClr val="accent1"/>
+          </a:lnRef>
+          <a:fillRef idx="0">
+            <a:schemeClr val="accent1"/>
+          </a:fillRef>
+          <a:effectRef idx="0">
+            <a:schemeClr val="accent1"/>
+          </a:effectRef>
+          <a:fontRef idx="minor">
+            <a:schemeClr val="tx1"/>
+          </a:fontRef>
+        </p:style>
+      </p:cxnSp>
+      <p:grpSp>
+        <p:nvGrpSpPr>
+          <p:cNvPr id="12" name="Group 11">
+            <a:extLst>
+              <a:ext uri="{FF2B5EF4-FFF2-40B4-BE49-F238E27FC236}">
+                <a16:creationId xmlns:a16="http://schemas.microsoft.com/office/drawing/2014/main" id="{0702EF5B-B4B8-4820-442D-FB6A09007F71}"/>
+              </a:ext>
+            </a:extLst>
+          </p:cNvPr>
+          <p:cNvGrpSpPr/>
+          <p:nvPr/>
+        </p:nvGrpSpPr>
+        <p:grpSpPr>
+          <a:xfrm>
+            <a:off x="974249" y="3282042"/>
+            <a:ext cx="847730" cy="833527"/>
+            <a:chOff x="10511683" y="1426815"/>
+            <a:chExt cx="1411966" cy="1443123"/>
+          </a:xfrm>
+        </p:grpSpPr>
+        <p:sp>
+          <p:nvSpPr>
+            <p:cNvPr id="49" name="Oval 48">
+              <a:extLst>
+                <a:ext uri="{FF2B5EF4-FFF2-40B4-BE49-F238E27FC236}">
+                  <a16:creationId xmlns:a16="http://schemas.microsoft.com/office/drawing/2014/main" id="{B035DFB5-D785-F39D-F588-55E76694305C}"/>
+                </a:ext>
+              </a:extLst>
+            </p:cNvPr>
+            <p:cNvSpPr/>
+            <p:nvPr/>
+          </p:nvSpPr>
+          <p:spPr>
+            <a:xfrm>
+              <a:off x="10511683" y="1426815"/>
+              <a:ext cx="1411966" cy="1443123"/>
+            </a:xfrm>
+            <a:prstGeom prst="ellipse">
+              <a:avLst/>
+            </a:prstGeom>
+            <a:solidFill>
+              <a:schemeClr val="bg1">
+                <a:lumMod val="95000"/>
+              </a:schemeClr>
+            </a:solidFill>
+            <a:ln w="38100"/>
+          </p:spPr>
+          <p:style>
+            <a:lnRef idx="2">
+              <a:schemeClr val="accent1">
+                <a:shade val="50000"/>
+              </a:schemeClr>
+            </a:lnRef>
+            <a:fillRef idx="1">
+              <a:schemeClr val="accent1"/>
+            </a:fillRef>
+            <a:effectRef idx="0">
+              <a:schemeClr val="accent1"/>
+            </a:effectRef>
+            <a:fontRef idx="minor">
+              <a:schemeClr val="lt1"/>
+            </a:fontRef>
+          </p:style>
+          <p:txBody>
+            <a:bodyPr rtlCol="0" anchor="ctr"/>
+            <a:lstStyle/>
+            <a:p>
+              <a:pPr algn="ctr"/>
+              <a:endParaRPr lang="en-IN" sz="4000" dirty="0">
+                <a:solidFill>
+                  <a:srgbClr val="FF0000"/>
+                </a:solidFill>
+              </a:endParaRPr>
+            </a:p>
+          </p:txBody>
+        </p:sp>
+        <p:grpSp>
+          <p:nvGrpSpPr>
+            <p:cNvPr id="50" name="Group 49">
+              <a:extLst>
+                <a:ext uri="{FF2B5EF4-FFF2-40B4-BE49-F238E27FC236}">
+                  <a16:creationId xmlns:a16="http://schemas.microsoft.com/office/drawing/2014/main" id="{5FF5D4D1-A90B-B7D2-C795-E1B6BA7C1D08}"/>
+                </a:ext>
+              </a:extLst>
+            </p:cNvPr>
+            <p:cNvGrpSpPr/>
+            <p:nvPr/>
+          </p:nvGrpSpPr>
+          <p:grpSpPr>
+            <a:xfrm rot="5400000" flipV="1">
+              <a:off x="10921436" y="1708695"/>
+              <a:ext cx="592455" cy="880899"/>
+              <a:chOff x="3308385" y="8500612"/>
+              <a:chExt cx="232510" cy="554881"/>
+            </a:xfrm>
+          </p:grpSpPr>
+          <p:sp>
+            <p:nvSpPr>
+              <p:cNvPr id="51" name="Arc 50">
+                <a:extLst>
+                  <a:ext uri="{FF2B5EF4-FFF2-40B4-BE49-F238E27FC236}">
+                    <a16:creationId xmlns:a16="http://schemas.microsoft.com/office/drawing/2014/main" id="{F63D0D5C-7D0D-FB62-25B4-96D25847F91A}"/>
+                  </a:ext>
+                </a:extLst>
+              </p:cNvPr>
+              <p:cNvSpPr/>
+              <p:nvPr/>
+            </p:nvSpPr>
+            <p:spPr>
+              <a:xfrm rot="16200000">
+                <a:off x="3286890" y="8524302"/>
+                <a:ext cx="277695" cy="230315"/>
+              </a:xfrm>
+              <a:prstGeom prst="arc">
+                <a:avLst>
+                  <a:gd name="adj1" fmla="val 10739696"/>
+                  <a:gd name="adj2" fmla="val 0"/>
+                </a:avLst>
+              </a:prstGeom>
+              <a:ln w="57150">
+                <a:solidFill>
+                  <a:srgbClr val="FF0000"/>
+                </a:solidFill>
+              </a:ln>
+            </p:spPr>
+            <p:style>
+              <a:lnRef idx="1">
+                <a:schemeClr val="dk1"/>
+              </a:lnRef>
+              <a:fillRef idx="0">
+                <a:schemeClr val="dk1"/>
+              </a:fillRef>
+              <a:effectRef idx="0">
+                <a:schemeClr val="dk1"/>
+              </a:effectRef>
+              <a:fontRef idx="minor">
+                <a:schemeClr val="tx1"/>
+              </a:fontRef>
+            </p:style>
+            <p:txBody>
+              <a:bodyPr rtlCol="0" anchor="ctr"/>
+              <a:lstStyle/>
+              <a:p>
+                <a:pPr algn="ctr"/>
+                <a:endParaRPr lang="en-IN" dirty="0"/>
+              </a:p>
+            </p:txBody>
+          </p:sp>
+          <p:sp>
+            <p:nvSpPr>
+              <p:cNvPr id="52" name="Arc 51">
+                <a:extLst>
+                  <a:ext uri="{FF2B5EF4-FFF2-40B4-BE49-F238E27FC236}">
+                    <a16:creationId xmlns:a16="http://schemas.microsoft.com/office/drawing/2014/main" id="{845D61AC-24D9-7FD7-2F54-D09B6F1B63E4}"/>
+                  </a:ext>
+                </a:extLst>
+              </p:cNvPr>
+              <p:cNvSpPr/>
+              <p:nvPr/>
+            </p:nvSpPr>
+            <p:spPr>
+              <a:xfrm rot="5400000" flipH="1">
+                <a:off x="3284695" y="8801488"/>
+                <a:ext cx="277695" cy="230315"/>
+              </a:xfrm>
+              <a:prstGeom prst="arc">
+                <a:avLst>
+                  <a:gd name="adj1" fmla="val 10739696"/>
+                  <a:gd name="adj2" fmla="val 0"/>
+                </a:avLst>
+              </a:prstGeom>
+              <a:ln w="57150">
+                <a:solidFill>
+                  <a:srgbClr val="FF0000"/>
+                </a:solidFill>
+              </a:ln>
+            </p:spPr>
+            <p:style>
+              <a:lnRef idx="1">
+                <a:schemeClr val="dk1"/>
+              </a:lnRef>
+              <a:fillRef idx="0">
+                <a:schemeClr val="dk1"/>
+              </a:fillRef>
+              <a:effectRef idx="0">
+                <a:schemeClr val="dk1"/>
+              </a:effectRef>
+              <a:fontRef idx="minor">
+                <a:schemeClr val="tx1"/>
+              </a:fontRef>
+            </p:style>
+            <p:txBody>
+              <a:bodyPr rtlCol="0" anchor="ctr"/>
+              <a:lstStyle/>
+              <a:p>
+                <a:pPr algn="ctr"/>
+                <a:endParaRPr lang="en-IN" dirty="0"/>
+              </a:p>
+            </p:txBody>
+          </p:sp>
+        </p:grpSp>
+      </p:grpSp>
+      <p:cxnSp>
+        <p:nvCxnSpPr>
+          <p:cNvPr id="15" name="Straight Connector 14">
+            <a:extLst>
+              <a:ext uri="{FF2B5EF4-FFF2-40B4-BE49-F238E27FC236}">
+                <a16:creationId xmlns:a16="http://schemas.microsoft.com/office/drawing/2014/main" id="{E3F8194B-E626-2FCC-4EAE-8C1BDFC41F56}"/>
+              </a:ext>
+            </a:extLst>
+          </p:cNvPr>
+          <p:cNvCxnSpPr>
+            <a:cxnSpLocks/>
+          </p:cNvCxnSpPr>
+          <p:nvPr/>
+        </p:nvCxnSpPr>
+        <p:spPr>
+          <a:xfrm flipH="1">
+            <a:off x="4446381" y="2347840"/>
+            <a:ext cx="1613228" cy="0"/>
+          </a:xfrm>
+          <a:prstGeom prst="line">
+            <a:avLst/>
+          </a:prstGeom>
+          <a:ln w="38100">
+            <a:solidFill>
+              <a:schemeClr val="tx1"/>
+            </a:solidFill>
+          </a:ln>
+        </p:spPr>
+        <p:style>
+          <a:lnRef idx="1">
+            <a:schemeClr val="accent1"/>
+          </a:lnRef>
+          <a:fillRef idx="0">
+            <a:schemeClr val="accent1"/>
+          </a:fillRef>
+          <a:effectRef idx="0">
+            <a:schemeClr val="accent1"/>
+          </a:effectRef>
+          <a:fontRef idx="minor">
+            <a:schemeClr val="tx1"/>
+          </a:fontRef>
+        </p:style>
+      </p:cxnSp>
+      <p:grpSp>
+        <p:nvGrpSpPr>
+          <p:cNvPr id="16" name="Group 15">
+            <a:extLst>
+              <a:ext uri="{FF2B5EF4-FFF2-40B4-BE49-F238E27FC236}">
+                <a16:creationId xmlns:a16="http://schemas.microsoft.com/office/drawing/2014/main" id="{4B8A6D05-73A5-7012-1F7D-8CA081C3FC79}"/>
+              </a:ext>
+            </a:extLst>
+          </p:cNvPr>
+          <p:cNvGrpSpPr/>
+          <p:nvPr/>
+        </p:nvGrpSpPr>
+        <p:grpSpPr>
+          <a:xfrm>
+            <a:off x="5792925" y="2991536"/>
+            <a:ext cx="334597" cy="1782986"/>
+            <a:chOff x="7918605" y="2686715"/>
+            <a:chExt cx="439795" cy="2316888"/>
+          </a:xfrm>
+        </p:grpSpPr>
+        <p:grpSp>
+          <p:nvGrpSpPr>
+            <p:cNvPr id="30" name="Group 29">
+              <a:extLst>
+                <a:ext uri="{FF2B5EF4-FFF2-40B4-BE49-F238E27FC236}">
+                  <a16:creationId xmlns:a16="http://schemas.microsoft.com/office/drawing/2014/main" id="{28DF9B03-41B2-A5A8-6A5B-173E100DD193}"/>
+                </a:ext>
+              </a:extLst>
+            </p:cNvPr>
+            <p:cNvGrpSpPr/>
+            <p:nvPr/>
+          </p:nvGrpSpPr>
+          <p:grpSpPr>
+            <a:xfrm rot="16200000">
+              <a:off x="7615874" y="3638920"/>
+              <a:ext cx="1045257" cy="439795"/>
+              <a:chOff x="2905113" y="3027281"/>
+              <a:chExt cx="1489971" cy="494935"/>
+            </a:xfrm>
+          </p:grpSpPr>
+          <p:cxnSp>
+            <p:nvCxnSpPr>
+              <p:cNvPr id="33" name="Straight Connector 32">
+                <a:extLst>
+                  <a:ext uri="{FF2B5EF4-FFF2-40B4-BE49-F238E27FC236}">
+                    <a16:creationId xmlns:a16="http://schemas.microsoft.com/office/drawing/2014/main" id="{AD88C749-F668-E9CB-622A-23B1B7E402B0}"/>
+                  </a:ext>
+                </a:extLst>
+              </p:cNvPr>
+              <p:cNvCxnSpPr>
+                <a:cxnSpLocks/>
+              </p:cNvCxnSpPr>
+              <p:nvPr/>
+            </p:nvCxnSpPr>
+            <p:spPr>
+              <a:xfrm rot="5400000" flipH="1" flipV="1">
+                <a:off x="2786718" y="3145681"/>
+                <a:ext cx="394474" cy="157683"/>
+              </a:xfrm>
+              <a:prstGeom prst="line">
+                <a:avLst/>
+              </a:prstGeom>
+              <a:ln w="38100">
+                <a:solidFill>
+                  <a:srgbClr val="0070C0"/>
+                </a:solidFill>
+              </a:ln>
+            </p:spPr>
+            <p:style>
+              <a:lnRef idx="1">
+                <a:schemeClr val="accent1"/>
+              </a:lnRef>
+              <a:fillRef idx="0">
+                <a:schemeClr val="accent1"/>
+              </a:fillRef>
+              <a:effectRef idx="0">
+                <a:schemeClr val="accent1"/>
+              </a:effectRef>
+              <a:fontRef idx="minor">
+                <a:schemeClr val="tx1"/>
+              </a:fontRef>
+            </p:style>
+          </p:cxnSp>
+          <p:grpSp>
+            <p:nvGrpSpPr>
+              <p:cNvPr id="34" name="Group 33">
+                <a:extLst>
+                  <a:ext uri="{FF2B5EF4-FFF2-40B4-BE49-F238E27FC236}">
+                    <a16:creationId xmlns:a16="http://schemas.microsoft.com/office/drawing/2014/main" id="{C5DDB001-A938-4423-BEB2-882A0693B2CD}"/>
+                  </a:ext>
+                </a:extLst>
+              </p:cNvPr>
+              <p:cNvGrpSpPr/>
+              <p:nvPr/>
+            </p:nvGrpSpPr>
+            <p:grpSpPr>
+              <a:xfrm>
+                <a:off x="3062796" y="3038382"/>
+                <a:ext cx="301842" cy="483834"/>
+                <a:chOff x="3062796" y="3027285"/>
+                <a:chExt cx="301842" cy="483834"/>
+              </a:xfrm>
+            </p:grpSpPr>
+            <p:cxnSp>
+              <p:nvCxnSpPr>
+                <p:cNvPr id="45" name="Straight Connector 44">
+                  <a:extLst>
+                    <a:ext uri="{FF2B5EF4-FFF2-40B4-BE49-F238E27FC236}">
+                      <a16:creationId xmlns:a16="http://schemas.microsoft.com/office/drawing/2014/main" id="{042D319D-1600-B513-7890-A2EFEF3B5149}"/>
+                    </a:ext>
+                  </a:extLst>
+                </p:cNvPr>
+                <p:cNvCxnSpPr>
+                  <a:cxnSpLocks/>
+                </p:cNvCxnSpPr>
+                <p:nvPr/>
+              </p:nvCxnSpPr>
+              <p:spPr>
+                <a:xfrm flipH="1" flipV="1">
+                  <a:off x="3062796" y="3027285"/>
+                  <a:ext cx="150921" cy="483834"/>
+                </a:xfrm>
+                <a:prstGeom prst="line">
+                  <a:avLst/>
+                </a:prstGeom>
+                <a:ln w="38100">
+                  <a:solidFill>
+                    <a:srgbClr val="0070C0"/>
+                  </a:solidFill>
+                </a:ln>
+              </p:spPr>
+              <p:style>
+                <a:lnRef idx="1">
+                  <a:schemeClr val="accent1"/>
+                </a:lnRef>
+                <a:fillRef idx="0">
+                  <a:schemeClr val="accent1"/>
+                </a:fillRef>
+                <a:effectRef idx="0">
+                  <a:schemeClr val="accent1"/>
+                </a:effectRef>
+                <a:fontRef idx="minor">
+                  <a:schemeClr val="tx1"/>
+                </a:fontRef>
+              </p:style>
+            </p:cxnSp>
+            <p:cxnSp>
+              <p:nvCxnSpPr>
+                <p:cNvPr id="46" name="Straight Connector 45">
+                  <a:extLst>
+                    <a:ext uri="{FF2B5EF4-FFF2-40B4-BE49-F238E27FC236}">
+                      <a16:creationId xmlns:a16="http://schemas.microsoft.com/office/drawing/2014/main" id="{F1F5A918-F858-7CBC-BAA4-27AA5104BB5E}"/>
+                    </a:ext>
+                  </a:extLst>
+                </p:cNvPr>
+                <p:cNvCxnSpPr>
+                  <a:cxnSpLocks/>
+                </p:cNvCxnSpPr>
+                <p:nvPr/>
+              </p:nvCxnSpPr>
+              <p:spPr>
+                <a:xfrm flipV="1">
+                  <a:off x="3213717" y="3027285"/>
+                  <a:ext cx="150921" cy="483834"/>
+                </a:xfrm>
+                <a:prstGeom prst="line">
+                  <a:avLst/>
+                </a:prstGeom>
+                <a:ln w="38100">
+                  <a:solidFill>
+                    <a:srgbClr val="0070C0"/>
+                  </a:solidFill>
+                </a:ln>
+              </p:spPr>
+              <p:style>
+                <a:lnRef idx="1">
+                  <a:schemeClr val="accent1"/>
+                </a:lnRef>
+                <a:fillRef idx="0">
+                  <a:schemeClr val="accent1"/>
+                </a:fillRef>
+                <a:effectRef idx="0">
+                  <a:schemeClr val="accent1"/>
+                </a:effectRef>
+                <a:fontRef idx="minor">
+                  <a:schemeClr val="tx1"/>
+                </a:fontRef>
+              </p:style>
+            </p:cxnSp>
+          </p:grpSp>
+          <p:grpSp>
+            <p:nvGrpSpPr>
+              <p:cNvPr id="35" name="Group 34">
+                <a:extLst>
+                  <a:ext uri="{FF2B5EF4-FFF2-40B4-BE49-F238E27FC236}">
+                    <a16:creationId xmlns:a16="http://schemas.microsoft.com/office/drawing/2014/main" id="{5D16FE51-C6DD-D1C0-E843-6A0C5EE79481}"/>
+                  </a:ext>
+                </a:extLst>
+              </p:cNvPr>
+              <p:cNvGrpSpPr/>
+              <p:nvPr/>
+            </p:nvGrpSpPr>
+            <p:grpSpPr>
+              <a:xfrm>
+                <a:off x="3366118" y="3027281"/>
+                <a:ext cx="301842" cy="483838"/>
+                <a:chOff x="3062796" y="3027281"/>
+                <a:chExt cx="301842" cy="483838"/>
+              </a:xfrm>
+            </p:grpSpPr>
+            <p:cxnSp>
+              <p:nvCxnSpPr>
+                <p:cNvPr id="43" name="Straight Connector 42">
+                  <a:extLst>
+                    <a:ext uri="{FF2B5EF4-FFF2-40B4-BE49-F238E27FC236}">
+                      <a16:creationId xmlns:a16="http://schemas.microsoft.com/office/drawing/2014/main" id="{D4B8F385-B362-5E85-DE16-64EB5DA9BEFB}"/>
+                    </a:ext>
+                  </a:extLst>
+                </p:cNvPr>
+                <p:cNvCxnSpPr>
+                  <a:cxnSpLocks/>
+                </p:cNvCxnSpPr>
+                <p:nvPr/>
+              </p:nvCxnSpPr>
+              <p:spPr>
+                <a:xfrm flipH="1" flipV="1">
+                  <a:off x="3062796" y="3027281"/>
+                  <a:ext cx="150922" cy="483834"/>
+                </a:xfrm>
+                <a:prstGeom prst="line">
+                  <a:avLst/>
+                </a:prstGeom>
+                <a:ln w="38100">
+                  <a:solidFill>
+                    <a:srgbClr val="0070C0"/>
+                  </a:solidFill>
+                </a:ln>
+              </p:spPr>
+              <p:style>
+                <a:lnRef idx="1">
+                  <a:schemeClr val="accent1"/>
+                </a:lnRef>
+                <a:fillRef idx="0">
+                  <a:schemeClr val="accent1"/>
+                </a:fillRef>
+                <a:effectRef idx="0">
+                  <a:schemeClr val="accent1"/>
+                </a:effectRef>
+                <a:fontRef idx="minor">
+                  <a:schemeClr val="tx1"/>
+                </a:fontRef>
+              </p:style>
+            </p:cxnSp>
+            <p:cxnSp>
+              <p:nvCxnSpPr>
+                <p:cNvPr id="44" name="Straight Connector 43">
+                  <a:extLst>
+                    <a:ext uri="{FF2B5EF4-FFF2-40B4-BE49-F238E27FC236}">
+                      <a16:creationId xmlns:a16="http://schemas.microsoft.com/office/drawing/2014/main" id="{BE61F646-62A3-E826-06D7-8E410725333C}"/>
+                    </a:ext>
+                  </a:extLst>
+                </p:cNvPr>
+                <p:cNvCxnSpPr>
+                  <a:cxnSpLocks/>
+                </p:cNvCxnSpPr>
+                <p:nvPr/>
+              </p:nvCxnSpPr>
+              <p:spPr>
+                <a:xfrm flipV="1">
+                  <a:off x="3213717" y="3027285"/>
+                  <a:ext cx="150921" cy="483834"/>
+                </a:xfrm>
+                <a:prstGeom prst="line">
+                  <a:avLst/>
+                </a:prstGeom>
+                <a:ln w="38100">
+                  <a:solidFill>
+                    <a:srgbClr val="0070C0"/>
+                  </a:solidFill>
+                </a:ln>
+              </p:spPr>
+              <p:style>
+                <a:lnRef idx="1">
+                  <a:schemeClr val="accent1"/>
+                </a:lnRef>
+                <a:fillRef idx="0">
+                  <a:schemeClr val="accent1"/>
+                </a:fillRef>
+                <a:effectRef idx="0">
+                  <a:schemeClr val="accent1"/>
+                </a:effectRef>
+                <a:fontRef idx="minor">
+                  <a:schemeClr val="tx1"/>
+                </a:fontRef>
+              </p:style>
+            </p:cxnSp>
+          </p:grpSp>
+          <p:grpSp>
+            <p:nvGrpSpPr>
+              <p:cNvPr id="36" name="Group 35">
+                <a:extLst>
+                  <a:ext uri="{FF2B5EF4-FFF2-40B4-BE49-F238E27FC236}">
+                    <a16:creationId xmlns:a16="http://schemas.microsoft.com/office/drawing/2014/main" id="{78790D8D-3BCF-3A5B-53BF-D4DF342CCDF9}"/>
+                  </a:ext>
+                </a:extLst>
+              </p:cNvPr>
+              <p:cNvGrpSpPr/>
+              <p:nvPr/>
+            </p:nvGrpSpPr>
+            <p:grpSpPr>
+              <a:xfrm>
+                <a:off x="3971282" y="3038381"/>
+                <a:ext cx="301843" cy="483835"/>
+                <a:chOff x="3062796" y="3027284"/>
+                <a:chExt cx="301843" cy="483835"/>
+              </a:xfrm>
+            </p:grpSpPr>
+            <p:cxnSp>
+              <p:nvCxnSpPr>
+                <p:cNvPr id="41" name="Straight Connector 40">
+                  <a:extLst>
+                    <a:ext uri="{FF2B5EF4-FFF2-40B4-BE49-F238E27FC236}">
+                      <a16:creationId xmlns:a16="http://schemas.microsoft.com/office/drawing/2014/main" id="{EEBF1904-1090-4FFE-927B-C0F316DD7819}"/>
+                    </a:ext>
+                  </a:extLst>
+                </p:cNvPr>
+                <p:cNvCxnSpPr>
+                  <a:cxnSpLocks/>
+                </p:cNvCxnSpPr>
+                <p:nvPr/>
+              </p:nvCxnSpPr>
+              <p:spPr>
+                <a:xfrm flipH="1" flipV="1">
+                  <a:off x="3062796" y="3027285"/>
+                  <a:ext cx="150921" cy="483834"/>
+                </a:xfrm>
+                <a:prstGeom prst="line">
+                  <a:avLst/>
+                </a:prstGeom>
+                <a:ln w="38100">
+                  <a:solidFill>
+                    <a:srgbClr val="0070C0"/>
+                  </a:solidFill>
+                </a:ln>
+              </p:spPr>
+              <p:style>
+                <a:lnRef idx="1">
+                  <a:schemeClr val="accent1"/>
+                </a:lnRef>
+                <a:fillRef idx="0">
+                  <a:schemeClr val="accent1"/>
+                </a:fillRef>
+                <a:effectRef idx="0">
+                  <a:schemeClr val="accent1"/>
+                </a:effectRef>
+                <a:fontRef idx="minor">
+                  <a:schemeClr val="tx1"/>
+                </a:fontRef>
+              </p:style>
+            </p:cxnSp>
+            <p:cxnSp>
+              <p:nvCxnSpPr>
+                <p:cNvPr id="42" name="Straight Connector 41">
+                  <a:extLst>
+                    <a:ext uri="{FF2B5EF4-FFF2-40B4-BE49-F238E27FC236}">
+                      <a16:creationId xmlns:a16="http://schemas.microsoft.com/office/drawing/2014/main" id="{99510576-F277-D8F4-234B-2B1CF4B4C6AD}"/>
+                    </a:ext>
+                  </a:extLst>
+                </p:cNvPr>
+                <p:cNvCxnSpPr>
+                  <a:cxnSpLocks/>
+                </p:cNvCxnSpPr>
+                <p:nvPr/>
+              </p:nvCxnSpPr>
+              <p:spPr>
+                <a:xfrm flipV="1">
+                  <a:off x="3213719" y="3027284"/>
+                  <a:ext cx="150920" cy="483834"/>
+                </a:xfrm>
+                <a:prstGeom prst="line">
+                  <a:avLst/>
+                </a:prstGeom>
+                <a:ln w="38100">
+                  <a:solidFill>
+                    <a:srgbClr val="0070C0"/>
+                  </a:solidFill>
+                </a:ln>
+              </p:spPr>
+              <p:style>
+                <a:lnRef idx="1">
+                  <a:schemeClr val="accent1"/>
+                </a:lnRef>
+                <a:fillRef idx="0">
+                  <a:schemeClr val="accent1"/>
+                </a:fillRef>
+                <a:effectRef idx="0">
+                  <a:schemeClr val="accent1"/>
+                </a:effectRef>
+                <a:fontRef idx="minor">
+                  <a:schemeClr val="tx1"/>
+                </a:fontRef>
+              </p:style>
+            </p:cxnSp>
+          </p:grpSp>
+          <p:grpSp>
+            <p:nvGrpSpPr>
+              <p:cNvPr id="37" name="Group 36">
+                <a:extLst>
+                  <a:ext uri="{FF2B5EF4-FFF2-40B4-BE49-F238E27FC236}">
+                    <a16:creationId xmlns:a16="http://schemas.microsoft.com/office/drawing/2014/main" id="{F496894C-FC2C-9DB0-8626-EF13CB3FB4C0}"/>
+                  </a:ext>
+                </a:extLst>
+              </p:cNvPr>
+              <p:cNvGrpSpPr/>
+              <p:nvPr/>
+            </p:nvGrpSpPr>
+            <p:grpSpPr>
+              <a:xfrm>
+                <a:off x="3667960" y="3038382"/>
+                <a:ext cx="301842" cy="483834"/>
+                <a:chOff x="3062796" y="3027285"/>
+                <a:chExt cx="301842" cy="483834"/>
+              </a:xfrm>
+            </p:grpSpPr>
+            <p:cxnSp>
+              <p:nvCxnSpPr>
+                <p:cNvPr id="39" name="Straight Connector 38">
+                  <a:extLst>
+                    <a:ext uri="{FF2B5EF4-FFF2-40B4-BE49-F238E27FC236}">
+                      <a16:creationId xmlns:a16="http://schemas.microsoft.com/office/drawing/2014/main" id="{70432D00-8C39-4E15-0B9D-728BF74191D3}"/>
+                    </a:ext>
+                  </a:extLst>
+                </p:cNvPr>
+                <p:cNvCxnSpPr>
+                  <a:cxnSpLocks/>
+                </p:cNvCxnSpPr>
+                <p:nvPr/>
+              </p:nvCxnSpPr>
+              <p:spPr>
+                <a:xfrm flipH="1" flipV="1">
+                  <a:off x="3062796" y="3027285"/>
+                  <a:ext cx="150921" cy="483834"/>
+                </a:xfrm>
+                <a:prstGeom prst="line">
+                  <a:avLst/>
+                </a:prstGeom>
+                <a:ln w="38100">
+                  <a:solidFill>
+                    <a:srgbClr val="0070C0"/>
+                  </a:solidFill>
+                </a:ln>
+              </p:spPr>
+              <p:style>
+                <a:lnRef idx="1">
+                  <a:schemeClr val="accent1"/>
+                </a:lnRef>
+                <a:fillRef idx="0">
+                  <a:schemeClr val="accent1"/>
+                </a:fillRef>
+                <a:effectRef idx="0">
+                  <a:schemeClr val="accent1"/>
+                </a:effectRef>
+                <a:fontRef idx="minor">
+                  <a:schemeClr val="tx1"/>
+                </a:fontRef>
+              </p:style>
+            </p:cxnSp>
+            <p:cxnSp>
+              <p:nvCxnSpPr>
+                <p:cNvPr id="40" name="Straight Connector 39">
+                  <a:extLst>
+                    <a:ext uri="{FF2B5EF4-FFF2-40B4-BE49-F238E27FC236}">
+                      <a16:creationId xmlns:a16="http://schemas.microsoft.com/office/drawing/2014/main" id="{494362E4-901E-9704-31DC-210D459258A6}"/>
+                    </a:ext>
+                  </a:extLst>
+                </p:cNvPr>
+                <p:cNvCxnSpPr>
+                  <a:cxnSpLocks/>
+                </p:cNvCxnSpPr>
+                <p:nvPr/>
+              </p:nvCxnSpPr>
+              <p:spPr>
+                <a:xfrm flipV="1">
+                  <a:off x="3213717" y="3027285"/>
+                  <a:ext cx="150921" cy="483834"/>
+                </a:xfrm>
+                <a:prstGeom prst="line">
+                  <a:avLst/>
+                </a:prstGeom>
+                <a:ln w="38100">
+                  <a:solidFill>
+                    <a:srgbClr val="0070C0"/>
+                  </a:solidFill>
+                </a:ln>
+              </p:spPr>
+              <p:style>
+                <a:lnRef idx="1">
+                  <a:schemeClr val="accent1"/>
+                </a:lnRef>
+                <a:fillRef idx="0">
+                  <a:schemeClr val="accent1"/>
+                </a:fillRef>
+                <a:effectRef idx="0">
+                  <a:schemeClr val="accent1"/>
+                </a:effectRef>
+                <a:fontRef idx="minor">
+                  <a:schemeClr val="tx1"/>
+                </a:fontRef>
+              </p:style>
+            </p:cxnSp>
+          </p:grpSp>
+          <p:cxnSp>
+            <p:nvCxnSpPr>
+              <p:cNvPr id="38" name="Straight Connector 37">
+                <a:extLst>
+                  <a:ext uri="{FF2B5EF4-FFF2-40B4-BE49-F238E27FC236}">
+                    <a16:creationId xmlns:a16="http://schemas.microsoft.com/office/drawing/2014/main" id="{53ED1DA4-0EF3-5303-17C5-3FC434C46B91}"/>
+                  </a:ext>
+                </a:extLst>
+              </p:cNvPr>
+              <p:cNvCxnSpPr>
+                <a:cxnSpLocks/>
+              </p:cNvCxnSpPr>
+              <p:nvPr/>
+            </p:nvCxnSpPr>
+            <p:spPr>
+              <a:xfrm rot="5400000" flipH="1">
+                <a:off x="4136867" y="3163543"/>
+                <a:ext cx="394475" cy="121959"/>
+              </a:xfrm>
+              <a:prstGeom prst="line">
+                <a:avLst/>
+              </a:prstGeom>
+              <a:ln w="38100">
+                <a:solidFill>
+                  <a:srgbClr val="0070C0"/>
+                </a:solidFill>
+              </a:ln>
+            </p:spPr>
+            <p:style>
+              <a:lnRef idx="1">
+                <a:schemeClr val="accent1"/>
+              </a:lnRef>
+              <a:fillRef idx="0">
+                <a:schemeClr val="accent1"/>
+              </a:fillRef>
+              <a:effectRef idx="0">
+                <a:schemeClr val="accent1"/>
+              </a:effectRef>
+              <a:fontRef idx="minor">
+                <a:schemeClr val="tx1"/>
+              </a:fontRef>
+            </p:style>
+          </p:cxnSp>
+        </p:grpSp>
+        <p:cxnSp>
+          <p:nvCxnSpPr>
+            <p:cNvPr id="31" name="Straight Connector 30">
+              <a:extLst>
+                <a:ext uri="{FF2B5EF4-FFF2-40B4-BE49-F238E27FC236}">
+                  <a16:creationId xmlns:a16="http://schemas.microsoft.com/office/drawing/2014/main" id="{ACF960DE-C9BA-13CA-30D2-EAB095733FE2}"/>
+                </a:ext>
+              </a:extLst>
+            </p:cNvPr>
+            <p:cNvCxnSpPr>
+              <a:cxnSpLocks/>
+            </p:cNvCxnSpPr>
+            <p:nvPr/>
+          </p:nvCxnSpPr>
+          <p:spPr>
+            <a:xfrm>
+              <a:off x="8258947" y="2686715"/>
+              <a:ext cx="0" cy="649474"/>
+            </a:xfrm>
+            <a:prstGeom prst="line">
+              <a:avLst/>
+            </a:prstGeom>
+            <a:ln w="38100">
+              <a:solidFill>
+                <a:srgbClr val="0070C0"/>
+              </a:solidFill>
+            </a:ln>
+          </p:spPr>
+          <p:style>
+            <a:lnRef idx="1">
+              <a:schemeClr val="accent1"/>
+            </a:lnRef>
+            <a:fillRef idx="0">
+              <a:schemeClr val="accent1"/>
+            </a:fillRef>
+            <a:effectRef idx="0">
+              <a:schemeClr val="accent1"/>
+            </a:effectRef>
+            <a:fontRef idx="minor">
+              <a:schemeClr val="tx1"/>
+            </a:fontRef>
+          </p:style>
+        </p:cxnSp>
+        <p:cxnSp>
+          <p:nvCxnSpPr>
+            <p:cNvPr id="32" name="Straight Connector 31">
+              <a:extLst>
+                <a:ext uri="{FF2B5EF4-FFF2-40B4-BE49-F238E27FC236}">
+                  <a16:creationId xmlns:a16="http://schemas.microsoft.com/office/drawing/2014/main" id="{1512DF74-75FC-765C-8EF9-6F1A69E65709}"/>
+                </a:ext>
+              </a:extLst>
+            </p:cNvPr>
+            <p:cNvCxnSpPr>
+              <a:cxnSpLocks/>
+            </p:cNvCxnSpPr>
+            <p:nvPr/>
+          </p:nvCxnSpPr>
+          <p:spPr>
+            <a:xfrm>
+              <a:off x="8258947" y="4354129"/>
+              <a:ext cx="0" cy="649474"/>
+            </a:xfrm>
+            <a:prstGeom prst="line">
+              <a:avLst/>
+            </a:prstGeom>
+            <a:ln w="38100">
+              <a:solidFill>
+                <a:srgbClr val="0070C0"/>
+              </a:solidFill>
+            </a:ln>
+          </p:spPr>
+          <p:style>
+            <a:lnRef idx="1">
+              <a:schemeClr val="accent1"/>
+            </a:lnRef>
+            <a:fillRef idx="0">
+              <a:schemeClr val="accent1"/>
+            </a:fillRef>
+            <a:effectRef idx="0">
+              <a:schemeClr val="accent1"/>
+            </a:effectRef>
+            <a:fontRef idx="minor">
+              <a:schemeClr val="tx1"/>
+            </a:fontRef>
+          </p:style>
+        </p:cxnSp>
+      </p:grpSp>
+      <p:cxnSp>
+        <p:nvCxnSpPr>
+          <p:cNvPr id="17" name="Straight Connector 16">
+            <a:extLst>
+              <a:ext uri="{FF2B5EF4-FFF2-40B4-BE49-F238E27FC236}">
+                <a16:creationId xmlns:a16="http://schemas.microsoft.com/office/drawing/2014/main" id="{2A1BD97A-E264-1460-56F1-C1F864A53882}"/>
+              </a:ext>
+            </a:extLst>
+          </p:cNvPr>
+          <p:cNvCxnSpPr>
+            <a:cxnSpLocks/>
+          </p:cNvCxnSpPr>
+          <p:nvPr/>
+        </p:nvCxnSpPr>
+        <p:spPr>
+          <a:xfrm>
+            <a:off x="6052480" y="2347840"/>
+            <a:ext cx="0" cy="810214"/>
+          </a:xfrm>
+          <a:prstGeom prst="line">
+            <a:avLst/>
+          </a:prstGeom>
+          <a:ln w="38100">
+            <a:solidFill>
+              <a:schemeClr val="tx1"/>
+            </a:solidFill>
+          </a:ln>
+        </p:spPr>
+        <p:style>
+          <a:lnRef idx="1">
+            <a:schemeClr val="accent1"/>
+          </a:lnRef>
+          <a:fillRef idx="0">
+            <a:schemeClr val="accent1"/>
+          </a:fillRef>
+          <a:effectRef idx="0">
+            <a:schemeClr val="accent1"/>
+          </a:effectRef>
+          <a:fontRef idx="minor">
+            <a:schemeClr val="tx1"/>
+          </a:fontRef>
+        </p:style>
+      </p:cxnSp>
+      <p:cxnSp>
+        <p:nvCxnSpPr>
+          <p:cNvPr id="18" name="Straight Connector 17">
+            <a:extLst>
+              <a:ext uri="{FF2B5EF4-FFF2-40B4-BE49-F238E27FC236}">
+                <a16:creationId xmlns:a16="http://schemas.microsoft.com/office/drawing/2014/main" id="{3AD2C1D4-2089-7CDD-2F19-E349CE7F2739}"/>
+              </a:ext>
+            </a:extLst>
+          </p:cNvPr>
+          <p:cNvCxnSpPr>
+            <a:cxnSpLocks/>
+          </p:cNvCxnSpPr>
+          <p:nvPr/>
+        </p:nvCxnSpPr>
+        <p:spPr>
+          <a:xfrm>
+            <a:off x="6051858" y="4538400"/>
+            <a:ext cx="0" cy="603481"/>
+          </a:xfrm>
+          <a:prstGeom prst="line">
+            <a:avLst/>
+          </a:prstGeom>
+          <a:ln w="38100">
+            <a:solidFill>
+              <a:schemeClr val="tx1"/>
+            </a:solidFill>
+          </a:ln>
+        </p:spPr>
+        <p:style>
+          <a:lnRef idx="1">
+            <a:schemeClr val="accent1"/>
+          </a:lnRef>
+          <a:fillRef idx="0">
+            <a:schemeClr val="accent1"/>
+          </a:fillRef>
+          <a:effectRef idx="0">
+            <a:schemeClr val="accent1"/>
+          </a:effectRef>
+          <a:fontRef idx="minor">
+            <a:schemeClr val="tx1"/>
+          </a:fontRef>
+        </p:style>
+      </p:cxnSp>
+      <p:cxnSp>
+        <p:nvCxnSpPr>
+          <p:cNvPr id="19" name="Straight Connector 18">
+            <a:extLst>
+              <a:ext uri="{FF2B5EF4-FFF2-40B4-BE49-F238E27FC236}">
+                <a16:creationId xmlns:a16="http://schemas.microsoft.com/office/drawing/2014/main" id="{6D42C334-1F12-660A-013F-709C81F33629}"/>
+              </a:ext>
+            </a:extLst>
+          </p:cNvPr>
+          <p:cNvCxnSpPr>
+            <a:cxnSpLocks/>
+          </p:cNvCxnSpPr>
+          <p:nvPr/>
+        </p:nvCxnSpPr>
+        <p:spPr>
+          <a:xfrm>
+            <a:off x="2776695" y="1801462"/>
+            <a:ext cx="0" cy="1078395"/>
+          </a:xfrm>
+          <a:prstGeom prst="line">
+            <a:avLst/>
+          </a:prstGeom>
+          <a:ln w="38100">
+            <a:solidFill>
+              <a:schemeClr val="tx1"/>
+            </a:solidFill>
+          </a:ln>
+        </p:spPr>
+        <p:style>
+          <a:lnRef idx="1">
+            <a:schemeClr val="accent1"/>
+          </a:lnRef>
+          <a:fillRef idx="0">
+            <a:schemeClr val="accent1"/>
+          </a:fillRef>
+          <a:effectRef idx="0">
+            <a:schemeClr val="accent1"/>
+          </a:effectRef>
+          <a:fontRef idx="minor">
+            <a:schemeClr val="tx1"/>
+          </a:fontRef>
+        </p:style>
+      </p:cxnSp>
+      <p:cxnSp>
+        <p:nvCxnSpPr>
+          <p:cNvPr id="20" name="Straight Connector 19">
+            <a:extLst>
+              <a:ext uri="{FF2B5EF4-FFF2-40B4-BE49-F238E27FC236}">
+                <a16:creationId xmlns:a16="http://schemas.microsoft.com/office/drawing/2014/main" id="{89EBE64F-9258-7CE7-C2B9-F5D03C6BA704}"/>
+              </a:ext>
+            </a:extLst>
+          </p:cNvPr>
+          <p:cNvCxnSpPr>
+            <a:cxnSpLocks/>
+          </p:cNvCxnSpPr>
+          <p:nvPr/>
+        </p:nvCxnSpPr>
+        <p:spPr>
+          <a:xfrm>
+            <a:off x="4446381" y="1757374"/>
+            <a:ext cx="0" cy="1164916"/>
+          </a:xfrm>
+          <a:prstGeom prst="line">
+            <a:avLst/>
+          </a:prstGeom>
+          <a:ln w="38100">
+            <a:solidFill>
+              <a:schemeClr val="tx1"/>
+            </a:solidFill>
+          </a:ln>
+        </p:spPr>
+        <p:style>
+          <a:lnRef idx="1">
+            <a:schemeClr val="accent1"/>
+          </a:lnRef>
+          <a:fillRef idx="0">
+            <a:schemeClr val="accent1"/>
+          </a:fillRef>
+          <a:effectRef idx="0">
+            <a:schemeClr val="accent1"/>
+          </a:effectRef>
+          <a:fontRef idx="minor">
+            <a:schemeClr val="tx1"/>
+          </a:fontRef>
+        </p:style>
+      </p:cxnSp>
+      <p:cxnSp>
+        <p:nvCxnSpPr>
+          <p:cNvPr id="21" name="Straight Connector 20">
+            <a:extLst>
+              <a:ext uri="{FF2B5EF4-FFF2-40B4-BE49-F238E27FC236}">
+                <a16:creationId xmlns:a16="http://schemas.microsoft.com/office/drawing/2014/main" id="{6C866FCA-FDE1-87BC-1232-FC3BAEFF94AA}"/>
+              </a:ext>
+            </a:extLst>
+          </p:cNvPr>
+          <p:cNvCxnSpPr>
+            <a:cxnSpLocks/>
+          </p:cNvCxnSpPr>
+          <p:nvPr/>
+        </p:nvCxnSpPr>
+        <p:spPr>
+          <a:xfrm flipH="1">
+            <a:off x="1369356" y="5126818"/>
+            <a:ext cx="4690253" cy="215"/>
+          </a:xfrm>
+          <a:prstGeom prst="line">
+            <a:avLst/>
+          </a:prstGeom>
+          <a:ln w="38100">
+            <a:solidFill>
+              <a:schemeClr val="tx1"/>
+            </a:solidFill>
+          </a:ln>
+        </p:spPr>
+        <p:style>
+          <a:lnRef idx="1">
+            <a:schemeClr val="accent1"/>
+          </a:lnRef>
+          <a:fillRef idx="0">
+            <a:schemeClr val="accent1"/>
+          </a:fillRef>
+          <a:effectRef idx="0">
+            <a:schemeClr val="accent1"/>
+          </a:effectRef>
+          <a:fontRef idx="minor">
+            <a:schemeClr val="tx1"/>
+          </a:fontRef>
+        </p:style>
+      </p:cxnSp>
+      <p:sp>
+        <p:nvSpPr>
+          <p:cNvPr id="22" name="TextBox 21">
+            <a:extLst>
+              <a:ext uri="{FF2B5EF4-FFF2-40B4-BE49-F238E27FC236}">
+                <a16:creationId xmlns:a16="http://schemas.microsoft.com/office/drawing/2014/main" id="{14980575-0112-612D-06D9-A0F10889DC22}"/>
+              </a:ext>
+            </a:extLst>
+          </p:cNvPr>
+          <p:cNvSpPr txBox="1"/>
+          <p:nvPr/>
+        </p:nvSpPr>
+        <p:spPr>
+          <a:xfrm>
+            <a:off x="296300" y="2525914"/>
+            <a:ext cx="1074224" cy="707886"/>
+          </a:xfrm>
+          <a:prstGeom prst="rect">
+            <a:avLst/>
+          </a:prstGeom>
+          <a:noFill/>
+        </p:spPr>
+        <p:txBody>
+          <a:bodyPr wrap="square" rtlCol="0">
+            <a:spAutoFit/>
+          </a:bodyPr>
+          <a:lstStyle/>
+          <a:p>
+            <a:pPr algn="ctr"/>
+            <a:r>
+              <a:rPr lang="en-IN" sz="2000" b="1" dirty="0">
+                <a:solidFill>
+                  <a:srgbClr val="FF0000"/>
+                </a:solidFill>
+                <a:latin typeface="Times New Roman" panose="02020603050405020304" pitchFamily="18" charset="0"/>
+                <a:cs typeface="Times New Roman" panose="02020603050405020304" pitchFamily="18" charset="0"/>
+              </a:rPr>
+              <a:t>1</a:t>
+            </a:r>
+            <a:r>
+              <a:rPr lang="el-GR" sz="2000" b="1" dirty="0">
+                <a:solidFill>
+                  <a:srgbClr val="FF0000"/>
+                </a:solidFill>
+                <a:latin typeface="Times New Roman" panose="02020603050405020304" pitchFamily="18" charset="0"/>
+                <a:cs typeface="Times New Roman" panose="02020603050405020304" pitchFamily="18" charset="0"/>
+              </a:rPr>
+              <a:t>φ</a:t>
+            </a:r>
+            <a:r>
+              <a:rPr lang="en-US" sz="2000" b="1" dirty="0">
+                <a:solidFill>
+                  <a:srgbClr val="FF0000"/>
+                </a:solidFill>
+                <a:latin typeface="Times New Roman" panose="02020603050405020304" pitchFamily="18" charset="0"/>
+                <a:cs typeface="Times New Roman" panose="02020603050405020304" pitchFamily="18" charset="0"/>
+              </a:rPr>
+              <a:t> AC Supply</a:t>
+            </a:r>
+            <a:endParaRPr lang="en-IN" sz="2000" b="1" dirty="0">
+              <a:solidFill>
+                <a:srgbClr val="FF0000"/>
+              </a:solidFill>
+              <a:latin typeface="Times New Roman" panose="02020603050405020304" pitchFamily="18" charset="0"/>
+              <a:cs typeface="Times New Roman" panose="02020603050405020304" pitchFamily="18" charset="0"/>
+            </a:endParaRPr>
+          </a:p>
+        </p:txBody>
+      </p:sp>
+      <p:cxnSp>
+        <p:nvCxnSpPr>
+          <p:cNvPr id="23" name="Straight Arrow Connector 22">
+            <a:extLst>
+              <a:ext uri="{FF2B5EF4-FFF2-40B4-BE49-F238E27FC236}">
+                <a16:creationId xmlns:a16="http://schemas.microsoft.com/office/drawing/2014/main" id="{E7818383-CC20-1AB8-A92D-ED54A074CC39}"/>
+              </a:ext>
+            </a:extLst>
+          </p:cNvPr>
+          <p:cNvCxnSpPr/>
+          <p:nvPr/>
+        </p:nvCxnSpPr>
+        <p:spPr>
+          <a:xfrm>
+            <a:off x="6600746" y="2340659"/>
+            <a:ext cx="0" cy="2786158"/>
+          </a:xfrm>
+          <a:prstGeom prst="straightConnector1">
+            <a:avLst/>
+          </a:prstGeom>
+          <a:ln w="38100" cap="flat" cmpd="sng" algn="ctr">
+            <a:solidFill>
+              <a:srgbClr val="FF0000"/>
+            </a:solidFill>
+            <a:prstDash val="solid"/>
+            <a:round/>
+            <a:headEnd type="arrow" w="med" len="med"/>
+            <a:tailEnd type="arrow" w="med" len="med"/>
+          </a:ln>
+        </p:spPr>
+        <p:style>
+          <a:lnRef idx="0">
+            <a:scrgbClr r="0" g="0" b="0"/>
+          </a:lnRef>
+          <a:fillRef idx="0">
+            <a:scrgbClr r="0" g="0" b="0"/>
+          </a:fillRef>
+          <a:effectRef idx="0">
+            <a:scrgbClr r="0" g="0" b="0"/>
+          </a:effectRef>
+          <a:fontRef idx="minor">
+            <a:schemeClr val="tx1"/>
+          </a:fontRef>
+        </p:style>
+      </p:cxnSp>
+      <p:sp>
+        <p:nvSpPr>
+          <p:cNvPr id="24" name="TextBox 23">
+            <a:extLst>
+              <a:ext uri="{FF2B5EF4-FFF2-40B4-BE49-F238E27FC236}">
+                <a16:creationId xmlns:a16="http://schemas.microsoft.com/office/drawing/2014/main" id="{0AE424FB-99FD-A224-A83D-8B6CAF8A3E6D}"/>
+              </a:ext>
+            </a:extLst>
+          </p:cNvPr>
+          <p:cNvSpPr txBox="1"/>
+          <p:nvPr/>
+        </p:nvSpPr>
+        <p:spPr>
+          <a:xfrm>
+            <a:off x="6330178" y="3566188"/>
+            <a:ext cx="591729" cy="399186"/>
+          </a:xfrm>
+          <a:prstGeom prst="rect">
+            <a:avLst/>
+          </a:prstGeom>
+          <a:solidFill>
+            <a:schemeClr val="bg1"/>
+          </a:solidFill>
+        </p:spPr>
+        <p:txBody>
+          <a:bodyPr wrap="square" rtlCol="0">
+            <a:spAutoFit/>
+          </a:bodyPr>
+          <a:lstStyle/>
+          <a:p>
+            <a:pPr algn="ctr"/>
+            <a:r>
+              <a:rPr lang="en-US" sz="2000" b="1" dirty="0">
+                <a:latin typeface="Times New Roman" panose="02020603050405020304" pitchFamily="18" charset="0"/>
+                <a:cs typeface="Times New Roman" panose="02020603050405020304" pitchFamily="18" charset="0"/>
+              </a:rPr>
+              <a:t>V</a:t>
+            </a:r>
+            <a:r>
+              <a:rPr lang="en-US" sz="2000" b="1" baseline="-25000" dirty="0">
+                <a:latin typeface="Times New Roman" panose="02020603050405020304" pitchFamily="18" charset="0"/>
+                <a:cs typeface="Times New Roman" panose="02020603050405020304" pitchFamily="18" charset="0"/>
+              </a:rPr>
+              <a:t>O</a:t>
+            </a:r>
+            <a:endParaRPr lang="en-IN" sz="2000" dirty="0"/>
+          </a:p>
+        </p:txBody>
+      </p:sp>
+      <p:cxnSp>
+        <p:nvCxnSpPr>
+          <p:cNvPr id="25" name="Straight Arrow Connector 24">
+            <a:extLst>
+              <a:ext uri="{FF2B5EF4-FFF2-40B4-BE49-F238E27FC236}">
+                <a16:creationId xmlns:a16="http://schemas.microsoft.com/office/drawing/2014/main" id="{900B4DFB-8763-739D-A860-E4675289EE86}"/>
+              </a:ext>
+            </a:extLst>
+          </p:cNvPr>
+          <p:cNvCxnSpPr/>
+          <p:nvPr/>
+        </p:nvCxnSpPr>
+        <p:spPr>
+          <a:xfrm>
+            <a:off x="2222950" y="2376919"/>
+            <a:ext cx="0" cy="2721954"/>
+          </a:xfrm>
+          <a:prstGeom prst="straightConnector1">
+            <a:avLst/>
+          </a:prstGeom>
+          <a:ln w="38100" cap="flat" cmpd="sng" algn="ctr">
+            <a:solidFill>
+              <a:srgbClr val="FF0000"/>
+            </a:solidFill>
+            <a:prstDash val="solid"/>
+            <a:round/>
+            <a:headEnd type="arrow" w="med" len="med"/>
+            <a:tailEnd type="arrow" w="med" len="med"/>
+          </a:ln>
+        </p:spPr>
+        <p:style>
+          <a:lnRef idx="0">
+            <a:scrgbClr r="0" g="0" b="0"/>
+          </a:lnRef>
+          <a:fillRef idx="0">
+            <a:scrgbClr r="0" g="0" b="0"/>
+          </a:fillRef>
+          <a:effectRef idx="0">
+            <a:scrgbClr r="0" g="0" b="0"/>
+          </a:effectRef>
+          <a:fontRef idx="minor">
+            <a:schemeClr val="tx1"/>
+          </a:fontRef>
+        </p:style>
+      </p:cxnSp>
+      <p:sp>
+        <p:nvSpPr>
+          <p:cNvPr id="26" name="TextBox 25">
+            <a:extLst>
+              <a:ext uri="{FF2B5EF4-FFF2-40B4-BE49-F238E27FC236}">
+                <a16:creationId xmlns:a16="http://schemas.microsoft.com/office/drawing/2014/main" id="{5BB59E6E-23D3-875B-0B29-7BDB2AC666C0}"/>
+              </a:ext>
+            </a:extLst>
+          </p:cNvPr>
+          <p:cNvSpPr txBox="1"/>
+          <p:nvPr/>
+        </p:nvSpPr>
+        <p:spPr>
+          <a:xfrm>
+            <a:off x="1964640" y="3491346"/>
+            <a:ext cx="549496" cy="402433"/>
+          </a:xfrm>
+          <a:prstGeom prst="rect">
+            <a:avLst/>
+          </a:prstGeom>
+          <a:solidFill>
+            <a:schemeClr val="bg1"/>
+          </a:solidFill>
+        </p:spPr>
+        <p:txBody>
+          <a:bodyPr wrap="square" rtlCol="0">
+            <a:spAutoFit/>
+          </a:bodyPr>
+          <a:lstStyle/>
+          <a:p>
+            <a:pPr algn="ctr"/>
+            <a:r>
+              <a:rPr lang="en-US" sz="2000" b="1" dirty="0">
+                <a:latin typeface="Times New Roman" panose="02020603050405020304" pitchFamily="18" charset="0"/>
+                <a:cs typeface="Times New Roman" panose="02020603050405020304" pitchFamily="18" charset="0"/>
+              </a:rPr>
+              <a:t>V</a:t>
+            </a:r>
+            <a:r>
+              <a:rPr lang="en-US" sz="2000" b="1" baseline="-25000" dirty="0">
+                <a:latin typeface="Times New Roman" panose="02020603050405020304" pitchFamily="18" charset="0"/>
+                <a:cs typeface="Times New Roman" panose="02020603050405020304" pitchFamily="18" charset="0"/>
+              </a:rPr>
+              <a:t>S</a:t>
+            </a:r>
+            <a:endParaRPr lang="en-IN" sz="2000" dirty="0"/>
+          </a:p>
+        </p:txBody>
+      </p:sp>
+      <p:sp>
+        <p:nvSpPr>
+          <p:cNvPr id="27" name="TextBox 26">
+            <a:extLst>
+              <a:ext uri="{FF2B5EF4-FFF2-40B4-BE49-F238E27FC236}">
+                <a16:creationId xmlns:a16="http://schemas.microsoft.com/office/drawing/2014/main" id="{5C2ED7AA-730F-66B5-2539-6FC422F05F97}"/>
+              </a:ext>
+            </a:extLst>
+          </p:cNvPr>
+          <p:cNvSpPr txBox="1"/>
+          <p:nvPr/>
+        </p:nvSpPr>
+        <p:spPr>
+          <a:xfrm>
+            <a:off x="5255678" y="3532413"/>
+            <a:ext cx="266682" cy="402650"/>
+          </a:xfrm>
+          <a:prstGeom prst="rect">
+            <a:avLst/>
+          </a:prstGeom>
+          <a:noFill/>
+        </p:spPr>
+        <p:txBody>
+          <a:bodyPr wrap="square" rtlCol="0">
+            <a:spAutoFit/>
+          </a:bodyPr>
+          <a:lstStyle/>
+          <a:p>
+            <a:r>
+              <a:rPr lang="en-US" sz="2800" b="1" dirty="0">
+                <a:latin typeface="Times New Roman" panose="02020603050405020304" pitchFamily="18" charset="0"/>
+                <a:cs typeface="Times New Roman" panose="02020603050405020304" pitchFamily="18" charset="0"/>
+              </a:rPr>
+              <a:t>R</a:t>
+            </a:r>
+            <a:endParaRPr lang="en-IN" sz="2800" b="1" dirty="0">
+              <a:latin typeface="Times New Roman" panose="02020603050405020304" pitchFamily="18" charset="0"/>
+              <a:cs typeface="Times New Roman" panose="02020603050405020304" pitchFamily="18" charset="0"/>
+            </a:endParaRPr>
+          </a:p>
+        </p:txBody>
+      </p:sp>
+      <p:sp>
+        <p:nvSpPr>
+          <p:cNvPr id="28" name="TextBox 27">
+            <a:extLst>
+              <a:ext uri="{FF2B5EF4-FFF2-40B4-BE49-F238E27FC236}">
+                <a16:creationId xmlns:a16="http://schemas.microsoft.com/office/drawing/2014/main" id="{F1B67365-B142-0221-8BEA-57681E6ECB8B}"/>
+              </a:ext>
+            </a:extLst>
+          </p:cNvPr>
+          <p:cNvSpPr txBox="1"/>
+          <p:nvPr/>
+        </p:nvSpPr>
+        <p:spPr>
+          <a:xfrm>
+            <a:off x="3328038" y="1080062"/>
+            <a:ext cx="603805" cy="400110"/>
+          </a:xfrm>
+          <a:prstGeom prst="rect">
+            <a:avLst/>
+          </a:prstGeom>
+          <a:noFill/>
+        </p:spPr>
+        <p:txBody>
+          <a:bodyPr wrap="square" rtlCol="0">
+            <a:spAutoFit/>
+          </a:bodyPr>
+          <a:lstStyle/>
+          <a:p>
+            <a:pPr algn="ctr"/>
+            <a:r>
+              <a:rPr lang="en-US" sz="2000" b="1" dirty="0">
+                <a:latin typeface="Times New Roman" panose="02020603050405020304" pitchFamily="18" charset="0"/>
+                <a:cs typeface="Times New Roman" panose="02020603050405020304" pitchFamily="18" charset="0"/>
+              </a:rPr>
+              <a:t>T</a:t>
+            </a:r>
+            <a:r>
+              <a:rPr lang="en-US" sz="2000" b="1" baseline="-25000" dirty="0">
+                <a:latin typeface="Times New Roman" panose="02020603050405020304" pitchFamily="18" charset="0"/>
+                <a:cs typeface="Times New Roman" panose="02020603050405020304" pitchFamily="18" charset="0"/>
+              </a:rPr>
+              <a:t>1</a:t>
+            </a:r>
+            <a:endParaRPr lang="en-IN" sz="2000" b="1" dirty="0">
+              <a:latin typeface="Times New Roman" panose="02020603050405020304" pitchFamily="18" charset="0"/>
+              <a:cs typeface="Times New Roman" panose="02020603050405020304" pitchFamily="18" charset="0"/>
+            </a:endParaRPr>
+          </a:p>
+        </p:txBody>
+      </p:sp>
+      <p:sp>
+        <p:nvSpPr>
+          <p:cNvPr id="55" name="TextBox 54">
+            <a:extLst>
+              <a:ext uri="{FF2B5EF4-FFF2-40B4-BE49-F238E27FC236}">
+                <a16:creationId xmlns:a16="http://schemas.microsoft.com/office/drawing/2014/main" id="{EC7984E0-7ED4-068A-1DD4-D3FE548AFCA7}"/>
+              </a:ext>
+            </a:extLst>
+          </p:cNvPr>
+          <p:cNvSpPr txBox="1"/>
+          <p:nvPr/>
+        </p:nvSpPr>
+        <p:spPr>
+          <a:xfrm>
+            <a:off x="3355317" y="3193981"/>
+            <a:ext cx="603805" cy="400110"/>
+          </a:xfrm>
+          <a:prstGeom prst="rect">
+            <a:avLst/>
+          </a:prstGeom>
+          <a:noFill/>
+        </p:spPr>
+        <p:txBody>
+          <a:bodyPr wrap="square" rtlCol="0">
+            <a:spAutoFit/>
+          </a:bodyPr>
+          <a:lstStyle/>
+          <a:p>
+            <a:pPr algn="ctr"/>
+            <a:r>
+              <a:rPr lang="en-US" sz="2000" b="1" dirty="0">
+                <a:latin typeface="Times New Roman" panose="02020603050405020304" pitchFamily="18" charset="0"/>
+                <a:cs typeface="Times New Roman" panose="02020603050405020304" pitchFamily="18" charset="0"/>
+              </a:rPr>
+              <a:t>T</a:t>
+            </a:r>
+            <a:r>
+              <a:rPr lang="en-US" sz="2000" b="1" baseline="-25000" dirty="0">
+                <a:latin typeface="Times New Roman" panose="02020603050405020304" pitchFamily="18" charset="0"/>
+                <a:cs typeface="Times New Roman" panose="02020603050405020304" pitchFamily="18" charset="0"/>
+              </a:rPr>
+              <a:t>2</a:t>
+            </a:r>
+            <a:endParaRPr lang="en-IN" sz="2000" b="1" dirty="0">
+              <a:latin typeface="Times New Roman" panose="02020603050405020304" pitchFamily="18" charset="0"/>
+              <a:cs typeface="Times New Roman" panose="02020603050405020304" pitchFamily="18" charset="0"/>
+            </a:endParaRPr>
+          </a:p>
+        </p:txBody>
+      </p:sp>
+      <p:grpSp>
+        <p:nvGrpSpPr>
+          <p:cNvPr id="2" name="Group 1">
+            <a:extLst>
+              <a:ext uri="{FF2B5EF4-FFF2-40B4-BE49-F238E27FC236}">
+                <a16:creationId xmlns:a16="http://schemas.microsoft.com/office/drawing/2014/main" id="{92DAD9DF-31F6-BA6A-FB60-82845FD15481}"/>
+              </a:ext>
+            </a:extLst>
+          </p:cNvPr>
+          <p:cNvGrpSpPr/>
+          <p:nvPr/>
+        </p:nvGrpSpPr>
+        <p:grpSpPr>
+          <a:xfrm>
+            <a:off x="3208406" y="1530304"/>
+            <a:ext cx="782005" cy="428959"/>
+            <a:chOff x="3266218" y="1527119"/>
+            <a:chExt cx="782005" cy="428959"/>
+          </a:xfrm>
+        </p:grpSpPr>
+        <p:cxnSp>
+          <p:nvCxnSpPr>
+            <p:cNvPr id="7" name="Straight Connector 6">
+              <a:extLst>
+                <a:ext uri="{FF2B5EF4-FFF2-40B4-BE49-F238E27FC236}">
+                  <a16:creationId xmlns:a16="http://schemas.microsoft.com/office/drawing/2014/main" id="{9C7E210F-C24E-38AD-8CF0-E281EA3DE40A}"/>
+                </a:ext>
+              </a:extLst>
+            </p:cNvPr>
+            <p:cNvCxnSpPr>
+              <a:cxnSpLocks/>
+            </p:cNvCxnSpPr>
+            <p:nvPr/>
+          </p:nvCxnSpPr>
+          <p:spPr>
+            <a:xfrm rot="16200000">
+              <a:off x="3652563" y="1392061"/>
+              <a:ext cx="9315" cy="782005"/>
+            </a:xfrm>
+            <a:prstGeom prst="line">
+              <a:avLst/>
+            </a:prstGeom>
+            <a:ln w="57150">
+              <a:solidFill>
+                <a:schemeClr val="accent1"/>
+              </a:solidFill>
+            </a:ln>
+          </p:spPr>
+          <p:style>
+            <a:lnRef idx="1">
+              <a:schemeClr val="accent1"/>
+            </a:lnRef>
+            <a:fillRef idx="0">
+              <a:schemeClr val="accent1"/>
+            </a:fillRef>
+            <a:effectRef idx="0">
+              <a:schemeClr val="accent1"/>
+            </a:effectRef>
+            <a:fontRef idx="minor">
+              <a:schemeClr val="tx1"/>
+            </a:fontRef>
+          </p:style>
+        </p:cxnSp>
+        <p:grpSp>
+          <p:nvGrpSpPr>
+            <p:cNvPr id="8" name="Group 7">
+              <a:extLst>
+                <a:ext uri="{FF2B5EF4-FFF2-40B4-BE49-F238E27FC236}">
+                  <a16:creationId xmlns:a16="http://schemas.microsoft.com/office/drawing/2014/main" id="{2748FA9D-0EFA-B0E2-F092-A5C4C2285E21}"/>
+                </a:ext>
+              </a:extLst>
+            </p:cNvPr>
+            <p:cNvGrpSpPr/>
+            <p:nvPr/>
+          </p:nvGrpSpPr>
+          <p:grpSpPr>
+            <a:xfrm rot="16200000" flipV="1">
+              <a:off x="3387044" y="1602482"/>
+              <a:ext cx="394672" cy="312519"/>
+              <a:chOff x="3610045" y="3464345"/>
+              <a:chExt cx="693435" cy="420634"/>
+            </a:xfrm>
+          </p:grpSpPr>
+          <p:sp>
+            <p:nvSpPr>
+              <p:cNvPr id="53" name="Isosceles Triangle 52">
+                <a:extLst>
+                  <a:ext uri="{FF2B5EF4-FFF2-40B4-BE49-F238E27FC236}">
+                    <a16:creationId xmlns:a16="http://schemas.microsoft.com/office/drawing/2014/main" id="{0071A33B-88D9-F4E5-B2F8-7877EBB3AF3F}"/>
+                  </a:ext>
+                </a:extLst>
+              </p:cNvPr>
+              <p:cNvSpPr/>
+              <p:nvPr/>
+            </p:nvSpPr>
+            <p:spPr>
+              <a:xfrm>
+                <a:off x="3610045" y="3464345"/>
+                <a:ext cx="653139" cy="420634"/>
+              </a:xfrm>
+              <a:prstGeom prst="triangle">
+                <a:avLst/>
+              </a:prstGeom>
+              <a:ln w="57150">
+                <a:solidFill>
+                  <a:schemeClr val="accent1"/>
+                </a:solidFill>
+              </a:ln>
+            </p:spPr>
+            <p:style>
+              <a:lnRef idx="2">
+                <a:schemeClr val="accent1">
+                  <a:shade val="50000"/>
+                </a:schemeClr>
+              </a:lnRef>
+              <a:fillRef idx="1">
+                <a:schemeClr val="accent1"/>
+              </a:fillRef>
+              <a:effectRef idx="0">
+                <a:schemeClr val="accent1"/>
+              </a:effectRef>
+              <a:fontRef idx="minor">
+                <a:schemeClr val="lt1"/>
+              </a:fontRef>
+            </p:style>
+            <p:txBody>
+              <a:bodyPr rtlCol="0" anchor="ctr"/>
+              <a:lstStyle/>
+              <a:p>
+                <a:pPr algn="ctr"/>
+                <a:endParaRPr lang="en-IN"/>
+              </a:p>
+            </p:txBody>
+          </p:sp>
+          <p:cxnSp>
+            <p:nvCxnSpPr>
+              <p:cNvPr id="54" name="Straight Connector 53">
+                <a:extLst>
+                  <a:ext uri="{FF2B5EF4-FFF2-40B4-BE49-F238E27FC236}">
+                    <a16:creationId xmlns:a16="http://schemas.microsoft.com/office/drawing/2014/main" id="{E3947E8E-902A-2C6B-A5FA-CC8F5C144D4D}"/>
+                  </a:ext>
+                </a:extLst>
+              </p:cNvPr>
+              <p:cNvCxnSpPr>
+                <a:cxnSpLocks/>
+              </p:cNvCxnSpPr>
+              <p:nvPr/>
+            </p:nvCxnSpPr>
+            <p:spPr>
+              <a:xfrm>
+                <a:off x="3610045" y="3491609"/>
+                <a:ext cx="693435" cy="0"/>
+              </a:xfrm>
+              <a:prstGeom prst="line">
+                <a:avLst/>
+              </a:prstGeom>
+              <a:ln w="57150">
+                <a:solidFill>
+                  <a:schemeClr val="accent1"/>
+                </a:solidFill>
+              </a:ln>
+            </p:spPr>
+            <p:style>
+              <a:lnRef idx="1">
+                <a:schemeClr val="accent1"/>
+              </a:lnRef>
+              <a:fillRef idx="0">
+                <a:schemeClr val="accent1"/>
+              </a:fillRef>
+              <a:effectRef idx="0">
+                <a:schemeClr val="accent1"/>
+              </a:effectRef>
+              <a:fontRef idx="minor">
+                <a:schemeClr val="tx1"/>
+              </a:fontRef>
+            </p:style>
+          </p:cxnSp>
+        </p:grpSp>
+        <p:cxnSp>
+          <p:nvCxnSpPr>
+            <p:cNvPr id="9" name="Straight Connector 8">
+              <a:extLst>
+                <a:ext uri="{FF2B5EF4-FFF2-40B4-BE49-F238E27FC236}">
+                  <a16:creationId xmlns:a16="http://schemas.microsoft.com/office/drawing/2014/main" id="{4134759B-4BF5-356A-3436-B69673E1DA57}"/>
+                </a:ext>
+              </a:extLst>
+            </p:cNvPr>
+            <p:cNvCxnSpPr>
+              <a:cxnSpLocks/>
+            </p:cNvCxnSpPr>
+            <p:nvPr/>
+          </p:nvCxnSpPr>
+          <p:spPr>
+            <a:xfrm rot="16200000">
+              <a:off x="3756286" y="1607726"/>
+              <a:ext cx="165244" cy="157800"/>
+            </a:xfrm>
+            <a:prstGeom prst="line">
+              <a:avLst/>
+            </a:prstGeom>
+            <a:ln w="57150">
+              <a:solidFill>
+                <a:schemeClr val="accent1"/>
+              </a:solidFill>
+            </a:ln>
+          </p:spPr>
+          <p:style>
+            <a:lnRef idx="1">
+              <a:schemeClr val="accent1"/>
+            </a:lnRef>
+            <a:fillRef idx="0">
+              <a:schemeClr val="accent1"/>
+            </a:fillRef>
+            <a:effectRef idx="0">
+              <a:schemeClr val="accent1"/>
+            </a:effectRef>
+            <a:fontRef idx="minor">
+              <a:schemeClr val="tx1"/>
+            </a:fontRef>
+          </p:style>
+        </p:cxnSp>
+        <p:sp>
+          <p:nvSpPr>
+            <p:cNvPr id="59" name="Oval 58">
+              <a:extLst>
+                <a:ext uri="{FF2B5EF4-FFF2-40B4-BE49-F238E27FC236}">
+                  <a16:creationId xmlns:a16="http://schemas.microsoft.com/office/drawing/2014/main" id="{12259C10-F8D9-18B5-7032-CE976888DBCB}"/>
+                </a:ext>
+              </a:extLst>
+            </p:cNvPr>
+            <p:cNvSpPr/>
+            <p:nvPr/>
+          </p:nvSpPr>
+          <p:spPr>
+            <a:xfrm rot="5400000" flipH="1">
+              <a:off x="3902215" y="1537961"/>
+              <a:ext cx="82930" cy="61245"/>
+            </a:xfrm>
+            <a:prstGeom prst="ellipse">
+              <a:avLst/>
+            </a:prstGeom>
+            <a:solidFill>
+              <a:srgbClr val="002060"/>
+            </a:solidFill>
+            <a:ln w="57150">
+              <a:solidFill>
+                <a:srgbClr val="002060"/>
+              </a:solidFill>
+            </a:ln>
+          </p:spPr>
+          <p:style>
+            <a:lnRef idx="2">
+              <a:schemeClr val="accent1">
+                <a:shade val="50000"/>
+              </a:schemeClr>
+            </a:lnRef>
+            <a:fillRef idx="1">
+              <a:schemeClr val="accent1"/>
+            </a:fillRef>
+            <a:effectRef idx="0">
+              <a:schemeClr val="accent1"/>
+            </a:effectRef>
+            <a:fontRef idx="minor">
+              <a:schemeClr val="lt1"/>
+            </a:fontRef>
+          </p:style>
+          <p:txBody>
+            <a:bodyPr rtlCol="0" anchor="ctr"/>
+            <a:lstStyle/>
+            <a:p>
+              <a:pPr algn="ctr"/>
+              <a:endParaRPr lang="en-IN"/>
+            </a:p>
+          </p:txBody>
+        </p:sp>
+      </p:grpSp>
+      <p:grpSp>
+        <p:nvGrpSpPr>
+          <p:cNvPr id="3" name="Group 2">
+            <a:extLst>
+              <a:ext uri="{FF2B5EF4-FFF2-40B4-BE49-F238E27FC236}">
+                <a16:creationId xmlns:a16="http://schemas.microsoft.com/office/drawing/2014/main" id="{CBAED464-452A-3F80-CDB5-9D6C26660E8C}"/>
+              </a:ext>
+            </a:extLst>
+          </p:cNvPr>
+          <p:cNvGrpSpPr/>
+          <p:nvPr/>
+        </p:nvGrpSpPr>
+        <p:grpSpPr>
+          <a:xfrm flipH="1" flipV="1">
+            <a:off x="3217367" y="2719395"/>
+            <a:ext cx="782005" cy="428959"/>
+            <a:chOff x="3266218" y="1527119"/>
+            <a:chExt cx="782005" cy="428959"/>
+          </a:xfrm>
+        </p:grpSpPr>
+        <p:cxnSp>
+          <p:nvCxnSpPr>
+            <p:cNvPr id="4" name="Straight Connector 3">
+              <a:extLst>
+                <a:ext uri="{FF2B5EF4-FFF2-40B4-BE49-F238E27FC236}">
+                  <a16:creationId xmlns:a16="http://schemas.microsoft.com/office/drawing/2014/main" id="{135A0BFC-C31F-BE14-6AA8-4BE3C24A7817}"/>
+                </a:ext>
+              </a:extLst>
+            </p:cNvPr>
+            <p:cNvCxnSpPr>
+              <a:cxnSpLocks/>
+            </p:cNvCxnSpPr>
+            <p:nvPr/>
+          </p:nvCxnSpPr>
+          <p:spPr>
+            <a:xfrm rot="16200000">
+              <a:off x="3652563" y="1392061"/>
+              <a:ext cx="9315" cy="782005"/>
+            </a:xfrm>
+            <a:prstGeom prst="line">
+              <a:avLst/>
+            </a:prstGeom>
+            <a:ln w="57150">
+              <a:solidFill>
+                <a:schemeClr val="accent1"/>
+              </a:solidFill>
+            </a:ln>
+          </p:spPr>
+          <p:style>
+            <a:lnRef idx="1">
+              <a:schemeClr val="accent1"/>
+            </a:lnRef>
+            <a:fillRef idx="0">
+              <a:schemeClr val="accent1"/>
+            </a:fillRef>
+            <a:effectRef idx="0">
+              <a:schemeClr val="accent1"/>
+            </a:effectRef>
+            <a:fontRef idx="minor">
+              <a:schemeClr val="tx1"/>
+            </a:fontRef>
+          </p:style>
+        </p:cxnSp>
+        <p:grpSp>
+          <p:nvGrpSpPr>
+            <p:cNvPr id="29" name="Group 28">
+              <a:extLst>
+                <a:ext uri="{FF2B5EF4-FFF2-40B4-BE49-F238E27FC236}">
+                  <a16:creationId xmlns:a16="http://schemas.microsoft.com/office/drawing/2014/main" id="{B4EB0DEA-5754-DAFC-289F-0C90C09E959E}"/>
+                </a:ext>
+              </a:extLst>
+            </p:cNvPr>
+            <p:cNvGrpSpPr/>
+            <p:nvPr/>
+          </p:nvGrpSpPr>
+          <p:grpSpPr>
+            <a:xfrm rot="16200000" flipV="1">
+              <a:off x="3387044" y="1602482"/>
+              <a:ext cx="394672" cy="312519"/>
+              <a:chOff x="3610045" y="3464345"/>
+              <a:chExt cx="693435" cy="420634"/>
+            </a:xfrm>
+          </p:grpSpPr>
+          <p:sp>
+            <p:nvSpPr>
+              <p:cNvPr id="58" name="Isosceles Triangle 57">
+                <a:extLst>
+                  <a:ext uri="{FF2B5EF4-FFF2-40B4-BE49-F238E27FC236}">
+                    <a16:creationId xmlns:a16="http://schemas.microsoft.com/office/drawing/2014/main" id="{21C6B399-79D5-9C5E-CCA0-F3B85E6CB36F}"/>
+                  </a:ext>
+                </a:extLst>
+              </p:cNvPr>
+              <p:cNvSpPr/>
+              <p:nvPr/>
+            </p:nvSpPr>
+            <p:spPr>
+              <a:xfrm>
+                <a:off x="3610045" y="3464345"/>
+                <a:ext cx="653139" cy="420634"/>
+              </a:xfrm>
+              <a:prstGeom prst="triangle">
+                <a:avLst/>
+              </a:prstGeom>
+              <a:ln w="57150">
+                <a:solidFill>
+                  <a:schemeClr val="accent1"/>
+                </a:solidFill>
+              </a:ln>
+            </p:spPr>
+            <p:style>
+              <a:lnRef idx="2">
+                <a:schemeClr val="accent1">
+                  <a:shade val="50000"/>
+                </a:schemeClr>
+              </a:lnRef>
+              <a:fillRef idx="1">
+                <a:schemeClr val="accent1"/>
+              </a:fillRef>
+              <a:effectRef idx="0">
+                <a:schemeClr val="accent1"/>
+              </a:effectRef>
+              <a:fontRef idx="minor">
+                <a:schemeClr val="lt1"/>
+              </a:fontRef>
+            </p:style>
+            <p:txBody>
+              <a:bodyPr rtlCol="0" anchor="ctr"/>
+              <a:lstStyle/>
+              <a:p>
+                <a:pPr algn="ctr"/>
+                <a:endParaRPr lang="en-IN"/>
+              </a:p>
+            </p:txBody>
+          </p:sp>
+          <p:cxnSp>
+            <p:nvCxnSpPr>
+              <p:cNvPr id="60" name="Straight Connector 59">
+                <a:extLst>
+                  <a:ext uri="{FF2B5EF4-FFF2-40B4-BE49-F238E27FC236}">
+                    <a16:creationId xmlns:a16="http://schemas.microsoft.com/office/drawing/2014/main" id="{047F94D6-6F01-7CB4-B6B2-B3BE8F7B5804}"/>
+                  </a:ext>
+                </a:extLst>
+              </p:cNvPr>
+              <p:cNvCxnSpPr>
+                <a:cxnSpLocks/>
+              </p:cNvCxnSpPr>
+              <p:nvPr/>
+            </p:nvCxnSpPr>
+            <p:spPr>
+              <a:xfrm>
+                <a:off x="3610045" y="3491609"/>
+                <a:ext cx="693435" cy="0"/>
+              </a:xfrm>
+              <a:prstGeom prst="line">
+                <a:avLst/>
+              </a:prstGeom>
+              <a:ln w="57150">
+                <a:solidFill>
+                  <a:schemeClr val="accent1"/>
+                </a:solidFill>
+              </a:ln>
+            </p:spPr>
+            <p:style>
+              <a:lnRef idx="1">
+                <a:schemeClr val="accent1"/>
+              </a:lnRef>
+              <a:fillRef idx="0">
+                <a:schemeClr val="accent1"/>
+              </a:fillRef>
+              <a:effectRef idx="0">
+                <a:schemeClr val="accent1"/>
+              </a:effectRef>
+              <a:fontRef idx="minor">
+                <a:schemeClr val="tx1"/>
+              </a:fontRef>
+            </p:style>
+          </p:cxnSp>
+        </p:grpSp>
+        <p:cxnSp>
+          <p:nvCxnSpPr>
+            <p:cNvPr id="56" name="Straight Connector 55">
+              <a:extLst>
+                <a:ext uri="{FF2B5EF4-FFF2-40B4-BE49-F238E27FC236}">
+                  <a16:creationId xmlns:a16="http://schemas.microsoft.com/office/drawing/2014/main" id="{F3C109A7-23B2-9EA9-570A-6B28E2B3F23A}"/>
+                </a:ext>
+              </a:extLst>
+            </p:cNvPr>
+            <p:cNvCxnSpPr>
+              <a:cxnSpLocks/>
+            </p:cNvCxnSpPr>
+            <p:nvPr/>
+          </p:nvCxnSpPr>
+          <p:spPr>
+            <a:xfrm rot="16200000">
+              <a:off x="3756286" y="1607726"/>
+              <a:ext cx="165244" cy="157800"/>
+            </a:xfrm>
+            <a:prstGeom prst="line">
+              <a:avLst/>
+            </a:prstGeom>
+            <a:ln w="57150">
+              <a:solidFill>
+                <a:schemeClr val="accent1"/>
+              </a:solidFill>
+            </a:ln>
+          </p:spPr>
+          <p:style>
+            <a:lnRef idx="1">
+              <a:schemeClr val="accent1"/>
+            </a:lnRef>
+            <a:fillRef idx="0">
+              <a:schemeClr val="accent1"/>
+            </a:fillRef>
+            <a:effectRef idx="0">
+              <a:schemeClr val="accent1"/>
+            </a:effectRef>
+            <a:fontRef idx="minor">
+              <a:schemeClr val="tx1"/>
+            </a:fontRef>
+          </p:style>
+        </p:cxnSp>
+        <p:sp>
+          <p:nvSpPr>
+            <p:cNvPr id="57" name="Oval 56">
+              <a:extLst>
+                <a:ext uri="{FF2B5EF4-FFF2-40B4-BE49-F238E27FC236}">
+                  <a16:creationId xmlns:a16="http://schemas.microsoft.com/office/drawing/2014/main" id="{0FEF5D23-182A-A311-7E70-2464238191AA}"/>
+                </a:ext>
+              </a:extLst>
+            </p:cNvPr>
+            <p:cNvSpPr/>
+            <p:nvPr/>
+          </p:nvSpPr>
+          <p:spPr>
+            <a:xfrm rot="5400000" flipH="1">
+              <a:off x="3902215" y="1537961"/>
+              <a:ext cx="82930" cy="61245"/>
+            </a:xfrm>
+            <a:prstGeom prst="ellipse">
+              <a:avLst/>
+            </a:prstGeom>
+            <a:solidFill>
+              <a:srgbClr val="002060"/>
+            </a:solidFill>
+            <a:ln w="57150">
+              <a:solidFill>
+                <a:srgbClr val="002060"/>
+              </a:solidFill>
+            </a:ln>
+          </p:spPr>
+          <p:style>
+            <a:lnRef idx="2">
+              <a:schemeClr val="accent1">
+                <a:shade val="50000"/>
+              </a:schemeClr>
+            </a:lnRef>
+            <a:fillRef idx="1">
+              <a:schemeClr val="accent1"/>
+            </a:fillRef>
+            <a:effectRef idx="0">
+              <a:schemeClr val="accent1"/>
+            </a:effectRef>
+            <a:fontRef idx="minor">
+              <a:schemeClr val="lt1"/>
+            </a:fontRef>
+          </p:style>
+          <p:txBody>
+            <a:bodyPr rtlCol="0" anchor="ctr"/>
+            <a:lstStyle/>
+            <a:p>
+              <a:pPr algn="ctr"/>
+              <a:endParaRPr lang="en-IN"/>
+            </a:p>
+          </p:txBody>
+        </p:sp>
+      </p:grpSp>
+    </p:spTree>
+    <p:extLst>
+      <p:ext uri="{BB962C8B-B14F-4D97-AF65-F5344CB8AC3E}">
+        <p14:creationId xmlns:p14="http://schemas.microsoft.com/office/powerpoint/2010/main" val="1671264400"/>
+      </p:ext>
+    </p:extLst>
+  </p:cSld>
+  <p:clrMapOvr>
+    <a:masterClrMapping/>
+  </p:clrMapOvr>
+</p:sld>
+</file>
+
 <file path=ppt/theme/theme1.xml><?xml version="1.0" encoding="utf-8"?>
 <a:theme xmlns:a="http://schemas.openxmlformats.org/drawingml/2006/main" name="Office Theme">
   <a:themeElements>
